--- a/springDataJPA.pptx
+++ b/springDataJPA.pptx
@@ -112,6 +112,11 @@
       </a:defRPr>
     </a:lvl9pPr>
   </p:defaultTextStyle>
+  <p:extLst>
+    <p:ext uri="{EFAFB233-063F-42B5-8137-9DF3F51BA10A}">
+      <p15:sldGuideLst xmlns:p15="http://schemas.microsoft.com/office/powerpoint/2012/main"/>
+    </p:ext>
+  </p:extLst>
 </p:presentation>
 </file>
 
@@ -483,82 +488,1570 @@
           <a:bodyPr/>
           <a:lstStyle/>
           <a:p>
-            <a:r>
-              <a:rPr lang="de-DE" sz="1200" kern="1200" dirty="0">
-                <a:solidFill>
-                  <a:schemeClr val="tx1"/>
-                </a:solidFill>
-                <a:effectLst/>
-                <a:latin typeface="+mn-lt"/>
-                <a:ea typeface="+mn-ea"/>
-                <a:cs typeface="+mn-cs"/>
-              </a:rPr>
-              <a:t>Wer Anwendungen mit Java programmiert, der benutzt meistens auch gewisse Frameworks, also Programmiergerüste, mit welchen man bestimme Funktionen und Eigenschaften leichter implementieren kann. Zum wichtigsten Framework in dieser Arbeit zählt Spring, welches oft auch als „Framework der Frameworks“ bezeichnet wird, da es das Grundgerüst für weitere Module legt und viele nützliche Frameworks einbinden kann. In diesem Kapitel werden die primär genutzten Erweiterungen etwas genauer erläutert, um einen groben Überblick über Spring zu liefern. </a:t>
-            </a:r>
+            <a:endParaRPr lang="de-DE" dirty="0"/>
           </a:p>
           <a:p>
             <a:r>
-              <a:rPr lang="de-DE" sz="1200" kern="1200" dirty="0">
-                <a:solidFill>
-                  <a:schemeClr val="tx1"/>
-                </a:solidFill>
-                <a:effectLst/>
-                <a:latin typeface="+mn-lt"/>
-                <a:ea typeface="+mn-ea"/>
-                <a:cs typeface="+mn-cs"/>
-              </a:rPr>
-              <a:t>Das Framework hat ein bestimmtes Ziel: es soll die Entwicklung von Unternehmensanwendungen mit Java erleichtern und gute Programmierumsetzung fördern. Dabei steht die Geschäftslogik im Vordergrund und hilft bei der Entkopplung von Applikationskomponenten. Spring basiert auf den sogenannten „</a:t>
-            </a:r>
-            <a:r>
-              <a:rPr lang="de-DE" sz="1200" kern="1200" dirty="0" err="1">
-                <a:solidFill>
-                  <a:schemeClr val="tx1"/>
-                </a:solidFill>
-                <a:effectLst/>
-                <a:latin typeface="+mn-lt"/>
-                <a:ea typeface="+mn-ea"/>
-                <a:cs typeface="+mn-cs"/>
-              </a:rPr>
-              <a:t>Plain</a:t>
-            </a:r>
-            <a:r>
-              <a:rPr lang="de-DE" sz="1200" kern="1200" dirty="0">
-                <a:solidFill>
-                  <a:schemeClr val="tx1"/>
-                </a:solidFill>
-                <a:effectLst/>
-                <a:latin typeface="+mn-lt"/>
-                <a:ea typeface="+mn-ea"/>
-                <a:cs typeface="+mn-cs"/>
-              </a:rPr>
-              <a:t> </a:t>
-            </a:r>
-            <a:r>
-              <a:rPr lang="de-DE" sz="1200" kern="1200" dirty="0" err="1">
-                <a:solidFill>
-                  <a:schemeClr val="tx1"/>
-                </a:solidFill>
-                <a:effectLst/>
-                <a:latin typeface="+mn-lt"/>
-                <a:ea typeface="+mn-ea"/>
-                <a:cs typeface="+mn-cs"/>
-              </a:rPr>
-              <a:t>old</a:t>
-            </a:r>
-            <a:r>
-              <a:rPr lang="de-DE" sz="1200" kern="1200" dirty="0">
-                <a:solidFill>
-                  <a:schemeClr val="tx1"/>
-                </a:solidFill>
-                <a:effectLst/>
-                <a:latin typeface="+mn-lt"/>
-                <a:ea typeface="+mn-ea"/>
-                <a:cs typeface="+mn-cs"/>
-              </a:rPr>
-              <a:t> Java Objects“ (POJO), wodurch man für das Framework keine neue Sprache lernen muss, sondern mit den bekannten Java-Befehlen und wenigen zusätzlichen Annotationen auskommt. POJOs sind also nicht Spring-spezifisch und können deswegen genauso ohne das Framework verwendet werden. Was Spring so besonders macht sieht man in Abbildung 4, wobei auch hier nur die relevantesten Module im folgenden Kapitel erläutert werden. </a:t>
+              <a:rPr lang="de-DE" dirty="0" err="1"/>
+              <a:t>Those</a:t>
+            </a:r>
+            <a:r>
+              <a:rPr lang="de-DE" dirty="0"/>
+              <a:t> </a:t>
+            </a:r>
+            <a:r>
+              <a:rPr lang="de-DE" dirty="0" err="1"/>
+              <a:t>who</a:t>
+            </a:r>
+            <a:r>
+              <a:rPr lang="de-DE" dirty="0"/>
+              <a:t> </a:t>
+            </a:r>
+            <a:r>
+              <a:rPr lang="de-DE" dirty="0" err="1"/>
+              <a:t>program</a:t>
+            </a:r>
+            <a:r>
+              <a:rPr lang="de-DE" dirty="0"/>
+              <a:t> </a:t>
+            </a:r>
+            <a:r>
+              <a:rPr lang="de-DE" dirty="0" err="1"/>
+              <a:t>applications</a:t>
+            </a:r>
+            <a:r>
+              <a:rPr lang="de-DE" dirty="0"/>
+              <a:t> </a:t>
+            </a:r>
+            <a:r>
+              <a:rPr lang="de-DE" dirty="0" err="1"/>
+              <a:t>with</a:t>
+            </a:r>
+            <a:r>
+              <a:rPr lang="de-DE" dirty="0"/>
+              <a:t> Java </a:t>
+            </a:r>
+            <a:r>
+              <a:rPr lang="de-DE" dirty="0" err="1"/>
+              <a:t>usually</a:t>
+            </a:r>
+            <a:r>
+              <a:rPr lang="de-DE" dirty="0"/>
+              <a:t> also </a:t>
+            </a:r>
+            <a:r>
+              <a:rPr lang="de-DE" dirty="0" err="1"/>
+              <a:t>use</a:t>
+            </a:r>
+            <a:r>
+              <a:rPr lang="de-DE" dirty="0"/>
+              <a:t> </a:t>
+            </a:r>
+            <a:r>
+              <a:rPr lang="de-DE" dirty="0" err="1"/>
+              <a:t>certain</a:t>
+            </a:r>
+            <a:r>
+              <a:rPr lang="de-DE" dirty="0"/>
+              <a:t> </a:t>
+            </a:r>
+            <a:r>
+              <a:rPr lang="de-DE" dirty="0" err="1"/>
+              <a:t>frameworks</a:t>
+            </a:r>
+            <a:r>
+              <a:rPr lang="de-DE" dirty="0"/>
+              <a:t> </a:t>
+            </a:r>
+            <a:r>
+              <a:rPr lang="de-DE" dirty="0" err="1"/>
+              <a:t>with</a:t>
+            </a:r>
+            <a:r>
+              <a:rPr lang="de-DE" dirty="0"/>
+              <a:t> </a:t>
+            </a:r>
+            <a:r>
+              <a:rPr lang="de-DE" dirty="0" err="1"/>
+              <a:t>which</a:t>
+            </a:r>
+            <a:r>
+              <a:rPr lang="de-DE" dirty="0"/>
+              <a:t> </a:t>
+            </a:r>
+            <a:r>
+              <a:rPr lang="de-DE" dirty="0" err="1"/>
+              <a:t>certain</a:t>
+            </a:r>
+            <a:r>
+              <a:rPr lang="de-DE" dirty="0"/>
+              <a:t> </a:t>
+            </a:r>
+            <a:r>
+              <a:rPr lang="de-DE" dirty="0" err="1"/>
+              <a:t>functions</a:t>
+            </a:r>
+            <a:r>
+              <a:rPr lang="de-DE" dirty="0"/>
+              <a:t> </a:t>
+            </a:r>
+            <a:r>
+              <a:rPr lang="de-DE" dirty="0" err="1"/>
+              <a:t>and</a:t>
+            </a:r>
+            <a:r>
+              <a:rPr lang="de-DE" dirty="0"/>
+              <a:t> </a:t>
+            </a:r>
+            <a:r>
+              <a:rPr lang="de-DE" dirty="0" err="1"/>
+              <a:t>properties</a:t>
+            </a:r>
+            <a:r>
+              <a:rPr lang="de-DE" dirty="0"/>
+              <a:t> </a:t>
+            </a:r>
+            <a:r>
+              <a:rPr lang="de-DE" dirty="0" err="1"/>
+              <a:t>can</a:t>
+            </a:r>
+            <a:r>
+              <a:rPr lang="de-DE" dirty="0"/>
+              <a:t> </a:t>
+            </a:r>
+            <a:r>
+              <a:rPr lang="de-DE" dirty="0" err="1"/>
+              <a:t>be</a:t>
+            </a:r>
+            <a:r>
+              <a:rPr lang="de-DE" dirty="0"/>
+              <a:t> </a:t>
+            </a:r>
+            <a:r>
+              <a:rPr lang="de-DE" dirty="0" err="1"/>
+              <a:t>implemented</a:t>
+            </a:r>
+            <a:r>
+              <a:rPr lang="de-DE" dirty="0"/>
+              <a:t> </a:t>
+            </a:r>
+            <a:r>
+              <a:rPr lang="de-DE" dirty="0" err="1"/>
+              <a:t>more</a:t>
+            </a:r>
+            <a:r>
+              <a:rPr lang="de-DE" dirty="0"/>
+              <a:t> </a:t>
+            </a:r>
+            <a:r>
+              <a:rPr lang="de-DE" dirty="0" err="1"/>
+              <a:t>easily</a:t>
+            </a:r>
+            <a:r>
+              <a:rPr lang="de-DE" dirty="0"/>
+              <a:t>. Spring </a:t>
+            </a:r>
+            <a:r>
+              <a:rPr lang="de-DE" dirty="0" err="1"/>
+              <a:t>is</a:t>
+            </a:r>
+            <a:r>
+              <a:rPr lang="de-DE" dirty="0"/>
+              <a:t> </a:t>
+            </a:r>
+            <a:r>
+              <a:rPr lang="de-DE" dirty="0" err="1"/>
+              <a:t>often</a:t>
+            </a:r>
+            <a:r>
+              <a:rPr lang="de-DE" dirty="0"/>
+              <a:t> </a:t>
+            </a:r>
+            <a:r>
+              <a:rPr lang="de-DE" dirty="0" err="1"/>
+              <a:t>referred</a:t>
+            </a:r>
+            <a:r>
+              <a:rPr lang="de-DE" dirty="0"/>
+              <a:t> </a:t>
+            </a:r>
+            <a:r>
+              <a:rPr lang="de-DE" dirty="0" err="1"/>
+              <a:t>to</a:t>
+            </a:r>
+            <a:r>
+              <a:rPr lang="de-DE" dirty="0"/>
+              <a:t> </a:t>
+            </a:r>
+            <a:r>
+              <a:rPr lang="de-DE" dirty="0" err="1"/>
+              <a:t>as</a:t>
+            </a:r>
+            <a:r>
+              <a:rPr lang="de-DE" dirty="0"/>
+              <a:t> </a:t>
+            </a:r>
+            <a:r>
+              <a:rPr lang="de-DE" dirty="0" err="1"/>
+              <a:t>the</a:t>
+            </a:r>
+            <a:r>
+              <a:rPr lang="de-DE" dirty="0"/>
+              <a:t> "</a:t>
+            </a:r>
+            <a:r>
+              <a:rPr lang="de-DE" dirty="0" err="1"/>
+              <a:t>framework</a:t>
+            </a:r>
+            <a:r>
+              <a:rPr lang="de-DE" dirty="0"/>
+              <a:t> </a:t>
+            </a:r>
+            <a:r>
+              <a:rPr lang="de-DE" dirty="0" err="1"/>
+              <a:t>of</a:t>
+            </a:r>
+            <a:r>
+              <a:rPr lang="de-DE" dirty="0"/>
+              <a:t> </a:t>
+            </a:r>
+            <a:r>
+              <a:rPr lang="de-DE" dirty="0" err="1"/>
+              <a:t>frameworks</a:t>
+            </a:r>
+            <a:r>
+              <a:rPr lang="de-DE" dirty="0"/>
+              <a:t>", </a:t>
+            </a:r>
+            <a:r>
+              <a:rPr lang="de-DE" dirty="0" err="1"/>
+              <a:t>as</a:t>
+            </a:r>
+            <a:r>
+              <a:rPr lang="de-DE" dirty="0"/>
+              <a:t> </a:t>
+            </a:r>
+            <a:r>
+              <a:rPr lang="de-DE" dirty="0" err="1"/>
+              <a:t>it</a:t>
+            </a:r>
+            <a:r>
+              <a:rPr lang="de-DE" dirty="0"/>
+              <a:t> </a:t>
+            </a:r>
+            <a:r>
+              <a:rPr lang="de-DE" dirty="0" err="1"/>
+              <a:t>lays</a:t>
+            </a:r>
+            <a:r>
+              <a:rPr lang="de-DE" dirty="0"/>
+              <a:t> </a:t>
+            </a:r>
+            <a:r>
+              <a:rPr lang="de-DE" dirty="0" err="1"/>
+              <a:t>the</a:t>
+            </a:r>
+            <a:r>
+              <a:rPr lang="de-DE" dirty="0"/>
+              <a:t> </a:t>
+            </a:r>
+            <a:r>
+              <a:rPr lang="de-DE" dirty="0" err="1"/>
+              <a:t>foundation</a:t>
+            </a:r>
+            <a:r>
+              <a:rPr lang="de-DE" dirty="0"/>
+              <a:t> </a:t>
+            </a:r>
+            <a:r>
+              <a:rPr lang="de-DE" dirty="0" err="1"/>
+              <a:t>for</a:t>
+            </a:r>
+            <a:r>
+              <a:rPr lang="de-DE" dirty="0"/>
+              <a:t> </a:t>
+            </a:r>
+            <a:r>
+              <a:rPr lang="de-DE" dirty="0" err="1"/>
+              <a:t>other</a:t>
+            </a:r>
+            <a:r>
+              <a:rPr lang="de-DE" dirty="0"/>
+              <a:t> </a:t>
+            </a:r>
+            <a:r>
+              <a:rPr lang="de-DE" dirty="0" err="1"/>
+              <a:t>modules</a:t>
+            </a:r>
+            <a:r>
+              <a:rPr lang="de-DE" dirty="0"/>
+              <a:t> </a:t>
+            </a:r>
+            <a:r>
+              <a:rPr lang="de-DE" dirty="0" err="1"/>
+              <a:t>and</a:t>
+            </a:r>
+            <a:r>
+              <a:rPr lang="de-DE" dirty="0"/>
+              <a:t> </a:t>
+            </a:r>
+            <a:r>
+              <a:rPr lang="de-DE" dirty="0" err="1"/>
+              <a:t>can</a:t>
+            </a:r>
+            <a:r>
+              <a:rPr lang="de-DE" dirty="0"/>
+              <a:t> </a:t>
+            </a:r>
+            <a:r>
+              <a:rPr lang="de-DE" dirty="0" err="1"/>
+              <a:t>incorporate</a:t>
+            </a:r>
+            <a:r>
+              <a:rPr lang="de-DE" dirty="0"/>
+              <a:t> </a:t>
+            </a:r>
+            <a:r>
+              <a:rPr lang="de-DE" dirty="0" err="1"/>
+              <a:t>many</a:t>
+            </a:r>
+            <a:r>
+              <a:rPr lang="de-DE" dirty="0"/>
+              <a:t> </a:t>
+            </a:r>
+            <a:r>
+              <a:rPr lang="de-DE" dirty="0" err="1"/>
+              <a:t>useful</a:t>
+            </a:r>
+            <a:r>
+              <a:rPr lang="de-DE" dirty="0"/>
+              <a:t> </a:t>
+            </a:r>
+            <a:r>
+              <a:rPr lang="de-DE" dirty="0" err="1"/>
+              <a:t>frameworks</a:t>
+            </a:r>
+            <a:r>
+              <a:rPr lang="de-DE" dirty="0"/>
+              <a:t>.</a:t>
             </a:r>
           </a:p>
           <a:p>
+            <a:r>
+              <a:rPr lang="de-DE" dirty="0"/>
+              <a:t>The </a:t>
+            </a:r>
+            <a:r>
+              <a:rPr lang="de-DE" dirty="0" err="1"/>
+              <a:t>framework</a:t>
+            </a:r>
+            <a:r>
+              <a:rPr lang="de-DE" dirty="0"/>
+              <a:t> </a:t>
+            </a:r>
+            <a:r>
+              <a:rPr lang="de-DE" dirty="0" err="1"/>
+              <a:t>has</a:t>
+            </a:r>
+            <a:r>
+              <a:rPr lang="de-DE" dirty="0"/>
+              <a:t> a </a:t>
+            </a:r>
+            <a:r>
+              <a:rPr lang="de-DE" dirty="0" err="1"/>
+              <a:t>specific</a:t>
+            </a:r>
+            <a:r>
+              <a:rPr lang="de-DE" dirty="0"/>
+              <a:t> </a:t>
+            </a:r>
+            <a:r>
+              <a:rPr lang="de-DE" dirty="0" err="1"/>
+              <a:t>goal</a:t>
+            </a:r>
+            <a:r>
+              <a:rPr lang="de-DE" dirty="0"/>
+              <a:t>: </a:t>
+            </a:r>
+            <a:r>
+              <a:rPr lang="de-DE" dirty="0" err="1"/>
+              <a:t>it</a:t>
+            </a:r>
+            <a:r>
+              <a:rPr lang="de-DE" dirty="0"/>
+              <a:t> </a:t>
+            </a:r>
+            <a:r>
+              <a:rPr lang="de-DE" dirty="0" err="1"/>
+              <a:t>should</a:t>
+            </a:r>
+            <a:r>
+              <a:rPr lang="de-DE" dirty="0"/>
+              <a:t> </a:t>
+            </a:r>
+            <a:r>
+              <a:rPr lang="de-DE" dirty="0" err="1"/>
+              <a:t>facilitate</a:t>
+            </a:r>
+            <a:r>
+              <a:rPr lang="de-DE" dirty="0"/>
+              <a:t> </a:t>
+            </a:r>
+            <a:r>
+              <a:rPr lang="de-DE" dirty="0" err="1"/>
+              <a:t>the</a:t>
+            </a:r>
+            <a:r>
+              <a:rPr lang="de-DE" dirty="0"/>
+              <a:t> </a:t>
+            </a:r>
+            <a:r>
+              <a:rPr lang="de-DE" dirty="0" err="1"/>
+              <a:t>development</a:t>
+            </a:r>
+            <a:r>
+              <a:rPr lang="de-DE" dirty="0"/>
+              <a:t> </a:t>
+            </a:r>
+            <a:r>
+              <a:rPr lang="de-DE" dirty="0" err="1"/>
+              <a:t>of</a:t>
+            </a:r>
+            <a:r>
+              <a:rPr lang="de-DE" dirty="0"/>
+              <a:t> </a:t>
+            </a:r>
+            <a:r>
+              <a:rPr lang="de-DE" dirty="0" err="1"/>
+              <a:t>enterprise</a:t>
+            </a:r>
+            <a:r>
+              <a:rPr lang="de-DE" dirty="0"/>
+              <a:t> </a:t>
+            </a:r>
+            <a:r>
+              <a:rPr lang="de-DE" dirty="0" err="1"/>
+              <a:t>applications</a:t>
+            </a:r>
+            <a:r>
+              <a:rPr lang="de-DE" dirty="0"/>
+              <a:t> </a:t>
+            </a:r>
+            <a:r>
+              <a:rPr lang="de-DE" dirty="0" err="1"/>
+              <a:t>with</a:t>
+            </a:r>
+            <a:r>
+              <a:rPr lang="de-DE" dirty="0"/>
+              <a:t> Java </a:t>
+            </a:r>
+            <a:r>
+              <a:rPr lang="de-DE" dirty="0" err="1"/>
+              <a:t>and</a:t>
+            </a:r>
+            <a:r>
+              <a:rPr lang="de-DE" dirty="0"/>
+              <a:t> promote </a:t>
+            </a:r>
+            <a:r>
+              <a:rPr lang="de-DE" dirty="0" err="1"/>
+              <a:t>good</a:t>
+            </a:r>
+            <a:r>
+              <a:rPr lang="de-DE" dirty="0"/>
+              <a:t> </a:t>
+            </a:r>
+            <a:r>
+              <a:rPr lang="de-DE" dirty="0" err="1"/>
+              <a:t>programming</a:t>
+            </a:r>
+            <a:r>
+              <a:rPr lang="de-DE" dirty="0"/>
+              <a:t> </a:t>
+            </a:r>
+            <a:r>
+              <a:rPr lang="de-DE" dirty="0" err="1"/>
+              <a:t>implementation</a:t>
+            </a:r>
+            <a:r>
+              <a:rPr lang="de-DE" dirty="0"/>
+              <a:t>. </a:t>
+            </a:r>
+            <a:r>
+              <a:rPr lang="de-DE" dirty="0" err="1"/>
+              <a:t>Here</a:t>
+            </a:r>
+            <a:r>
+              <a:rPr lang="de-DE" dirty="0"/>
+              <a:t>, </a:t>
+            </a:r>
+            <a:r>
+              <a:rPr lang="de-DE" dirty="0" err="1"/>
+              <a:t>the</a:t>
+            </a:r>
+            <a:r>
+              <a:rPr lang="de-DE" dirty="0"/>
+              <a:t> </a:t>
+            </a:r>
+            <a:r>
+              <a:rPr lang="de-DE" dirty="0" err="1"/>
+              <a:t>business</a:t>
+            </a:r>
+            <a:r>
+              <a:rPr lang="de-DE" dirty="0"/>
+              <a:t> </a:t>
+            </a:r>
+            <a:r>
+              <a:rPr lang="de-DE" dirty="0" err="1"/>
+              <a:t>logic</a:t>
+            </a:r>
+            <a:r>
+              <a:rPr lang="de-DE" dirty="0"/>
+              <a:t> </a:t>
+            </a:r>
+            <a:r>
+              <a:rPr lang="de-DE" dirty="0" err="1"/>
+              <a:t>is</a:t>
+            </a:r>
+            <a:r>
+              <a:rPr lang="de-DE" dirty="0"/>
+              <a:t> in </a:t>
+            </a:r>
+            <a:r>
+              <a:rPr lang="de-DE" dirty="0" err="1"/>
+              <a:t>the</a:t>
+            </a:r>
+            <a:r>
+              <a:rPr lang="de-DE" dirty="0"/>
+              <a:t> </a:t>
+            </a:r>
+            <a:r>
+              <a:rPr lang="de-DE" dirty="0" err="1"/>
+              <a:t>foreground</a:t>
+            </a:r>
+            <a:r>
+              <a:rPr lang="de-DE" dirty="0"/>
+              <a:t> </a:t>
+            </a:r>
+            <a:r>
+              <a:rPr lang="de-DE" dirty="0" err="1"/>
+              <a:t>and</a:t>
+            </a:r>
+            <a:r>
+              <a:rPr lang="de-DE" dirty="0"/>
+              <a:t> </a:t>
+            </a:r>
+            <a:r>
+              <a:rPr lang="de-DE" dirty="0" err="1"/>
+              <a:t>helps</a:t>
+            </a:r>
+            <a:r>
+              <a:rPr lang="de-DE" dirty="0"/>
+              <a:t> </a:t>
+            </a:r>
+            <a:r>
+              <a:rPr lang="de-DE" dirty="0" err="1"/>
+              <a:t>with</a:t>
+            </a:r>
+            <a:r>
+              <a:rPr lang="de-DE" dirty="0"/>
+              <a:t> </a:t>
+            </a:r>
+            <a:r>
+              <a:rPr lang="de-DE" dirty="0" err="1"/>
+              <a:t>the</a:t>
+            </a:r>
+            <a:r>
+              <a:rPr lang="de-DE" dirty="0"/>
+              <a:t> </a:t>
+            </a:r>
+            <a:r>
+              <a:rPr lang="de-DE" dirty="0" err="1"/>
+              <a:t>decoupling</a:t>
+            </a:r>
+            <a:r>
+              <a:rPr lang="de-DE" dirty="0"/>
+              <a:t> </a:t>
+            </a:r>
+            <a:r>
+              <a:rPr lang="de-DE" dirty="0" err="1"/>
+              <a:t>of</a:t>
+            </a:r>
+            <a:r>
+              <a:rPr lang="de-DE" dirty="0"/>
+              <a:t> </a:t>
+            </a:r>
+            <a:r>
+              <a:rPr lang="de-DE" dirty="0" err="1"/>
+              <a:t>application</a:t>
+            </a:r>
+            <a:r>
+              <a:rPr lang="de-DE" dirty="0"/>
+              <a:t> </a:t>
+            </a:r>
+            <a:r>
+              <a:rPr lang="de-DE" dirty="0" err="1"/>
+              <a:t>components</a:t>
+            </a:r>
+            <a:r>
+              <a:rPr lang="de-DE" dirty="0"/>
+              <a:t>. Spring </a:t>
+            </a:r>
+            <a:r>
+              <a:rPr lang="de-DE" dirty="0" err="1"/>
+              <a:t>is</a:t>
+            </a:r>
+            <a:r>
+              <a:rPr lang="de-DE" dirty="0"/>
+              <a:t> </a:t>
+            </a:r>
+            <a:r>
+              <a:rPr lang="de-DE" dirty="0" err="1"/>
+              <a:t>based</a:t>
+            </a:r>
+            <a:r>
+              <a:rPr lang="de-DE" dirty="0"/>
+              <a:t> on </a:t>
+            </a:r>
+            <a:r>
+              <a:rPr lang="de-DE" dirty="0" err="1"/>
+              <a:t>the</a:t>
+            </a:r>
+            <a:r>
+              <a:rPr lang="de-DE" dirty="0"/>
+              <a:t> so-</a:t>
+            </a:r>
+            <a:r>
+              <a:rPr lang="de-DE" dirty="0" err="1"/>
+              <a:t>called</a:t>
+            </a:r>
+            <a:r>
+              <a:rPr lang="de-DE" dirty="0"/>
+              <a:t> "</a:t>
+            </a:r>
+            <a:r>
+              <a:rPr lang="de-DE" dirty="0" err="1"/>
+              <a:t>Plain</a:t>
+            </a:r>
+            <a:r>
+              <a:rPr lang="de-DE" dirty="0"/>
+              <a:t> </a:t>
+            </a:r>
+            <a:r>
+              <a:rPr lang="de-DE" dirty="0" err="1"/>
+              <a:t>old</a:t>
+            </a:r>
+            <a:r>
+              <a:rPr lang="de-DE" dirty="0"/>
+              <a:t> Java Objects" (POJO), </a:t>
+            </a:r>
+            <a:r>
+              <a:rPr lang="de-DE" dirty="0" err="1"/>
+              <a:t>which</a:t>
+            </a:r>
+            <a:r>
+              <a:rPr lang="de-DE" dirty="0"/>
+              <a:t> </a:t>
+            </a:r>
+            <a:r>
+              <a:rPr lang="de-DE" dirty="0" err="1"/>
+              <a:t>means</a:t>
+            </a:r>
+            <a:r>
+              <a:rPr lang="de-DE" dirty="0"/>
+              <a:t> </a:t>
+            </a:r>
+            <a:r>
+              <a:rPr lang="de-DE" dirty="0" err="1"/>
+              <a:t>that</a:t>
+            </a:r>
+            <a:r>
+              <a:rPr lang="de-DE" dirty="0"/>
+              <a:t> </a:t>
+            </a:r>
+            <a:r>
+              <a:rPr lang="de-DE" dirty="0" err="1"/>
+              <a:t>you</a:t>
+            </a:r>
+            <a:r>
+              <a:rPr lang="de-DE" dirty="0"/>
+              <a:t> do not </a:t>
+            </a:r>
+            <a:r>
+              <a:rPr lang="de-DE" dirty="0" err="1"/>
+              <a:t>have</a:t>
+            </a:r>
+            <a:r>
+              <a:rPr lang="de-DE" dirty="0"/>
+              <a:t> </a:t>
+            </a:r>
+            <a:r>
+              <a:rPr lang="de-DE" dirty="0" err="1"/>
+              <a:t>to</a:t>
+            </a:r>
+            <a:r>
+              <a:rPr lang="de-DE" dirty="0"/>
+              <a:t> </a:t>
+            </a:r>
+            <a:r>
+              <a:rPr lang="de-DE" dirty="0" err="1"/>
+              <a:t>learn</a:t>
+            </a:r>
+            <a:r>
+              <a:rPr lang="de-DE" dirty="0"/>
+              <a:t> a </a:t>
+            </a:r>
+            <a:r>
+              <a:rPr lang="de-DE" dirty="0" err="1"/>
+              <a:t>new</a:t>
+            </a:r>
+            <a:r>
+              <a:rPr lang="de-DE" dirty="0"/>
+              <a:t> </a:t>
+            </a:r>
+            <a:r>
+              <a:rPr lang="de-DE" dirty="0" err="1"/>
+              <a:t>language</a:t>
+            </a:r>
+            <a:r>
+              <a:rPr lang="de-DE" dirty="0"/>
+              <a:t> </a:t>
+            </a:r>
+            <a:r>
+              <a:rPr lang="de-DE" dirty="0" err="1"/>
+              <a:t>for</a:t>
+            </a:r>
+            <a:r>
+              <a:rPr lang="de-DE" dirty="0"/>
+              <a:t> </a:t>
+            </a:r>
+            <a:r>
+              <a:rPr lang="de-DE" dirty="0" err="1"/>
+              <a:t>the</a:t>
+            </a:r>
+            <a:r>
+              <a:rPr lang="de-DE" dirty="0"/>
+              <a:t> </a:t>
+            </a:r>
+            <a:r>
+              <a:rPr lang="de-DE" dirty="0" err="1"/>
+              <a:t>framework</a:t>
+            </a:r>
+            <a:r>
+              <a:rPr lang="de-DE" dirty="0"/>
+              <a:t>, but </a:t>
+            </a:r>
+            <a:r>
+              <a:rPr lang="de-DE" dirty="0" err="1"/>
+              <a:t>rather</a:t>
+            </a:r>
+            <a:r>
+              <a:rPr lang="de-DE" dirty="0"/>
+              <a:t> </a:t>
+            </a:r>
+            <a:r>
+              <a:rPr lang="de-DE" dirty="0" err="1"/>
+              <a:t>with</a:t>
+            </a:r>
+            <a:r>
+              <a:rPr lang="de-DE" dirty="0"/>
+              <a:t> </a:t>
+            </a:r>
+            <a:r>
+              <a:rPr lang="de-DE" dirty="0" err="1"/>
+              <a:t>the</a:t>
+            </a:r>
+            <a:r>
+              <a:rPr lang="de-DE" dirty="0"/>
+              <a:t> </a:t>
+            </a:r>
+            <a:r>
+              <a:rPr lang="de-DE" dirty="0" err="1"/>
+              <a:t>familiar</a:t>
+            </a:r>
+            <a:r>
+              <a:rPr lang="de-DE" dirty="0"/>
+              <a:t> Java </a:t>
+            </a:r>
+            <a:r>
+              <a:rPr lang="de-DE" dirty="0" err="1"/>
+              <a:t>commands</a:t>
+            </a:r>
+            <a:r>
+              <a:rPr lang="de-DE" dirty="0"/>
+              <a:t> </a:t>
+            </a:r>
+            <a:r>
+              <a:rPr lang="de-DE" dirty="0" err="1"/>
+              <a:t>and</a:t>
+            </a:r>
+            <a:r>
+              <a:rPr lang="de-DE" dirty="0"/>
+              <a:t> a </a:t>
+            </a:r>
+            <a:r>
+              <a:rPr lang="de-DE" dirty="0" err="1"/>
+              <a:t>few</a:t>
+            </a:r>
+            <a:r>
+              <a:rPr lang="de-DE" dirty="0"/>
+              <a:t> additional </a:t>
+            </a:r>
+            <a:r>
+              <a:rPr lang="de-DE" dirty="0" err="1"/>
+              <a:t>annotations</a:t>
+            </a:r>
+            <a:r>
+              <a:rPr lang="de-DE" dirty="0"/>
+              <a:t>. POJOs </a:t>
+            </a:r>
+            <a:r>
+              <a:rPr lang="de-DE" dirty="0" err="1"/>
+              <a:t>are</a:t>
+            </a:r>
+            <a:r>
+              <a:rPr lang="de-DE" dirty="0"/>
+              <a:t> not spring-</a:t>
+            </a:r>
+            <a:r>
+              <a:rPr lang="de-DE" dirty="0" err="1"/>
+              <a:t>specific</a:t>
+            </a:r>
+            <a:r>
+              <a:rPr lang="de-DE" dirty="0"/>
+              <a:t> </a:t>
+            </a:r>
+            <a:r>
+              <a:rPr lang="de-DE" dirty="0" err="1"/>
+              <a:t>and</a:t>
+            </a:r>
+            <a:r>
+              <a:rPr lang="de-DE" dirty="0"/>
+              <a:t> </a:t>
+            </a:r>
+            <a:r>
+              <a:rPr lang="de-DE" dirty="0" err="1"/>
+              <a:t>can</a:t>
+            </a:r>
+            <a:r>
+              <a:rPr lang="de-DE" dirty="0"/>
+              <a:t> </a:t>
+            </a:r>
+            <a:r>
+              <a:rPr lang="de-DE" dirty="0" err="1"/>
+              <a:t>therefore</a:t>
+            </a:r>
+            <a:r>
+              <a:rPr lang="de-DE" dirty="0"/>
+              <a:t> </a:t>
+            </a:r>
+            <a:r>
+              <a:rPr lang="de-DE" dirty="0" err="1"/>
+              <a:t>be</a:t>
+            </a:r>
+            <a:r>
+              <a:rPr lang="de-DE" dirty="0"/>
+              <a:t> </a:t>
+            </a:r>
+            <a:r>
+              <a:rPr lang="de-DE" dirty="0" err="1"/>
+              <a:t>used</a:t>
+            </a:r>
+            <a:r>
+              <a:rPr lang="de-DE" dirty="0"/>
+              <a:t> </a:t>
+            </a:r>
+            <a:r>
+              <a:rPr lang="de-DE" dirty="0" err="1"/>
+              <a:t>without</a:t>
+            </a:r>
+            <a:r>
+              <a:rPr lang="de-DE" dirty="0"/>
+              <a:t> </a:t>
+            </a:r>
+            <a:r>
+              <a:rPr lang="de-DE" dirty="0" err="1"/>
+              <a:t>the</a:t>
+            </a:r>
+            <a:r>
+              <a:rPr lang="de-DE" dirty="0"/>
+              <a:t> </a:t>
+            </a:r>
+            <a:r>
+              <a:rPr lang="de-DE" dirty="0" err="1"/>
+              <a:t>framework</a:t>
+            </a:r>
+            <a:r>
+              <a:rPr lang="de-DE" dirty="0"/>
+              <a:t>.</a:t>
+            </a:r>
+          </a:p>
+          <a:p>
+            <a:endParaRPr lang="de-DE" dirty="0"/>
+          </a:p>
+          <a:p>
+            <a:r>
+              <a:rPr lang="de-DE" dirty="0" err="1"/>
+              <a:t>Another</a:t>
+            </a:r>
+            <a:r>
+              <a:rPr lang="de-DE" dirty="0"/>
+              <a:t> </a:t>
+            </a:r>
+            <a:r>
+              <a:rPr lang="de-DE" dirty="0" err="1"/>
+              <a:t>very</a:t>
+            </a:r>
+            <a:r>
+              <a:rPr lang="de-DE" dirty="0"/>
+              <a:t> </a:t>
+            </a:r>
+            <a:r>
+              <a:rPr lang="de-DE" dirty="0" err="1"/>
+              <a:t>useful</a:t>
+            </a:r>
+            <a:r>
+              <a:rPr lang="de-DE" dirty="0"/>
+              <a:t> </a:t>
+            </a:r>
+            <a:r>
+              <a:rPr lang="de-DE" dirty="0" err="1"/>
+              <a:t>and</a:t>
+            </a:r>
+            <a:r>
+              <a:rPr lang="de-DE" dirty="0"/>
+              <a:t> </a:t>
+            </a:r>
+            <a:r>
+              <a:rPr lang="de-DE" dirty="0" err="1"/>
+              <a:t>necessary</a:t>
+            </a:r>
+            <a:r>
+              <a:rPr lang="de-DE" dirty="0"/>
+              <a:t> </a:t>
+            </a:r>
+            <a:r>
+              <a:rPr lang="de-DE" dirty="0" err="1"/>
+              <a:t>framework</a:t>
+            </a:r>
+            <a:r>
+              <a:rPr lang="de-DE" dirty="0"/>
+              <a:t> </a:t>
+            </a:r>
+            <a:r>
+              <a:rPr lang="de-DE" dirty="0" err="1"/>
+              <a:t>module</a:t>
+            </a:r>
+            <a:r>
+              <a:rPr lang="de-DE" dirty="0"/>
+              <a:t> </a:t>
+            </a:r>
+            <a:r>
+              <a:rPr lang="de-DE" dirty="0" err="1"/>
+              <a:t>is</a:t>
+            </a:r>
+            <a:r>
+              <a:rPr lang="de-DE" dirty="0"/>
+              <a:t> spring </a:t>
+            </a:r>
+            <a:r>
+              <a:rPr lang="de-DE" dirty="0" err="1"/>
+              <a:t>boot</a:t>
+            </a:r>
+            <a:r>
+              <a:rPr lang="de-DE" dirty="0"/>
+              <a:t>.</a:t>
+            </a:r>
+          </a:p>
+          <a:p>
+            <a:r>
+              <a:rPr lang="de-DE" dirty="0"/>
+              <a:t>Spring </a:t>
+            </a:r>
+            <a:r>
+              <a:rPr lang="de-DE" dirty="0" err="1"/>
+              <a:t>boot</a:t>
+            </a:r>
+            <a:r>
+              <a:rPr lang="de-DE" dirty="0"/>
+              <a:t>: </a:t>
+            </a:r>
+            <a:r>
+              <a:rPr lang="de-DE" sz="1200" b="0" i="0" kern="1200" dirty="0" err="1">
+                <a:solidFill>
+                  <a:schemeClr val="tx1"/>
+                </a:solidFill>
+                <a:effectLst/>
+                <a:latin typeface="+mn-lt"/>
+                <a:ea typeface="+mn-ea"/>
+                <a:cs typeface="+mn-cs"/>
+              </a:rPr>
+              <a:t>is</a:t>
+            </a:r>
+            <a:r>
+              <a:rPr lang="de-DE" sz="1200" b="0" i="0" kern="1200" dirty="0">
+                <a:solidFill>
+                  <a:schemeClr val="tx1"/>
+                </a:solidFill>
+                <a:effectLst/>
+                <a:latin typeface="+mn-lt"/>
+                <a:ea typeface="+mn-ea"/>
+                <a:cs typeface="+mn-cs"/>
+              </a:rPr>
+              <a:t> </a:t>
+            </a:r>
+            <a:r>
+              <a:rPr lang="de-DE" sz="1200" b="0" i="0" kern="1200" dirty="0" err="1">
+                <a:solidFill>
+                  <a:schemeClr val="tx1"/>
+                </a:solidFill>
+                <a:effectLst/>
+                <a:latin typeface="+mn-lt"/>
+                <a:ea typeface="+mn-ea"/>
+                <a:cs typeface="+mn-cs"/>
+              </a:rPr>
+              <a:t>designed</a:t>
+            </a:r>
+            <a:r>
+              <a:rPr lang="de-DE" sz="1200" b="0" i="0" kern="1200" dirty="0">
+                <a:solidFill>
+                  <a:schemeClr val="tx1"/>
+                </a:solidFill>
+                <a:effectLst/>
+                <a:latin typeface="+mn-lt"/>
+                <a:ea typeface="+mn-ea"/>
+                <a:cs typeface="+mn-cs"/>
+              </a:rPr>
+              <a:t> </a:t>
+            </a:r>
+            <a:r>
+              <a:rPr lang="de-DE" sz="1200" b="0" i="0" kern="1200" dirty="0" err="1">
+                <a:solidFill>
+                  <a:schemeClr val="tx1"/>
+                </a:solidFill>
+                <a:effectLst/>
+                <a:latin typeface="+mn-lt"/>
+                <a:ea typeface="+mn-ea"/>
+                <a:cs typeface="+mn-cs"/>
+              </a:rPr>
+              <a:t>to</a:t>
+            </a:r>
+            <a:r>
+              <a:rPr lang="de-DE" sz="1200" b="0" i="0" kern="1200" dirty="0">
+                <a:solidFill>
+                  <a:schemeClr val="tx1"/>
+                </a:solidFill>
+                <a:effectLst/>
+                <a:latin typeface="+mn-lt"/>
+                <a:ea typeface="+mn-ea"/>
+                <a:cs typeface="+mn-cs"/>
+              </a:rPr>
+              <a:t> </a:t>
+            </a:r>
+            <a:r>
+              <a:rPr lang="de-DE" sz="1200" b="0" i="0" kern="1200" dirty="0" err="1">
+                <a:solidFill>
+                  <a:schemeClr val="tx1"/>
+                </a:solidFill>
+                <a:effectLst/>
+                <a:latin typeface="+mn-lt"/>
+                <a:ea typeface="+mn-ea"/>
+                <a:cs typeface="+mn-cs"/>
+              </a:rPr>
+              <a:t>get</a:t>
+            </a:r>
+            <a:r>
+              <a:rPr lang="de-DE" sz="1200" b="0" i="0" kern="1200" dirty="0">
+                <a:solidFill>
+                  <a:schemeClr val="tx1"/>
+                </a:solidFill>
+                <a:effectLst/>
+                <a:latin typeface="+mn-lt"/>
+                <a:ea typeface="+mn-ea"/>
+                <a:cs typeface="+mn-cs"/>
+              </a:rPr>
+              <a:t> </a:t>
+            </a:r>
+            <a:r>
+              <a:rPr lang="de-DE" sz="1200" b="0" i="0" kern="1200" dirty="0" err="1">
+                <a:solidFill>
+                  <a:schemeClr val="tx1"/>
+                </a:solidFill>
+                <a:effectLst/>
+                <a:latin typeface="+mn-lt"/>
+                <a:ea typeface="+mn-ea"/>
+                <a:cs typeface="+mn-cs"/>
+              </a:rPr>
+              <a:t>you</a:t>
+            </a:r>
+            <a:r>
+              <a:rPr lang="de-DE" sz="1200" b="0" i="0" kern="1200" dirty="0">
+                <a:solidFill>
+                  <a:schemeClr val="tx1"/>
+                </a:solidFill>
+                <a:effectLst/>
+                <a:latin typeface="+mn-lt"/>
+                <a:ea typeface="+mn-ea"/>
+                <a:cs typeface="+mn-cs"/>
+              </a:rPr>
+              <a:t> </a:t>
+            </a:r>
+            <a:r>
+              <a:rPr lang="de-DE" sz="1200" b="0" i="0" kern="1200" dirty="0" err="1">
+                <a:solidFill>
+                  <a:schemeClr val="tx1"/>
+                </a:solidFill>
+                <a:effectLst/>
+                <a:latin typeface="+mn-lt"/>
+                <a:ea typeface="+mn-ea"/>
+                <a:cs typeface="+mn-cs"/>
+              </a:rPr>
+              <a:t>up</a:t>
+            </a:r>
+            <a:r>
+              <a:rPr lang="de-DE" sz="1200" b="0" i="0" kern="1200" dirty="0">
+                <a:solidFill>
+                  <a:schemeClr val="tx1"/>
+                </a:solidFill>
+                <a:effectLst/>
+                <a:latin typeface="+mn-lt"/>
+                <a:ea typeface="+mn-ea"/>
+                <a:cs typeface="+mn-cs"/>
+              </a:rPr>
+              <a:t> </a:t>
+            </a:r>
+            <a:r>
+              <a:rPr lang="de-DE" sz="1200" b="0" i="0" kern="1200" dirty="0" err="1">
+                <a:solidFill>
+                  <a:schemeClr val="tx1"/>
+                </a:solidFill>
+                <a:effectLst/>
+                <a:latin typeface="+mn-lt"/>
+                <a:ea typeface="+mn-ea"/>
+                <a:cs typeface="+mn-cs"/>
+              </a:rPr>
+              <a:t>and</a:t>
+            </a:r>
+            <a:r>
+              <a:rPr lang="de-DE" sz="1200" b="0" i="0" kern="1200" dirty="0">
+                <a:solidFill>
+                  <a:schemeClr val="tx1"/>
+                </a:solidFill>
+                <a:effectLst/>
+                <a:latin typeface="+mn-lt"/>
+                <a:ea typeface="+mn-ea"/>
+                <a:cs typeface="+mn-cs"/>
+              </a:rPr>
+              <a:t> </a:t>
+            </a:r>
+            <a:r>
+              <a:rPr lang="de-DE" sz="1200" b="0" i="0" kern="1200" dirty="0" err="1">
+                <a:solidFill>
+                  <a:schemeClr val="tx1"/>
+                </a:solidFill>
+                <a:effectLst/>
+                <a:latin typeface="+mn-lt"/>
+                <a:ea typeface="+mn-ea"/>
+                <a:cs typeface="+mn-cs"/>
+              </a:rPr>
+              <a:t>running</a:t>
+            </a:r>
+            <a:r>
+              <a:rPr lang="de-DE" sz="1200" b="0" i="0" kern="1200" dirty="0">
+                <a:solidFill>
+                  <a:schemeClr val="tx1"/>
+                </a:solidFill>
+                <a:effectLst/>
+                <a:latin typeface="+mn-lt"/>
+                <a:ea typeface="+mn-ea"/>
+                <a:cs typeface="+mn-cs"/>
+              </a:rPr>
+              <a:t> </a:t>
+            </a:r>
+            <a:r>
+              <a:rPr lang="de-DE" sz="1200" b="0" i="0" kern="1200" dirty="0" err="1">
+                <a:solidFill>
+                  <a:schemeClr val="tx1"/>
+                </a:solidFill>
+                <a:effectLst/>
+                <a:latin typeface="+mn-lt"/>
+                <a:ea typeface="+mn-ea"/>
+                <a:cs typeface="+mn-cs"/>
+              </a:rPr>
+              <a:t>as</a:t>
+            </a:r>
+            <a:r>
+              <a:rPr lang="de-DE" sz="1200" b="0" i="0" kern="1200" dirty="0">
+                <a:solidFill>
+                  <a:schemeClr val="tx1"/>
+                </a:solidFill>
+                <a:effectLst/>
+                <a:latin typeface="+mn-lt"/>
+                <a:ea typeface="+mn-ea"/>
+                <a:cs typeface="+mn-cs"/>
+              </a:rPr>
+              <a:t> </a:t>
+            </a:r>
+            <a:r>
+              <a:rPr lang="de-DE" sz="1200" b="0" i="0" kern="1200" dirty="0" err="1">
+                <a:solidFill>
+                  <a:schemeClr val="tx1"/>
+                </a:solidFill>
+                <a:effectLst/>
+                <a:latin typeface="+mn-lt"/>
+                <a:ea typeface="+mn-ea"/>
+                <a:cs typeface="+mn-cs"/>
+              </a:rPr>
+              <a:t>quickly</a:t>
+            </a:r>
+            <a:r>
+              <a:rPr lang="de-DE" sz="1200" b="0" i="0" kern="1200" dirty="0">
+                <a:solidFill>
+                  <a:schemeClr val="tx1"/>
+                </a:solidFill>
+                <a:effectLst/>
+                <a:latin typeface="+mn-lt"/>
+                <a:ea typeface="+mn-ea"/>
+                <a:cs typeface="+mn-cs"/>
+              </a:rPr>
+              <a:t> </a:t>
+            </a:r>
+            <a:r>
+              <a:rPr lang="de-DE" sz="1200" b="0" i="0" kern="1200" dirty="0" err="1">
+                <a:solidFill>
+                  <a:schemeClr val="tx1"/>
+                </a:solidFill>
+                <a:effectLst/>
+                <a:latin typeface="+mn-lt"/>
+                <a:ea typeface="+mn-ea"/>
+                <a:cs typeface="+mn-cs"/>
+              </a:rPr>
+              <a:t>as</a:t>
+            </a:r>
+            <a:r>
+              <a:rPr lang="de-DE" sz="1200" b="0" i="0" kern="1200" dirty="0">
+                <a:solidFill>
+                  <a:schemeClr val="tx1"/>
+                </a:solidFill>
+                <a:effectLst/>
+                <a:latin typeface="+mn-lt"/>
+                <a:ea typeface="+mn-ea"/>
+                <a:cs typeface="+mn-cs"/>
+              </a:rPr>
+              <a:t> </a:t>
+            </a:r>
+            <a:r>
+              <a:rPr lang="de-DE" sz="1200" b="0" i="0" kern="1200" dirty="0" err="1">
+                <a:solidFill>
+                  <a:schemeClr val="tx1"/>
+                </a:solidFill>
+                <a:effectLst/>
+                <a:latin typeface="+mn-lt"/>
+                <a:ea typeface="+mn-ea"/>
+                <a:cs typeface="+mn-cs"/>
+              </a:rPr>
+              <a:t>possible</a:t>
+            </a:r>
+            <a:r>
+              <a:rPr lang="de-DE" sz="1200" b="0" i="0" kern="1200" dirty="0">
+                <a:solidFill>
+                  <a:schemeClr val="tx1"/>
+                </a:solidFill>
+                <a:effectLst/>
+                <a:latin typeface="+mn-lt"/>
+                <a:ea typeface="+mn-ea"/>
+                <a:cs typeface="+mn-cs"/>
+              </a:rPr>
+              <a:t>, </a:t>
+            </a:r>
+            <a:r>
+              <a:rPr lang="de-DE" sz="1200" b="0" i="0" kern="1200" dirty="0" err="1">
+                <a:solidFill>
+                  <a:schemeClr val="tx1"/>
+                </a:solidFill>
+                <a:effectLst/>
+                <a:latin typeface="+mn-lt"/>
+                <a:ea typeface="+mn-ea"/>
+                <a:cs typeface="+mn-cs"/>
+              </a:rPr>
+              <a:t>with</a:t>
+            </a:r>
+            <a:r>
+              <a:rPr lang="de-DE" sz="1200" b="0" i="0" kern="1200" dirty="0">
+                <a:solidFill>
+                  <a:schemeClr val="tx1"/>
+                </a:solidFill>
+                <a:effectLst/>
+                <a:latin typeface="+mn-lt"/>
+                <a:ea typeface="+mn-ea"/>
+                <a:cs typeface="+mn-cs"/>
+              </a:rPr>
+              <a:t> minimal </a:t>
+            </a:r>
+            <a:r>
+              <a:rPr lang="de-DE" sz="1200" b="0" i="0" kern="1200" dirty="0" err="1">
+                <a:solidFill>
+                  <a:schemeClr val="tx1"/>
+                </a:solidFill>
+                <a:effectLst/>
+                <a:latin typeface="+mn-lt"/>
+                <a:ea typeface="+mn-ea"/>
+                <a:cs typeface="+mn-cs"/>
+              </a:rPr>
+              <a:t>upfront</a:t>
+            </a:r>
+            <a:r>
+              <a:rPr lang="de-DE" sz="1200" b="0" i="0" kern="1200" dirty="0">
+                <a:solidFill>
+                  <a:schemeClr val="tx1"/>
+                </a:solidFill>
+                <a:effectLst/>
+                <a:latin typeface="+mn-lt"/>
+                <a:ea typeface="+mn-ea"/>
+                <a:cs typeface="+mn-cs"/>
+              </a:rPr>
+              <a:t> </a:t>
+            </a:r>
+            <a:r>
+              <a:rPr lang="de-DE" sz="1200" b="0" i="0" kern="1200" dirty="0" err="1">
+                <a:solidFill>
+                  <a:schemeClr val="tx1"/>
+                </a:solidFill>
+                <a:effectLst/>
+                <a:latin typeface="+mn-lt"/>
+                <a:ea typeface="+mn-ea"/>
+                <a:cs typeface="+mn-cs"/>
+              </a:rPr>
+              <a:t>configuration</a:t>
+            </a:r>
+            <a:r>
+              <a:rPr lang="de-DE" sz="1200" b="0" i="0" kern="1200" dirty="0">
+                <a:solidFill>
+                  <a:schemeClr val="tx1"/>
+                </a:solidFill>
+                <a:effectLst/>
+                <a:latin typeface="+mn-lt"/>
+                <a:ea typeface="+mn-ea"/>
+                <a:cs typeface="+mn-cs"/>
+              </a:rPr>
+              <a:t> </a:t>
+            </a:r>
+            <a:r>
+              <a:rPr lang="de-DE" sz="1200" b="0" i="0" kern="1200" dirty="0" err="1">
+                <a:solidFill>
+                  <a:schemeClr val="tx1"/>
+                </a:solidFill>
+                <a:effectLst/>
+                <a:latin typeface="+mn-lt"/>
+                <a:ea typeface="+mn-ea"/>
+                <a:cs typeface="+mn-cs"/>
+              </a:rPr>
+              <a:t>of</a:t>
+            </a:r>
+            <a:r>
+              <a:rPr lang="de-DE" sz="1200" b="0" i="0" kern="1200" dirty="0">
+                <a:solidFill>
+                  <a:schemeClr val="tx1"/>
+                </a:solidFill>
+                <a:effectLst/>
+                <a:latin typeface="+mn-lt"/>
+                <a:ea typeface="+mn-ea"/>
+                <a:cs typeface="+mn-cs"/>
+              </a:rPr>
+              <a:t> Spring. Spring Boot </a:t>
+            </a:r>
+            <a:r>
+              <a:rPr lang="de-DE" sz="1200" b="0" i="0" kern="1200" dirty="0" err="1">
+                <a:solidFill>
+                  <a:schemeClr val="tx1"/>
+                </a:solidFill>
+                <a:effectLst/>
+                <a:latin typeface="+mn-lt"/>
+                <a:ea typeface="+mn-ea"/>
+                <a:cs typeface="+mn-cs"/>
+              </a:rPr>
+              <a:t>takes</a:t>
+            </a:r>
+            <a:r>
+              <a:rPr lang="de-DE" sz="1200" b="0" i="0" kern="1200" dirty="0">
+                <a:solidFill>
+                  <a:schemeClr val="tx1"/>
+                </a:solidFill>
+                <a:effectLst/>
+                <a:latin typeface="+mn-lt"/>
+                <a:ea typeface="+mn-ea"/>
+                <a:cs typeface="+mn-cs"/>
+              </a:rPr>
+              <a:t> an </a:t>
+            </a:r>
+            <a:r>
+              <a:rPr lang="de-DE" sz="1200" b="0" i="0" kern="1200" dirty="0" err="1">
+                <a:solidFill>
+                  <a:schemeClr val="tx1"/>
+                </a:solidFill>
+                <a:effectLst/>
+                <a:latin typeface="+mn-lt"/>
+                <a:ea typeface="+mn-ea"/>
+                <a:cs typeface="+mn-cs"/>
+              </a:rPr>
+              <a:t>opinionated</a:t>
+            </a:r>
+            <a:r>
+              <a:rPr lang="de-DE" sz="1200" b="0" i="0" kern="1200" dirty="0">
+                <a:solidFill>
+                  <a:schemeClr val="tx1"/>
+                </a:solidFill>
+                <a:effectLst/>
+                <a:latin typeface="+mn-lt"/>
+                <a:ea typeface="+mn-ea"/>
+                <a:cs typeface="+mn-cs"/>
+              </a:rPr>
+              <a:t> </a:t>
+            </a:r>
+            <a:r>
+              <a:rPr lang="de-DE" sz="1200" b="0" i="0" kern="1200" dirty="0" err="1">
+                <a:solidFill>
+                  <a:schemeClr val="tx1"/>
+                </a:solidFill>
+                <a:effectLst/>
+                <a:latin typeface="+mn-lt"/>
+                <a:ea typeface="+mn-ea"/>
+                <a:cs typeface="+mn-cs"/>
+              </a:rPr>
+              <a:t>view</a:t>
+            </a:r>
+            <a:r>
+              <a:rPr lang="de-DE" sz="1200" b="0" i="0" kern="1200" dirty="0">
+                <a:solidFill>
+                  <a:schemeClr val="tx1"/>
+                </a:solidFill>
+                <a:effectLst/>
+                <a:latin typeface="+mn-lt"/>
+                <a:ea typeface="+mn-ea"/>
+                <a:cs typeface="+mn-cs"/>
+              </a:rPr>
+              <a:t> </a:t>
+            </a:r>
+            <a:r>
+              <a:rPr lang="de-DE" sz="1200" b="0" i="0" kern="1200" dirty="0" err="1">
+                <a:solidFill>
+                  <a:schemeClr val="tx1"/>
+                </a:solidFill>
+                <a:effectLst/>
+                <a:latin typeface="+mn-lt"/>
+                <a:ea typeface="+mn-ea"/>
+                <a:cs typeface="+mn-cs"/>
+              </a:rPr>
+              <a:t>of</a:t>
+            </a:r>
+            <a:r>
+              <a:rPr lang="de-DE" sz="1200" b="0" i="0" kern="1200" dirty="0">
+                <a:solidFill>
+                  <a:schemeClr val="tx1"/>
+                </a:solidFill>
+                <a:effectLst/>
+                <a:latin typeface="+mn-lt"/>
+                <a:ea typeface="+mn-ea"/>
+                <a:cs typeface="+mn-cs"/>
+              </a:rPr>
+              <a:t> </a:t>
+            </a:r>
+            <a:r>
+              <a:rPr lang="de-DE" sz="1200" b="0" i="0" kern="1200" dirty="0" err="1">
+                <a:solidFill>
+                  <a:schemeClr val="tx1"/>
+                </a:solidFill>
+                <a:effectLst/>
+                <a:latin typeface="+mn-lt"/>
+                <a:ea typeface="+mn-ea"/>
+                <a:cs typeface="+mn-cs"/>
+              </a:rPr>
+              <a:t>building</a:t>
+            </a:r>
+            <a:r>
+              <a:rPr lang="de-DE" sz="1200" b="0" i="0" kern="1200" dirty="0">
+                <a:solidFill>
+                  <a:schemeClr val="tx1"/>
+                </a:solidFill>
+                <a:effectLst/>
+                <a:latin typeface="+mn-lt"/>
+                <a:ea typeface="+mn-ea"/>
+                <a:cs typeface="+mn-cs"/>
+              </a:rPr>
+              <a:t> </a:t>
+            </a:r>
+            <a:r>
+              <a:rPr lang="de-DE" sz="1200" b="0" i="0" kern="1200" dirty="0" err="1">
+                <a:solidFill>
+                  <a:schemeClr val="tx1"/>
+                </a:solidFill>
+                <a:effectLst/>
+                <a:latin typeface="+mn-lt"/>
+                <a:ea typeface="+mn-ea"/>
+                <a:cs typeface="+mn-cs"/>
+              </a:rPr>
+              <a:t>production</a:t>
+            </a:r>
+            <a:r>
+              <a:rPr lang="de-DE" sz="1200" b="0" i="0" kern="1200" dirty="0">
+                <a:solidFill>
+                  <a:schemeClr val="tx1"/>
+                </a:solidFill>
+                <a:effectLst/>
+                <a:latin typeface="+mn-lt"/>
+                <a:ea typeface="+mn-ea"/>
+                <a:cs typeface="+mn-cs"/>
+              </a:rPr>
+              <a:t> </a:t>
+            </a:r>
+            <a:r>
+              <a:rPr lang="de-DE" sz="1200" b="0" i="0" kern="1200" dirty="0" err="1">
+                <a:solidFill>
+                  <a:schemeClr val="tx1"/>
+                </a:solidFill>
+                <a:effectLst/>
+                <a:latin typeface="+mn-lt"/>
+                <a:ea typeface="+mn-ea"/>
+                <a:cs typeface="+mn-cs"/>
+              </a:rPr>
+              <a:t>ready</a:t>
+            </a:r>
+            <a:r>
+              <a:rPr lang="de-DE" sz="1200" b="0" i="0" kern="1200" dirty="0">
+                <a:solidFill>
+                  <a:schemeClr val="tx1"/>
+                </a:solidFill>
+                <a:effectLst/>
+                <a:latin typeface="+mn-lt"/>
+                <a:ea typeface="+mn-ea"/>
+                <a:cs typeface="+mn-cs"/>
+              </a:rPr>
+              <a:t> </a:t>
+            </a:r>
+            <a:r>
+              <a:rPr lang="de-DE" sz="1200" b="0" i="0" kern="1200" dirty="0" err="1">
+                <a:solidFill>
+                  <a:schemeClr val="tx1"/>
+                </a:solidFill>
+                <a:effectLst/>
+                <a:latin typeface="+mn-lt"/>
+                <a:ea typeface="+mn-ea"/>
+                <a:cs typeface="+mn-cs"/>
+              </a:rPr>
+              <a:t>applications</a:t>
+            </a:r>
+            <a:r>
+              <a:rPr lang="de-DE" sz="1200" b="0" i="0" kern="1200" dirty="0">
+                <a:solidFill>
+                  <a:schemeClr val="tx1"/>
+                </a:solidFill>
+                <a:effectLst/>
+                <a:latin typeface="+mn-lt"/>
+                <a:ea typeface="+mn-ea"/>
+                <a:cs typeface="+mn-cs"/>
+              </a:rPr>
+              <a:t>.</a:t>
+            </a:r>
             <a:endParaRPr lang="de-DE" dirty="0"/>
           </a:p>
         </p:txBody>
@@ -643,111 +2136,1395 @@
           <a:bodyPr/>
           <a:lstStyle/>
           <a:p>
-            <a:r>
-              <a:rPr lang="de-DE" sz="1200" kern="1200" dirty="0">
-                <a:solidFill>
-                  <a:schemeClr val="tx1"/>
-                </a:solidFill>
-                <a:effectLst/>
-                <a:latin typeface="+mn-lt"/>
-                <a:ea typeface="+mn-ea"/>
-                <a:cs typeface="+mn-cs"/>
-              </a:rPr>
-              <a:t>Die Java </a:t>
-            </a:r>
-            <a:r>
-              <a:rPr lang="de-DE" sz="1200" kern="1200" dirty="0" err="1">
-                <a:solidFill>
-                  <a:schemeClr val="tx1"/>
-                </a:solidFill>
-                <a:effectLst/>
-                <a:latin typeface="+mn-lt"/>
-                <a:ea typeface="+mn-ea"/>
-                <a:cs typeface="+mn-cs"/>
-              </a:rPr>
-              <a:t>Persistence</a:t>
-            </a:r>
-            <a:r>
-              <a:rPr lang="de-DE" sz="1200" kern="1200" dirty="0">
-                <a:solidFill>
-                  <a:schemeClr val="tx1"/>
-                </a:solidFill>
-                <a:effectLst/>
-                <a:latin typeface="+mn-lt"/>
-                <a:ea typeface="+mn-ea"/>
-                <a:cs typeface="+mn-cs"/>
-              </a:rPr>
-              <a:t> API (JPA) wird benötigt, um die im Kapitel 2.3.1 erwähnten, unterschiedlichen Datenbankmodelle miteinander zu verknüpfen. Genauer gesagt geht es darum, relationale Datensätze als Objekte (siehe 2.6 </a:t>
-            </a:r>
-            <a:r>
-              <a:rPr lang="de-DE" sz="1200" b="1" kern="1200" dirty="0">
-                <a:solidFill>
-                  <a:schemeClr val="tx1"/>
-                </a:solidFill>
-                <a:effectLst/>
-                <a:latin typeface="+mn-lt"/>
-                <a:ea typeface="+mn-ea"/>
-                <a:cs typeface="+mn-cs"/>
-              </a:rPr>
-              <a:t>Objektorientierte Programmierung</a:t>
-            </a:r>
-            <a:r>
-              <a:rPr lang="de-DE" sz="1200" kern="1200" dirty="0">
-                <a:solidFill>
-                  <a:schemeClr val="tx1"/>
-                </a:solidFill>
-                <a:effectLst/>
-                <a:latin typeface="+mn-lt"/>
-                <a:ea typeface="+mn-ea"/>
-                <a:cs typeface="+mn-cs"/>
-              </a:rPr>
-              <a:t>) darzustellen und sie auch so zu verwalten. Diese Art des Modells nennt sich objektrelational und ermöglicht den Verzicht auf SQL spezifische Abfragen. [17]</a:t>
-            </a:r>
+            <a:endParaRPr lang="de-DE" dirty="0"/>
           </a:p>
           <a:p>
             <a:r>
-              <a:rPr lang="de-DE" sz="1200" kern="1200" dirty="0">
-                <a:solidFill>
-                  <a:schemeClr val="tx1"/>
-                </a:solidFill>
-                <a:effectLst/>
-                <a:latin typeface="+mn-lt"/>
-                <a:ea typeface="+mn-ea"/>
-                <a:cs typeface="+mn-cs"/>
-              </a:rPr>
-              <a:t>Um ein objektrelationales Model zu ermöglichen, muss man das Problem der Persistenz lösen. Dafür müssen Objekte auch nach dem Beenden einer Anwendung für den nächsten Start wieder zur Verfügung stehen. Dies erreicht man, indem relationale Datenbanken für die objektorientierte Verwendung erweitert werden. So können Systeme benutzt werden, die zuvor nicht für diesen Zweck vorgesehen waren. Beim erneuten Start der Anwendung werden die Daten aus der DB geladen und in Objekte gewandelt. [18]</a:t>
+              <a:rPr lang="de-DE" dirty="0"/>
+              <a:t>The Java </a:t>
+            </a:r>
+            <a:r>
+              <a:rPr lang="de-DE" dirty="0" err="1"/>
+              <a:t>Persistence</a:t>
+            </a:r>
+            <a:r>
+              <a:rPr lang="de-DE" dirty="0"/>
+              <a:t> API (JPA) </a:t>
+            </a:r>
+            <a:r>
+              <a:rPr lang="de-DE" dirty="0" err="1"/>
+              <a:t>is</a:t>
+            </a:r>
+            <a:r>
+              <a:rPr lang="de-DE" dirty="0"/>
+              <a:t> </a:t>
+            </a:r>
+            <a:r>
+              <a:rPr lang="de-DE" dirty="0" err="1"/>
+              <a:t>needed</a:t>
+            </a:r>
+            <a:r>
+              <a:rPr lang="de-DE" dirty="0"/>
+              <a:t> </a:t>
+            </a:r>
+            <a:r>
+              <a:rPr lang="de-DE" dirty="0" err="1"/>
+              <a:t>to</a:t>
+            </a:r>
+            <a:r>
+              <a:rPr lang="de-DE" dirty="0"/>
+              <a:t> link </a:t>
+            </a:r>
+            <a:r>
+              <a:rPr lang="de-DE" dirty="0" err="1"/>
+              <a:t>the</a:t>
+            </a:r>
+            <a:r>
+              <a:rPr lang="de-DE" dirty="0"/>
+              <a:t> different </a:t>
+            </a:r>
+            <a:r>
+              <a:rPr lang="de-DE" dirty="0" err="1"/>
+              <a:t>database</a:t>
+            </a:r>
+            <a:r>
+              <a:rPr lang="de-DE" dirty="0"/>
+              <a:t> </a:t>
+            </a:r>
+            <a:r>
+              <a:rPr lang="de-DE" dirty="0" err="1"/>
+              <a:t>models</a:t>
+            </a:r>
+            <a:r>
+              <a:rPr lang="de-DE" dirty="0"/>
+              <a:t> . </a:t>
+            </a:r>
+            <a:r>
+              <a:rPr lang="de-DE" dirty="0" err="1"/>
+              <a:t>It</a:t>
+            </a:r>
+            <a:r>
+              <a:rPr lang="de-DE" dirty="0"/>
+              <a:t> </a:t>
+            </a:r>
+            <a:r>
+              <a:rPr lang="de-DE" dirty="0" err="1"/>
+              <a:t>is</a:t>
+            </a:r>
+            <a:r>
+              <a:rPr lang="de-DE" dirty="0"/>
+              <a:t> </a:t>
+            </a:r>
+            <a:r>
+              <a:rPr lang="de-DE" dirty="0" err="1"/>
+              <a:t>about</a:t>
+            </a:r>
+            <a:r>
+              <a:rPr lang="de-DE" dirty="0"/>
+              <a:t> </a:t>
+            </a:r>
+            <a:r>
+              <a:rPr lang="de-DE" dirty="0" err="1"/>
+              <a:t>representing</a:t>
+            </a:r>
+            <a:r>
+              <a:rPr lang="de-DE" dirty="0"/>
+              <a:t> relational </a:t>
+            </a:r>
+            <a:r>
+              <a:rPr lang="de-DE" dirty="0" err="1"/>
+              <a:t>data</a:t>
+            </a:r>
+            <a:r>
+              <a:rPr lang="de-DE" dirty="0"/>
+              <a:t> </a:t>
+            </a:r>
+            <a:r>
+              <a:rPr lang="de-DE" dirty="0" err="1"/>
+              <a:t>sets</a:t>
+            </a:r>
+            <a:r>
+              <a:rPr lang="de-DE" dirty="0"/>
+              <a:t> </a:t>
+            </a:r>
+            <a:r>
+              <a:rPr lang="de-DE" dirty="0" err="1"/>
+              <a:t>as</a:t>
+            </a:r>
+            <a:r>
+              <a:rPr lang="de-DE" dirty="0"/>
+              <a:t> </a:t>
+            </a:r>
+            <a:r>
+              <a:rPr lang="de-DE" dirty="0" err="1"/>
+              <a:t>objects</a:t>
+            </a:r>
+            <a:r>
+              <a:rPr lang="de-DE" dirty="0"/>
+              <a:t> </a:t>
+            </a:r>
+            <a:r>
+              <a:rPr lang="de-DE" dirty="0" err="1"/>
+              <a:t>and</a:t>
+            </a:r>
+            <a:r>
+              <a:rPr lang="de-DE" dirty="0"/>
+              <a:t> </a:t>
+            </a:r>
+            <a:r>
+              <a:rPr lang="de-DE" dirty="0" err="1"/>
+              <a:t>how</a:t>
+            </a:r>
+            <a:r>
+              <a:rPr lang="de-DE" dirty="0"/>
+              <a:t> </a:t>
+            </a:r>
+            <a:r>
+              <a:rPr lang="de-DE" dirty="0" err="1"/>
+              <a:t>to</a:t>
+            </a:r>
+            <a:r>
+              <a:rPr lang="de-DE" dirty="0"/>
+              <a:t> manage </a:t>
+            </a:r>
+            <a:r>
+              <a:rPr lang="de-DE" dirty="0" err="1"/>
+              <a:t>them</a:t>
+            </a:r>
+            <a:r>
+              <a:rPr lang="de-DE" dirty="0"/>
+              <a:t>. This type </a:t>
+            </a:r>
+            <a:r>
+              <a:rPr lang="de-DE" dirty="0" err="1"/>
+              <a:t>of</a:t>
+            </a:r>
+            <a:r>
+              <a:rPr lang="de-DE" dirty="0"/>
+              <a:t> </a:t>
+            </a:r>
+            <a:r>
+              <a:rPr lang="de-DE" dirty="0" err="1"/>
+              <a:t>model</a:t>
+            </a:r>
+            <a:r>
+              <a:rPr lang="de-DE" dirty="0"/>
+              <a:t> </a:t>
+            </a:r>
+            <a:r>
+              <a:rPr lang="de-DE" dirty="0" err="1"/>
+              <a:t>is</a:t>
+            </a:r>
+            <a:r>
+              <a:rPr lang="de-DE" dirty="0"/>
+              <a:t> </a:t>
+            </a:r>
+            <a:r>
+              <a:rPr lang="de-DE" dirty="0" err="1"/>
+              <a:t>called</a:t>
+            </a:r>
+            <a:r>
+              <a:rPr lang="de-DE" dirty="0"/>
+              <a:t> </a:t>
+            </a:r>
+            <a:r>
+              <a:rPr lang="de-DE" dirty="0" err="1"/>
+              <a:t>object</a:t>
+            </a:r>
+            <a:r>
+              <a:rPr lang="de-DE" dirty="0"/>
+              <a:t> relational </a:t>
+            </a:r>
+            <a:r>
+              <a:rPr lang="de-DE" dirty="0" err="1"/>
+              <a:t>and</a:t>
+            </a:r>
+            <a:r>
+              <a:rPr lang="de-DE" dirty="0"/>
+              <a:t> </a:t>
+            </a:r>
+            <a:r>
+              <a:rPr lang="de-DE" dirty="0" err="1"/>
+              <a:t>allows</a:t>
+            </a:r>
+            <a:r>
+              <a:rPr lang="de-DE" dirty="0"/>
+              <a:t> </a:t>
+            </a:r>
+            <a:r>
+              <a:rPr lang="de-DE" dirty="0" err="1"/>
+              <a:t>you</a:t>
+            </a:r>
+            <a:r>
+              <a:rPr lang="de-DE" dirty="0"/>
+              <a:t> </a:t>
+            </a:r>
+            <a:r>
+              <a:rPr lang="de-DE" dirty="0" err="1"/>
+              <a:t>to</a:t>
+            </a:r>
+            <a:r>
+              <a:rPr lang="de-DE" dirty="0"/>
+              <a:t> </a:t>
+            </a:r>
+            <a:r>
+              <a:rPr lang="de-DE" dirty="0" err="1"/>
+              <a:t>work</a:t>
+            </a:r>
+            <a:r>
+              <a:rPr lang="de-DE" dirty="0"/>
+              <a:t> </a:t>
+            </a:r>
+            <a:r>
+              <a:rPr lang="de-DE" dirty="0" err="1"/>
+              <a:t>without</a:t>
+            </a:r>
+            <a:r>
+              <a:rPr lang="de-DE" dirty="0"/>
+              <a:t> SQL </a:t>
+            </a:r>
+            <a:r>
+              <a:rPr lang="de-DE" dirty="0" err="1"/>
+              <a:t>specific</a:t>
+            </a:r>
+            <a:r>
+              <a:rPr lang="de-DE" dirty="0"/>
+              <a:t> </a:t>
+            </a:r>
+            <a:r>
+              <a:rPr lang="de-DE" dirty="0" err="1"/>
+              <a:t>queries</a:t>
+            </a:r>
+            <a:r>
+              <a:rPr lang="de-DE" dirty="0"/>
+              <a:t>. </a:t>
             </a:r>
           </a:p>
           <a:p>
             <a:r>
-              <a:rPr lang="de-DE" sz="1200" kern="1200" dirty="0">
-                <a:solidFill>
-                  <a:schemeClr val="tx1"/>
-                </a:solidFill>
-                <a:effectLst/>
-                <a:latin typeface="+mn-lt"/>
-                <a:ea typeface="+mn-ea"/>
-                <a:cs typeface="+mn-cs"/>
-              </a:rPr>
-              <a:t>JPA liefert eine Sammlung an Klassen und Methoden, die die Persistenz bei Java Anwendungen in Verknüpfung mit relationalen DB vereinfachen. Es ist nicht mehr notwendig, diese Logik selbst zu implementieren und Fehler zu riskieren. Zusätzlich ist es frei verfügbar, wodurch jeder diese Technologie nutzen kann. Die Schnittstelle wird auch in großen Projekten wie Spring Data (siehe Kapitel 2.7.4) verwendet, wodurch eine noch besser angepasste Entwicklung möglich wird. [19]</a:t>
+              <a:rPr lang="de-DE" dirty="0" err="1"/>
+              <a:t>To</a:t>
+            </a:r>
+            <a:r>
+              <a:rPr lang="de-DE" dirty="0"/>
+              <a:t> </a:t>
+            </a:r>
+            <a:r>
+              <a:rPr lang="de-DE" dirty="0" err="1"/>
+              <a:t>enable</a:t>
+            </a:r>
+            <a:r>
+              <a:rPr lang="de-DE" dirty="0"/>
+              <a:t> an </a:t>
+            </a:r>
+            <a:r>
+              <a:rPr lang="de-DE" dirty="0" err="1"/>
+              <a:t>object</a:t>
+            </a:r>
+            <a:r>
+              <a:rPr lang="de-DE" dirty="0"/>
+              <a:t>-relational </a:t>
+            </a:r>
+            <a:r>
+              <a:rPr lang="de-DE" dirty="0" err="1"/>
+              <a:t>model</a:t>
+            </a:r>
+            <a:r>
+              <a:rPr lang="de-DE" dirty="0"/>
+              <a:t>, </a:t>
+            </a:r>
+            <a:r>
+              <a:rPr lang="de-DE" dirty="0" err="1"/>
+              <a:t>one</a:t>
+            </a:r>
+            <a:r>
+              <a:rPr lang="de-DE" dirty="0"/>
+              <a:t> must </a:t>
+            </a:r>
+            <a:r>
+              <a:rPr lang="de-DE" dirty="0" err="1"/>
+              <a:t>solve</a:t>
+            </a:r>
+            <a:r>
+              <a:rPr lang="de-DE" dirty="0"/>
+              <a:t> </a:t>
+            </a:r>
+            <a:r>
+              <a:rPr lang="de-DE" dirty="0" err="1"/>
+              <a:t>the</a:t>
+            </a:r>
+            <a:r>
+              <a:rPr lang="de-DE" dirty="0"/>
+              <a:t> </a:t>
+            </a:r>
+            <a:r>
+              <a:rPr lang="de-DE" dirty="0" err="1"/>
+              <a:t>problem</a:t>
+            </a:r>
+            <a:r>
+              <a:rPr lang="de-DE" dirty="0"/>
+              <a:t> </a:t>
+            </a:r>
+            <a:r>
+              <a:rPr lang="de-DE" dirty="0" err="1"/>
+              <a:t>of</a:t>
+            </a:r>
+            <a:r>
+              <a:rPr lang="de-DE" dirty="0"/>
+              <a:t> </a:t>
+            </a:r>
+            <a:r>
+              <a:rPr lang="de-DE" dirty="0" err="1"/>
+              <a:t>persistence</a:t>
+            </a:r>
+            <a:r>
+              <a:rPr lang="de-DE" dirty="0"/>
+              <a:t>. </a:t>
+            </a:r>
+            <a:r>
+              <a:rPr lang="de-DE" dirty="0" err="1"/>
+              <a:t>For</a:t>
+            </a:r>
+            <a:r>
+              <a:rPr lang="de-DE" dirty="0"/>
+              <a:t> </a:t>
+            </a:r>
+            <a:r>
+              <a:rPr lang="de-DE" dirty="0" err="1"/>
+              <a:t>this</a:t>
+            </a:r>
+            <a:r>
+              <a:rPr lang="de-DE" dirty="0"/>
+              <a:t> </a:t>
+            </a:r>
+            <a:r>
+              <a:rPr lang="de-DE" dirty="0" err="1"/>
+              <a:t>purpose</a:t>
+            </a:r>
+            <a:r>
+              <a:rPr lang="de-DE" dirty="0"/>
+              <a:t>, </a:t>
+            </a:r>
+            <a:r>
+              <a:rPr lang="de-DE" dirty="0" err="1"/>
+              <a:t>objects</a:t>
+            </a:r>
+            <a:r>
+              <a:rPr lang="de-DE" dirty="0"/>
+              <a:t> must </a:t>
+            </a:r>
+            <a:r>
+              <a:rPr lang="de-DE" dirty="0" err="1"/>
+              <a:t>be</a:t>
+            </a:r>
+            <a:r>
+              <a:rPr lang="de-DE" dirty="0"/>
+              <a:t> </a:t>
+            </a:r>
+            <a:r>
+              <a:rPr lang="de-DE" dirty="0" err="1"/>
+              <a:t>available</a:t>
+            </a:r>
+            <a:r>
+              <a:rPr lang="de-DE" dirty="0"/>
+              <a:t> </a:t>
+            </a:r>
+            <a:r>
+              <a:rPr lang="de-DE" dirty="0" err="1"/>
+              <a:t>again</a:t>
+            </a:r>
+            <a:r>
+              <a:rPr lang="de-DE" dirty="0"/>
+              <a:t> </a:t>
+            </a:r>
+            <a:r>
+              <a:rPr lang="de-DE" dirty="0" err="1"/>
+              <a:t>for</a:t>
+            </a:r>
+            <a:r>
+              <a:rPr lang="de-DE" dirty="0"/>
+              <a:t> </a:t>
+            </a:r>
+            <a:r>
+              <a:rPr lang="de-DE" dirty="0" err="1"/>
+              <a:t>the</a:t>
+            </a:r>
+            <a:r>
+              <a:rPr lang="de-DE" dirty="0"/>
+              <a:t> </a:t>
+            </a:r>
+            <a:r>
+              <a:rPr lang="de-DE" dirty="0" err="1"/>
+              <a:t>next</a:t>
+            </a:r>
+            <a:r>
+              <a:rPr lang="de-DE" dirty="0"/>
+              <a:t> </a:t>
+            </a:r>
+            <a:r>
+              <a:rPr lang="de-DE" dirty="0" err="1"/>
+              <a:t>start</a:t>
+            </a:r>
+            <a:r>
+              <a:rPr lang="de-DE" dirty="0"/>
+              <a:t> after </a:t>
+            </a:r>
+            <a:r>
+              <a:rPr lang="de-DE" dirty="0" err="1"/>
+              <a:t>exiting</a:t>
+            </a:r>
+            <a:r>
+              <a:rPr lang="de-DE" dirty="0"/>
+              <a:t> an </a:t>
+            </a:r>
+            <a:r>
+              <a:rPr lang="de-DE" dirty="0" err="1"/>
+              <a:t>application</a:t>
+            </a:r>
+            <a:r>
+              <a:rPr lang="de-DE" dirty="0"/>
+              <a:t>. This </a:t>
+            </a:r>
+            <a:r>
+              <a:rPr lang="de-DE" dirty="0" err="1"/>
+              <a:t>can</a:t>
+            </a:r>
+            <a:r>
+              <a:rPr lang="de-DE" dirty="0"/>
+              <a:t> </a:t>
+            </a:r>
+            <a:r>
+              <a:rPr lang="de-DE" dirty="0" err="1"/>
+              <a:t>be</a:t>
+            </a:r>
+            <a:r>
+              <a:rPr lang="de-DE" dirty="0"/>
+              <a:t> </a:t>
+            </a:r>
+            <a:r>
+              <a:rPr lang="de-DE" dirty="0" err="1"/>
+              <a:t>achieved</a:t>
+            </a:r>
+            <a:r>
+              <a:rPr lang="de-DE" dirty="0"/>
+              <a:t> </a:t>
+            </a:r>
+            <a:r>
+              <a:rPr lang="de-DE" dirty="0" err="1"/>
+              <a:t>by</a:t>
+            </a:r>
+            <a:r>
+              <a:rPr lang="de-DE" dirty="0"/>
+              <a:t> </a:t>
+            </a:r>
+            <a:r>
+              <a:rPr lang="de-DE" dirty="0" err="1"/>
+              <a:t>extending</a:t>
+            </a:r>
+            <a:r>
+              <a:rPr lang="de-DE" dirty="0"/>
+              <a:t> relational </a:t>
+            </a:r>
+            <a:r>
+              <a:rPr lang="de-DE" dirty="0" err="1"/>
+              <a:t>databases</a:t>
+            </a:r>
+            <a:r>
+              <a:rPr lang="de-DE" dirty="0"/>
+              <a:t> </a:t>
+            </a:r>
+            <a:r>
+              <a:rPr lang="de-DE" dirty="0" err="1"/>
+              <a:t>for</a:t>
+            </a:r>
+            <a:r>
+              <a:rPr lang="de-DE" dirty="0"/>
+              <a:t> </a:t>
+            </a:r>
+            <a:r>
+              <a:rPr lang="de-DE" dirty="0" err="1"/>
+              <a:t>object-oriented</a:t>
+            </a:r>
+            <a:r>
+              <a:rPr lang="de-DE" dirty="0"/>
+              <a:t> </a:t>
+            </a:r>
+            <a:r>
+              <a:rPr lang="de-DE" dirty="0" err="1"/>
+              <a:t>use</a:t>
+            </a:r>
+            <a:r>
+              <a:rPr lang="de-DE" dirty="0"/>
+              <a:t>. Thus, </a:t>
+            </a:r>
+            <a:r>
+              <a:rPr lang="de-DE" dirty="0" err="1"/>
+              <a:t>systems</a:t>
+            </a:r>
+            <a:r>
+              <a:rPr lang="de-DE" dirty="0"/>
+              <a:t> </a:t>
+            </a:r>
+            <a:r>
+              <a:rPr lang="de-DE" dirty="0" err="1"/>
+              <a:t>can</a:t>
+            </a:r>
+            <a:r>
+              <a:rPr lang="de-DE" dirty="0"/>
+              <a:t> </a:t>
+            </a:r>
+            <a:r>
+              <a:rPr lang="de-DE" dirty="0" err="1"/>
+              <a:t>be</a:t>
+            </a:r>
+            <a:r>
+              <a:rPr lang="de-DE" dirty="0"/>
+              <a:t> </a:t>
+            </a:r>
+            <a:r>
+              <a:rPr lang="de-DE" dirty="0" err="1"/>
+              <a:t>used</a:t>
+            </a:r>
+            <a:r>
+              <a:rPr lang="de-DE" dirty="0"/>
+              <a:t> </a:t>
+            </a:r>
+            <a:r>
+              <a:rPr lang="de-DE" dirty="0" err="1"/>
+              <a:t>that</a:t>
+            </a:r>
+            <a:r>
+              <a:rPr lang="de-DE" dirty="0"/>
+              <a:t> </a:t>
+            </a:r>
+            <a:r>
+              <a:rPr lang="de-DE" dirty="0" err="1"/>
+              <a:t>were</a:t>
+            </a:r>
+            <a:r>
+              <a:rPr lang="de-DE" dirty="0"/>
+              <a:t> not </a:t>
+            </a:r>
+            <a:r>
+              <a:rPr lang="de-DE" dirty="0" err="1"/>
+              <a:t>previously</a:t>
+            </a:r>
+            <a:r>
+              <a:rPr lang="de-DE" dirty="0"/>
+              <a:t> </a:t>
+            </a:r>
+            <a:r>
+              <a:rPr lang="de-DE" dirty="0" err="1"/>
+              <a:t>intended</a:t>
+            </a:r>
+            <a:r>
+              <a:rPr lang="de-DE" dirty="0"/>
+              <a:t> </a:t>
+            </a:r>
+            <a:r>
+              <a:rPr lang="de-DE" dirty="0" err="1"/>
+              <a:t>for</a:t>
+            </a:r>
+            <a:r>
+              <a:rPr lang="de-DE" dirty="0"/>
+              <a:t> </a:t>
+            </a:r>
+            <a:r>
+              <a:rPr lang="de-DE" dirty="0" err="1"/>
+              <a:t>this</a:t>
+            </a:r>
+            <a:r>
+              <a:rPr lang="de-DE" dirty="0"/>
+              <a:t> </a:t>
+            </a:r>
+            <a:r>
+              <a:rPr lang="de-DE" dirty="0" err="1"/>
+              <a:t>purpose</a:t>
+            </a:r>
+            <a:r>
+              <a:rPr lang="de-DE" dirty="0"/>
+              <a:t>. </a:t>
+            </a:r>
+            <a:r>
+              <a:rPr lang="de-DE" dirty="0" err="1"/>
+              <a:t>When</a:t>
+            </a:r>
+            <a:r>
+              <a:rPr lang="de-DE" dirty="0"/>
+              <a:t> </a:t>
+            </a:r>
+            <a:r>
+              <a:rPr lang="de-DE" dirty="0" err="1"/>
+              <a:t>the</a:t>
+            </a:r>
+            <a:r>
+              <a:rPr lang="de-DE" dirty="0"/>
+              <a:t> </a:t>
+            </a:r>
+            <a:r>
+              <a:rPr lang="de-DE" dirty="0" err="1"/>
+              <a:t>application</a:t>
+            </a:r>
+            <a:r>
+              <a:rPr lang="de-DE" dirty="0"/>
+              <a:t> </a:t>
+            </a:r>
+            <a:r>
+              <a:rPr lang="de-DE" dirty="0" err="1"/>
+              <a:t>is</a:t>
+            </a:r>
+            <a:r>
+              <a:rPr lang="de-DE" dirty="0"/>
+              <a:t> </a:t>
+            </a:r>
+            <a:r>
+              <a:rPr lang="de-DE" dirty="0" err="1"/>
+              <a:t>restarted</a:t>
+            </a:r>
+            <a:r>
+              <a:rPr lang="de-DE" dirty="0"/>
+              <a:t>, </a:t>
+            </a:r>
+            <a:r>
+              <a:rPr lang="de-DE" dirty="0" err="1"/>
+              <a:t>the</a:t>
+            </a:r>
+            <a:r>
+              <a:rPr lang="de-DE" dirty="0"/>
+              <a:t> </a:t>
+            </a:r>
+            <a:r>
+              <a:rPr lang="de-DE" dirty="0" err="1"/>
+              <a:t>data</a:t>
+            </a:r>
+            <a:r>
+              <a:rPr lang="de-DE" dirty="0"/>
+              <a:t> </a:t>
+            </a:r>
+            <a:r>
+              <a:rPr lang="de-DE" dirty="0" err="1"/>
+              <a:t>is</a:t>
+            </a:r>
+            <a:r>
+              <a:rPr lang="de-DE" dirty="0"/>
+              <a:t> </a:t>
+            </a:r>
+            <a:r>
+              <a:rPr lang="de-DE" dirty="0" err="1"/>
+              <a:t>loaded</a:t>
+            </a:r>
+            <a:r>
+              <a:rPr lang="de-DE" dirty="0"/>
+              <a:t> </a:t>
+            </a:r>
+            <a:r>
+              <a:rPr lang="de-DE" dirty="0" err="1"/>
+              <a:t>from</a:t>
+            </a:r>
+            <a:r>
+              <a:rPr lang="de-DE" dirty="0"/>
+              <a:t> </a:t>
+            </a:r>
+            <a:r>
+              <a:rPr lang="de-DE" dirty="0" err="1"/>
+              <a:t>the</a:t>
+            </a:r>
+            <a:r>
+              <a:rPr lang="de-DE" dirty="0"/>
+              <a:t> DB </a:t>
+            </a:r>
+            <a:r>
+              <a:rPr lang="de-DE" dirty="0" err="1"/>
+              <a:t>and</a:t>
+            </a:r>
+            <a:r>
+              <a:rPr lang="de-DE" dirty="0"/>
+              <a:t> </a:t>
+            </a:r>
+            <a:r>
+              <a:rPr lang="de-DE" dirty="0" err="1"/>
+              <a:t>converted</a:t>
+            </a:r>
+            <a:r>
+              <a:rPr lang="de-DE" dirty="0"/>
+              <a:t> </a:t>
+            </a:r>
+            <a:r>
+              <a:rPr lang="de-DE" dirty="0" err="1"/>
+              <a:t>into</a:t>
+            </a:r>
+            <a:r>
+              <a:rPr lang="de-DE" dirty="0"/>
+              <a:t> </a:t>
+            </a:r>
+            <a:r>
+              <a:rPr lang="de-DE" dirty="0" err="1"/>
+              <a:t>objects</a:t>
+            </a:r>
+            <a:r>
+              <a:rPr lang="de-DE" dirty="0"/>
+              <a:t>. </a:t>
+            </a:r>
+            <a:r>
+              <a:rPr lang="de-DE" dirty="0" err="1"/>
+              <a:t>Later</a:t>
+            </a:r>
+            <a:r>
+              <a:rPr lang="de-DE" dirty="0"/>
+              <a:t> </a:t>
+            </a:r>
+            <a:r>
+              <a:rPr lang="de-DE" dirty="0" err="1"/>
+              <a:t>it</a:t>
+            </a:r>
+            <a:r>
+              <a:rPr lang="de-DE" dirty="0"/>
+              <a:t> </a:t>
+            </a:r>
+            <a:r>
+              <a:rPr lang="de-DE" dirty="0" err="1"/>
+              <a:t>is</a:t>
+            </a:r>
+            <a:r>
+              <a:rPr lang="de-DE" dirty="0"/>
+              <a:t> also </a:t>
+            </a:r>
+            <a:r>
+              <a:rPr lang="de-DE" dirty="0" err="1"/>
+              <a:t>possible</a:t>
+            </a:r>
+            <a:r>
+              <a:rPr lang="de-DE" dirty="0"/>
+              <a:t> </a:t>
+            </a:r>
+            <a:r>
+              <a:rPr lang="de-DE" dirty="0" err="1"/>
+              <a:t>to</a:t>
+            </a:r>
+            <a:r>
+              <a:rPr lang="de-DE" dirty="0"/>
+              <a:t> </a:t>
+            </a:r>
+            <a:r>
+              <a:rPr lang="de-DE" dirty="0" err="1"/>
+              <a:t>use</a:t>
+            </a:r>
+            <a:r>
+              <a:rPr lang="de-DE" dirty="0"/>
+              <a:t> </a:t>
+            </a:r>
+            <a:r>
+              <a:rPr lang="de-DE" dirty="0" err="1"/>
+              <a:t>the</a:t>
+            </a:r>
+            <a:r>
+              <a:rPr lang="de-DE" dirty="0"/>
+              <a:t> </a:t>
+            </a:r>
+            <a:r>
+              <a:rPr lang="de-DE" dirty="0" err="1"/>
+              <a:t>applications</a:t>
+            </a:r>
+            <a:r>
+              <a:rPr lang="de-DE" dirty="0"/>
+              <a:t> in-memory-</a:t>
+            </a:r>
+            <a:r>
+              <a:rPr lang="de-DE" dirty="0" err="1"/>
+              <a:t>database</a:t>
+            </a:r>
+            <a:r>
+              <a:rPr lang="de-DE" dirty="0"/>
+              <a:t> </a:t>
+            </a:r>
+            <a:r>
+              <a:rPr lang="de-DE" dirty="0" err="1"/>
+              <a:t>to</a:t>
+            </a:r>
+            <a:r>
+              <a:rPr lang="de-DE" dirty="0"/>
+              <a:t> do all </a:t>
+            </a:r>
+            <a:r>
+              <a:rPr lang="de-DE" dirty="0" err="1"/>
+              <a:t>this</a:t>
+            </a:r>
+            <a:r>
+              <a:rPr lang="de-DE" dirty="0"/>
+              <a:t> </a:t>
+            </a:r>
+            <a:r>
+              <a:rPr lang="de-DE" dirty="0" err="1"/>
+              <a:t>stuff</a:t>
+            </a:r>
+            <a:r>
+              <a:rPr lang="de-DE" dirty="0"/>
+              <a:t> </a:t>
+            </a:r>
+            <a:r>
+              <a:rPr lang="de-DE" dirty="0" err="1"/>
+              <a:t>completly</a:t>
+            </a:r>
+            <a:r>
+              <a:rPr lang="de-DE" dirty="0"/>
+              <a:t> </a:t>
+            </a:r>
+            <a:r>
+              <a:rPr lang="de-DE" dirty="0" err="1"/>
+              <a:t>without</a:t>
+            </a:r>
+            <a:r>
+              <a:rPr lang="de-DE" dirty="0"/>
+              <a:t> a Database like MySQL.</a:t>
             </a:r>
           </a:p>
           <a:p>
             <a:r>
-              <a:rPr lang="de-DE" sz="1200" kern="1200" dirty="0">
-                <a:solidFill>
-                  <a:schemeClr val="tx1"/>
-                </a:solidFill>
-                <a:effectLst/>
-                <a:latin typeface="+mn-lt"/>
-                <a:ea typeface="+mn-ea"/>
-                <a:cs typeface="+mn-cs"/>
-              </a:rPr>
-              <a:t>Die relational in einer DB gespeicherten Coupons werden mithilfe von JPA auf Coupon-Objekte umgewandelt und mit den Daten befüllt. Dadurch kann man im Code mit den Objekten statt mit einzelnen Datensätzen arbeiten.</a:t>
+              <a:rPr lang="de-DE" dirty="0"/>
+              <a:t>JPA </a:t>
+            </a:r>
+            <a:r>
+              <a:rPr lang="de-DE" dirty="0" err="1"/>
+              <a:t>provides</a:t>
+            </a:r>
+            <a:r>
+              <a:rPr lang="de-DE" dirty="0"/>
+              <a:t> a </a:t>
+            </a:r>
+            <a:r>
+              <a:rPr lang="de-DE" dirty="0" err="1"/>
+              <a:t>collection</a:t>
+            </a:r>
+            <a:r>
+              <a:rPr lang="de-DE" dirty="0"/>
+              <a:t> </a:t>
+            </a:r>
+            <a:r>
+              <a:rPr lang="de-DE" dirty="0" err="1"/>
+              <a:t>of</a:t>
+            </a:r>
+            <a:r>
+              <a:rPr lang="de-DE" dirty="0"/>
+              <a:t> </a:t>
+            </a:r>
+            <a:r>
+              <a:rPr lang="de-DE" dirty="0" err="1"/>
+              <a:t>classes</a:t>
+            </a:r>
+            <a:r>
+              <a:rPr lang="de-DE" dirty="0"/>
+              <a:t> </a:t>
+            </a:r>
+            <a:r>
+              <a:rPr lang="de-DE" dirty="0" err="1"/>
+              <a:t>and</a:t>
+            </a:r>
+            <a:r>
+              <a:rPr lang="de-DE" dirty="0"/>
+              <a:t> </a:t>
+            </a:r>
+            <a:r>
+              <a:rPr lang="de-DE" dirty="0" err="1"/>
+              <a:t>methods</a:t>
+            </a:r>
+            <a:r>
+              <a:rPr lang="de-DE" dirty="0"/>
+              <a:t> </a:t>
+            </a:r>
+            <a:r>
+              <a:rPr lang="de-DE" dirty="0" err="1"/>
+              <a:t>that</a:t>
+            </a:r>
+            <a:r>
+              <a:rPr lang="de-DE" dirty="0"/>
+              <a:t> </a:t>
+            </a:r>
+            <a:r>
+              <a:rPr lang="de-DE" dirty="0" err="1"/>
+              <a:t>simplify</a:t>
+            </a:r>
+            <a:r>
+              <a:rPr lang="de-DE" dirty="0"/>
+              <a:t> </a:t>
+            </a:r>
+            <a:r>
+              <a:rPr lang="de-DE" dirty="0" err="1"/>
+              <a:t>the</a:t>
+            </a:r>
+            <a:r>
+              <a:rPr lang="de-DE" dirty="0"/>
+              <a:t> </a:t>
+            </a:r>
+            <a:r>
+              <a:rPr lang="de-DE" dirty="0" err="1"/>
+              <a:t>persistence</a:t>
+            </a:r>
+            <a:r>
+              <a:rPr lang="de-DE" dirty="0"/>
+              <a:t> </a:t>
+            </a:r>
+            <a:r>
+              <a:rPr lang="de-DE" dirty="0" err="1"/>
+              <a:t>of</a:t>
+            </a:r>
+            <a:r>
+              <a:rPr lang="de-DE" dirty="0"/>
+              <a:t> Java </a:t>
+            </a:r>
+            <a:r>
+              <a:rPr lang="de-DE" dirty="0" err="1"/>
+              <a:t>applications</a:t>
+            </a:r>
+            <a:r>
+              <a:rPr lang="de-DE" dirty="0"/>
+              <a:t> </a:t>
+            </a:r>
+            <a:r>
+              <a:rPr lang="de-DE" dirty="0" err="1"/>
+              <a:t>linked</a:t>
+            </a:r>
+            <a:r>
+              <a:rPr lang="de-DE" dirty="0"/>
+              <a:t> </a:t>
+            </a:r>
+            <a:r>
+              <a:rPr lang="de-DE" dirty="0" err="1"/>
+              <a:t>to</a:t>
+            </a:r>
+            <a:r>
+              <a:rPr lang="de-DE" dirty="0"/>
+              <a:t> relational DB. </a:t>
+            </a:r>
+            <a:r>
+              <a:rPr lang="de-DE" dirty="0" err="1"/>
+              <a:t>It</a:t>
+            </a:r>
+            <a:r>
+              <a:rPr lang="de-DE" dirty="0"/>
+              <a:t> </a:t>
+            </a:r>
+            <a:r>
+              <a:rPr lang="de-DE" dirty="0" err="1"/>
+              <a:t>is</a:t>
+            </a:r>
+            <a:r>
+              <a:rPr lang="de-DE" dirty="0"/>
+              <a:t> </a:t>
+            </a:r>
+            <a:r>
+              <a:rPr lang="de-DE" dirty="0" err="1"/>
+              <a:t>no</a:t>
+            </a:r>
+            <a:r>
+              <a:rPr lang="de-DE" dirty="0"/>
+              <a:t> </a:t>
+            </a:r>
+            <a:r>
+              <a:rPr lang="de-DE" dirty="0" err="1"/>
+              <a:t>longer</a:t>
+            </a:r>
+            <a:r>
+              <a:rPr lang="de-DE" dirty="0"/>
+              <a:t> </a:t>
+            </a:r>
+            <a:r>
+              <a:rPr lang="de-DE" dirty="0" err="1"/>
+              <a:t>necessary</a:t>
+            </a:r>
+            <a:r>
+              <a:rPr lang="de-DE" dirty="0"/>
+              <a:t> </a:t>
+            </a:r>
+            <a:r>
+              <a:rPr lang="de-DE" dirty="0" err="1"/>
+              <a:t>to</a:t>
+            </a:r>
+            <a:r>
+              <a:rPr lang="de-DE" dirty="0"/>
+              <a:t> </a:t>
+            </a:r>
+            <a:r>
+              <a:rPr lang="de-DE" dirty="0" err="1"/>
+              <a:t>implement</a:t>
+            </a:r>
+            <a:r>
+              <a:rPr lang="de-DE" dirty="0"/>
+              <a:t> </a:t>
+            </a:r>
+            <a:r>
+              <a:rPr lang="de-DE" dirty="0" err="1"/>
+              <a:t>this</a:t>
+            </a:r>
+            <a:r>
+              <a:rPr lang="de-DE" dirty="0"/>
+              <a:t> </a:t>
+            </a:r>
+            <a:r>
+              <a:rPr lang="de-DE" dirty="0" err="1"/>
+              <a:t>logic</a:t>
+            </a:r>
+            <a:r>
+              <a:rPr lang="de-DE" dirty="0"/>
+              <a:t> </a:t>
+            </a:r>
+            <a:r>
+              <a:rPr lang="de-DE" dirty="0" err="1"/>
+              <a:t>yourself</a:t>
+            </a:r>
+            <a:r>
+              <a:rPr lang="de-DE" dirty="0"/>
+              <a:t> </a:t>
+            </a:r>
+            <a:r>
+              <a:rPr lang="de-DE" dirty="0" err="1"/>
+              <a:t>and</a:t>
+            </a:r>
+            <a:r>
+              <a:rPr lang="de-DE" dirty="0"/>
+              <a:t> </a:t>
+            </a:r>
+            <a:r>
+              <a:rPr lang="de-DE" dirty="0" err="1"/>
+              <a:t>to</a:t>
+            </a:r>
+            <a:r>
+              <a:rPr lang="de-DE" dirty="0"/>
+              <a:t> </a:t>
+            </a:r>
+            <a:r>
+              <a:rPr lang="de-DE" dirty="0" err="1"/>
+              <a:t>risk</a:t>
+            </a:r>
+            <a:r>
+              <a:rPr lang="de-DE" dirty="0"/>
+              <a:t> </a:t>
+            </a:r>
+            <a:r>
+              <a:rPr lang="de-DE" dirty="0" err="1"/>
+              <a:t>mistakes</a:t>
+            </a:r>
+            <a:r>
+              <a:rPr lang="de-DE" dirty="0"/>
+              <a:t>. In </a:t>
+            </a:r>
+            <a:r>
+              <a:rPr lang="de-DE" dirty="0" err="1"/>
+              <a:t>addition</a:t>
+            </a:r>
+            <a:r>
+              <a:rPr lang="de-DE" dirty="0"/>
+              <a:t>, </a:t>
+            </a:r>
+            <a:r>
+              <a:rPr lang="de-DE" dirty="0" err="1"/>
+              <a:t>it</a:t>
+            </a:r>
+            <a:r>
+              <a:rPr lang="de-DE" dirty="0"/>
+              <a:t> </a:t>
+            </a:r>
+            <a:r>
+              <a:rPr lang="de-DE" dirty="0" err="1"/>
+              <a:t>is</a:t>
+            </a:r>
+            <a:r>
+              <a:rPr lang="de-DE" dirty="0"/>
+              <a:t> </a:t>
+            </a:r>
+            <a:r>
+              <a:rPr lang="de-DE" dirty="0" err="1"/>
+              <a:t>freely</a:t>
+            </a:r>
+            <a:r>
+              <a:rPr lang="de-DE" dirty="0"/>
+              <a:t> </a:t>
+            </a:r>
+            <a:r>
+              <a:rPr lang="de-DE" dirty="0" err="1"/>
+              <a:t>available</a:t>
+            </a:r>
+            <a:r>
+              <a:rPr lang="de-DE" dirty="0"/>
+              <a:t>, </a:t>
+            </a:r>
+            <a:r>
+              <a:rPr lang="de-DE" dirty="0" err="1"/>
+              <a:t>which</a:t>
+            </a:r>
+            <a:r>
+              <a:rPr lang="de-DE" dirty="0"/>
+              <a:t> </a:t>
+            </a:r>
+            <a:r>
+              <a:rPr lang="de-DE" dirty="0" err="1"/>
+              <a:t>allows</a:t>
+            </a:r>
+            <a:r>
+              <a:rPr lang="de-DE" dirty="0"/>
+              <a:t> </a:t>
+            </a:r>
+            <a:r>
+              <a:rPr lang="de-DE" dirty="0" err="1"/>
+              <a:t>anyone</a:t>
+            </a:r>
+            <a:r>
+              <a:rPr lang="de-DE" dirty="0"/>
+              <a:t> </a:t>
+            </a:r>
+            <a:r>
+              <a:rPr lang="de-DE" dirty="0" err="1"/>
+              <a:t>to</a:t>
+            </a:r>
+            <a:r>
+              <a:rPr lang="de-DE" dirty="0"/>
+              <a:t> </a:t>
+            </a:r>
+            <a:r>
+              <a:rPr lang="de-DE" dirty="0" err="1"/>
+              <a:t>use</a:t>
+            </a:r>
+            <a:r>
+              <a:rPr lang="de-DE" dirty="0"/>
+              <a:t> </a:t>
+            </a:r>
+            <a:r>
+              <a:rPr lang="de-DE" dirty="0" err="1"/>
+              <a:t>this</a:t>
+            </a:r>
+            <a:r>
+              <a:rPr lang="de-DE" dirty="0"/>
+              <a:t> </a:t>
+            </a:r>
+            <a:r>
+              <a:rPr lang="de-DE" dirty="0" err="1"/>
+              <a:t>technology</a:t>
+            </a:r>
+            <a:r>
+              <a:rPr lang="de-DE" dirty="0"/>
+              <a:t>. </a:t>
             </a:r>
           </a:p>
           <a:p>
-            <a:endParaRPr lang="de-DE" dirty="0"/>
+            <a:r>
+              <a:rPr lang="de-DE" dirty="0"/>
+              <a:t>The </a:t>
+            </a:r>
+            <a:r>
+              <a:rPr lang="de-DE" dirty="0" err="1"/>
+              <a:t>relationally</a:t>
+            </a:r>
+            <a:r>
+              <a:rPr lang="de-DE" dirty="0"/>
+              <a:t> </a:t>
+            </a:r>
+            <a:r>
+              <a:rPr lang="de-DE" dirty="0" err="1"/>
+              <a:t>stored</a:t>
+            </a:r>
+            <a:r>
+              <a:rPr lang="de-DE" dirty="0"/>
+              <a:t> </a:t>
+            </a:r>
+            <a:r>
+              <a:rPr lang="de-DE" dirty="0" err="1"/>
+              <a:t>data</a:t>
+            </a:r>
+            <a:r>
+              <a:rPr lang="de-DE" dirty="0"/>
+              <a:t> in a DB </a:t>
+            </a:r>
+            <a:r>
+              <a:rPr lang="de-DE" dirty="0" err="1"/>
+              <a:t>is</a:t>
+            </a:r>
+            <a:r>
+              <a:rPr lang="de-DE" dirty="0"/>
+              <a:t> </a:t>
+            </a:r>
+            <a:r>
+              <a:rPr lang="de-DE" dirty="0" err="1"/>
+              <a:t>converted</a:t>
+            </a:r>
+            <a:r>
+              <a:rPr lang="de-DE" dirty="0"/>
+              <a:t> </a:t>
+            </a:r>
+            <a:r>
+              <a:rPr lang="de-DE" dirty="0" err="1"/>
+              <a:t>to</a:t>
+            </a:r>
+            <a:r>
+              <a:rPr lang="de-DE" dirty="0"/>
+              <a:t> </a:t>
+            </a:r>
+            <a:r>
+              <a:rPr lang="de-DE" dirty="0" err="1"/>
+              <a:t>java</a:t>
+            </a:r>
+            <a:r>
+              <a:rPr lang="de-DE" dirty="0"/>
+              <a:t> </a:t>
+            </a:r>
+            <a:r>
+              <a:rPr lang="de-DE" dirty="0" err="1"/>
+              <a:t>objects</a:t>
+            </a:r>
+            <a:r>
+              <a:rPr lang="de-DE" dirty="0"/>
+              <a:t> </a:t>
+            </a:r>
+            <a:r>
+              <a:rPr lang="de-DE" dirty="0" err="1"/>
+              <a:t>using</a:t>
+            </a:r>
+            <a:r>
+              <a:rPr lang="de-DE" dirty="0"/>
+              <a:t> JPA </a:t>
+            </a:r>
+            <a:r>
+              <a:rPr lang="de-DE" dirty="0" err="1"/>
+              <a:t>and</a:t>
+            </a:r>
+            <a:r>
+              <a:rPr lang="de-DE" dirty="0"/>
+              <a:t> </a:t>
+            </a:r>
+            <a:r>
+              <a:rPr lang="de-DE" dirty="0" err="1"/>
+              <a:t>populated</a:t>
+            </a:r>
+            <a:r>
+              <a:rPr lang="de-DE" dirty="0"/>
+              <a:t> </a:t>
+            </a:r>
+            <a:r>
+              <a:rPr lang="de-DE" dirty="0" err="1"/>
+              <a:t>with</a:t>
+            </a:r>
+            <a:r>
+              <a:rPr lang="de-DE" dirty="0"/>
+              <a:t> </a:t>
+            </a:r>
+            <a:r>
+              <a:rPr lang="de-DE" dirty="0" err="1"/>
+              <a:t>the</a:t>
+            </a:r>
+            <a:r>
+              <a:rPr lang="de-DE" dirty="0"/>
+              <a:t> </a:t>
+            </a:r>
+            <a:r>
+              <a:rPr lang="de-DE" dirty="0" err="1"/>
+              <a:t>data</a:t>
+            </a:r>
+            <a:r>
+              <a:rPr lang="de-DE" dirty="0"/>
+              <a:t>. This </a:t>
+            </a:r>
+            <a:r>
+              <a:rPr lang="de-DE" dirty="0" err="1"/>
+              <a:t>allows</a:t>
+            </a:r>
+            <a:r>
+              <a:rPr lang="de-DE" dirty="0"/>
+              <a:t> </a:t>
+            </a:r>
+            <a:r>
+              <a:rPr lang="de-DE" dirty="0" err="1"/>
+              <a:t>you</a:t>
+            </a:r>
+            <a:r>
+              <a:rPr lang="de-DE" dirty="0"/>
+              <a:t> </a:t>
+            </a:r>
+            <a:r>
+              <a:rPr lang="de-DE" dirty="0" err="1"/>
+              <a:t>to</a:t>
+            </a:r>
+            <a:r>
+              <a:rPr lang="de-DE" dirty="0"/>
+              <a:t> </a:t>
+            </a:r>
+            <a:r>
+              <a:rPr lang="de-DE" dirty="0" err="1"/>
+              <a:t>work</a:t>
+            </a:r>
+            <a:r>
+              <a:rPr lang="de-DE" dirty="0"/>
+              <a:t> </a:t>
+            </a:r>
+            <a:r>
+              <a:rPr lang="de-DE" dirty="0" err="1"/>
+              <a:t>with</a:t>
+            </a:r>
+            <a:r>
+              <a:rPr lang="de-DE" dirty="0"/>
+              <a:t> </a:t>
+            </a:r>
+            <a:r>
+              <a:rPr lang="de-DE" dirty="0" err="1"/>
+              <a:t>the</a:t>
+            </a:r>
+            <a:r>
+              <a:rPr lang="de-DE" dirty="0"/>
+              <a:t> </a:t>
+            </a:r>
+            <a:r>
+              <a:rPr lang="de-DE" dirty="0" err="1"/>
+              <a:t>objects</a:t>
+            </a:r>
+            <a:r>
+              <a:rPr lang="de-DE" dirty="0"/>
+              <a:t> in </a:t>
+            </a:r>
+            <a:r>
+              <a:rPr lang="de-DE" dirty="0" err="1"/>
+              <a:t>the</a:t>
+            </a:r>
+            <a:r>
+              <a:rPr lang="de-DE" dirty="0"/>
+              <a:t> </a:t>
+            </a:r>
+            <a:r>
+              <a:rPr lang="de-DE" dirty="0" err="1"/>
+              <a:t>code</a:t>
+            </a:r>
+            <a:r>
+              <a:rPr lang="de-DE" dirty="0"/>
+              <a:t> </a:t>
+            </a:r>
+            <a:r>
+              <a:rPr lang="de-DE" dirty="0" err="1"/>
+              <a:t>rather</a:t>
+            </a:r>
+            <a:r>
+              <a:rPr lang="de-DE" dirty="0"/>
+              <a:t> </a:t>
+            </a:r>
+            <a:r>
+              <a:rPr lang="de-DE" dirty="0" err="1"/>
+              <a:t>than</a:t>
+            </a:r>
+            <a:r>
+              <a:rPr lang="de-DE" dirty="0"/>
+              <a:t> </a:t>
+            </a:r>
+            <a:r>
+              <a:rPr lang="de-DE" dirty="0" err="1"/>
+              <a:t>with</a:t>
+            </a:r>
+            <a:r>
+              <a:rPr lang="de-DE" dirty="0"/>
+              <a:t> individual </a:t>
+            </a:r>
+            <a:r>
+              <a:rPr lang="de-DE" dirty="0" err="1"/>
+              <a:t>records</a:t>
+            </a:r>
+            <a:r>
+              <a:rPr lang="de-DE" dirty="0"/>
+              <a:t>.</a:t>
+            </a:r>
           </a:p>
         </p:txBody>
       </p:sp>
@@ -841,24 +3618,1857 @@
                 <a:ea typeface="+mn-ea"/>
                 <a:cs typeface="+mn-cs"/>
               </a:rPr>
-              <a:t>Obwohl eine Webseite meistens das Einzige ist, was ein Benutzer zu sehen bekommt, geschieht der größte Teil im Hintergrund, dem Back-End. Hier werden Daten gespeichert, verarbeitet und später im Front-End dargestellt. </a:t>
+              <a:t>So </a:t>
+            </a:r>
+            <a:r>
+              <a:rPr lang="de-DE" sz="1200" kern="1200" dirty="0" err="1">
+                <a:solidFill>
+                  <a:schemeClr val="tx1"/>
+                </a:solidFill>
+                <a:effectLst/>
+                <a:latin typeface="+mn-lt"/>
+                <a:ea typeface="+mn-ea"/>
+                <a:cs typeface="+mn-cs"/>
+              </a:rPr>
+              <a:t>now</a:t>
+            </a:r>
+            <a:r>
+              <a:rPr lang="de-DE" sz="1200" kern="1200" dirty="0">
+                <a:solidFill>
+                  <a:schemeClr val="tx1"/>
+                </a:solidFill>
+                <a:effectLst/>
+                <a:latin typeface="+mn-lt"/>
+                <a:ea typeface="+mn-ea"/>
+                <a:cs typeface="+mn-cs"/>
+              </a:rPr>
+              <a:t>: </a:t>
+            </a:r>
+            <a:r>
+              <a:rPr lang="de-DE" sz="1200" kern="1200" dirty="0" err="1">
+                <a:solidFill>
+                  <a:schemeClr val="tx1"/>
+                </a:solidFill>
+                <a:effectLst/>
+                <a:latin typeface="+mn-lt"/>
+                <a:ea typeface="+mn-ea"/>
+                <a:cs typeface="+mn-cs"/>
+              </a:rPr>
+              <a:t>what</a:t>
+            </a:r>
+            <a:r>
+              <a:rPr lang="de-DE" sz="1200" kern="1200" dirty="0">
+                <a:solidFill>
+                  <a:schemeClr val="tx1"/>
+                </a:solidFill>
+                <a:effectLst/>
+                <a:latin typeface="+mn-lt"/>
+                <a:ea typeface="+mn-ea"/>
+                <a:cs typeface="+mn-cs"/>
+              </a:rPr>
+              <a:t> </a:t>
+            </a:r>
+            <a:r>
+              <a:rPr lang="de-DE" sz="1200" kern="1200" dirty="0" err="1">
+                <a:solidFill>
+                  <a:schemeClr val="tx1"/>
+                </a:solidFill>
+                <a:effectLst/>
+                <a:latin typeface="+mn-lt"/>
+                <a:ea typeface="+mn-ea"/>
+                <a:cs typeface="+mn-cs"/>
+              </a:rPr>
+              <a:t>is</a:t>
+            </a:r>
+            <a:r>
+              <a:rPr lang="de-DE" sz="1200" kern="1200" dirty="0">
+                <a:solidFill>
+                  <a:schemeClr val="tx1"/>
+                </a:solidFill>
+                <a:effectLst/>
+                <a:latin typeface="+mn-lt"/>
+                <a:ea typeface="+mn-ea"/>
+                <a:cs typeface="+mn-cs"/>
+              </a:rPr>
+              <a:t> </a:t>
+            </a:r>
+            <a:r>
+              <a:rPr lang="de-DE" sz="1200" kern="1200" dirty="0" err="1">
+                <a:solidFill>
+                  <a:schemeClr val="tx1"/>
+                </a:solidFill>
+                <a:effectLst/>
+                <a:latin typeface="+mn-lt"/>
+                <a:ea typeface="+mn-ea"/>
+                <a:cs typeface="+mn-cs"/>
+              </a:rPr>
+              <a:t>the</a:t>
+            </a:r>
+            <a:r>
+              <a:rPr lang="de-DE" sz="1200" kern="1200" dirty="0">
+                <a:solidFill>
+                  <a:schemeClr val="tx1"/>
+                </a:solidFill>
+                <a:effectLst/>
+                <a:latin typeface="+mn-lt"/>
+                <a:ea typeface="+mn-ea"/>
+                <a:cs typeface="+mn-cs"/>
+              </a:rPr>
+              <a:t> Spring Data JPA? </a:t>
             </a:r>
           </a:p>
           <a:p>
-            <a:r>
-              <a:rPr lang="de-DE" sz="1200" kern="1200" dirty="0">
-                <a:solidFill>
-                  <a:schemeClr val="tx1"/>
-                </a:solidFill>
-                <a:effectLst/>
-                <a:latin typeface="+mn-lt"/>
-                <a:ea typeface="+mn-ea"/>
-                <a:cs typeface="+mn-cs"/>
-              </a:rPr>
-              <a:t>In den Kapiteln 2.3 und 2.4 wurden DBMS und die JPA bereits erklärt. Diese bilden einen Grundbaustein für das Framework Spring Data, welches ebenfalls die Entwicklung vereinfachen soll. Gerade wenn es um persistente Daten geht, gibt es viele Prozesse die sich wiederholen und Fehler verursachen können. Bei Abfragen an der Datenbank muss eine Verbindung hergestellt werden, verschiedene Ausnahmefälle berücksichtigt und die Verbindung wieder geschlossen werden. Wenn man etwas falsch macht, kann man schnell Daten verlieren oder sie unbeabsichtigt löschen. Um dieses Risiko zu umgehen, verwendet man Spring Data und kann sich auf die Geschäftslogik und interne Datenverarbeitung konzentrieren, statt jedes Mal eigenen Code für DB Zugriffe zu schreiben. Außerdem gibt es viele verschiedene DBMS welche zwar dasselbe Ziel verfolgen, aber unter Umständen ihre Eigenheiten haben (siehe Kapitel 2.3.3). Vor allem für diesen Fall ist es vorteilhaft, mit Spring Data zu arbeiten, da es weitere Module für die verschiedenen Datenbankarten gibt. </a:t>
-            </a:r>
+            <a:endParaRPr lang="de-DE" sz="1200" kern="1200" dirty="0">
+              <a:solidFill>
+                <a:schemeClr val="tx1"/>
+              </a:solidFill>
+              <a:effectLst/>
+              <a:latin typeface="+mn-lt"/>
+              <a:ea typeface="+mn-ea"/>
+              <a:cs typeface="+mn-cs"/>
+            </a:endParaRPr>
           </a:p>
           <a:p>
+            <a:pPr marL="0" marR="0" lvl="0" indent="0" algn="l" defTabSz="914400" rtl="0" eaLnBrk="1" fontAlgn="auto" latinLnBrk="0" hangingPunct="1">
+              <a:lnSpc>
+                <a:spcPct val="100000"/>
+              </a:lnSpc>
+              <a:spcBef>
+                <a:spcPts val="0"/>
+              </a:spcBef>
+              <a:spcAft>
+                <a:spcPts val="0"/>
+              </a:spcAft>
+              <a:buClrTx/>
+              <a:buSzTx/>
+              <a:buFontTx/>
+              <a:buNone/>
+              <a:tabLst/>
+              <a:defRPr/>
+            </a:pPr>
+            <a:r>
+              <a:rPr lang="de-DE" dirty="0"/>
+              <a:t>Spring Data JPA, </a:t>
+            </a:r>
+            <a:r>
+              <a:rPr lang="de-DE" dirty="0" err="1"/>
+              <a:t>part</a:t>
+            </a:r>
+            <a:r>
+              <a:rPr lang="de-DE" dirty="0"/>
+              <a:t> </a:t>
+            </a:r>
+            <a:r>
+              <a:rPr lang="de-DE" dirty="0" err="1"/>
+              <a:t>of</a:t>
+            </a:r>
+            <a:r>
+              <a:rPr lang="de-DE" dirty="0"/>
+              <a:t> </a:t>
+            </a:r>
+            <a:r>
+              <a:rPr lang="de-DE" dirty="0" err="1"/>
+              <a:t>the</a:t>
+            </a:r>
+            <a:r>
+              <a:rPr lang="de-DE" dirty="0"/>
+              <a:t> larger </a:t>
+            </a:r>
+            <a:r>
+              <a:rPr lang="de-DE" dirty="0">
+                <a:hlinkClick r:id="rId3"/>
+              </a:rPr>
+              <a:t>Spring Data</a:t>
+            </a:r>
+            <a:r>
+              <a:rPr lang="de-DE" dirty="0"/>
+              <a:t> </a:t>
+            </a:r>
+            <a:r>
+              <a:rPr lang="de-DE" dirty="0" err="1"/>
+              <a:t>family</a:t>
+            </a:r>
+            <a:r>
+              <a:rPr lang="de-DE" dirty="0"/>
+              <a:t>, </a:t>
+            </a:r>
+            <a:r>
+              <a:rPr lang="de-DE" dirty="0" err="1"/>
+              <a:t>makes</a:t>
+            </a:r>
+            <a:r>
+              <a:rPr lang="de-DE" dirty="0"/>
+              <a:t> </a:t>
+            </a:r>
+            <a:r>
+              <a:rPr lang="de-DE" dirty="0" err="1"/>
+              <a:t>it</a:t>
+            </a:r>
+            <a:r>
+              <a:rPr lang="de-DE" dirty="0"/>
+              <a:t> easy </a:t>
+            </a:r>
+            <a:r>
+              <a:rPr lang="de-DE" dirty="0" err="1"/>
+              <a:t>to</a:t>
+            </a:r>
+            <a:r>
+              <a:rPr lang="de-DE" dirty="0"/>
+              <a:t> </a:t>
+            </a:r>
+            <a:r>
+              <a:rPr lang="de-DE" dirty="0" err="1"/>
+              <a:t>easily</a:t>
+            </a:r>
+            <a:r>
+              <a:rPr lang="de-DE" dirty="0"/>
+              <a:t> </a:t>
+            </a:r>
+            <a:r>
+              <a:rPr lang="de-DE" dirty="0" err="1"/>
+              <a:t>implement</a:t>
+            </a:r>
+            <a:r>
+              <a:rPr lang="de-DE" dirty="0"/>
+              <a:t> JPA </a:t>
+            </a:r>
+            <a:r>
+              <a:rPr lang="de-DE" dirty="0" err="1"/>
+              <a:t>based</a:t>
+            </a:r>
+            <a:r>
+              <a:rPr lang="de-DE" dirty="0"/>
+              <a:t> </a:t>
+            </a:r>
+            <a:r>
+              <a:rPr lang="de-DE" dirty="0" err="1"/>
+              <a:t>repositories</a:t>
+            </a:r>
+            <a:r>
+              <a:rPr lang="de-DE" dirty="0"/>
+              <a:t>. This </a:t>
+            </a:r>
+            <a:r>
+              <a:rPr lang="de-DE" dirty="0" err="1"/>
+              <a:t>module</a:t>
+            </a:r>
+            <a:r>
+              <a:rPr lang="de-DE" dirty="0"/>
+              <a:t> </a:t>
+            </a:r>
+            <a:r>
+              <a:rPr lang="de-DE" dirty="0" err="1"/>
+              <a:t>deals</a:t>
+            </a:r>
+            <a:r>
+              <a:rPr lang="de-DE" dirty="0"/>
+              <a:t> </a:t>
+            </a:r>
+            <a:r>
+              <a:rPr lang="de-DE" dirty="0" err="1"/>
+              <a:t>with</a:t>
+            </a:r>
+            <a:r>
+              <a:rPr lang="de-DE" dirty="0"/>
+              <a:t> </a:t>
+            </a:r>
+            <a:r>
+              <a:rPr lang="de-DE" dirty="0" err="1"/>
+              <a:t>enhanced</a:t>
+            </a:r>
+            <a:r>
+              <a:rPr lang="de-DE" dirty="0"/>
+              <a:t> </a:t>
+            </a:r>
+            <a:r>
+              <a:rPr lang="de-DE" dirty="0" err="1"/>
+              <a:t>support</a:t>
+            </a:r>
+            <a:r>
+              <a:rPr lang="de-DE" dirty="0"/>
+              <a:t> </a:t>
+            </a:r>
+            <a:r>
+              <a:rPr lang="de-DE" dirty="0" err="1"/>
+              <a:t>for</a:t>
+            </a:r>
+            <a:r>
+              <a:rPr lang="de-DE" dirty="0"/>
+              <a:t> JPA </a:t>
+            </a:r>
+            <a:r>
+              <a:rPr lang="de-DE" dirty="0" err="1"/>
+              <a:t>based</a:t>
+            </a:r>
+            <a:r>
+              <a:rPr lang="de-DE" dirty="0"/>
+              <a:t> </a:t>
+            </a:r>
+            <a:r>
+              <a:rPr lang="de-DE" dirty="0" err="1"/>
+              <a:t>data</a:t>
+            </a:r>
+            <a:r>
+              <a:rPr lang="de-DE" dirty="0"/>
+              <a:t> </a:t>
+            </a:r>
+            <a:r>
+              <a:rPr lang="de-DE" dirty="0" err="1"/>
+              <a:t>access</a:t>
+            </a:r>
+            <a:r>
+              <a:rPr lang="de-DE" dirty="0"/>
+              <a:t> </a:t>
+            </a:r>
+            <a:r>
+              <a:rPr lang="de-DE" dirty="0" err="1"/>
+              <a:t>layers</a:t>
+            </a:r>
+            <a:r>
+              <a:rPr lang="de-DE" dirty="0"/>
+              <a:t>. </a:t>
+            </a:r>
+            <a:r>
+              <a:rPr lang="de-DE" dirty="0" err="1"/>
+              <a:t>It</a:t>
+            </a:r>
+            <a:r>
+              <a:rPr lang="de-DE" dirty="0"/>
+              <a:t> </a:t>
+            </a:r>
+            <a:r>
+              <a:rPr lang="de-DE" dirty="0" err="1"/>
+              <a:t>makes</a:t>
+            </a:r>
+            <a:r>
+              <a:rPr lang="de-DE" dirty="0"/>
+              <a:t> </a:t>
+            </a:r>
+            <a:r>
+              <a:rPr lang="de-DE" dirty="0" err="1"/>
+              <a:t>it</a:t>
+            </a:r>
+            <a:r>
+              <a:rPr lang="de-DE" dirty="0"/>
+              <a:t> </a:t>
+            </a:r>
+            <a:r>
+              <a:rPr lang="de-DE" dirty="0" err="1"/>
+              <a:t>easier</a:t>
+            </a:r>
+            <a:r>
+              <a:rPr lang="de-DE" dirty="0"/>
+              <a:t> </a:t>
+            </a:r>
+            <a:r>
+              <a:rPr lang="de-DE" dirty="0" err="1"/>
+              <a:t>to</a:t>
+            </a:r>
+            <a:r>
+              <a:rPr lang="de-DE" dirty="0"/>
+              <a:t> </a:t>
+            </a:r>
+            <a:r>
+              <a:rPr lang="de-DE" dirty="0" err="1"/>
+              <a:t>build</a:t>
+            </a:r>
+            <a:r>
+              <a:rPr lang="de-DE" dirty="0"/>
+              <a:t> Spring-</a:t>
+            </a:r>
+            <a:r>
+              <a:rPr lang="de-DE" dirty="0" err="1"/>
+              <a:t>powered</a:t>
+            </a:r>
+            <a:r>
+              <a:rPr lang="de-DE" dirty="0"/>
+              <a:t> </a:t>
+            </a:r>
+            <a:r>
+              <a:rPr lang="de-DE" dirty="0" err="1"/>
+              <a:t>applications</a:t>
+            </a:r>
+            <a:r>
+              <a:rPr lang="de-DE" dirty="0"/>
+              <a:t> </a:t>
+            </a:r>
+            <a:r>
+              <a:rPr lang="de-DE" dirty="0" err="1"/>
+              <a:t>that</a:t>
+            </a:r>
+            <a:r>
+              <a:rPr lang="de-DE" dirty="0"/>
+              <a:t> </a:t>
+            </a:r>
+            <a:r>
+              <a:rPr lang="de-DE" dirty="0" err="1"/>
+              <a:t>use</a:t>
+            </a:r>
+            <a:r>
+              <a:rPr lang="de-DE" dirty="0"/>
+              <a:t> </a:t>
+            </a:r>
+            <a:r>
+              <a:rPr lang="de-DE" dirty="0" err="1"/>
+              <a:t>data</a:t>
+            </a:r>
+            <a:r>
+              <a:rPr lang="de-DE" dirty="0"/>
+              <a:t> </a:t>
+            </a:r>
+            <a:r>
+              <a:rPr lang="de-DE" dirty="0" err="1"/>
+              <a:t>access</a:t>
+            </a:r>
+            <a:r>
+              <a:rPr lang="de-DE" dirty="0"/>
+              <a:t> </a:t>
+            </a:r>
+            <a:r>
+              <a:rPr lang="de-DE" dirty="0" err="1"/>
+              <a:t>technologies</a:t>
+            </a:r>
+            <a:r>
+              <a:rPr lang="de-DE" dirty="0"/>
+              <a:t>.</a:t>
+            </a:r>
+            <a:endParaRPr lang="de-DE" sz="1200" kern="1200" dirty="0">
+              <a:solidFill>
+                <a:schemeClr val="tx1"/>
+              </a:solidFill>
+              <a:effectLst/>
+              <a:latin typeface="+mn-lt"/>
+              <a:ea typeface="+mn-ea"/>
+              <a:cs typeface="+mn-cs"/>
+            </a:endParaRPr>
+          </a:p>
+          <a:p>
+            <a:r>
+              <a:rPr lang="de-DE" sz="1200" b="0" i="0" kern="1200" dirty="0" err="1">
+                <a:solidFill>
+                  <a:schemeClr val="tx1"/>
+                </a:solidFill>
+                <a:effectLst/>
+                <a:latin typeface="+mn-lt"/>
+                <a:ea typeface="+mn-ea"/>
+                <a:cs typeface="+mn-cs"/>
+              </a:rPr>
+              <a:t>Implementing</a:t>
+            </a:r>
+            <a:r>
+              <a:rPr lang="de-DE" sz="1200" b="0" i="0" kern="1200" dirty="0">
+                <a:solidFill>
+                  <a:schemeClr val="tx1"/>
+                </a:solidFill>
+                <a:effectLst/>
+                <a:latin typeface="+mn-lt"/>
+                <a:ea typeface="+mn-ea"/>
+                <a:cs typeface="+mn-cs"/>
+              </a:rPr>
+              <a:t> a </a:t>
+            </a:r>
+            <a:r>
+              <a:rPr lang="de-DE" sz="1200" b="0" i="0" kern="1200" dirty="0" err="1">
+                <a:solidFill>
+                  <a:schemeClr val="tx1"/>
+                </a:solidFill>
+                <a:effectLst/>
+                <a:latin typeface="+mn-lt"/>
+                <a:ea typeface="+mn-ea"/>
+                <a:cs typeface="+mn-cs"/>
+              </a:rPr>
+              <a:t>data</a:t>
+            </a:r>
+            <a:r>
+              <a:rPr lang="de-DE" sz="1200" b="0" i="0" kern="1200" dirty="0">
+                <a:solidFill>
+                  <a:schemeClr val="tx1"/>
+                </a:solidFill>
+                <a:effectLst/>
+                <a:latin typeface="+mn-lt"/>
+                <a:ea typeface="+mn-ea"/>
+                <a:cs typeface="+mn-cs"/>
+              </a:rPr>
+              <a:t> </a:t>
+            </a:r>
+            <a:r>
+              <a:rPr lang="de-DE" sz="1200" b="0" i="0" kern="1200" dirty="0" err="1">
+                <a:solidFill>
+                  <a:schemeClr val="tx1"/>
+                </a:solidFill>
+                <a:effectLst/>
+                <a:latin typeface="+mn-lt"/>
+                <a:ea typeface="+mn-ea"/>
+                <a:cs typeface="+mn-cs"/>
+              </a:rPr>
+              <a:t>access</a:t>
+            </a:r>
+            <a:r>
+              <a:rPr lang="de-DE" sz="1200" b="0" i="0" kern="1200" dirty="0">
+                <a:solidFill>
+                  <a:schemeClr val="tx1"/>
+                </a:solidFill>
+                <a:effectLst/>
+                <a:latin typeface="+mn-lt"/>
+                <a:ea typeface="+mn-ea"/>
+                <a:cs typeface="+mn-cs"/>
+              </a:rPr>
+              <a:t> </a:t>
+            </a:r>
+            <a:r>
+              <a:rPr lang="de-DE" sz="1200" b="0" i="0" kern="1200" dirty="0" err="1">
+                <a:solidFill>
+                  <a:schemeClr val="tx1"/>
+                </a:solidFill>
+                <a:effectLst/>
+                <a:latin typeface="+mn-lt"/>
+                <a:ea typeface="+mn-ea"/>
+                <a:cs typeface="+mn-cs"/>
+              </a:rPr>
+              <a:t>layer</a:t>
+            </a:r>
+            <a:r>
+              <a:rPr lang="de-DE" sz="1200" b="0" i="0" kern="1200" dirty="0">
+                <a:solidFill>
+                  <a:schemeClr val="tx1"/>
+                </a:solidFill>
+                <a:effectLst/>
+                <a:latin typeface="+mn-lt"/>
+                <a:ea typeface="+mn-ea"/>
+                <a:cs typeface="+mn-cs"/>
+              </a:rPr>
+              <a:t> </a:t>
+            </a:r>
+            <a:r>
+              <a:rPr lang="de-DE" sz="1200" b="0" i="0" kern="1200" dirty="0" err="1">
+                <a:solidFill>
+                  <a:schemeClr val="tx1"/>
+                </a:solidFill>
+                <a:effectLst/>
+                <a:latin typeface="+mn-lt"/>
+                <a:ea typeface="+mn-ea"/>
+                <a:cs typeface="+mn-cs"/>
+              </a:rPr>
+              <a:t>of</a:t>
+            </a:r>
+            <a:r>
+              <a:rPr lang="de-DE" sz="1200" b="0" i="0" kern="1200" dirty="0">
+                <a:solidFill>
+                  <a:schemeClr val="tx1"/>
+                </a:solidFill>
+                <a:effectLst/>
+                <a:latin typeface="+mn-lt"/>
+                <a:ea typeface="+mn-ea"/>
+                <a:cs typeface="+mn-cs"/>
+              </a:rPr>
+              <a:t> an </a:t>
+            </a:r>
+            <a:r>
+              <a:rPr lang="de-DE" sz="1200" b="0" i="0" kern="1200" dirty="0" err="1">
+                <a:solidFill>
+                  <a:schemeClr val="tx1"/>
+                </a:solidFill>
+                <a:effectLst/>
+                <a:latin typeface="+mn-lt"/>
+                <a:ea typeface="+mn-ea"/>
+                <a:cs typeface="+mn-cs"/>
+              </a:rPr>
+              <a:t>application</a:t>
+            </a:r>
+            <a:r>
+              <a:rPr lang="de-DE" sz="1200" b="0" i="0" kern="1200" dirty="0">
+                <a:solidFill>
+                  <a:schemeClr val="tx1"/>
+                </a:solidFill>
+                <a:effectLst/>
+                <a:latin typeface="+mn-lt"/>
+                <a:ea typeface="+mn-ea"/>
+                <a:cs typeface="+mn-cs"/>
+              </a:rPr>
+              <a:t> </a:t>
+            </a:r>
+            <a:r>
+              <a:rPr lang="de-DE" sz="1200" b="0" i="0" kern="1200" dirty="0" err="1">
+                <a:solidFill>
+                  <a:schemeClr val="tx1"/>
+                </a:solidFill>
+                <a:effectLst/>
+                <a:latin typeface="+mn-lt"/>
+                <a:ea typeface="+mn-ea"/>
+                <a:cs typeface="+mn-cs"/>
+              </a:rPr>
+              <a:t>has</a:t>
+            </a:r>
+            <a:r>
+              <a:rPr lang="de-DE" sz="1200" b="0" i="0" kern="1200" dirty="0">
+                <a:solidFill>
+                  <a:schemeClr val="tx1"/>
+                </a:solidFill>
+                <a:effectLst/>
+                <a:latin typeface="+mn-lt"/>
+                <a:ea typeface="+mn-ea"/>
+                <a:cs typeface="+mn-cs"/>
+              </a:rPr>
+              <a:t> </a:t>
+            </a:r>
+            <a:r>
+              <a:rPr lang="de-DE" sz="1200" b="0" i="0" kern="1200" dirty="0" err="1">
+                <a:solidFill>
+                  <a:schemeClr val="tx1"/>
+                </a:solidFill>
+                <a:effectLst/>
+                <a:latin typeface="+mn-lt"/>
+                <a:ea typeface="+mn-ea"/>
+                <a:cs typeface="+mn-cs"/>
+              </a:rPr>
+              <a:t>been</a:t>
+            </a:r>
+            <a:r>
+              <a:rPr lang="de-DE" sz="1200" b="0" i="0" kern="1200" dirty="0">
+                <a:solidFill>
+                  <a:schemeClr val="tx1"/>
+                </a:solidFill>
+                <a:effectLst/>
+                <a:latin typeface="+mn-lt"/>
+                <a:ea typeface="+mn-ea"/>
+                <a:cs typeface="+mn-cs"/>
+              </a:rPr>
+              <a:t> </a:t>
+            </a:r>
+            <a:r>
+              <a:rPr lang="de-DE" sz="1200" b="0" i="0" kern="1200" dirty="0" err="1">
+                <a:solidFill>
+                  <a:schemeClr val="tx1"/>
+                </a:solidFill>
+                <a:effectLst/>
+                <a:latin typeface="+mn-lt"/>
+                <a:ea typeface="+mn-ea"/>
+                <a:cs typeface="+mn-cs"/>
+              </a:rPr>
+              <a:t>cumbersome</a:t>
+            </a:r>
+            <a:r>
+              <a:rPr lang="de-DE" sz="1200" b="0" i="0" kern="1200" dirty="0">
+                <a:solidFill>
+                  <a:schemeClr val="tx1"/>
+                </a:solidFill>
+                <a:effectLst/>
+                <a:latin typeface="+mn-lt"/>
+                <a:ea typeface="+mn-ea"/>
+                <a:cs typeface="+mn-cs"/>
+              </a:rPr>
+              <a:t> </a:t>
+            </a:r>
+            <a:r>
+              <a:rPr lang="de-DE" sz="1200" b="0" i="0" kern="1200" dirty="0" err="1">
+                <a:solidFill>
+                  <a:schemeClr val="tx1"/>
+                </a:solidFill>
+                <a:effectLst/>
+                <a:latin typeface="+mn-lt"/>
+                <a:ea typeface="+mn-ea"/>
+                <a:cs typeface="+mn-cs"/>
+              </a:rPr>
+              <a:t>for</a:t>
+            </a:r>
+            <a:r>
+              <a:rPr lang="de-DE" sz="1200" b="0" i="0" kern="1200" dirty="0">
+                <a:solidFill>
+                  <a:schemeClr val="tx1"/>
+                </a:solidFill>
+                <a:effectLst/>
+                <a:latin typeface="+mn-lt"/>
+                <a:ea typeface="+mn-ea"/>
+                <a:cs typeface="+mn-cs"/>
+              </a:rPr>
+              <a:t> </a:t>
+            </a:r>
+            <a:r>
+              <a:rPr lang="de-DE" sz="1200" b="0" i="0" kern="1200" dirty="0" err="1">
+                <a:solidFill>
+                  <a:schemeClr val="tx1"/>
+                </a:solidFill>
+                <a:effectLst/>
+                <a:latin typeface="+mn-lt"/>
+                <a:ea typeface="+mn-ea"/>
+                <a:cs typeface="+mn-cs"/>
+              </a:rPr>
+              <a:t>quite</a:t>
+            </a:r>
+            <a:r>
+              <a:rPr lang="de-DE" sz="1200" b="0" i="0" kern="1200" dirty="0">
+                <a:solidFill>
+                  <a:schemeClr val="tx1"/>
+                </a:solidFill>
+                <a:effectLst/>
+                <a:latin typeface="+mn-lt"/>
+                <a:ea typeface="+mn-ea"/>
+                <a:cs typeface="+mn-cs"/>
+              </a:rPr>
+              <a:t> a </a:t>
+            </a:r>
+            <a:r>
+              <a:rPr lang="de-DE" sz="1200" b="0" i="0" kern="1200" dirty="0" err="1">
+                <a:solidFill>
+                  <a:schemeClr val="tx1"/>
+                </a:solidFill>
+                <a:effectLst/>
+                <a:latin typeface="+mn-lt"/>
+                <a:ea typeface="+mn-ea"/>
+                <a:cs typeface="+mn-cs"/>
+              </a:rPr>
+              <a:t>while</a:t>
+            </a:r>
+            <a:r>
+              <a:rPr lang="de-DE" sz="1200" b="0" i="0" kern="1200" dirty="0">
+                <a:solidFill>
+                  <a:schemeClr val="tx1"/>
+                </a:solidFill>
+                <a:effectLst/>
+                <a:latin typeface="+mn-lt"/>
+                <a:ea typeface="+mn-ea"/>
+                <a:cs typeface="+mn-cs"/>
+              </a:rPr>
+              <a:t>. </a:t>
+            </a:r>
+            <a:r>
+              <a:rPr lang="de-DE" sz="1200" b="0" i="0" kern="1200" dirty="0" err="1">
+                <a:solidFill>
+                  <a:schemeClr val="tx1"/>
+                </a:solidFill>
+                <a:effectLst/>
+                <a:latin typeface="+mn-lt"/>
+                <a:ea typeface="+mn-ea"/>
+                <a:cs typeface="+mn-cs"/>
+              </a:rPr>
+              <a:t>Too</a:t>
+            </a:r>
+            <a:r>
+              <a:rPr lang="de-DE" sz="1200" b="0" i="0" kern="1200" dirty="0">
+                <a:solidFill>
+                  <a:schemeClr val="tx1"/>
+                </a:solidFill>
+                <a:effectLst/>
+                <a:latin typeface="+mn-lt"/>
+                <a:ea typeface="+mn-ea"/>
+                <a:cs typeface="+mn-cs"/>
+              </a:rPr>
+              <a:t> </a:t>
+            </a:r>
+            <a:r>
+              <a:rPr lang="de-DE" sz="1200" b="0" i="0" kern="1200" dirty="0" err="1">
+                <a:solidFill>
+                  <a:schemeClr val="tx1"/>
+                </a:solidFill>
+                <a:effectLst/>
+                <a:latin typeface="+mn-lt"/>
+                <a:ea typeface="+mn-ea"/>
+                <a:cs typeface="+mn-cs"/>
+              </a:rPr>
+              <a:t>much</a:t>
+            </a:r>
+            <a:r>
+              <a:rPr lang="de-DE" sz="1200" b="0" i="0" kern="1200" dirty="0">
+                <a:solidFill>
+                  <a:schemeClr val="tx1"/>
+                </a:solidFill>
+                <a:effectLst/>
+                <a:latin typeface="+mn-lt"/>
+                <a:ea typeface="+mn-ea"/>
+                <a:cs typeface="+mn-cs"/>
+              </a:rPr>
+              <a:t> </a:t>
+            </a:r>
+            <a:r>
+              <a:rPr lang="de-DE" sz="1200" b="0" i="0" kern="1200" dirty="0" err="1">
+                <a:solidFill>
+                  <a:schemeClr val="tx1"/>
+                </a:solidFill>
+                <a:effectLst/>
+                <a:latin typeface="+mn-lt"/>
+                <a:ea typeface="+mn-ea"/>
+                <a:cs typeface="+mn-cs"/>
+              </a:rPr>
+              <a:t>boilerplate</a:t>
+            </a:r>
+            <a:r>
+              <a:rPr lang="de-DE" sz="1200" b="0" i="0" kern="1200" dirty="0">
+                <a:solidFill>
+                  <a:schemeClr val="tx1"/>
+                </a:solidFill>
+                <a:effectLst/>
+                <a:latin typeface="+mn-lt"/>
+                <a:ea typeface="+mn-ea"/>
+                <a:cs typeface="+mn-cs"/>
+              </a:rPr>
+              <a:t> </a:t>
+            </a:r>
+            <a:r>
+              <a:rPr lang="de-DE" sz="1200" b="0" i="0" kern="1200" dirty="0" err="1">
+                <a:solidFill>
+                  <a:schemeClr val="tx1"/>
+                </a:solidFill>
+                <a:effectLst/>
+                <a:latin typeface="+mn-lt"/>
+                <a:ea typeface="+mn-ea"/>
+                <a:cs typeface="+mn-cs"/>
+              </a:rPr>
+              <a:t>code</a:t>
+            </a:r>
+            <a:r>
+              <a:rPr lang="de-DE" sz="1200" b="0" i="0" kern="1200" dirty="0">
+                <a:solidFill>
+                  <a:schemeClr val="tx1"/>
+                </a:solidFill>
+                <a:effectLst/>
+                <a:latin typeface="+mn-lt"/>
+                <a:ea typeface="+mn-ea"/>
+                <a:cs typeface="+mn-cs"/>
+              </a:rPr>
+              <a:t> </a:t>
+            </a:r>
+            <a:r>
+              <a:rPr lang="de-DE" sz="1200" b="0" i="0" kern="1200" dirty="0" err="1">
+                <a:solidFill>
+                  <a:schemeClr val="tx1"/>
+                </a:solidFill>
+                <a:effectLst/>
+                <a:latin typeface="+mn-lt"/>
+                <a:ea typeface="+mn-ea"/>
+                <a:cs typeface="+mn-cs"/>
+              </a:rPr>
+              <a:t>has</a:t>
+            </a:r>
+            <a:r>
+              <a:rPr lang="de-DE" sz="1200" b="0" i="0" kern="1200" dirty="0">
+                <a:solidFill>
+                  <a:schemeClr val="tx1"/>
+                </a:solidFill>
+                <a:effectLst/>
+                <a:latin typeface="+mn-lt"/>
+                <a:ea typeface="+mn-ea"/>
+                <a:cs typeface="+mn-cs"/>
+              </a:rPr>
+              <a:t> </a:t>
+            </a:r>
+            <a:r>
+              <a:rPr lang="de-DE" sz="1200" b="0" i="0" kern="1200" dirty="0" err="1">
+                <a:solidFill>
+                  <a:schemeClr val="tx1"/>
+                </a:solidFill>
+                <a:effectLst/>
+                <a:latin typeface="+mn-lt"/>
+                <a:ea typeface="+mn-ea"/>
+                <a:cs typeface="+mn-cs"/>
+              </a:rPr>
+              <a:t>to</a:t>
+            </a:r>
+            <a:r>
+              <a:rPr lang="de-DE" sz="1200" b="0" i="0" kern="1200" dirty="0">
+                <a:solidFill>
+                  <a:schemeClr val="tx1"/>
+                </a:solidFill>
+                <a:effectLst/>
+                <a:latin typeface="+mn-lt"/>
+                <a:ea typeface="+mn-ea"/>
+                <a:cs typeface="+mn-cs"/>
+              </a:rPr>
+              <a:t> </a:t>
+            </a:r>
+            <a:r>
+              <a:rPr lang="de-DE" sz="1200" b="0" i="0" kern="1200" dirty="0" err="1">
+                <a:solidFill>
+                  <a:schemeClr val="tx1"/>
+                </a:solidFill>
+                <a:effectLst/>
+                <a:latin typeface="+mn-lt"/>
+                <a:ea typeface="+mn-ea"/>
+                <a:cs typeface="+mn-cs"/>
+              </a:rPr>
+              <a:t>be</a:t>
+            </a:r>
+            <a:r>
+              <a:rPr lang="de-DE" sz="1200" b="0" i="0" kern="1200" dirty="0">
+                <a:solidFill>
+                  <a:schemeClr val="tx1"/>
+                </a:solidFill>
+                <a:effectLst/>
+                <a:latin typeface="+mn-lt"/>
+                <a:ea typeface="+mn-ea"/>
+                <a:cs typeface="+mn-cs"/>
+              </a:rPr>
+              <a:t> </a:t>
+            </a:r>
+            <a:r>
+              <a:rPr lang="de-DE" sz="1200" b="0" i="0" kern="1200" dirty="0" err="1">
+                <a:solidFill>
+                  <a:schemeClr val="tx1"/>
+                </a:solidFill>
+                <a:effectLst/>
+                <a:latin typeface="+mn-lt"/>
+                <a:ea typeface="+mn-ea"/>
+                <a:cs typeface="+mn-cs"/>
+              </a:rPr>
+              <a:t>written</a:t>
+            </a:r>
+            <a:r>
+              <a:rPr lang="de-DE" sz="1200" b="0" i="0" kern="1200" dirty="0">
+                <a:solidFill>
+                  <a:schemeClr val="tx1"/>
+                </a:solidFill>
+                <a:effectLst/>
+                <a:latin typeface="+mn-lt"/>
+                <a:ea typeface="+mn-ea"/>
+                <a:cs typeface="+mn-cs"/>
+              </a:rPr>
+              <a:t> </a:t>
+            </a:r>
+            <a:r>
+              <a:rPr lang="de-DE" sz="1200" b="0" i="0" kern="1200" dirty="0" err="1">
+                <a:solidFill>
+                  <a:schemeClr val="tx1"/>
+                </a:solidFill>
+                <a:effectLst/>
+                <a:latin typeface="+mn-lt"/>
+                <a:ea typeface="+mn-ea"/>
+                <a:cs typeface="+mn-cs"/>
+              </a:rPr>
+              <a:t>to</a:t>
+            </a:r>
+            <a:r>
+              <a:rPr lang="de-DE" sz="1200" b="0" i="0" kern="1200" dirty="0">
+                <a:solidFill>
+                  <a:schemeClr val="tx1"/>
+                </a:solidFill>
+                <a:effectLst/>
+                <a:latin typeface="+mn-lt"/>
+                <a:ea typeface="+mn-ea"/>
+                <a:cs typeface="+mn-cs"/>
+              </a:rPr>
+              <a:t> </a:t>
+            </a:r>
+            <a:r>
+              <a:rPr lang="de-DE" sz="1200" b="0" i="0" kern="1200" dirty="0" err="1">
+                <a:solidFill>
+                  <a:schemeClr val="tx1"/>
+                </a:solidFill>
+                <a:effectLst/>
+                <a:latin typeface="+mn-lt"/>
+                <a:ea typeface="+mn-ea"/>
+                <a:cs typeface="+mn-cs"/>
+              </a:rPr>
+              <a:t>execute</a:t>
+            </a:r>
+            <a:r>
+              <a:rPr lang="de-DE" sz="1200" b="0" i="0" kern="1200" dirty="0">
+                <a:solidFill>
+                  <a:schemeClr val="tx1"/>
+                </a:solidFill>
+                <a:effectLst/>
+                <a:latin typeface="+mn-lt"/>
+                <a:ea typeface="+mn-ea"/>
+                <a:cs typeface="+mn-cs"/>
+              </a:rPr>
+              <a:t> simple </a:t>
+            </a:r>
+            <a:r>
+              <a:rPr lang="de-DE" sz="1200" b="0" i="0" kern="1200" dirty="0" err="1">
+                <a:solidFill>
+                  <a:schemeClr val="tx1"/>
+                </a:solidFill>
+                <a:effectLst/>
+                <a:latin typeface="+mn-lt"/>
+                <a:ea typeface="+mn-ea"/>
+                <a:cs typeface="+mn-cs"/>
+              </a:rPr>
+              <a:t>queries</a:t>
+            </a:r>
+            <a:r>
+              <a:rPr lang="de-DE" sz="1200" b="0" i="0" kern="1200" dirty="0">
+                <a:solidFill>
+                  <a:schemeClr val="tx1"/>
+                </a:solidFill>
+                <a:effectLst/>
+                <a:latin typeface="+mn-lt"/>
+                <a:ea typeface="+mn-ea"/>
+                <a:cs typeface="+mn-cs"/>
+              </a:rPr>
+              <a:t>. Spring Data JPA </a:t>
+            </a:r>
+            <a:r>
+              <a:rPr lang="de-DE" sz="1200" b="0" i="0" kern="1200" dirty="0" err="1">
+                <a:solidFill>
+                  <a:schemeClr val="tx1"/>
+                </a:solidFill>
+                <a:effectLst/>
+                <a:latin typeface="+mn-lt"/>
+                <a:ea typeface="+mn-ea"/>
+                <a:cs typeface="+mn-cs"/>
+              </a:rPr>
+              <a:t>aims</a:t>
+            </a:r>
+            <a:r>
+              <a:rPr lang="de-DE" sz="1200" b="0" i="0" kern="1200" dirty="0">
+                <a:solidFill>
+                  <a:schemeClr val="tx1"/>
+                </a:solidFill>
+                <a:effectLst/>
+                <a:latin typeface="+mn-lt"/>
+                <a:ea typeface="+mn-ea"/>
+                <a:cs typeface="+mn-cs"/>
+              </a:rPr>
+              <a:t> </a:t>
+            </a:r>
+            <a:r>
+              <a:rPr lang="de-DE" sz="1200" b="0" i="0" kern="1200" dirty="0" err="1">
+                <a:solidFill>
+                  <a:schemeClr val="tx1"/>
+                </a:solidFill>
+                <a:effectLst/>
+                <a:latin typeface="+mn-lt"/>
+                <a:ea typeface="+mn-ea"/>
+                <a:cs typeface="+mn-cs"/>
+              </a:rPr>
+              <a:t>to</a:t>
+            </a:r>
+            <a:r>
+              <a:rPr lang="de-DE" sz="1200" b="0" i="0" kern="1200" dirty="0">
+                <a:solidFill>
+                  <a:schemeClr val="tx1"/>
+                </a:solidFill>
+                <a:effectLst/>
+                <a:latin typeface="+mn-lt"/>
+                <a:ea typeface="+mn-ea"/>
+                <a:cs typeface="+mn-cs"/>
+              </a:rPr>
+              <a:t> </a:t>
+            </a:r>
+            <a:r>
+              <a:rPr lang="de-DE" sz="1200" b="0" i="0" kern="1200" dirty="0" err="1">
+                <a:solidFill>
+                  <a:schemeClr val="tx1"/>
+                </a:solidFill>
+                <a:effectLst/>
+                <a:latin typeface="+mn-lt"/>
+                <a:ea typeface="+mn-ea"/>
+                <a:cs typeface="+mn-cs"/>
+              </a:rPr>
+              <a:t>significantly</a:t>
+            </a:r>
+            <a:r>
+              <a:rPr lang="de-DE" sz="1200" b="0" i="0" kern="1200" dirty="0">
+                <a:solidFill>
+                  <a:schemeClr val="tx1"/>
+                </a:solidFill>
+                <a:effectLst/>
+                <a:latin typeface="+mn-lt"/>
+                <a:ea typeface="+mn-ea"/>
+                <a:cs typeface="+mn-cs"/>
+              </a:rPr>
+              <a:t> </a:t>
+            </a:r>
+            <a:r>
+              <a:rPr lang="de-DE" sz="1200" b="0" i="0" kern="1200" dirty="0" err="1">
+                <a:solidFill>
+                  <a:schemeClr val="tx1"/>
+                </a:solidFill>
+                <a:effectLst/>
+                <a:latin typeface="+mn-lt"/>
+                <a:ea typeface="+mn-ea"/>
+                <a:cs typeface="+mn-cs"/>
+              </a:rPr>
+              <a:t>improve</a:t>
+            </a:r>
+            <a:r>
+              <a:rPr lang="de-DE" sz="1200" b="0" i="0" kern="1200" dirty="0">
+                <a:solidFill>
+                  <a:schemeClr val="tx1"/>
+                </a:solidFill>
+                <a:effectLst/>
+                <a:latin typeface="+mn-lt"/>
+                <a:ea typeface="+mn-ea"/>
+                <a:cs typeface="+mn-cs"/>
+              </a:rPr>
+              <a:t> </a:t>
+            </a:r>
+            <a:r>
+              <a:rPr lang="de-DE" sz="1200" b="0" i="0" kern="1200" dirty="0" err="1">
+                <a:solidFill>
+                  <a:schemeClr val="tx1"/>
+                </a:solidFill>
+                <a:effectLst/>
+                <a:latin typeface="+mn-lt"/>
+                <a:ea typeface="+mn-ea"/>
+                <a:cs typeface="+mn-cs"/>
+              </a:rPr>
+              <a:t>the</a:t>
+            </a:r>
+            <a:r>
+              <a:rPr lang="de-DE" sz="1200" b="0" i="0" kern="1200" dirty="0">
+                <a:solidFill>
+                  <a:schemeClr val="tx1"/>
+                </a:solidFill>
+                <a:effectLst/>
+                <a:latin typeface="+mn-lt"/>
+                <a:ea typeface="+mn-ea"/>
+                <a:cs typeface="+mn-cs"/>
+              </a:rPr>
+              <a:t> </a:t>
+            </a:r>
+            <a:r>
+              <a:rPr lang="de-DE" sz="1200" b="0" i="0" kern="1200" dirty="0" err="1">
+                <a:solidFill>
+                  <a:schemeClr val="tx1"/>
+                </a:solidFill>
+                <a:effectLst/>
+                <a:latin typeface="+mn-lt"/>
+                <a:ea typeface="+mn-ea"/>
+                <a:cs typeface="+mn-cs"/>
+              </a:rPr>
+              <a:t>implementation</a:t>
+            </a:r>
+            <a:r>
+              <a:rPr lang="de-DE" sz="1200" b="0" i="0" kern="1200" dirty="0">
+                <a:solidFill>
+                  <a:schemeClr val="tx1"/>
+                </a:solidFill>
+                <a:effectLst/>
+                <a:latin typeface="+mn-lt"/>
+                <a:ea typeface="+mn-ea"/>
+                <a:cs typeface="+mn-cs"/>
+              </a:rPr>
+              <a:t> </a:t>
+            </a:r>
+            <a:r>
+              <a:rPr lang="de-DE" sz="1200" b="0" i="0" kern="1200" dirty="0" err="1">
+                <a:solidFill>
+                  <a:schemeClr val="tx1"/>
+                </a:solidFill>
+                <a:effectLst/>
+                <a:latin typeface="+mn-lt"/>
+                <a:ea typeface="+mn-ea"/>
+                <a:cs typeface="+mn-cs"/>
+              </a:rPr>
+              <a:t>of</a:t>
+            </a:r>
+            <a:r>
+              <a:rPr lang="de-DE" sz="1200" b="0" i="0" kern="1200" dirty="0">
+                <a:solidFill>
+                  <a:schemeClr val="tx1"/>
+                </a:solidFill>
+                <a:effectLst/>
+                <a:latin typeface="+mn-lt"/>
+                <a:ea typeface="+mn-ea"/>
+                <a:cs typeface="+mn-cs"/>
+              </a:rPr>
+              <a:t> </a:t>
+            </a:r>
+            <a:r>
+              <a:rPr lang="de-DE" sz="1200" b="0" i="0" kern="1200" dirty="0" err="1">
+                <a:solidFill>
+                  <a:schemeClr val="tx1"/>
+                </a:solidFill>
+                <a:effectLst/>
+                <a:latin typeface="+mn-lt"/>
+                <a:ea typeface="+mn-ea"/>
+                <a:cs typeface="+mn-cs"/>
+              </a:rPr>
+              <a:t>data</a:t>
+            </a:r>
+            <a:r>
+              <a:rPr lang="de-DE" sz="1200" b="0" i="0" kern="1200" dirty="0">
+                <a:solidFill>
+                  <a:schemeClr val="tx1"/>
+                </a:solidFill>
+                <a:effectLst/>
+                <a:latin typeface="+mn-lt"/>
+                <a:ea typeface="+mn-ea"/>
+                <a:cs typeface="+mn-cs"/>
+              </a:rPr>
+              <a:t> </a:t>
+            </a:r>
+            <a:r>
+              <a:rPr lang="de-DE" sz="1200" b="0" i="0" kern="1200" dirty="0" err="1">
+                <a:solidFill>
+                  <a:schemeClr val="tx1"/>
+                </a:solidFill>
+                <a:effectLst/>
+                <a:latin typeface="+mn-lt"/>
+                <a:ea typeface="+mn-ea"/>
+                <a:cs typeface="+mn-cs"/>
+              </a:rPr>
+              <a:t>access</a:t>
+            </a:r>
+            <a:r>
+              <a:rPr lang="de-DE" sz="1200" b="0" i="0" kern="1200" dirty="0">
+                <a:solidFill>
+                  <a:schemeClr val="tx1"/>
+                </a:solidFill>
+                <a:effectLst/>
+                <a:latin typeface="+mn-lt"/>
+                <a:ea typeface="+mn-ea"/>
+                <a:cs typeface="+mn-cs"/>
+              </a:rPr>
+              <a:t> </a:t>
+            </a:r>
+            <a:r>
+              <a:rPr lang="de-DE" sz="1200" b="0" i="0" kern="1200" dirty="0" err="1">
+                <a:solidFill>
+                  <a:schemeClr val="tx1"/>
+                </a:solidFill>
+                <a:effectLst/>
+                <a:latin typeface="+mn-lt"/>
+                <a:ea typeface="+mn-ea"/>
+                <a:cs typeface="+mn-cs"/>
+              </a:rPr>
+              <a:t>layers</a:t>
+            </a:r>
+            <a:r>
+              <a:rPr lang="de-DE" sz="1200" b="0" i="0" kern="1200" dirty="0">
+                <a:solidFill>
+                  <a:schemeClr val="tx1"/>
+                </a:solidFill>
+                <a:effectLst/>
+                <a:latin typeface="+mn-lt"/>
+                <a:ea typeface="+mn-ea"/>
+                <a:cs typeface="+mn-cs"/>
+              </a:rPr>
+              <a:t> </a:t>
+            </a:r>
+            <a:r>
+              <a:rPr lang="de-DE" sz="1200" b="0" i="0" kern="1200" dirty="0" err="1">
+                <a:solidFill>
+                  <a:schemeClr val="tx1"/>
+                </a:solidFill>
+                <a:effectLst/>
+                <a:latin typeface="+mn-lt"/>
+                <a:ea typeface="+mn-ea"/>
+                <a:cs typeface="+mn-cs"/>
+              </a:rPr>
+              <a:t>by</a:t>
+            </a:r>
+            <a:r>
+              <a:rPr lang="de-DE" sz="1200" b="0" i="0" kern="1200" dirty="0">
+                <a:solidFill>
+                  <a:schemeClr val="tx1"/>
+                </a:solidFill>
+                <a:effectLst/>
+                <a:latin typeface="+mn-lt"/>
+                <a:ea typeface="+mn-ea"/>
+                <a:cs typeface="+mn-cs"/>
+              </a:rPr>
+              <a:t> </a:t>
+            </a:r>
+            <a:r>
+              <a:rPr lang="de-DE" sz="1200" b="0" i="0" kern="1200" dirty="0" err="1">
+                <a:solidFill>
+                  <a:schemeClr val="tx1"/>
+                </a:solidFill>
+                <a:effectLst/>
+                <a:latin typeface="+mn-lt"/>
+                <a:ea typeface="+mn-ea"/>
+                <a:cs typeface="+mn-cs"/>
+              </a:rPr>
+              <a:t>reducing</a:t>
+            </a:r>
+            <a:r>
+              <a:rPr lang="de-DE" sz="1200" b="0" i="0" kern="1200" dirty="0">
+                <a:solidFill>
+                  <a:schemeClr val="tx1"/>
+                </a:solidFill>
+                <a:effectLst/>
+                <a:latin typeface="+mn-lt"/>
+                <a:ea typeface="+mn-ea"/>
+                <a:cs typeface="+mn-cs"/>
+              </a:rPr>
+              <a:t> </a:t>
+            </a:r>
+            <a:r>
+              <a:rPr lang="de-DE" sz="1200" b="0" i="0" kern="1200" dirty="0" err="1">
+                <a:solidFill>
+                  <a:schemeClr val="tx1"/>
+                </a:solidFill>
+                <a:effectLst/>
+                <a:latin typeface="+mn-lt"/>
+                <a:ea typeface="+mn-ea"/>
+                <a:cs typeface="+mn-cs"/>
+              </a:rPr>
+              <a:t>the</a:t>
+            </a:r>
+            <a:r>
+              <a:rPr lang="de-DE" sz="1200" b="0" i="0" kern="1200" dirty="0">
+                <a:solidFill>
+                  <a:schemeClr val="tx1"/>
+                </a:solidFill>
+                <a:effectLst/>
+                <a:latin typeface="+mn-lt"/>
+                <a:ea typeface="+mn-ea"/>
+                <a:cs typeface="+mn-cs"/>
+              </a:rPr>
+              <a:t> </a:t>
+            </a:r>
+            <a:r>
+              <a:rPr lang="de-DE" sz="1200" b="0" i="0" kern="1200" dirty="0" err="1">
+                <a:solidFill>
+                  <a:schemeClr val="tx1"/>
+                </a:solidFill>
+                <a:effectLst/>
+                <a:latin typeface="+mn-lt"/>
+                <a:ea typeface="+mn-ea"/>
+                <a:cs typeface="+mn-cs"/>
+              </a:rPr>
+              <a:t>effort</a:t>
+            </a:r>
+            <a:r>
+              <a:rPr lang="de-DE" sz="1200" b="0" i="0" kern="1200" dirty="0">
+                <a:solidFill>
+                  <a:schemeClr val="tx1"/>
+                </a:solidFill>
+                <a:effectLst/>
+                <a:latin typeface="+mn-lt"/>
+                <a:ea typeface="+mn-ea"/>
+                <a:cs typeface="+mn-cs"/>
+              </a:rPr>
+              <a:t> </a:t>
+            </a:r>
+            <a:r>
+              <a:rPr lang="de-DE" sz="1200" b="0" i="0" kern="1200" dirty="0" err="1">
+                <a:solidFill>
+                  <a:schemeClr val="tx1"/>
+                </a:solidFill>
+                <a:effectLst/>
+                <a:latin typeface="+mn-lt"/>
+                <a:ea typeface="+mn-ea"/>
+                <a:cs typeface="+mn-cs"/>
+              </a:rPr>
+              <a:t>to</a:t>
+            </a:r>
+            <a:r>
+              <a:rPr lang="de-DE" sz="1200" b="0" i="0" kern="1200" dirty="0">
+                <a:solidFill>
+                  <a:schemeClr val="tx1"/>
+                </a:solidFill>
+                <a:effectLst/>
+                <a:latin typeface="+mn-lt"/>
+                <a:ea typeface="+mn-ea"/>
+                <a:cs typeface="+mn-cs"/>
+              </a:rPr>
+              <a:t> </a:t>
+            </a:r>
+            <a:r>
+              <a:rPr lang="de-DE" sz="1200" b="0" i="0" kern="1200" dirty="0" err="1">
+                <a:solidFill>
+                  <a:schemeClr val="tx1"/>
+                </a:solidFill>
+                <a:effectLst/>
+                <a:latin typeface="+mn-lt"/>
+                <a:ea typeface="+mn-ea"/>
+                <a:cs typeface="+mn-cs"/>
+              </a:rPr>
+              <a:t>the</a:t>
+            </a:r>
+            <a:r>
+              <a:rPr lang="de-DE" sz="1200" b="0" i="0" kern="1200" dirty="0">
+                <a:solidFill>
+                  <a:schemeClr val="tx1"/>
+                </a:solidFill>
+                <a:effectLst/>
+                <a:latin typeface="+mn-lt"/>
+                <a:ea typeface="+mn-ea"/>
+                <a:cs typeface="+mn-cs"/>
+              </a:rPr>
+              <a:t> </a:t>
+            </a:r>
+            <a:r>
+              <a:rPr lang="de-DE" sz="1200" b="0" i="0" kern="1200" dirty="0" err="1">
+                <a:solidFill>
+                  <a:schemeClr val="tx1"/>
+                </a:solidFill>
+                <a:effectLst/>
+                <a:latin typeface="+mn-lt"/>
+                <a:ea typeface="+mn-ea"/>
+                <a:cs typeface="+mn-cs"/>
+              </a:rPr>
+              <a:t>amount</a:t>
+            </a:r>
+            <a:r>
+              <a:rPr lang="de-DE" sz="1200" b="0" i="0" kern="1200" dirty="0">
+                <a:solidFill>
+                  <a:schemeClr val="tx1"/>
+                </a:solidFill>
+                <a:effectLst/>
+                <a:latin typeface="+mn-lt"/>
+                <a:ea typeface="+mn-ea"/>
+                <a:cs typeface="+mn-cs"/>
+              </a:rPr>
+              <a:t> </a:t>
+            </a:r>
+            <a:r>
+              <a:rPr lang="de-DE" sz="1200" b="0" i="0" kern="1200" dirty="0" err="1">
+                <a:solidFill>
+                  <a:schemeClr val="tx1"/>
+                </a:solidFill>
+                <a:effectLst/>
+                <a:latin typeface="+mn-lt"/>
+                <a:ea typeface="+mn-ea"/>
+                <a:cs typeface="+mn-cs"/>
+              </a:rPr>
+              <a:t>that’s</a:t>
+            </a:r>
+            <a:r>
+              <a:rPr lang="de-DE" sz="1200" b="0" i="0" kern="1200" dirty="0">
+                <a:solidFill>
+                  <a:schemeClr val="tx1"/>
+                </a:solidFill>
+                <a:effectLst/>
+                <a:latin typeface="+mn-lt"/>
+                <a:ea typeface="+mn-ea"/>
+                <a:cs typeface="+mn-cs"/>
+              </a:rPr>
+              <a:t> </a:t>
+            </a:r>
+            <a:r>
+              <a:rPr lang="de-DE" sz="1200" b="0" i="0" kern="1200" dirty="0" err="1">
+                <a:solidFill>
+                  <a:schemeClr val="tx1"/>
+                </a:solidFill>
+                <a:effectLst/>
+                <a:latin typeface="+mn-lt"/>
+                <a:ea typeface="+mn-ea"/>
+                <a:cs typeface="+mn-cs"/>
+              </a:rPr>
+              <a:t>actually</a:t>
+            </a:r>
+            <a:r>
+              <a:rPr lang="de-DE" sz="1200" b="0" i="0" kern="1200" dirty="0">
+                <a:solidFill>
+                  <a:schemeClr val="tx1"/>
+                </a:solidFill>
+                <a:effectLst/>
+                <a:latin typeface="+mn-lt"/>
+                <a:ea typeface="+mn-ea"/>
+                <a:cs typeface="+mn-cs"/>
+              </a:rPr>
+              <a:t> </a:t>
+            </a:r>
+            <a:r>
+              <a:rPr lang="de-DE" sz="1200" b="0" i="0" kern="1200" dirty="0" err="1">
+                <a:solidFill>
+                  <a:schemeClr val="tx1"/>
+                </a:solidFill>
+                <a:effectLst/>
+                <a:latin typeface="+mn-lt"/>
+                <a:ea typeface="+mn-ea"/>
+                <a:cs typeface="+mn-cs"/>
+              </a:rPr>
+              <a:t>needed</a:t>
+            </a:r>
+            <a:r>
+              <a:rPr lang="de-DE" sz="1200" b="0" i="0" kern="1200" dirty="0">
+                <a:solidFill>
+                  <a:schemeClr val="tx1"/>
+                </a:solidFill>
+                <a:effectLst/>
+                <a:latin typeface="+mn-lt"/>
+                <a:ea typeface="+mn-ea"/>
+                <a:cs typeface="+mn-cs"/>
+              </a:rPr>
+              <a:t>. As a </a:t>
+            </a:r>
+            <a:r>
+              <a:rPr lang="de-DE" sz="1200" b="0" i="0" kern="1200" dirty="0" err="1">
+                <a:solidFill>
+                  <a:schemeClr val="tx1"/>
+                </a:solidFill>
+                <a:effectLst/>
+                <a:latin typeface="+mn-lt"/>
+                <a:ea typeface="+mn-ea"/>
+                <a:cs typeface="+mn-cs"/>
+              </a:rPr>
+              <a:t>developer</a:t>
+            </a:r>
+            <a:r>
+              <a:rPr lang="de-DE" sz="1200" b="0" i="0" kern="1200" dirty="0">
+                <a:solidFill>
+                  <a:schemeClr val="tx1"/>
+                </a:solidFill>
+                <a:effectLst/>
+                <a:latin typeface="+mn-lt"/>
+                <a:ea typeface="+mn-ea"/>
+                <a:cs typeface="+mn-cs"/>
+              </a:rPr>
+              <a:t> </a:t>
+            </a:r>
+            <a:r>
+              <a:rPr lang="de-DE" sz="1200" b="0" i="0" kern="1200" dirty="0" err="1">
+                <a:solidFill>
+                  <a:schemeClr val="tx1"/>
+                </a:solidFill>
+                <a:effectLst/>
+                <a:latin typeface="+mn-lt"/>
+                <a:ea typeface="+mn-ea"/>
+                <a:cs typeface="+mn-cs"/>
+              </a:rPr>
+              <a:t>you</a:t>
+            </a:r>
+            <a:r>
+              <a:rPr lang="de-DE" sz="1200" b="0" i="0" kern="1200" dirty="0">
+                <a:solidFill>
+                  <a:schemeClr val="tx1"/>
+                </a:solidFill>
+                <a:effectLst/>
+                <a:latin typeface="+mn-lt"/>
+                <a:ea typeface="+mn-ea"/>
+                <a:cs typeface="+mn-cs"/>
+              </a:rPr>
+              <a:t> </a:t>
+            </a:r>
+            <a:r>
+              <a:rPr lang="de-DE" sz="1200" b="0" i="0" kern="1200" dirty="0" err="1">
+                <a:solidFill>
+                  <a:schemeClr val="tx1"/>
+                </a:solidFill>
+                <a:effectLst/>
+                <a:latin typeface="+mn-lt"/>
+                <a:ea typeface="+mn-ea"/>
+                <a:cs typeface="+mn-cs"/>
+              </a:rPr>
+              <a:t>write</a:t>
+            </a:r>
+            <a:r>
+              <a:rPr lang="de-DE" sz="1200" b="0" i="0" kern="1200" dirty="0">
+                <a:solidFill>
+                  <a:schemeClr val="tx1"/>
+                </a:solidFill>
+                <a:effectLst/>
+                <a:latin typeface="+mn-lt"/>
+                <a:ea typeface="+mn-ea"/>
+                <a:cs typeface="+mn-cs"/>
+              </a:rPr>
+              <a:t> </a:t>
+            </a:r>
+            <a:r>
+              <a:rPr lang="de-DE" sz="1200" b="0" i="0" kern="1200" dirty="0" err="1">
+                <a:solidFill>
+                  <a:schemeClr val="tx1"/>
+                </a:solidFill>
+                <a:effectLst/>
+                <a:latin typeface="+mn-lt"/>
+                <a:ea typeface="+mn-ea"/>
+                <a:cs typeface="+mn-cs"/>
+              </a:rPr>
+              <a:t>your</a:t>
+            </a:r>
+            <a:r>
+              <a:rPr lang="de-DE" sz="1200" b="0" i="0" kern="1200" dirty="0">
+                <a:solidFill>
+                  <a:schemeClr val="tx1"/>
+                </a:solidFill>
+                <a:effectLst/>
+                <a:latin typeface="+mn-lt"/>
+                <a:ea typeface="+mn-ea"/>
+                <a:cs typeface="+mn-cs"/>
+              </a:rPr>
+              <a:t> </a:t>
+            </a:r>
+            <a:r>
+              <a:rPr lang="de-DE" sz="1200" b="0" i="0" kern="1200" dirty="0" err="1">
+                <a:solidFill>
+                  <a:schemeClr val="tx1"/>
+                </a:solidFill>
+                <a:effectLst/>
+                <a:latin typeface="+mn-lt"/>
+                <a:ea typeface="+mn-ea"/>
+                <a:cs typeface="+mn-cs"/>
+              </a:rPr>
+              <a:t>repository</a:t>
+            </a:r>
+            <a:r>
+              <a:rPr lang="de-DE" sz="1200" b="0" i="0" kern="1200" dirty="0">
+                <a:solidFill>
+                  <a:schemeClr val="tx1"/>
+                </a:solidFill>
+                <a:effectLst/>
+                <a:latin typeface="+mn-lt"/>
+                <a:ea typeface="+mn-ea"/>
+                <a:cs typeface="+mn-cs"/>
+              </a:rPr>
+              <a:t> </a:t>
+            </a:r>
+            <a:r>
+              <a:rPr lang="de-DE" sz="1200" b="0" i="0" kern="1200" dirty="0" err="1">
+                <a:solidFill>
+                  <a:schemeClr val="tx1"/>
+                </a:solidFill>
+                <a:effectLst/>
+                <a:latin typeface="+mn-lt"/>
+                <a:ea typeface="+mn-ea"/>
+                <a:cs typeface="+mn-cs"/>
+              </a:rPr>
+              <a:t>interfaces</a:t>
+            </a:r>
+            <a:r>
+              <a:rPr lang="de-DE" sz="1200" b="0" i="0" kern="1200" dirty="0">
+                <a:solidFill>
+                  <a:schemeClr val="tx1"/>
+                </a:solidFill>
+                <a:effectLst/>
+                <a:latin typeface="+mn-lt"/>
+                <a:ea typeface="+mn-ea"/>
+                <a:cs typeface="+mn-cs"/>
+              </a:rPr>
+              <a:t>, </a:t>
+            </a:r>
+            <a:r>
+              <a:rPr lang="de-DE" sz="1200" b="0" i="0" kern="1200" dirty="0" err="1">
+                <a:solidFill>
+                  <a:schemeClr val="tx1"/>
+                </a:solidFill>
+                <a:effectLst/>
+                <a:latin typeface="+mn-lt"/>
+                <a:ea typeface="+mn-ea"/>
+                <a:cs typeface="+mn-cs"/>
+              </a:rPr>
+              <a:t>including</a:t>
+            </a:r>
+            <a:r>
+              <a:rPr lang="de-DE" sz="1200" b="0" i="0" kern="1200" dirty="0">
+                <a:solidFill>
+                  <a:schemeClr val="tx1"/>
+                </a:solidFill>
+                <a:effectLst/>
+                <a:latin typeface="+mn-lt"/>
+                <a:ea typeface="+mn-ea"/>
+                <a:cs typeface="+mn-cs"/>
+              </a:rPr>
+              <a:t> </a:t>
+            </a:r>
+            <a:r>
+              <a:rPr lang="de-DE" sz="1200" b="0" i="0" kern="1200" dirty="0" err="1">
+                <a:solidFill>
+                  <a:schemeClr val="tx1"/>
+                </a:solidFill>
+                <a:effectLst/>
+                <a:latin typeface="+mn-lt"/>
+                <a:ea typeface="+mn-ea"/>
+                <a:cs typeface="+mn-cs"/>
+              </a:rPr>
+              <a:t>custom</a:t>
+            </a:r>
+            <a:r>
+              <a:rPr lang="de-DE" sz="1200" b="0" i="0" kern="1200" dirty="0">
+                <a:solidFill>
+                  <a:schemeClr val="tx1"/>
+                </a:solidFill>
+                <a:effectLst/>
+                <a:latin typeface="+mn-lt"/>
+                <a:ea typeface="+mn-ea"/>
+                <a:cs typeface="+mn-cs"/>
+              </a:rPr>
+              <a:t> </a:t>
+            </a:r>
+            <a:r>
+              <a:rPr lang="de-DE" sz="1200" b="0" i="0" kern="1200" dirty="0" err="1">
+                <a:solidFill>
+                  <a:schemeClr val="tx1"/>
+                </a:solidFill>
+                <a:effectLst/>
+                <a:latin typeface="+mn-lt"/>
+                <a:ea typeface="+mn-ea"/>
+                <a:cs typeface="+mn-cs"/>
+              </a:rPr>
+              <a:t>finder</a:t>
+            </a:r>
+            <a:r>
+              <a:rPr lang="de-DE" sz="1200" b="0" i="0" kern="1200" dirty="0">
+                <a:solidFill>
+                  <a:schemeClr val="tx1"/>
+                </a:solidFill>
+                <a:effectLst/>
+                <a:latin typeface="+mn-lt"/>
+                <a:ea typeface="+mn-ea"/>
+                <a:cs typeface="+mn-cs"/>
+              </a:rPr>
+              <a:t> </a:t>
+            </a:r>
+            <a:r>
+              <a:rPr lang="de-DE" sz="1200" b="0" i="0" kern="1200" dirty="0" err="1">
+                <a:solidFill>
+                  <a:schemeClr val="tx1"/>
+                </a:solidFill>
+                <a:effectLst/>
+                <a:latin typeface="+mn-lt"/>
+                <a:ea typeface="+mn-ea"/>
+                <a:cs typeface="+mn-cs"/>
+              </a:rPr>
+              <a:t>methods</a:t>
+            </a:r>
+            <a:r>
+              <a:rPr lang="de-DE" sz="1200" b="0" i="0" kern="1200" dirty="0">
+                <a:solidFill>
+                  <a:schemeClr val="tx1"/>
+                </a:solidFill>
+                <a:effectLst/>
+                <a:latin typeface="+mn-lt"/>
+                <a:ea typeface="+mn-ea"/>
+                <a:cs typeface="+mn-cs"/>
+              </a:rPr>
+              <a:t>, </a:t>
+            </a:r>
+            <a:r>
+              <a:rPr lang="de-DE" sz="1200" b="0" i="0" kern="1200" dirty="0" err="1">
+                <a:solidFill>
+                  <a:schemeClr val="tx1"/>
+                </a:solidFill>
+                <a:effectLst/>
+                <a:latin typeface="+mn-lt"/>
+                <a:ea typeface="+mn-ea"/>
+                <a:cs typeface="+mn-cs"/>
+              </a:rPr>
+              <a:t>and</a:t>
+            </a:r>
+            <a:r>
+              <a:rPr lang="de-DE" sz="1200" b="0" i="0" kern="1200" dirty="0">
+                <a:solidFill>
+                  <a:schemeClr val="tx1"/>
+                </a:solidFill>
+                <a:effectLst/>
+                <a:latin typeface="+mn-lt"/>
+                <a:ea typeface="+mn-ea"/>
+                <a:cs typeface="+mn-cs"/>
+              </a:rPr>
+              <a:t> Spring will </a:t>
+            </a:r>
+            <a:r>
+              <a:rPr lang="de-DE" sz="1200" b="0" i="0" kern="1200" dirty="0" err="1">
+                <a:solidFill>
+                  <a:schemeClr val="tx1"/>
+                </a:solidFill>
+                <a:effectLst/>
+                <a:latin typeface="+mn-lt"/>
+                <a:ea typeface="+mn-ea"/>
+                <a:cs typeface="+mn-cs"/>
+              </a:rPr>
+              <a:t>provide</a:t>
+            </a:r>
+            <a:r>
+              <a:rPr lang="de-DE" sz="1200" b="0" i="0" kern="1200" dirty="0">
+                <a:solidFill>
+                  <a:schemeClr val="tx1"/>
+                </a:solidFill>
+                <a:effectLst/>
+                <a:latin typeface="+mn-lt"/>
+                <a:ea typeface="+mn-ea"/>
+                <a:cs typeface="+mn-cs"/>
+              </a:rPr>
+              <a:t> </a:t>
+            </a:r>
+            <a:r>
+              <a:rPr lang="de-DE" sz="1200" b="0" i="0" kern="1200" dirty="0" err="1">
+                <a:solidFill>
+                  <a:schemeClr val="tx1"/>
+                </a:solidFill>
+                <a:effectLst/>
+                <a:latin typeface="+mn-lt"/>
+                <a:ea typeface="+mn-ea"/>
+                <a:cs typeface="+mn-cs"/>
+              </a:rPr>
+              <a:t>the</a:t>
+            </a:r>
+            <a:r>
+              <a:rPr lang="de-DE" sz="1200" b="0" i="0" kern="1200" dirty="0">
+                <a:solidFill>
+                  <a:schemeClr val="tx1"/>
+                </a:solidFill>
+                <a:effectLst/>
+                <a:latin typeface="+mn-lt"/>
+                <a:ea typeface="+mn-ea"/>
+                <a:cs typeface="+mn-cs"/>
+              </a:rPr>
+              <a:t> </a:t>
+            </a:r>
+            <a:r>
+              <a:rPr lang="de-DE" sz="1200" b="0" i="0" kern="1200" dirty="0" err="1">
+                <a:solidFill>
+                  <a:schemeClr val="tx1"/>
+                </a:solidFill>
+                <a:effectLst/>
+                <a:latin typeface="+mn-lt"/>
+                <a:ea typeface="+mn-ea"/>
+                <a:cs typeface="+mn-cs"/>
+              </a:rPr>
+              <a:t>implementation</a:t>
+            </a:r>
+            <a:r>
+              <a:rPr lang="de-DE" sz="1200" b="0" i="0" kern="1200" dirty="0">
+                <a:solidFill>
+                  <a:schemeClr val="tx1"/>
+                </a:solidFill>
+                <a:effectLst/>
+                <a:latin typeface="+mn-lt"/>
+                <a:ea typeface="+mn-ea"/>
+                <a:cs typeface="+mn-cs"/>
+              </a:rPr>
+              <a:t> </a:t>
+            </a:r>
+            <a:r>
+              <a:rPr lang="de-DE" sz="1200" b="0" i="0" kern="1200" dirty="0" err="1">
+                <a:solidFill>
+                  <a:schemeClr val="tx1"/>
+                </a:solidFill>
+                <a:effectLst/>
+                <a:latin typeface="+mn-lt"/>
+                <a:ea typeface="+mn-ea"/>
+                <a:cs typeface="+mn-cs"/>
+              </a:rPr>
+              <a:t>automatically</a:t>
+            </a:r>
+            <a:r>
+              <a:rPr lang="de-DE" sz="1200" b="0" i="0" kern="1200" dirty="0">
+                <a:solidFill>
+                  <a:schemeClr val="tx1"/>
+                </a:solidFill>
+                <a:effectLst/>
+                <a:latin typeface="+mn-lt"/>
+                <a:ea typeface="+mn-ea"/>
+                <a:cs typeface="+mn-cs"/>
+              </a:rPr>
+              <a:t>.</a:t>
+            </a:r>
+            <a:endParaRPr lang="de-DE" sz="1200" kern="1200" dirty="0">
+              <a:solidFill>
+                <a:schemeClr val="tx1"/>
+              </a:solidFill>
+              <a:effectLst/>
+              <a:latin typeface="+mn-lt"/>
+              <a:ea typeface="+mn-ea"/>
+              <a:cs typeface="+mn-cs"/>
+            </a:endParaRPr>
+          </a:p>
+          <a:p>
+            <a:endParaRPr lang="de-DE" sz="1200" kern="1200" dirty="0">
+              <a:solidFill>
+                <a:schemeClr val="tx1"/>
+              </a:solidFill>
+              <a:effectLst/>
+              <a:latin typeface="+mn-lt"/>
+              <a:ea typeface="+mn-ea"/>
+              <a:cs typeface="+mn-cs"/>
+            </a:endParaRPr>
+          </a:p>
+          <a:p>
+            <a:r>
+              <a:rPr lang="de-DE" sz="1200" kern="1200" dirty="0" err="1">
+                <a:solidFill>
+                  <a:schemeClr val="tx1"/>
+                </a:solidFill>
+                <a:effectLst/>
+                <a:latin typeface="+mn-lt"/>
+                <a:ea typeface="+mn-ea"/>
+                <a:cs typeface="+mn-cs"/>
+              </a:rPr>
+              <a:t>Although</a:t>
+            </a:r>
             <a:r>
               <a:rPr lang="de-DE" sz="1200" kern="1200" dirty="0">
                 <a:solidFill>
@@ -869,15 +5479,3146 @@
                 <a:ea typeface="+mn-ea"/>
                 <a:cs typeface="+mn-cs"/>
               </a:rPr>
-              <a:t>In dieser Projektarbeit wird jeder Zugriff auf eine Datenbank mit Spring Data realisiert und deswegen nicht weiter beschrieben</a:t>
-            </a:r>
-            <a:r>
-              <a:rPr lang="de-DE" dirty="0">
-                <a:effectLst/>
-              </a:rPr>
-              <a:t> </a:t>
-            </a:r>
-            <a:endParaRPr lang="de-DE" dirty="0"/>
+              <a:t> a </a:t>
+            </a:r>
+            <a:r>
+              <a:rPr lang="de-DE" sz="1200" kern="1200" dirty="0" err="1">
+                <a:solidFill>
+                  <a:schemeClr val="tx1"/>
+                </a:solidFill>
+                <a:effectLst/>
+                <a:latin typeface="+mn-lt"/>
+                <a:ea typeface="+mn-ea"/>
+                <a:cs typeface="+mn-cs"/>
+              </a:rPr>
+              <a:t>website</a:t>
+            </a:r>
+            <a:r>
+              <a:rPr lang="de-DE" sz="1200" kern="1200" dirty="0">
+                <a:solidFill>
+                  <a:schemeClr val="tx1"/>
+                </a:solidFill>
+                <a:effectLst/>
+                <a:latin typeface="+mn-lt"/>
+                <a:ea typeface="+mn-ea"/>
+                <a:cs typeface="+mn-cs"/>
+              </a:rPr>
+              <a:t> </a:t>
+            </a:r>
+            <a:r>
+              <a:rPr lang="de-DE" sz="1200" kern="1200" dirty="0" err="1">
+                <a:solidFill>
+                  <a:schemeClr val="tx1"/>
+                </a:solidFill>
+                <a:effectLst/>
+                <a:latin typeface="+mn-lt"/>
+                <a:ea typeface="+mn-ea"/>
+                <a:cs typeface="+mn-cs"/>
+              </a:rPr>
+              <a:t>is</a:t>
+            </a:r>
+            <a:r>
+              <a:rPr lang="de-DE" sz="1200" kern="1200" dirty="0">
+                <a:solidFill>
+                  <a:schemeClr val="tx1"/>
+                </a:solidFill>
+                <a:effectLst/>
+                <a:latin typeface="+mn-lt"/>
+                <a:ea typeface="+mn-ea"/>
+                <a:cs typeface="+mn-cs"/>
+              </a:rPr>
+              <a:t> </a:t>
+            </a:r>
+            <a:r>
+              <a:rPr lang="de-DE" sz="1200" kern="1200" dirty="0" err="1">
+                <a:solidFill>
+                  <a:schemeClr val="tx1"/>
+                </a:solidFill>
+                <a:effectLst/>
+                <a:latin typeface="+mn-lt"/>
+                <a:ea typeface="+mn-ea"/>
+                <a:cs typeface="+mn-cs"/>
+              </a:rPr>
+              <a:t>usually</a:t>
+            </a:r>
+            <a:r>
+              <a:rPr lang="de-DE" sz="1200" kern="1200" dirty="0">
+                <a:solidFill>
+                  <a:schemeClr val="tx1"/>
+                </a:solidFill>
+                <a:effectLst/>
+                <a:latin typeface="+mn-lt"/>
+                <a:ea typeface="+mn-ea"/>
+                <a:cs typeface="+mn-cs"/>
+              </a:rPr>
+              <a:t> </a:t>
+            </a:r>
+            <a:r>
+              <a:rPr lang="de-DE" sz="1200" kern="1200" dirty="0" err="1">
+                <a:solidFill>
+                  <a:schemeClr val="tx1"/>
+                </a:solidFill>
+                <a:effectLst/>
+                <a:latin typeface="+mn-lt"/>
+                <a:ea typeface="+mn-ea"/>
+                <a:cs typeface="+mn-cs"/>
+              </a:rPr>
+              <a:t>the</a:t>
+            </a:r>
+            <a:r>
+              <a:rPr lang="de-DE" sz="1200" kern="1200" dirty="0">
+                <a:solidFill>
+                  <a:schemeClr val="tx1"/>
+                </a:solidFill>
+                <a:effectLst/>
+                <a:latin typeface="+mn-lt"/>
+                <a:ea typeface="+mn-ea"/>
+                <a:cs typeface="+mn-cs"/>
+              </a:rPr>
+              <a:t> </a:t>
+            </a:r>
+            <a:r>
+              <a:rPr lang="de-DE" sz="1200" kern="1200" dirty="0" err="1">
+                <a:solidFill>
+                  <a:schemeClr val="tx1"/>
+                </a:solidFill>
+                <a:effectLst/>
+                <a:latin typeface="+mn-lt"/>
+                <a:ea typeface="+mn-ea"/>
+                <a:cs typeface="+mn-cs"/>
+              </a:rPr>
+              <a:t>only</a:t>
+            </a:r>
+            <a:r>
+              <a:rPr lang="de-DE" sz="1200" kern="1200" dirty="0">
+                <a:solidFill>
+                  <a:schemeClr val="tx1"/>
+                </a:solidFill>
+                <a:effectLst/>
+                <a:latin typeface="+mn-lt"/>
+                <a:ea typeface="+mn-ea"/>
+                <a:cs typeface="+mn-cs"/>
+              </a:rPr>
+              <a:t> </a:t>
+            </a:r>
+            <a:r>
+              <a:rPr lang="de-DE" sz="1200" kern="1200" dirty="0" err="1">
+                <a:solidFill>
+                  <a:schemeClr val="tx1"/>
+                </a:solidFill>
+                <a:effectLst/>
+                <a:latin typeface="+mn-lt"/>
+                <a:ea typeface="+mn-ea"/>
+                <a:cs typeface="+mn-cs"/>
+              </a:rPr>
+              <a:t>thing</a:t>
+            </a:r>
+            <a:r>
+              <a:rPr lang="de-DE" sz="1200" kern="1200" dirty="0">
+                <a:solidFill>
+                  <a:schemeClr val="tx1"/>
+                </a:solidFill>
+                <a:effectLst/>
+                <a:latin typeface="+mn-lt"/>
+                <a:ea typeface="+mn-ea"/>
+                <a:cs typeface="+mn-cs"/>
+              </a:rPr>
+              <a:t> a </a:t>
+            </a:r>
+            <a:r>
+              <a:rPr lang="de-DE" sz="1200" kern="1200" dirty="0" err="1">
+                <a:solidFill>
+                  <a:schemeClr val="tx1"/>
+                </a:solidFill>
+                <a:effectLst/>
+                <a:latin typeface="+mn-lt"/>
+                <a:ea typeface="+mn-ea"/>
+                <a:cs typeface="+mn-cs"/>
+              </a:rPr>
+              <a:t>user</a:t>
+            </a:r>
+            <a:r>
+              <a:rPr lang="de-DE" sz="1200" kern="1200" dirty="0">
+                <a:solidFill>
+                  <a:schemeClr val="tx1"/>
+                </a:solidFill>
+                <a:effectLst/>
+                <a:latin typeface="+mn-lt"/>
+                <a:ea typeface="+mn-ea"/>
+                <a:cs typeface="+mn-cs"/>
+              </a:rPr>
+              <a:t> </a:t>
+            </a:r>
+            <a:r>
+              <a:rPr lang="de-DE" sz="1200" kern="1200" dirty="0" err="1">
+                <a:solidFill>
+                  <a:schemeClr val="tx1"/>
+                </a:solidFill>
+                <a:effectLst/>
+                <a:latin typeface="+mn-lt"/>
+                <a:ea typeface="+mn-ea"/>
+                <a:cs typeface="+mn-cs"/>
+              </a:rPr>
+              <a:t>sees</a:t>
+            </a:r>
+            <a:r>
+              <a:rPr lang="de-DE" sz="1200" kern="1200" dirty="0">
+                <a:solidFill>
+                  <a:schemeClr val="tx1"/>
+                </a:solidFill>
+                <a:effectLst/>
+                <a:latin typeface="+mn-lt"/>
+                <a:ea typeface="+mn-ea"/>
+                <a:cs typeface="+mn-cs"/>
+              </a:rPr>
+              <a:t>, </a:t>
+            </a:r>
+            <a:r>
+              <a:rPr lang="de-DE" sz="1200" kern="1200" dirty="0" err="1">
+                <a:solidFill>
+                  <a:schemeClr val="tx1"/>
+                </a:solidFill>
+                <a:effectLst/>
+                <a:latin typeface="+mn-lt"/>
+                <a:ea typeface="+mn-ea"/>
+                <a:cs typeface="+mn-cs"/>
+              </a:rPr>
+              <a:t>most</a:t>
+            </a:r>
+            <a:r>
+              <a:rPr lang="de-DE" sz="1200" kern="1200" dirty="0">
+                <a:solidFill>
+                  <a:schemeClr val="tx1"/>
+                </a:solidFill>
+                <a:effectLst/>
+                <a:latin typeface="+mn-lt"/>
+                <a:ea typeface="+mn-ea"/>
+                <a:cs typeface="+mn-cs"/>
+              </a:rPr>
+              <a:t> </a:t>
+            </a:r>
+            <a:r>
+              <a:rPr lang="de-DE" sz="1200" kern="1200" dirty="0" err="1">
+                <a:solidFill>
+                  <a:schemeClr val="tx1"/>
+                </a:solidFill>
+                <a:effectLst/>
+                <a:latin typeface="+mn-lt"/>
+                <a:ea typeface="+mn-ea"/>
+                <a:cs typeface="+mn-cs"/>
+              </a:rPr>
+              <a:t>of</a:t>
+            </a:r>
+            <a:r>
+              <a:rPr lang="de-DE" sz="1200" kern="1200" dirty="0">
+                <a:solidFill>
+                  <a:schemeClr val="tx1"/>
+                </a:solidFill>
+                <a:effectLst/>
+                <a:latin typeface="+mn-lt"/>
+                <a:ea typeface="+mn-ea"/>
+                <a:cs typeface="+mn-cs"/>
+              </a:rPr>
+              <a:t> </a:t>
+            </a:r>
+            <a:r>
+              <a:rPr lang="de-DE" sz="1200" kern="1200" dirty="0" err="1">
+                <a:solidFill>
+                  <a:schemeClr val="tx1"/>
+                </a:solidFill>
+                <a:effectLst/>
+                <a:latin typeface="+mn-lt"/>
+                <a:ea typeface="+mn-ea"/>
+                <a:cs typeface="+mn-cs"/>
+              </a:rPr>
+              <a:t>it</a:t>
+            </a:r>
+            <a:r>
+              <a:rPr lang="de-DE" sz="1200" kern="1200" dirty="0">
+                <a:solidFill>
+                  <a:schemeClr val="tx1"/>
+                </a:solidFill>
+                <a:effectLst/>
+                <a:latin typeface="+mn-lt"/>
+                <a:ea typeface="+mn-ea"/>
+                <a:cs typeface="+mn-cs"/>
+              </a:rPr>
+              <a:t> </a:t>
+            </a:r>
+            <a:r>
+              <a:rPr lang="de-DE" sz="1200" kern="1200" dirty="0" err="1">
+                <a:solidFill>
+                  <a:schemeClr val="tx1"/>
+                </a:solidFill>
+                <a:effectLst/>
+                <a:latin typeface="+mn-lt"/>
+                <a:ea typeface="+mn-ea"/>
+                <a:cs typeface="+mn-cs"/>
+              </a:rPr>
+              <a:t>happens</a:t>
+            </a:r>
+            <a:r>
+              <a:rPr lang="de-DE" sz="1200" kern="1200" dirty="0">
+                <a:solidFill>
+                  <a:schemeClr val="tx1"/>
+                </a:solidFill>
+                <a:effectLst/>
+                <a:latin typeface="+mn-lt"/>
+                <a:ea typeface="+mn-ea"/>
+                <a:cs typeface="+mn-cs"/>
+              </a:rPr>
+              <a:t> in </a:t>
+            </a:r>
+            <a:r>
+              <a:rPr lang="de-DE" sz="1200" kern="1200" dirty="0" err="1">
+                <a:solidFill>
+                  <a:schemeClr val="tx1"/>
+                </a:solidFill>
+                <a:effectLst/>
+                <a:latin typeface="+mn-lt"/>
+                <a:ea typeface="+mn-ea"/>
+                <a:cs typeface="+mn-cs"/>
+              </a:rPr>
+              <a:t>the</a:t>
+            </a:r>
+            <a:r>
+              <a:rPr lang="de-DE" sz="1200" kern="1200" dirty="0">
+                <a:solidFill>
+                  <a:schemeClr val="tx1"/>
+                </a:solidFill>
+                <a:effectLst/>
+                <a:latin typeface="+mn-lt"/>
+                <a:ea typeface="+mn-ea"/>
+                <a:cs typeface="+mn-cs"/>
+              </a:rPr>
+              <a:t> </a:t>
+            </a:r>
+            <a:r>
+              <a:rPr lang="de-DE" sz="1200" kern="1200" dirty="0" err="1">
+                <a:solidFill>
+                  <a:schemeClr val="tx1"/>
+                </a:solidFill>
+                <a:effectLst/>
+                <a:latin typeface="+mn-lt"/>
+                <a:ea typeface="+mn-ea"/>
+                <a:cs typeface="+mn-cs"/>
+              </a:rPr>
+              <a:t>background</a:t>
+            </a:r>
+            <a:r>
+              <a:rPr lang="de-DE" sz="1200" kern="1200" dirty="0">
+                <a:solidFill>
+                  <a:schemeClr val="tx1"/>
+                </a:solidFill>
+                <a:effectLst/>
+                <a:latin typeface="+mn-lt"/>
+                <a:ea typeface="+mn-ea"/>
+                <a:cs typeface="+mn-cs"/>
+              </a:rPr>
+              <a:t>, </a:t>
+            </a:r>
+            <a:r>
+              <a:rPr lang="de-DE" sz="1200" kern="1200" dirty="0" err="1">
+                <a:solidFill>
+                  <a:schemeClr val="tx1"/>
+                </a:solidFill>
+                <a:effectLst/>
+                <a:latin typeface="+mn-lt"/>
+                <a:ea typeface="+mn-ea"/>
+                <a:cs typeface="+mn-cs"/>
+              </a:rPr>
+              <a:t>the</a:t>
+            </a:r>
+            <a:r>
+              <a:rPr lang="de-DE" sz="1200" kern="1200" dirty="0">
+                <a:solidFill>
+                  <a:schemeClr val="tx1"/>
+                </a:solidFill>
+                <a:effectLst/>
+                <a:latin typeface="+mn-lt"/>
+                <a:ea typeface="+mn-ea"/>
+                <a:cs typeface="+mn-cs"/>
+              </a:rPr>
+              <a:t> back-end. </a:t>
+            </a:r>
+            <a:r>
+              <a:rPr lang="de-DE" sz="1200" kern="1200" dirty="0" err="1">
+                <a:solidFill>
+                  <a:schemeClr val="tx1"/>
+                </a:solidFill>
+                <a:effectLst/>
+                <a:latin typeface="+mn-lt"/>
+                <a:ea typeface="+mn-ea"/>
+                <a:cs typeface="+mn-cs"/>
+              </a:rPr>
+              <a:t>Here</a:t>
+            </a:r>
+            <a:r>
+              <a:rPr lang="de-DE" sz="1200" kern="1200" dirty="0">
+                <a:solidFill>
+                  <a:schemeClr val="tx1"/>
+                </a:solidFill>
+                <a:effectLst/>
+                <a:latin typeface="+mn-lt"/>
+                <a:ea typeface="+mn-ea"/>
+                <a:cs typeface="+mn-cs"/>
+              </a:rPr>
+              <a:t> </a:t>
+            </a:r>
+            <a:r>
+              <a:rPr lang="de-DE" sz="1200" kern="1200" dirty="0" err="1">
+                <a:solidFill>
+                  <a:schemeClr val="tx1"/>
+                </a:solidFill>
+                <a:effectLst/>
+                <a:latin typeface="+mn-lt"/>
+                <a:ea typeface="+mn-ea"/>
+                <a:cs typeface="+mn-cs"/>
+              </a:rPr>
+              <a:t>data</a:t>
+            </a:r>
+            <a:r>
+              <a:rPr lang="de-DE" sz="1200" kern="1200" dirty="0">
+                <a:solidFill>
+                  <a:schemeClr val="tx1"/>
+                </a:solidFill>
+                <a:effectLst/>
+                <a:latin typeface="+mn-lt"/>
+                <a:ea typeface="+mn-ea"/>
+                <a:cs typeface="+mn-cs"/>
+              </a:rPr>
+              <a:t> </a:t>
+            </a:r>
+            <a:r>
+              <a:rPr lang="de-DE" sz="1200" kern="1200" dirty="0" err="1">
+                <a:solidFill>
+                  <a:schemeClr val="tx1"/>
+                </a:solidFill>
+                <a:effectLst/>
+                <a:latin typeface="+mn-lt"/>
+                <a:ea typeface="+mn-ea"/>
+                <a:cs typeface="+mn-cs"/>
+              </a:rPr>
+              <a:t>is</a:t>
+            </a:r>
+            <a:r>
+              <a:rPr lang="de-DE" sz="1200" kern="1200" dirty="0">
+                <a:solidFill>
+                  <a:schemeClr val="tx1"/>
+                </a:solidFill>
+                <a:effectLst/>
+                <a:latin typeface="+mn-lt"/>
+                <a:ea typeface="+mn-ea"/>
+                <a:cs typeface="+mn-cs"/>
+              </a:rPr>
+              <a:t> </a:t>
+            </a:r>
+            <a:r>
+              <a:rPr lang="de-DE" sz="1200" kern="1200" dirty="0" err="1">
+                <a:solidFill>
+                  <a:schemeClr val="tx1"/>
+                </a:solidFill>
+                <a:effectLst/>
+                <a:latin typeface="+mn-lt"/>
+                <a:ea typeface="+mn-ea"/>
+                <a:cs typeface="+mn-cs"/>
+              </a:rPr>
+              <a:t>stored</a:t>
+            </a:r>
+            <a:r>
+              <a:rPr lang="de-DE" sz="1200" kern="1200" dirty="0">
+                <a:solidFill>
+                  <a:schemeClr val="tx1"/>
+                </a:solidFill>
+                <a:effectLst/>
+                <a:latin typeface="+mn-lt"/>
+                <a:ea typeface="+mn-ea"/>
+                <a:cs typeface="+mn-cs"/>
+              </a:rPr>
+              <a:t>, </a:t>
+            </a:r>
+            <a:r>
+              <a:rPr lang="de-DE" sz="1200" kern="1200" dirty="0" err="1">
+                <a:solidFill>
+                  <a:schemeClr val="tx1"/>
+                </a:solidFill>
+                <a:effectLst/>
+                <a:latin typeface="+mn-lt"/>
+                <a:ea typeface="+mn-ea"/>
+                <a:cs typeface="+mn-cs"/>
+              </a:rPr>
+              <a:t>processed</a:t>
+            </a:r>
+            <a:r>
+              <a:rPr lang="de-DE" sz="1200" kern="1200" dirty="0">
+                <a:solidFill>
+                  <a:schemeClr val="tx1"/>
+                </a:solidFill>
+                <a:effectLst/>
+                <a:latin typeface="+mn-lt"/>
+                <a:ea typeface="+mn-ea"/>
+                <a:cs typeface="+mn-cs"/>
+              </a:rPr>
+              <a:t> </a:t>
+            </a:r>
+            <a:r>
+              <a:rPr lang="de-DE" sz="1200" kern="1200" dirty="0" err="1">
+                <a:solidFill>
+                  <a:schemeClr val="tx1"/>
+                </a:solidFill>
+                <a:effectLst/>
+                <a:latin typeface="+mn-lt"/>
+                <a:ea typeface="+mn-ea"/>
+                <a:cs typeface="+mn-cs"/>
+              </a:rPr>
+              <a:t>and</a:t>
+            </a:r>
+            <a:r>
+              <a:rPr lang="de-DE" sz="1200" kern="1200" dirty="0">
+                <a:solidFill>
+                  <a:schemeClr val="tx1"/>
+                </a:solidFill>
+                <a:effectLst/>
+                <a:latin typeface="+mn-lt"/>
+                <a:ea typeface="+mn-ea"/>
+                <a:cs typeface="+mn-cs"/>
+              </a:rPr>
+              <a:t> </a:t>
+            </a:r>
+            <a:r>
+              <a:rPr lang="de-DE" sz="1200" kern="1200" dirty="0" err="1">
+                <a:solidFill>
+                  <a:schemeClr val="tx1"/>
+                </a:solidFill>
+                <a:effectLst/>
+                <a:latin typeface="+mn-lt"/>
+                <a:ea typeface="+mn-ea"/>
+                <a:cs typeface="+mn-cs"/>
+              </a:rPr>
+              <a:t>displayed</a:t>
+            </a:r>
+            <a:r>
+              <a:rPr lang="de-DE" sz="1200" kern="1200" dirty="0">
+                <a:solidFill>
+                  <a:schemeClr val="tx1"/>
+                </a:solidFill>
+                <a:effectLst/>
+                <a:latin typeface="+mn-lt"/>
+                <a:ea typeface="+mn-ea"/>
+                <a:cs typeface="+mn-cs"/>
+              </a:rPr>
+              <a:t> </a:t>
+            </a:r>
+            <a:r>
+              <a:rPr lang="de-DE" sz="1200" kern="1200" dirty="0" err="1">
+                <a:solidFill>
+                  <a:schemeClr val="tx1"/>
+                </a:solidFill>
+                <a:effectLst/>
+                <a:latin typeface="+mn-lt"/>
+                <a:ea typeface="+mn-ea"/>
+                <a:cs typeface="+mn-cs"/>
+              </a:rPr>
+              <a:t>later</a:t>
+            </a:r>
+            <a:r>
+              <a:rPr lang="de-DE" sz="1200" kern="1200" dirty="0">
+                <a:solidFill>
+                  <a:schemeClr val="tx1"/>
+                </a:solidFill>
+                <a:effectLst/>
+                <a:latin typeface="+mn-lt"/>
+                <a:ea typeface="+mn-ea"/>
+                <a:cs typeface="+mn-cs"/>
+              </a:rPr>
+              <a:t> in </a:t>
+            </a:r>
+            <a:r>
+              <a:rPr lang="de-DE" sz="1200" kern="1200" dirty="0" err="1">
+                <a:solidFill>
+                  <a:schemeClr val="tx1"/>
+                </a:solidFill>
+                <a:effectLst/>
+                <a:latin typeface="+mn-lt"/>
+                <a:ea typeface="+mn-ea"/>
+                <a:cs typeface="+mn-cs"/>
+              </a:rPr>
+              <a:t>the</a:t>
+            </a:r>
+            <a:r>
+              <a:rPr lang="de-DE" sz="1200" kern="1200" dirty="0">
+                <a:solidFill>
+                  <a:schemeClr val="tx1"/>
+                </a:solidFill>
+                <a:effectLst/>
+                <a:latin typeface="+mn-lt"/>
+                <a:ea typeface="+mn-ea"/>
+                <a:cs typeface="+mn-cs"/>
+              </a:rPr>
+              <a:t> front-end.</a:t>
+            </a:r>
+          </a:p>
+          <a:p>
+            <a:r>
+              <a:rPr lang="de-DE" sz="1200" kern="1200" dirty="0">
+                <a:solidFill>
+                  <a:schemeClr val="tx1"/>
+                </a:solidFill>
+                <a:effectLst/>
+                <a:latin typeface="+mn-lt"/>
+                <a:ea typeface="+mn-ea"/>
+                <a:cs typeface="+mn-cs"/>
+              </a:rPr>
+              <a:t>Data Base Management Systems </a:t>
+            </a:r>
+            <a:r>
+              <a:rPr lang="de-DE" sz="1200" kern="1200" dirty="0" err="1">
+                <a:solidFill>
+                  <a:schemeClr val="tx1"/>
+                </a:solidFill>
+                <a:effectLst/>
+                <a:latin typeface="+mn-lt"/>
+                <a:ea typeface="+mn-ea"/>
+                <a:cs typeface="+mn-cs"/>
+              </a:rPr>
+              <a:t>and</a:t>
+            </a:r>
+            <a:r>
+              <a:rPr lang="de-DE" sz="1200" kern="1200" dirty="0">
+                <a:solidFill>
+                  <a:schemeClr val="tx1"/>
+                </a:solidFill>
+                <a:effectLst/>
+                <a:latin typeface="+mn-lt"/>
+                <a:ea typeface="+mn-ea"/>
+                <a:cs typeface="+mn-cs"/>
+              </a:rPr>
+              <a:t> </a:t>
+            </a:r>
+            <a:r>
+              <a:rPr lang="de-DE" sz="1200" kern="1200" dirty="0" err="1">
+                <a:solidFill>
+                  <a:schemeClr val="tx1"/>
+                </a:solidFill>
+                <a:effectLst/>
+                <a:latin typeface="+mn-lt"/>
+                <a:ea typeface="+mn-ea"/>
+                <a:cs typeface="+mn-cs"/>
+              </a:rPr>
+              <a:t>the</a:t>
+            </a:r>
+            <a:r>
+              <a:rPr lang="de-DE" sz="1200" kern="1200" dirty="0">
+                <a:solidFill>
+                  <a:schemeClr val="tx1"/>
+                </a:solidFill>
+                <a:effectLst/>
+                <a:latin typeface="+mn-lt"/>
+                <a:ea typeface="+mn-ea"/>
+                <a:cs typeface="+mn-cs"/>
+              </a:rPr>
+              <a:t> JPA form a </a:t>
+            </a:r>
+            <a:r>
+              <a:rPr lang="de-DE" sz="1200" kern="1200" dirty="0" err="1">
+                <a:solidFill>
+                  <a:schemeClr val="tx1"/>
+                </a:solidFill>
+                <a:effectLst/>
+                <a:latin typeface="+mn-lt"/>
+                <a:ea typeface="+mn-ea"/>
+                <a:cs typeface="+mn-cs"/>
+              </a:rPr>
+              <a:t>basic</a:t>
+            </a:r>
+            <a:r>
+              <a:rPr lang="de-DE" sz="1200" kern="1200" dirty="0">
+                <a:solidFill>
+                  <a:schemeClr val="tx1"/>
+                </a:solidFill>
+                <a:effectLst/>
+                <a:latin typeface="+mn-lt"/>
+                <a:ea typeface="+mn-ea"/>
+                <a:cs typeface="+mn-cs"/>
+              </a:rPr>
+              <a:t> </a:t>
+            </a:r>
+            <a:r>
+              <a:rPr lang="de-DE" sz="1200" kern="1200" dirty="0" err="1">
+                <a:solidFill>
+                  <a:schemeClr val="tx1"/>
+                </a:solidFill>
+                <a:effectLst/>
+                <a:latin typeface="+mn-lt"/>
+                <a:ea typeface="+mn-ea"/>
+                <a:cs typeface="+mn-cs"/>
+              </a:rPr>
+              <a:t>building</a:t>
+            </a:r>
+            <a:r>
+              <a:rPr lang="de-DE" sz="1200" kern="1200" dirty="0">
+                <a:solidFill>
+                  <a:schemeClr val="tx1"/>
+                </a:solidFill>
+                <a:effectLst/>
+                <a:latin typeface="+mn-lt"/>
+                <a:ea typeface="+mn-ea"/>
+                <a:cs typeface="+mn-cs"/>
+              </a:rPr>
+              <a:t> block </a:t>
+            </a:r>
+            <a:r>
+              <a:rPr lang="de-DE" sz="1200" kern="1200" dirty="0" err="1">
+                <a:solidFill>
+                  <a:schemeClr val="tx1"/>
+                </a:solidFill>
+                <a:effectLst/>
+                <a:latin typeface="+mn-lt"/>
+                <a:ea typeface="+mn-ea"/>
+                <a:cs typeface="+mn-cs"/>
+              </a:rPr>
+              <a:t>for</a:t>
+            </a:r>
+            <a:r>
+              <a:rPr lang="de-DE" sz="1200" kern="1200" dirty="0">
+                <a:solidFill>
+                  <a:schemeClr val="tx1"/>
+                </a:solidFill>
+                <a:effectLst/>
+                <a:latin typeface="+mn-lt"/>
+                <a:ea typeface="+mn-ea"/>
+                <a:cs typeface="+mn-cs"/>
+              </a:rPr>
+              <a:t> </a:t>
+            </a:r>
+            <a:r>
+              <a:rPr lang="de-DE" sz="1200" kern="1200" dirty="0" err="1">
+                <a:solidFill>
+                  <a:schemeClr val="tx1"/>
+                </a:solidFill>
+                <a:effectLst/>
+                <a:latin typeface="+mn-lt"/>
+                <a:ea typeface="+mn-ea"/>
+                <a:cs typeface="+mn-cs"/>
+              </a:rPr>
+              <a:t>the</a:t>
+            </a:r>
+            <a:r>
+              <a:rPr lang="de-DE" sz="1200" kern="1200" dirty="0">
+                <a:solidFill>
+                  <a:schemeClr val="tx1"/>
+                </a:solidFill>
+                <a:effectLst/>
+                <a:latin typeface="+mn-lt"/>
+                <a:ea typeface="+mn-ea"/>
+                <a:cs typeface="+mn-cs"/>
+              </a:rPr>
+              <a:t> Spring Data </a:t>
+            </a:r>
+            <a:r>
+              <a:rPr lang="de-DE" sz="1200" kern="1200" dirty="0" err="1">
+                <a:solidFill>
+                  <a:schemeClr val="tx1"/>
+                </a:solidFill>
+                <a:effectLst/>
+                <a:latin typeface="+mn-lt"/>
+                <a:ea typeface="+mn-ea"/>
+                <a:cs typeface="+mn-cs"/>
+              </a:rPr>
+              <a:t>framework</a:t>
+            </a:r>
+            <a:r>
+              <a:rPr lang="de-DE" sz="1200" kern="1200" dirty="0">
+                <a:solidFill>
+                  <a:schemeClr val="tx1"/>
+                </a:solidFill>
+                <a:effectLst/>
+                <a:latin typeface="+mn-lt"/>
+                <a:ea typeface="+mn-ea"/>
+                <a:cs typeface="+mn-cs"/>
+              </a:rPr>
+              <a:t>, </a:t>
+            </a:r>
+            <a:r>
+              <a:rPr lang="de-DE" sz="1200" kern="1200" dirty="0" err="1">
+                <a:solidFill>
+                  <a:schemeClr val="tx1"/>
+                </a:solidFill>
+                <a:effectLst/>
+                <a:latin typeface="+mn-lt"/>
+                <a:ea typeface="+mn-ea"/>
+                <a:cs typeface="+mn-cs"/>
+              </a:rPr>
+              <a:t>which</a:t>
+            </a:r>
+            <a:r>
+              <a:rPr lang="de-DE" sz="1200" kern="1200" dirty="0">
+                <a:solidFill>
+                  <a:schemeClr val="tx1"/>
+                </a:solidFill>
+                <a:effectLst/>
+                <a:latin typeface="+mn-lt"/>
+                <a:ea typeface="+mn-ea"/>
+                <a:cs typeface="+mn-cs"/>
+              </a:rPr>
+              <a:t> </a:t>
+            </a:r>
+            <a:r>
+              <a:rPr lang="de-DE" sz="1200" kern="1200" dirty="0" err="1">
+                <a:solidFill>
+                  <a:schemeClr val="tx1"/>
+                </a:solidFill>
+                <a:effectLst/>
+                <a:latin typeface="+mn-lt"/>
+                <a:ea typeface="+mn-ea"/>
+                <a:cs typeface="+mn-cs"/>
+              </a:rPr>
+              <a:t>should</a:t>
+            </a:r>
+            <a:r>
+              <a:rPr lang="de-DE" sz="1200" kern="1200" dirty="0">
+                <a:solidFill>
+                  <a:schemeClr val="tx1"/>
+                </a:solidFill>
+                <a:effectLst/>
+                <a:latin typeface="+mn-lt"/>
+                <a:ea typeface="+mn-ea"/>
+                <a:cs typeface="+mn-cs"/>
+              </a:rPr>
+              <a:t> also </a:t>
+            </a:r>
+            <a:r>
+              <a:rPr lang="de-DE" sz="1200" kern="1200" dirty="0" err="1">
+                <a:solidFill>
+                  <a:schemeClr val="tx1"/>
+                </a:solidFill>
+                <a:effectLst/>
+                <a:latin typeface="+mn-lt"/>
+                <a:ea typeface="+mn-ea"/>
+                <a:cs typeface="+mn-cs"/>
+              </a:rPr>
+              <a:t>simplify</a:t>
+            </a:r>
+            <a:r>
+              <a:rPr lang="de-DE" sz="1200" kern="1200" dirty="0">
+                <a:solidFill>
+                  <a:schemeClr val="tx1"/>
+                </a:solidFill>
+                <a:effectLst/>
+                <a:latin typeface="+mn-lt"/>
+                <a:ea typeface="+mn-ea"/>
+                <a:cs typeface="+mn-cs"/>
+              </a:rPr>
+              <a:t> </a:t>
+            </a:r>
+            <a:r>
+              <a:rPr lang="de-DE" sz="1200" kern="1200" dirty="0" err="1">
+                <a:solidFill>
+                  <a:schemeClr val="tx1"/>
+                </a:solidFill>
+                <a:effectLst/>
+                <a:latin typeface="+mn-lt"/>
+                <a:ea typeface="+mn-ea"/>
+                <a:cs typeface="+mn-cs"/>
+              </a:rPr>
+              <a:t>development</a:t>
+            </a:r>
+            <a:r>
+              <a:rPr lang="de-DE" sz="1200" kern="1200" dirty="0">
+                <a:solidFill>
+                  <a:schemeClr val="tx1"/>
+                </a:solidFill>
+                <a:effectLst/>
+                <a:latin typeface="+mn-lt"/>
+                <a:ea typeface="+mn-ea"/>
+                <a:cs typeface="+mn-cs"/>
+              </a:rPr>
+              <a:t>. </a:t>
+            </a:r>
+            <a:r>
+              <a:rPr lang="de-DE" sz="1200" kern="1200" dirty="0" err="1">
+                <a:solidFill>
+                  <a:schemeClr val="tx1"/>
+                </a:solidFill>
+                <a:effectLst/>
+                <a:latin typeface="+mn-lt"/>
+                <a:ea typeface="+mn-ea"/>
+                <a:cs typeface="+mn-cs"/>
+              </a:rPr>
+              <a:t>Especially</a:t>
+            </a:r>
+            <a:r>
+              <a:rPr lang="de-DE" sz="1200" kern="1200" dirty="0">
+                <a:solidFill>
+                  <a:schemeClr val="tx1"/>
+                </a:solidFill>
+                <a:effectLst/>
+                <a:latin typeface="+mn-lt"/>
+                <a:ea typeface="+mn-ea"/>
+                <a:cs typeface="+mn-cs"/>
+              </a:rPr>
+              <a:t> </a:t>
+            </a:r>
+            <a:r>
+              <a:rPr lang="de-DE" sz="1200" kern="1200" dirty="0" err="1">
+                <a:solidFill>
+                  <a:schemeClr val="tx1"/>
+                </a:solidFill>
+                <a:effectLst/>
+                <a:latin typeface="+mn-lt"/>
+                <a:ea typeface="+mn-ea"/>
+                <a:cs typeface="+mn-cs"/>
+              </a:rPr>
+              <a:t>when</a:t>
+            </a:r>
+            <a:r>
+              <a:rPr lang="de-DE" sz="1200" kern="1200" dirty="0">
+                <a:solidFill>
+                  <a:schemeClr val="tx1"/>
+                </a:solidFill>
+                <a:effectLst/>
+                <a:latin typeface="+mn-lt"/>
+                <a:ea typeface="+mn-ea"/>
+                <a:cs typeface="+mn-cs"/>
+              </a:rPr>
+              <a:t> </a:t>
+            </a:r>
+            <a:r>
+              <a:rPr lang="de-DE" sz="1200" kern="1200" dirty="0" err="1">
+                <a:solidFill>
+                  <a:schemeClr val="tx1"/>
+                </a:solidFill>
+                <a:effectLst/>
+                <a:latin typeface="+mn-lt"/>
+                <a:ea typeface="+mn-ea"/>
+                <a:cs typeface="+mn-cs"/>
+              </a:rPr>
+              <a:t>it</a:t>
+            </a:r>
+            <a:r>
+              <a:rPr lang="de-DE" sz="1200" kern="1200" dirty="0">
+                <a:solidFill>
+                  <a:schemeClr val="tx1"/>
+                </a:solidFill>
+                <a:effectLst/>
+                <a:latin typeface="+mn-lt"/>
+                <a:ea typeface="+mn-ea"/>
+                <a:cs typeface="+mn-cs"/>
+              </a:rPr>
+              <a:t> </a:t>
+            </a:r>
+            <a:r>
+              <a:rPr lang="de-DE" sz="1200" kern="1200" dirty="0" err="1">
+                <a:solidFill>
+                  <a:schemeClr val="tx1"/>
+                </a:solidFill>
+                <a:effectLst/>
+                <a:latin typeface="+mn-lt"/>
+                <a:ea typeface="+mn-ea"/>
+                <a:cs typeface="+mn-cs"/>
+              </a:rPr>
+              <a:t>comes</a:t>
+            </a:r>
+            <a:r>
+              <a:rPr lang="de-DE" sz="1200" kern="1200" dirty="0">
+                <a:solidFill>
+                  <a:schemeClr val="tx1"/>
+                </a:solidFill>
+                <a:effectLst/>
+                <a:latin typeface="+mn-lt"/>
+                <a:ea typeface="+mn-ea"/>
+                <a:cs typeface="+mn-cs"/>
+              </a:rPr>
+              <a:t> </a:t>
+            </a:r>
+            <a:r>
+              <a:rPr lang="de-DE" sz="1200" kern="1200" dirty="0" err="1">
+                <a:solidFill>
+                  <a:schemeClr val="tx1"/>
+                </a:solidFill>
+                <a:effectLst/>
+                <a:latin typeface="+mn-lt"/>
+                <a:ea typeface="+mn-ea"/>
+                <a:cs typeface="+mn-cs"/>
+              </a:rPr>
+              <a:t>to</a:t>
+            </a:r>
+            <a:r>
+              <a:rPr lang="de-DE" sz="1200" kern="1200" dirty="0">
+                <a:solidFill>
+                  <a:schemeClr val="tx1"/>
+                </a:solidFill>
+                <a:effectLst/>
+                <a:latin typeface="+mn-lt"/>
+                <a:ea typeface="+mn-ea"/>
+                <a:cs typeface="+mn-cs"/>
+              </a:rPr>
+              <a:t> persistent </a:t>
+            </a:r>
+            <a:r>
+              <a:rPr lang="de-DE" sz="1200" kern="1200" dirty="0" err="1">
+                <a:solidFill>
+                  <a:schemeClr val="tx1"/>
+                </a:solidFill>
+                <a:effectLst/>
+                <a:latin typeface="+mn-lt"/>
+                <a:ea typeface="+mn-ea"/>
+                <a:cs typeface="+mn-cs"/>
+              </a:rPr>
+              <a:t>data</a:t>
+            </a:r>
+            <a:r>
+              <a:rPr lang="de-DE" sz="1200" kern="1200" dirty="0">
+                <a:solidFill>
+                  <a:schemeClr val="tx1"/>
+                </a:solidFill>
+                <a:effectLst/>
+                <a:latin typeface="+mn-lt"/>
+                <a:ea typeface="+mn-ea"/>
+                <a:cs typeface="+mn-cs"/>
+              </a:rPr>
+              <a:t>, </a:t>
+            </a:r>
+            <a:r>
+              <a:rPr lang="de-DE" sz="1200" kern="1200" dirty="0" err="1">
+                <a:solidFill>
+                  <a:schemeClr val="tx1"/>
+                </a:solidFill>
+                <a:effectLst/>
+                <a:latin typeface="+mn-lt"/>
+                <a:ea typeface="+mn-ea"/>
+                <a:cs typeface="+mn-cs"/>
+              </a:rPr>
+              <a:t>there</a:t>
+            </a:r>
+            <a:r>
+              <a:rPr lang="de-DE" sz="1200" kern="1200" dirty="0">
+                <a:solidFill>
+                  <a:schemeClr val="tx1"/>
+                </a:solidFill>
+                <a:effectLst/>
+                <a:latin typeface="+mn-lt"/>
+                <a:ea typeface="+mn-ea"/>
+                <a:cs typeface="+mn-cs"/>
+              </a:rPr>
+              <a:t> </a:t>
+            </a:r>
+            <a:r>
+              <a:rPr lang="de-DE" sz="1200" kern="1200" dirty="0" err="1">
+                <a:solidFill>
+                  <a:schemeClr val="tx1"/>
+                </a:solidFill>
+                <a:effectLst/>
+                <a:latin typeface="+mn-lt"/>
+                <a:ea typeface="+mn-ea"/>
+                <a:cs typeface="+mn-cs"/>
+              </a:rPr>
+              <a:t>are</a:t>
+            </a:r>
+            <a:r>
+              <a:rPr lang="de-DE" sz="1200" kern="1200" dirty="0">
+                <a:solidFill>
+                  <a:schemeClr val="tx1"/>
+                </a:solidFill>
+                <a:effectLst/>
+                <a:latin typeface="+mn-lt"/>
+                <a:ea typeface="+mn-ea"/>
+                <a:cs typeface="+mn-cs"/>
+              </a:rPr>
+              <a:t> </a:t>
+            </a:r>
+            <a:r>
+              <a:rPr lang="de-DE" sz="1200" kern="1200" dirty="0" err="1">
+                <a:solidFill>
+                  <a:schemeClr val="tx1"/>
+                </a:solidFill>
+                <a:effectLst/>
+                <a:latin typeface="+mn-lt"/>
+                <a:ea typeface="+mn-ea"/>
+                <a:cs typeface="+mn-cs"/>
+              </a:rPr>
+              <a:t>many</a:t>
+            </a:r>
+            <a:r>
+              <a:rPr lang="de-DE" sz="1200" kern="1200" dirty="0">
+                <a:solidFill>
+                  <a:schemeClr val="tx1"/>
+                </a:solidFill>
+                <a:effectLst/>
+                <a:latin typeface="+mn-lt"/>
+                <a:ea typeface="+mn-ea"/>
+                <a:cs typeface="+mn-cs"/>
+              </a:rPr>
+              <a:t> </a:t>
+            </a:r>
+            <a:r>
+              <a:rPr lang="de-DE" sz="1200" kern="1200" dirty="0" err="1">
+                <a:solidFill>
+                  <a:schemeClr val="tx1"/>
+                </a:solidFill>
+                <a:effectLst/>
+                <a:latin typeface="+mn-lt"/>
+                <a:ea typeface="+mn-ea"/>
+                <a:cs typeface="+mn-cs"/>
+              </a:rPr>
+              <a:t>processes</a:t>
+            </a:r>
+            <a:r>
+              <a:rPr lang="de-DE" sz="1200" kern="1200" dirty="0">
+                <a:solidFill>
+                  <a:schemeClr val="tx1"/>
+                </a:solidFill>
+                <a:effectLst/>
+                <a:latin typeface="+mn-lt"/>
+                <a:ea typeface="+mn-ea"/>
+                <a:cs typeface="+mn-cs"/>
+              </a:rPr>
+              <a:t> </a:t>
+            </a:r>
+            <a:r>
+              <a:rPr lang="de-DE" sz="1200" kern="1200" dirty="0" err="1">
+                <a:solidFill>
+                  <a:schemeClr val="tx1"/>
+                </a:solidFill>
+                <a:effectLst/>
+                <a:latin typeface="+mn-lt"/>
+                <a:ea typeface="+mn-ea"/>
+                <a:cs typeface="+mn-cs"/>
+              </a:rPr>
+              <a:t>that</a:t>
+            </a:r>
+            <a:r>
+              <a:rPr lang="de-DE" sz="1200" kern="1200" dirty="0">
+                <a:solidFill>
+                  <a:schemeClr val="tx1"/>
+                </a:solidFill>
+                <a:effectLst/>
+                <a:latin typeface="+mn-lt"/>
+                <a:ea typeface="+mn-ea"/>
+                <a:cs typeface="+mn-cs"/>
+              </a:rPr>
+              <a:t> </a:t>
+            </a:r>
+            <a:r>
+              <a:rPr lang="de-DE" sz="1200" kern="1200" dirty="0" err="1">
+                <a:solidFill>
+                  <a:schemeClr val="tx1"/>
+                </a:solidFill>
+                <a:effectLst/>
+                <a:latin typeface="+mn-lt"/>
+                <a:ea typeface="+mn-ea"/>
+                <a:cs typeface="+mn-cs"/>
+              </a:rPr>
+              <a:t>can</a:t>
+            </a:r>
+            <a:r>
+              <a:rPr lang="de-DE" sz="1200" kern="1200" dirty="0">
+                <a:solidFill>
+                  <a:schemeClr val="tx1"/>
+                </a:solidFill>
+                <a:effectLst/>
+                <a:latin typeface="+mn-lt"/>
+                <a:ea typeface="+mn-ea"/>
+                <a:cs typeface="+mn-cs"/>
+              </a:rPr>
+              <a:t> </a:t>
+            </a:r>
+            <a:r>
+              <a:rPr lang="de-DE" sz="1200" kern="1200" dirty="0" err="1">
+                <a:solidFill>
+                  <a:schemeClr val="tx1"/>
+                </a:solidFill>
+                <a:effectLst/>
+                <a:latin typeface="+mn-lt"/>
+                <a:ea typeface="+mn-ea"/>
+                <a:cs typeface="+mn-cs"/>
+              </a:rPr>
+              <a:t>repeat</a:t>
+            </a:r>
+            <a:r>
+              <a:rPr lang="de-DE" sz="1200" kern="1200" dirty="0">
+                <a:solidFill>
+                  <a:schemeClr val="tx1"/>
+                </a:solidFill>
+                <a:effectLst/>
+                <a:latin typeface="+mn-lt"/>
+                <a:ea typeface="+mn-ea"/>
+                <a:cs typeface="+mn-cs"/>
+              </a:rPr>
+              <a:t> </a:t>
+            </a:r>
+            <a:r>
+              <a:rPr lang="de-DE" sz="1200" kern="1200" dirty="0" err="1">
+                <a:solidFill>
+                  <a:schemeClr val="tx1"/>
+                </a:solidFill>
+                <a:effectLst/>
+                <a:latin typeface="+mn-lt"/>
+                <a:ea typeface="+mn-ea"/>
+                <a:cs typeface="+mn-cs"/>
+              </a:rPr>
+              <a:t>themselves</a:t>
+            </a:r>
+            <a:r>
+              <a:rPr lang="de-DE" sz="1200" kern="1200" dirty="0">
+                <a:solidFill>
+                  <a:schemeClr val="tx1"/>
+                </a:solidFill>
+                <a:effectLst/>
+                <a:latin typeface="+mn-lt"/>
+                <a:ea typeface="+mn-ea"/>
+                <a:cs typeface="+mn-cs"/>
+              </a:rPr>
+              <a:t> </a:t>
+            </a:r>
+            <a:r>
+              <a:rPr lang="de-DE" sz="1200" kern="1200" dirty="0" err="1">
+                <a:solidFill>
+                  <a:schemeClr val="tx1"/>
+                </a:solidFill>
+                <a:effectLst/>
+                <a:latin typeface="+mn-lt"/>
+                <a:ea typeface="+mn-ea"/>
+                <a:cs typeface="+mn-cs"/>
+              </a:rPr>
+              <a:t>and</a:t>
+            </a:r>
+            <a:r>
+              <a:rPr lang="de-DE" sz="1200" kern="1200" dirty="0">
+                <a:solidFill>
+                  <a:schemeClr val="tx1"/>
+                </a:solidFill>
+                <a:effectLst/>
+                <a:latin typeface="+mn-lt"/>
+                <a:ea typeface="+mn-ea"/>
+                <a:cs typeface="+mn-cs"/>
+              </a:rPr>
+              <a:t> </a:t>
+            </a:r>
+            <a:r>
+              <a:rPr lang="de-DE" sz="1200" kern="1200" dirty="0" err="1">
+                <a:solidFill>
+                  <a:schemeClr val="tx1"/>
+                </a:solidFill>
+                <a:effectLst/>
+                <a:latin typeface="+mn-lt"/>
+                <a:ea typeface="+mn-ea"/>
+                <a:cs typeface="+mn-cs"/>
+              </a:rPr>
+              <a:t>cause</a:t>
+            </a:r>
+            <a:r>
+              <a:rPr lang="de-DE" sz="1200" kern="1200" dirty="0">
+                <a:solidFill>
+                  <a:schemeClr val="tx1"/>
+                </a:solidFill>
+                <a:effectLst/>
+                <a:latin typeface="+mn-lt"/>
+                <a:ea typeface="+mn-ea"/>
+                <a:cs typeface="+mn-cs"/>
+              </a:rPr>
+              <a:t> </a:t>
+            </a:r>
+            <a:r>
+              <a:rPr lang="de-DE" sz="1200" kern="1200" dirty="0" err="1">
+                <a:solidFill>
+                  <a:schemeClr val="tx1"/>
+                </a:solidFill>
+                <a:effectLst/>
+                <a:latin typeface="+mn-lt"/>
+                <a:ea typeface="+mn-ea"/>
+                <a:cs typeface="+mn-cs"/>
+              </a:rPr>
+              <a:t>errors</a:t>
+            </a:r>
+            <a:r>
+              <a:rPr lang="de-DE" sz="1200" kern="1200" dirty="0">
+                <a:solidFill>
+                  <a:schemeClr val="tx1"/>
+                </a:solidFill>
+                <a:effectLst/>
+                <a:latin typeface="+mn-lt"/>
+                <a:ea typeface="+mn-ea"/>
+                <a:cs typeface="+mn-cs"/>
+              </a:rPr>
+              <a:t>. </a:t>
+            </a:r>
+            <a:r>
+              <a:rPr lang="de-DE" sz="1200" kern="1200" dirty="0" err="1">
+                <a:solidFill>
+                  <a:schemeClr val="tx1"/>
+                </a:solidFill>
+                <a:effectLst/>
+                <a:latin typeface="+mn-lt"/>
+                <a:ea typeface="+mn-ea"/>
+                <a:cs typeface="+mn-cs"/>
+              </a:rPr>
+              <a:t>For</a:t>
+            </a:r>
+            <a:r>
+              <a:rPr lang="de-DE" sz="1200" kern="1200" dirty="0">
+                <a:solidFill>
+                  <a:schemeClr val="tx1"/>
+                </a:solidFill>
+                <a:effectLst/>
+                <a:latin typeface="+mn-lt"/>
+                <a:ea typeface="+mn-ea"/>
+                <a:cs typeface="+mn-cs"/>
+              </a:rPr>
+              <a:t> </a:t>
+            </a:r>
+            <a:r>
+              <a:rPr lang="de-DE" sz="1200" kern="1200" dirty="0" err="1">
+                <a:solidFill>
+                  <a:schemeClr val="tx1"/>
+                </a:solidFill>
+                <a:effectLst/>
+                <a:latin typeface="+mn-lt"/>
+                <a:ea typeface="+mn-ea"/>
+                <a:cs typeface="+mn-cs"/>
+              </a:rPr>
+              <a:t>queries</a:t>
+            </a:r>
+            <a:r>
+              <a:rPr lang="de-DE" sz="1200" kern="1200" dirty="0">
+                <a:solidFill>
+                  <a:schemeClr val="tx1"/>
+                </a:solidFill>
+                <a:effectLst/>
+                <a:latin typeface="+mn-lt"/>
+                <a:ea typeface="+mn-ea"/>
+                <a:cs typeface="+mn-cs"/>
+              </a:rPr>
+              <a:t> </a:t>
+            </a:r>
+            <a:r>
+              <a:rPr lang="de-DE" sz="1200" kern="1200" dirty="0" err="1">
+                <a:solidFill>
+                  <a:schemeClr val="tx1"/>
+                </a:solidFill>
+                <a:effectLst/>
+                <a:latin typeface="+mn-lt"/>
+                <a:ea typeface="+mn-ea"/>
+                <a:cs typeface="+mn-cs"/>
+              </a:rPr>
+              <a:t>to</a:t>
+            </a:r>
+            <a:r>
+              <a:rPr lang="de-DE" sz="1200" kern="1200" dirty="0">
+                <a:solidFill>
+                  <a:schemeClr val="tx1"/>
+                </a:solidFill>
+                <a:effectLst/>
+                <a:latin typeface="+mn-lt"/>
+                <a:ea typeface="+mn-ea"/>
+                <a:cs typeface="+mn-cs"/>
+              </a:rPr>
+              <a:t> </a:t>
+            </a:r>
+            <a:r>
+              <a:rPr lang="de-DE" sz="1200" kern="1200" dirty="0" err="1">
+                <a:solidFill>
+                  <a:schemeClr val="tx1"/>
+                </a:solidFill>
+                <a:effectLst/>
+                <a:latin typeface="+mn-lt"/>
+                <a:ea typeface="+mn-ea"/>
+                <a:cs typeface="+mn-cs"/>
+              </a:rPr>
+              <a:t>the</a:t>
+            </a:r>
+            <a:r>
+              <a:rPr lang="de-DE" sz="1200" kern="1200" dirty="0">
+                <a:solidFill>
+                  <a:schemeClr val="tx1"/>
+                </a:solidFill>
+                <a:effectLst/>
+                <a:latin typeface="+mn-lt"/>
+                <a:ea typeface="+mn-ea"/>
+                <a:cs typeface="+mn-cs"/>
+              </a:rPr>
+              <a:t> </a:t>
+            </a:r>
+            <a:r>
+              <a:rPr lang="de-DE" sz="1200" kern="1200" dirty="0" err="1">
+                <a:solidFill>
+                  <a:schemeClr val="tx1"/>
+                </a:solidFill>
+                <a:effectLst/>
+                <a:latin typeface="+mn-lt"/>
+                <a:ea typeface="+mn-ea"/>
+                <a:cs typeface="+mn-cs"/>
+              </a:rPr>
+              <a:t>database</a:t>
+            </a:r>
+            <a:r>
+              <a:rPr lang="de-DE" sz="1200" kern="1200" dirty="0">
+                <a:solidFill>
+                  <a:schemeClr val="tx1"/>
+                </a:solidFill>
+                <a:effectLst/>
+                <a:latin typeface="+mn-lt"/>
+                <a:ea typeface="+mn-ea"/>
+                <a:cs typeface="+mn-cs"/>
+              </a:rPr>
+              <a:t>, a </a:t>
+            </a:r>
+            <a:r>
+              <a:rPr lang="de-DE" sz="1200" kern="1200" dirty="0" err="1">
+                <a:solidFill>
+                  <a:schemeClr val="tx1"/>
+                </a:solidFill>
+                <a:effectLst/>
+                <a:latin typeface="+mn-lt"/>
+                <a:ea typeface="+mn-ea"/>
+                <a:cs typeface="+mn-cs"/>
+              </a:rPr>
+              <a:t>connection</a:t>
+            </a:r>
+            <a:r>
+              <a:rPr lang="de-DE" sz="1200" kern="1200" dirty="0">
+                <a:solidFill>
+                  <a:schemeClr val="tx1"/>
+                </a:solidFill>
+                <a:effectLst/>
+                <a:latin typeface="+mn-lt"/>
+                <a:ea typeface="+mn-ea"/>
+                <a:cs typeface="+mn-cs"/>
+              </a:rPr>
+              <a:t> must </a:t>
+            </a:r>
+            <a:r>
+              <a:rPr lang="de-DE" sz="1200" kern="1200" dirty="0" err="1">
+                <a:solidFill>
+                  <a:schemeClr val="tx1"/>
+                </a:solidFill>
+                <a:effectLst/>
+                <a:latin typeface="+mn-lt"/>
+                <a:ea typeface="+mn-ea"/>
+                <a:cs typeface="+mn-cs"/>
+              </a:rPr>
+              <a:t>be</a:t>
+            </a:r>
+            <a:r>
+              <a:rPr lang="de-DE" sz="1200" kern="1200" dirty="0">
+                <a:solidFill>
+                  <a:schemeClr val="tx1"/>
+                </a:solidFill>
+                <a:effectLst/>
+                <a:latin typeface="+mn-lt"/>
+                <a:ea typeface="+mn-ea"/>
+                <a:cs typeface="+mn-cs"/>
+              </a:rPr>
+              <a:t> </a:t>
+            </a:r>
+            <a:r>
+              <a:rPr lang="de-DE" sz="1200" kern="1200" dirty="0" err="1">
+                <a:solidFill>
+                  <a:schemeClr val="tx1"/>
+                </a:solidFill>
+                <a:effectLst/>
+                <a:latin typeface="+mn-lt"/>
+                <a:ea typeface="+mn-ea"/>
+                <a:cs typeface="+mn-cs"/>
+              </a:rPr>
+              <a:t>established</a:t>
+            </a:r>
+            <a:r>
+              <a:rPr lang="de-DE" sz="1200" kern="1200" dirty="0">
+                <a:solidFill>
+                  <a:schemeClr val="tx1"/>
+                </a:solidFill>
+                <a:effectLst/>
+                <a:latin typeface="+mn-lt"/>
+                <a:ea typeface="+mn-ea"/>
+                <a:cs typeface="+mn-cs"/>
+              </a:rPr>
+              <a:t>, different </a:t>
+            </a:r>
+            <a:r>
+              <a:rPr lang="de-DE" sz="1200" kern="1200" dirty="0" err="1">
+                <a:solidFill>
+                  <a:schemeClr val="tx1"/>
+                </a:solidFill>
+                <a:effectLst/>
+                <a:latin typeface="+mn-lt"/>
+                <a:ea typeface="+mn-ea"/>
+                <a:cs typeface="+mn-cs"/>
+              </a:rPr>
+              <a:t>exceptions</a:t>
+            </a:r>
+            <a:r>
+              <a:rPr lang="de-DE" sz="1200" kern="1200" dirty="0">
+                <a:solidFill>
+                  <a:schemeClr val="tx1"/>
+                </a:solidFill>
+                <a:effectLst/>
+                <a:latin typeface="+mn-lt"/>
+                <a:ea typeface="+mn-ea"/>
+                <a:cs typeface="+mn-cs"/>
+              </a:rPr>
+              <a:t> </a:t>
+            </a:r>
+            <a:r>
+              <a:rPr lang="de-DE" sz="1200" kern="1200" dirty="0" err="1">
+                <a:solidFill>
+                  <a:schemeClr val="tx1"/>
+                </a:solidFill>
+                <a:effectLst/>
+                <a:latin typeface="+mn-lt"/>
+                <a:ea typeface="+mn-ea"/>
+                <a:cs typeface="+mn-cs"/>
+              </a:rPr>
+              <a:t>considered</a:t>
+            </a:r>
+            <a:r>
+              <a:rPr lang="de-DE" sz="1200" kern="1200" dirty="0">
+                <a:solidFill>
+                  <a:schemeClr val="tx1"/>
+                </a:solidFill>
+                <a:effectLst/>
+                <a:latin typeface="+mn-lt"/>
+                <a:ea typeface="+mn-ea"/>
+                <a:cs typeface="+mn-cs"/>
+              </a:rPr>
+              <a:t> </a:t>
+            </a:r>
+            <a:r>
+              <a:rPr lang="de-DE" sz="1200" kern="1200" dirty="0" err="1">
+                <a:solidFill>
+                  <a:schemeClr val="tx1"/>
+                </a:solidFill>
+                <a:effectLst/>
+                <a:latin typeface="+mn-lt"/>
+                <a:ea typeface="+mn-ea"/>
+                <a:cs typeface="+mn-cs"/>
+              </a:rPr>
+              <a:t>and</a:t>
+            </a:r>
+            <a:r>
+              <a:rPr lang="de-DE" sz="1200" kern="1200" dirty="0">
+                <a:solidFill>
+                  <a:schemeClr val="tx1"/>
+                </a:solidFill>
+                <a:effectLst/>
+                <a:latin typeface="+mn-lt"/>
+                <a:ea typeface="+mn-ea"/>
+                <a:cs typeface="+mn-cs"/>
+              </a:rPr>
+              <a:t> </a:t>
+            </a:r>
+            <a:r>
+              <a:rPr lang="de-DE" sz="1200" kern="1200" dirty="0" err="1">
+                <a:solidFill>
+                  <a:schemeClr val="tx1"/>
+                </a:solidFill>
+                <a:effectLst/>
+                <a:latin typeface="+mn-lt"/>
+                <a:ea typeface="+mn-ea"/>
+                <a:cs typeface="+mn-cs"/>
+              </a:rPr>
+              <a:t>the</a:t>
+            </a:r>
+            <a:r>
+              <a:rPr lang="de-DE" sz="1200" kern="1200" dirty="0">
+                <a:solidFill>
+                  <a:schemeClr val="tx1"/>
+                </a:solidFill>
+                <a:effectLst/>
+                <a:latin typeface="+mn-lt"/>
+                <a:ea typeface="+mn-ea"/>
+                <a:cs typeface="+mn-cs"/>
+              </a:rPr>
+              <a:t> </a:t>
+            </a:r>
+            <a:r>
+              <a:rPr lang="de-DE" sz="1200" kern="1200" dirty="0" err="1">
+                <a:solidFill>
+                  <a:schemeClr val="tx1"/>
+                </a:solidFill>
+                <a:effectLst/>
+                <a:latin typeface="+mn-lt"/>
+                <a:ea typeface="+mn-ea"/>
+                <a:cs typeface="+mn-cs"/>
+              </a:rPr>
+              <a:t>connection</a:t>
+            </a:r>
+            <a:r>
+              <a:rPr lang="de-DE" sz="1200" kern="1200" dirty="0">
+                <a:solidFill>
+                  <a:schemeClr val="tx1"/>
+                </a:solidFill>
+                <a:effectLst/>
+                <a:latin typeface="+mn-lt"/>
+                <a:ea typeface="+mn-ea"/>
+                <a:cs typeface="+mn-cs"/>
+              </a:rPr>
+              <a:t> </a:t>
+            </a:r>
+            <a:r>
+              <a:rPr lang="de-DE" sz="1200" kern="1200" dirty="0" err="1">
+                <a:solidFill>
+                  <a:schemeClr val="tx1"/>
+                </a:solidFill>
+                <a:effectLst/>
+                <a:latin typeface="+mn-lt"/>
+                <a:ea typeface="+mn-ea"/>
+                <a:cs typeface="+mn-cs"/>
+              </a:rPr>
+              <a:t>closed</a:t>
+            </a:r>
+            <a:r>
+              <a:rPr lang="de-DE" sz="1200" kern="1200" dirty="0">
+                <a:solidFill>
+                  <a:schemeClr val="tx1"/>
+                </a:solidFill>
+                <a:effectLst/>
+                <a:latin typeface="+mn-lt"/>
+                <a:ea typeface="+mn-ea"/>
+                <a:cs typeface="+mn-cs"/>
+              </a:rPr>
+              <a:t> </a:t>
+            </a:r>
+            <a:r>
+              <a:rPr lang="de-DE" sz="1200" kern="1200" dirty="0" err="1">
+                <a:solidFill>
+                  <a:schemeClr val="tx1"/>
+                </a:solidFill>
+                <a:effectLst/>
+                <a:latin typeface="+mn-lt"/>
+                <a:ea typeface="+mn-ea"/>
+                <a:cs typeface="+mn-cs"/>
+              </a:rPr>
+              <a:t>again</a:t>
+            </a:r>
+            <a:r>
+              <a:rPr lang="de-DE" sz="1200" kern="1200" dirty="0">
+                <a:solidFill>
+                  <a:schemeClr val="tx1"/>
+                </a:solidFill>
+                <a:effectLst/>
+                <a:latin typeface="+mn-lt"/>
+                <a:ea typeface="+mn-ea"/>
+                <a:cs typeface="+mn-cs"/>
+              </a:rPr>
+              <a:t>. </a:t>
+            </a:r>
+            <a:r>
+              <a:rPr lang="de-DE" sz="1200" kern="1200" dirty="0" err="1">
+                <a:solidFill>
+                  <a:schemeClr val="tx1"/>
+                </a:solidFill>
+                <a:effectLst/>
+                <a:latin typeface="+mn-lt"/>
+                <a:ea typeface="+mn-ea"/>
+                <a:cs typeface="+mn-cs"/>
+              </a:rPr>
+              <a:t>If</a:t>
+            </a:r>
+            <a:r>
+              <a:rPr lang="de-DE" sz="1200" kern="1200" dirty="0">
+                <a:solidFill>
+                  <a:schemeClr val="tx1"/>
+                </a:solidFill>
+                <a:effectLst/>
+                <a:latin typeface="+mn-lt"/>
+                <a:ea typeface="+mn-ea"/>
+                <a:cs typeface="+mn-cs"/>
+              </a:rPr>
+              <a:t> </a:t>
+            </a:r>
+            <a:r>
+              <a:rPr lang="de-DE" sz="1200" kern="1200" dirty="0" err="1">
+                <a:solidFill>
+                  <a:schemeClr val="tx1"/>
+                </a:solidFill>
+                <a:effectLst/>
+                <a:latin typeface="+mn-lt"/>
+                <a:ea typeface="+mn-ea"/>
+                <a:cs typeface="+mn-cs"/>
+              </a:rPr>
+              <a:t>you</a:t>
+            </a:r>
+            <a:r>
+              <a:rPr lang="de-DE" sz="1200" kern="1200" dirty="0">
+                <a:solidFill>
+                  <a:schemeClr val="tx1"/>
+                </a:solidFill>
+                <a:effectLst/>
+                <a:latin typeface="+mn-lt"/>
+                <a:ea typeface="+mn-ea"/>
+                <a:cs typeface="+mn-cs"/>
+              </a:rPr>
+              <a:t> do </a:t>
+            </a:r>
+            <a:r>
+              <a:rPr lang="de-DE" sz="1200" kern="1200" dirty="0" err="1">
+                <a:solidFill>
+                  <a:schemeClr val="tx1"/>
+                </a:solidFill>
+                <a:effectLst/>
+                <a:latin typeface="+mn-lt"/>
+                <a:ea typeface="+mn-ea"/>
+                <a:cs typeface="+mn-cs"/>
+              </a:rPr>
+              <a:t>something</a:t>
+            </a:r>
+            <a:r>
+              <a:rPr lang="de-DE" sz="1200" kern="1200" dirty="0">
+                <a:solidFill>
+                  <a:schemeClr val="tx1"/>
+                </a:solidFill>
+                <a:effectLst/>
+                <a:latin typeface="+mn-lt"/>
+                <a:ea typeface="+mn-ea"/>
+                <a:cs typeface="+mn-cs"/>
+              </a:rPr>
+              <a:t> </a:t>
+            </a:r>
+            <a:r>
+              <a:rPr lang="de-DE" sz="1200" kern="1200" dirty="0" err="1">
+                <a:solidFill>
+                  <a:schemeClr val="tx1"/>
+                </a:solidFill>
+                <a:effectLst/>
+                <a:latin typeface="+mn-lt"/>
+                <a:ea typeface="+mn-ea"/>
+                <a:cs typeface="+mn-cs"/>
+              </a:rPr>
+              <a:t>wrong</a:t>
+            </a:r>
+            <a:r>
+              <a:rPr lang="de-DE" sz="1200" kern="1200" dirty="0">
+                <a:solidFill>
+                  <a:schemeClr val="tx1"/>
+                </a:solidFill>
+                <a:effectLst/>
+                <a:latin typeface="+mn-lt"/>
+                <a:ea typeface="+mn-ea"/>
+                <a:cs typeface="+mn-cs"/>
+              </a:rPr>
+              <a:t>, </a:t>
+            </a:r>
+            <a:r>
+              <a:rPr lang="de-DE" sz="1200" kern="1200" dirty="0" err="1">
+                <a:solidFill>
+                  <a:schemeClr val="tx1"/>
+                </a:solidFill>
+                <a:effectLst/>
+                <a:latin typeface="+mn-lt"/>
+                <a:ea typeface="+mn-ea"/>
+                <a:cs typeface="+mn-cs"/>
+              </a:rPr>
+              <a:t>you</a:t>
+            </a:r>
+            <a:r>
+              <a:rPr lang="de-DE" sz="1200" kern="1200" dirty="0">
+                <a:solidFill>
+                  <a:schemeClr val="tx1"/>
+                </a:solidFill>
+                <a:effectLst/>
+                <a:latin typeface="+mn-lt"/>
+                <a:ea typeface="+mn-ea"/>
+                <a:cs typeface="+mn-cs"/>
+              </a:rPr>
+              <a:t> </a:t>
+            </a:r>
+            <a:r>
+              <a:rPr lang="de-DE" sz="1200" kern="1200" dirty="0" err="1">
+                <a:solidFill>
+                  <a:schemeClr val="tx1"/>
+                </a:solidFill>
+                <a:effectLst/>
+                <a:latin typeface="+mn-lt"/>
+                <a:ea typeface="+mn-ea"/>
+                <a:cs typeface="+mn-cs"/>
+              </a:rPr>
+              <a:t>can</a:t>
+            </a:r>
+            <a:r>
+              <a:rPr lang="de-DE" sz="1200" kern="1200" dirty="0">
+                <a:solidFill>
+                  <a:schemeClr val="tx1"/>
+                </a:solidFill>
+                <a:effectLst/>
+                <a:latin typeface="+mn-lt"/>
+                <a:ea typeface="+mn-ea"/>
+                <a:cs typeface="+mn-cs"/>
+              </a:rPr>
+              <a:t> </a:t>
+            </a:r>
+            <a:r>
+              <a:rPr lang="de-DE" sz="1200" kern="1200" dirty="0" err="1">
+                <a:solidFill>
+                  <a:schemeClr val="tx1"/>
+                </a:solidFill>
+                <a:effectLst/>
+                <a:latin typeface="+mn-lt"/>
+                <a:ea typeface="+mn-ea"/>
+                <a:cs typeface="+mn-cs"/>
+              </a:rPr>
+              <a:t>quickly</a:t>
+            </a:r>
+            <a:r>
+              <a:rPr lang="de-DE" sz="1200" kern="1200" dirty="0">
+                <a:solidFill>
+                  <a:schemeClr val="tx1"/>
+                </a:solidFill>
+                <a:effectLst/>
+                <a:latin typeface="+mn-lt"/>
+                <a:ea typeface="+mn-ea"/>
+                <a:cs typeface="+mn-cs"/>
+              </a:rPr>
+              <a:t> lose </a:t>
+            </a:r>
+            <a:r>
+              <a:rPr lang="de-DE" sz="1200" kern="1200" dirty="0" err="1">
+                <a:solidFill>
+                  <a:schemeClr val="tx1"/>
+                </a:solidFill>
+                <a:effectLst/>
+                <a:latin typeface="+mn-lt"/>
+                <a:ea typeface="+mn-ea"/>
+                <a:cs typeface="+mn-cs"/>
+              </a:rPr>
+              <a:t>data</a:t>
+            </a:r>
+            <a:r>
+              <a:rPr lang="de-DE" sz="1200" kern="1200" dirty="0">
+                <a:solidFill>
+                  <a:schemeClr val="tx1"/>
+                </a:solidFill>
+                <a:effectLst/>
+                <a:latin typeface="+mn-lt"/>
+                <a:ea typeface="+mn-ea"/>
+                <a:cs typeface="+mn-cs"/>
+              </a:rPr>
+              <a:t> </a:t>
+            </a:r>
+            <a:r>
+              <a:rPr lang="de-DE" sz="1200" kern="1200" dirty="0" err="1">
+                <a:solidFill>
+                  <a:schemeClr val="tx1"/>
+                </a:solidFill>
+                <a:effectLst/>
+                <a:latin typeface="+mn-lt"/>
+                <a:ea typeface="+mn-ea"/>
+                <a:cs typeface="+mn-cs"/>
+              </a:rPr>
+              <a:t>or</a:t>
+            </a:r>
+            <a:r>
+              <a:rPr lang="de-DE" sz="1200" kern="1200" dirty="0">
+                <a:solidFill>
+                  <a:schemeClr val="tx1"/>
+                </a:solidFill>
+                <a:effectLst/>
+                <a:latin typeface="+mn-lt"/>
+                <a:ea typeface="+mn-ea"/>
+                <a:cs typeface="+mn-cs"/>
+              </a:rPr>
+              <a:t> </a:t>
+            </a:r>
+            <a:r>
+              <a:rPr lang="de-DE" sz="1200" kern="1200" dirty="0" err="1">
+                <a:solidFill>
+                  <a:schemeClr val="tx1"/>
+                </a:solidFill>
+                <a:effectLst/>
+                <a:latin typeface="+mn-lt"/>
+                <a:ea typeface="+mn-ea"/>
+                <a:cs typeface="+mn-cs"/>
+              </a:rPr>
+              <a:t>accidentally</a:t>
+            </a:r>
+            <a:r>
+              <a:rPr lang="de-DE" sz="1200" kern="1200" dirty="0">
+                <a:solidFill>
+                  <a:schemeClr val="tx1"/>
+                </a:solidFill>
+                <a:effectLst/>
+                <a:latin typeface="+mn-lt"/>
+                <a:ea typeface="+mn-ea"/>
+                <a:cs typeface="+mn-cs"/>
+              </a:rPr>
+              <a:t> </a:t>
+            </a:r>
+            <a:r>
+              <a:rPr lang="de-DE" sz="1200" kern="1200" dirty="0" err="1">
+                <a:solidFill>
+                  <a:schemeClr val="tx1"/>
+                </a:solidFill>
+                <a:effectLst/>
+                <a:latin typeface="+mn-lt"/>
+                <a:ea typeface="+mn-ea"/>
+                <a:cs typeface="+mn-cs"/>
+              </a:rPr>
+              <a:t>delete</a:t>
+            </a:r>
+            <a:r>
+              <a:rPr lang="de-DE" sz="1200" kern="1200" dirty="0">
+                <a:solidFill>
+                  <a:schemeClr val="tx1"/>
+                </a:solidFill>
+                <a:effectLst/>
+                <a:latin typeface="+mn-lt"/>
+                <a:ea typeface="+mn-ea"/>
+                <a:cs typeface="+mn-cs"/>
+              </a:rPr>
+              <a:t> it. </a:t>
+            </a:r>
+            <a:r>
+              <a:rPr lang="de-DE" sz="1200" kern="1200" dirty="0" err="1">
+                <a:solidFill>
+                  <a:schemeClr val="tx1"/>
+                </a:solidFill>
+                <a:effectLst/>
+                <a:latin typeface="+mn-lt"/>
+                <a:ea typeface="+mn-ea"/>
+                <a:cs typeface="+mn-cs"/>
+              </a:rPr>
+              <a:t>To</a:t>
+            </a:r>
+            <a:r>
+              <a:rPr lang="de-DE" sz="1200" kern="1200" dirty="0">
+                <a:solidFill>
+                  <a:schemeClr val="tx1"/>
+                </a:solidFill>
+                <a:effectLst/>
+                <a:latin typeface="+mn-lt"/>
+                <a:ea typeface="+mn-ea"/>
+                <a:cs typeface="+mn-cs"/>
+              </a:rPr>
+              <a:t> </a:t>
+            </a:r>
+            <a:r>
+              <a:rPr lang="de-DE" sz="1200" kern="1200" dirty="0" err="1">
+                <a:solidFill>
+                  <a:schemeClr val="tx1"/>
+                </a:solidFill>
+                <a:effectLst/>
+                <a:latin typeface="+mn-lt"/>
+                <a:ea typeface="+mn-ea"/>
+                <a:cs typeface="+mn-cs"/>
+              </a:rPr>
+              <a:t>avoid</a:t>
+            </a:r>
+            <a:r>
+              <a:rPr lang="de-DE" sz="1200" kern="1200" dirty="0">
+                <a:solidFill>
+                  <a:schemeClr val="tx1"/>
+                </a:solidFill>
+                <a:effectLst/>
+                <a:latin typeface="+mn-lt"/>
+                <a:ea typeface="+mn-ea"/>
+                <a:cs typeface="+mn-cs"/>
+              </a:rPr>
+              <a:t> </a:t>
+            </a:r>
+            <a:r>
+              <a:rPr lang="de-DE" sz="1200" kern="1200" dirty="0" err="1">
+                <a:solidFill>
+                  <a:schemeClr val="tx1"/>
+                </a:solidFill>
+                <a:effectLst/>
+                <a:latin typeface="+mn-lt"/>
+                <a:ea typeface="+mn-ea"/>
+                <a:cs typeface="+mn-cs"/>
+              </a:rPr>
+              <a:t>this</a:t>
+            </a:r>
+            <a:r>
+              <a:rPr lang="de-DE" sz="1200" kern="1200" dirty="0">
+                <a:solidFill>
+                  <a:schemeClr val="tx1"/>
+                </a:solidFill>
+                <a:effectLst/>
+                <a:latin typeface="+mn-lt"/>
+                <a:ea typeface="+mn-ea"/>
+                <a:cs typeface="+mn-cs"/>
+              </a:rPr>
+              <a:t> </a:t>
+            </a:r>
+            <a:r>
+              <a:rPr lang="de-DE" sz="1200" kern="1200" dirty="0" err="1">
+                <a:solidFill>
+                  <a:schemeClr val="tx1"/>
+                </a:solidFill>
+                <a:effectLst/>
+                <a:latin typeface="+mn-lt"/>
+                <a:ea typeface="+mn-ea"/>
+                <a:cs typeface="+mn-cs"/>
+              </a:rPr>
+              <a:t>risk</a:t>
+            </a:r>
+            <a:r>
+              <a:rPr lang="de-DE" sz="1200" kern="1200" dirty="0">
+                <a:solidFill>
+                  <a:schemeClr val="tx1"/>
+                </a:solidFill>
+                <a:effectLst/>
+                <a:latin typeface="+mn-lt"/>
+                <a:ea typeface="+mn-ea"/>
+                <a:cs typeface="+mn-cs"/>
+              </a:rPr>
+              <a:t>, </a:t>
+            </a:r>
+            <a:r>
+              <a:rPr lang="de-DE" sz="1200" kern="1200" dirty="0" err="1">
+                <a:solidFill>
+                  <a:schemeClr val="tx1"/>
+                </a:solidFill>
+                <a:effectLst/>
+                <a:latin typeface="+mn-lt"/>
+                <a:ea typeface="+mn-ea"/>
+                <a:cs typeface="+mn-cs"/>
+              </a:rPr>
+              <a:t>you</a:t>
+            </a:r>
+            <a:r>
+              <a:rPr lang="de-DE" sz="1200" kern="1200" dirty="0">
+                <a:solidFill>
+                  <a:schemeClr val="tx1"/>
+                </a:solidFill>
+                <a:effectLst/>
+                <a:latin typeface="+mn-lt"/>
+                <a:ea typeface="+mn-ea"/>
+                <a:cs typeface="+mn-cs"/>
+              </a:rPr>
+              <a:t> </a:t>
+            </a:r>
+            <a:r>
+              <a:rPr lang="de-DE" sz="1200" kern="1200" dirty="0" err="1">
+                <a:solidFill>
+                  <a:schemeClr val="tx1"/>
+                </a:solidFill>
+                <a:effectLst/>
+                <a:latin typeface="+mn-lt"/>
+                <a:ea typeface="+mn-ea"/>
+                <a:cs typeface="+mn-cs"/>
+              </a:rPr>
+              <a:t>use</a:t>
+            </a:r>
+            <a:r>
+              <a:rPr lang="de-DE" sz="1200" kern="1200" dirty="0">
+                <a:solidFill>
+                  <a:schemeClr val="tx1"/>
+                </a:solidFill>
+                <a:effectLst/>
+                <a:latin typeface="+mn-lt"/>
+                <a:ea typeface="+mn-ea"/>
+                <a:cs typeface="+mn-cs"/>
+              </a:rPr>
+              <a:t> Spring Data </a:t>
+            </a:r>
+            <a:r>
+              <a:rPr lang="de-DE" sz="1200" kern="1200" dirty="0" err="1">
+                <a:solidFill>
+                  <a:schemeClr val="tx1"/>
+                </a:solidFill>
+                <a:effectLst/>
+                <a:latin typeface="+mn-lt"/>
+                <a:ea typeface="+mn-ea"/>
+                <a:cs typeface="+mn-cs"/>
+              </a:rPr>
+              <a:t>and</a:t>
+            </a:r>
+            <a:r>
+              <a:rPr lang="de-DE" sz="1200" kern="1200" dirty="0">
+                <a:solidFill>
+                  <a:schemeClr val="tx1"/>
+                </a:solidFill>
+                <a:effectLst/>
+                <a:latin typeface="+mn-lt"/>
+                <a:ea typeface="+mn-ea"/>
+                <a:cs typeface="+mn-cs"/>
+              </a:rPr>
+              <a:t> </a:t>
+            </a:r>
+            <a:r>
+              <a:rPr lang="de-DE" sz="1200" kern="1200" dirty="0" err="1">
+                <a:solidFill>
+                  <a:schemeClr val="tx1"/>
+                </a:solidFill>
+                <a:effectLst/>
+                <a:latin typeface="+mn-lt"/>
+                <a:ea typeface="+mn-ea"/>
+                <a:cs typeface="+mn-cs"/>
+              </a:rPr>
+              <a:t>can</a:t>
+            </a:r>
+            <a:r>
+              <a:rPr lang="de-DE" sz="1200" kern="1200" dirty="0">
+                <a:solidFill>
+                  <a:schemeClr val="tx1"/>
+                </a:solidFill>
+                <a:effectLst/>
+                <a:latin typeface="+mn-lt"/>
+                <a:ea typeface="+mn-ea"/>
+                <a:cs typeface="+mn-cs"/>
+              </a:rPr>
+              <a:t> </a:t>
+            </a:r>
+            <a:r>
+              <a:rPr lang="de-DE" sz="1200" kern="1200" dirty="0" err="1">
+                <a:solidFill>
+                  <a:schemeClr val="tx1"/>
+                </a:solidFill>
+                <a:effectLst/>
+                <a:latin typeface="+mn-lt"/>
+                <a:ea typeface="+mn-ea"/>
+                <a:cs typeface="+mn-cs"/>
+              </a:rPr>
+              <a:t>focus</a:t>
+            </a:r>
+            <a:r>
+              <a:rPr lang="de-DE" sz="1200" kern="1200" dirty="0">
+                <a:solidFill>
+                  <a:schemeClr val="tx1"/>
+                </a:solidFill>
+                <a:effectLst/>
+                <a:latin typeface="+mn-lt"/>
+                <a:ea typeface="+mn-ea"/>
+                <a:cs typeface="+mn-cs"/>
+              </a:rPr>
+              <a:t> on </a:t>
+            </a:r>
+            <a:r>
+              <a:rPr lang="de-DE" sz="1200" kern="1200" dirty="0" err="1">
+                <a:solidFill>
+                  <a:schemeClr val="tx1"/>
+                </a:solidFill>
+                <a:effectLst/>
+                <a:latin typeface="+mn-lt"/>
+                <a:ea typeface="+mn-ea"/>
+                <a:cs typeface="+mn-cs"/>
+              </a:rPr>
+              <a:t>business</a:t>
+            </a:r>
+            <a:r>
+              <a:rPr lang="de-DE" sz="1200" kern="1200" dirty="0">
+                <a:solidFill>
+                  <a:schemeClr val="tx1"/>
+                </a:solidFill>
+                <a:effectLst/>
+                <a:latin typeface="+mn-lt"/>
+                <a:ea typeface="+mn-ea"/>
+                <a:cs typeface="+mn-cs"/>
+              </a:rPr>
+              <a:t> </a:t>
+            </a:r>
+            <a:r>
+              <a:rPr lang="de-DE" sz="1200" kern="1200" dirty="0" err="1">
+                <a:solidFill>
+                  <a:schemeClr val="tx1"/>
+                </a:solidFill>
+                <a:effectLst/>
+                <a:latin typeface="+mn-lt"/>
+                <a:ea typeface="+mn-ea"/>
+                <a:cs typeface="+mn-cs"/>
+              </a:rPr>
+              <a:t>logic</a:t>
+            </a:r>
+            <a:r>
+              <a:rPr lang="de-DE" sz="1200" kern="1200" dirty="0">
+                <a:solidFill>
+                  <a:schemeClr val="tx1"/>
+                </a:solidFill>
+                <a:effectLst/>
+                <a:latin typeface="+mn-lt"/>
+                <a:ea typeface="+mn-ea"/>
+                <a:cs typeface="+mn-cs"/>
+              </a:rPr>
+              <a:t> </a:t>
+            </a:r>
+            <a:r>
+              <a:rPr lang="de-DE" sz="1200" kern="1200" dirty="0" err="1">
+                <a:solidFill>
+                  <a:schemeClr val="tx1"/>
+                </a:solidFill>
+                <a:effectLst/>
+                <a:latin typeface="+mn-lt"/>
+                <a:ea typeface="+mn-ea"/>
+                <a:cs typeface="+mn-cs"/>
+              </a:rPr>
+              <a:t>and</a:t>
+            </a:r>
+            <a:r>
+              <a:rPr lang="de-DE" sz="1200" kern="1200" dirty="0">
+                <a:solidFill>
+                  <a:schemeClr val="tx1"/>
+                </a:solidFill>
+                <a:effectLst/>
+                <a:latin typeface="+mn-lt"/>
+                <a:ea typeface="+mn-ea"/>
+                <a:cs typeface="+mn-cs"/>
+              </a:rPr>
+              <a:t> internal </a:t>
+            </a:r>
+            <a:r>
+              <a:rPr lang="de-DE" sz="1200" kern="1200" dirty="0" err="1">
+                <a:solidFill>
+                  <a:schemeClr val="tx1"/>
+                </a:solidFill>
+                <a:effectLst/>
+                <a:latin typeface="+mn-lt"/>
+                <a:ea typeface="+mn-ea"/>
+                <a:cs typeface="+mn-cs"/>
+              </a:rPr>
+              <a:t>data</a:t>
+            </a:r>
+            <a:r>
+              <a:rPr lang="de-DE" sz="1200" kern="1200" dirty="0">
+                <a:solidFill>
+                  <a:schemeClr val="tx1"/>
+                </a:solidFill>
+                <a:effectLst/>
+                <a:latin typeface="+mn-lt"/>
+                <a:ea typeface="+mn-ea"/>
+                <a:cs typeface="+mn-cs"/>
+              </a:rPr>
+              <a:t> </a:t>
+            </a:r>
+            <a:r>
+              <a:rPr lang="de-DE" sz="1200" kern="1200" dirty="0" err="1">
+                <a:solidFill>
+                  <a:schemeClr val="tx1"/>
+                </a:solidFill>
+                <a:effectLst/>
+                <a:latin typeface="+mn-lt"/>
+                <a:ea typeface="+mn-ea"/>
+                <a:cs typeface="+mn-cs"/>
+              </a:rPr>
+              <a:t>processing</a:t>
+            </a:r>
+            <a:r>
+              <a:rPr lang="de-DE" sz="1200" kern="1200" dirty="0">
+                <a:solidFill>
+                  <a:schemeClr val="tx1"/>
+                </a:solidFill>
+                <a:effectLst/>
+                <a:latin typeface="+mn-lt"/>
+                <a:ea typeface="+mn-ea"/>
+                <a:cs typeface="+mn-cs"/>
+              </a:rPr>
+              <a:t> </a:t>
+            </a:r>
+            <a:r>
+              <a:rPr lang="de-DE" sz="1200" kern="1200" dirty="0" err="1">
+                <a:solidFill>
+                  <a:schemeClr val="tx1"/>
+                </a:solidFill>
+                <a:effectLst/>
+                <a:latin typeface="+mn-lt"/>
+                <a:ea typeface="+mn-ea"/>
+                <a:cs typeface="+mn-cs"/>
+              </a:rPr>
+              <a:t>instead</a:t>
+            </a:r>
+            <a:r>
+              <a:rPr lang="de-DE" sz="1200" kern="1200" dirty="0">
+                <a:solidFill>
+                  <a:schemeClr val="tx1"/>
+                </a:solidFill>
+                <a:effectLst/>
+                <a:latin typeface="+mn-lt"/>
+                <a:ea typeface="+mn-ea"/>
+                <a:cs typeface="+mn-cs"/>
+              </a:rPr>
+              <a:t> </a:t>
+            </a:r>
+            <a:r>
+              <a:rPr lang="de-DE" sz="1200" kern="1200" dirty="0" err="1">
+                <a:solidFill>
+                  <a:schemeClr val="tx1"/>
+                </a:solidFill>
+                <a:effectLst/>
+                <a:latin typeface="+mn-lt"/>
+                <a:ea typeface="+mn-ea"/>
+                <a:cs typeface="+mn-cs"/>
+              </a:rPr>
+              <a:t>of</a:t>
+            </a:r>
+            <a:r>
+              <a:rPr lang="de-DE" sz="1200" kern="1200" dirty="0">
+                <a:solidFill>
+                  <a:schemeClr val="tx1"/>
+                </a:solidFill>
+                <a:effectLst/>
+                <a:latin typeface="+mn-lt"/>
+                <a:ea typeface="+mn-ea"/>
+                <a:cs typeface="+mn-cs"/>
+              </a:rPr>
+              <a:t> </a:t>
+            </a:r>
+            <a:r>
+              <a:rPr lang="de-DE" sz="1200" kern="1200" dirty="0" err="1">
+                <a:solidFill>
+                  <a:schemeClr val="tx1"/>
+                </a:solidFill>
+                <a:effectLst/>
+                <a:latin typeface="+mn-lt"/>
+                <a:ea typeface="+mn-ea"/>
+                <a:cs typeface="+mn-cs"/>
+              </a:rPr>
+              <a:t>writing</a:t>
+            </a:r>
+            <a:r>
+              <a:rPr lang="de-DE" sz="1200" kern="1200" dirty="0">
+                <a:solidFill>
+                  <a:schemeClr val="tx1"/>
+                </a:solidFill>
+                <a:effectLst/>
+                <a:latin typeface="+mn-lt"/>
+                <a:ea typeface="+mn-ea"/>
+                <a:cs typeface="+mn-cs"/>
+              </a:rPr>
+              <a:t> </a:t>
+            </a:r>
+            <a:r>
+              <a:rPr lang="de-DE" sz="1200" kern="1200" dirty="0" err="1">
+                <a:solidFill>
+                  <a:schemeClr val="tx1"/>
+                </a:solidFill>
+                <a:effectLst/>
+                <a:latin typeface="+mn-lt"/>
+                <a:ea typeface="+mn-ea"/>
+                <a:cs typeface="+mn-cs"/>
+              </a:rPr>
+              <a:t>your</a:t>
+            </a:r>
+            <a:r>
+              <a:rPr lang="de-DE" sz="1200" kern="1200" dirty="0">
+                <a:solidFill>
+                  <a:schemeClr val="tx1"/>
+                </a:solidFill>
+                <a:effectLst/>
+                <a:latin typeface="+mn-lt"/>
+                <a:ea typeface="+mn-ea"/>
+                <a:cs typeface="+mn-cs"/>
+              </a:rPr>
+              <a:t> </a:t>
+            </a:r>
+            <a:r>
+              <a:rPr lang="de-DE" sz="1200" kern="1200" dirty="0" err="1">
+                <a:solidFill>
+                  <a:schemeClr val="tx1"/>
+                </a:solidFill>
+                <a:effectLst/>
+                <a:latin typeface="+mn-lt"/>
+                <a:ea typeface="+mn-ea"/>
+                <a:cs typeface="+mn-cs"/>
+              </a:rPr>
+              <a:t>own</a:t>
+            </a:r>
+            <a:r>
+              <a:rPr lang="de-DE" sz="1200" kern="1200" dirty="0">
+                <a:solidFill>
+                  <a:schemeClr val="tx1"/>
+                </a:solidFill>
+                <a:effectLst/>
+                <a:latin typeface="+mn-lt"/>
+                <a:ea typeface="+mn-ea"/>
+                <a:cs typeface="+mn-cs"/>
+              </a:rPr>
+              <a:t> </a:t>
+            </a:r>
+            <a:r>
+              <a:rPr lang="de-DE" sz="1200" kern="1200" dirty="0" err="1">
+                <a:solidFill>
+                  <a:schemeClr val="tx1"/>
+                </a:solidFill>
+                <a:effectLst/>
+                <a:latin typeface="+mn-lt"/>
+                <a:ea typeface="+mn-ea"/>
+                <a:cs typeface="+mn-cs"/>
+              </a:rPr>
+              <a:t>code</a:t>
+            </a:r>
+            <a:r>
+              <a:rPr lang="de-DE" sz="1200" kern="1200" dirty="0">
+                <a:solidFill>
+                  <a:schemeClr val="tx1"/>
+                </a:solidFill>
+                <a:effectLst/>
+                <a:latin typeface="+mn-lt"/>
+                <a:ea typeface="+mn-ea"/>
+                <a:cs typeface="+mn-cs"/>
+              </a:rPr>
+              <a:t> </a:t>
+            </a:r>
+            <a:r>
+              <a:rPr lang="de-DE" sz="1200" kern="1200" dirty="0" err="1">
+                <a:solidFill>
+                  <a:schemeClr val="tx1"/>
+                </a:solidFill>
+                <a:effectLst/>
+                <a:latin typeface="+mn-lt"/>
+                <a:ea typeface="+mn-ea"/>
+                <a:cs typeface="+mn-cs"/>
+              </a:rPr>
+              <a:t>for</a:t>
+            </a:r>
+            <a:r>
+              <a:rPr lang="de-DE" sz="1200" kern="1200" dirty="0">
+                <a:solidFill>
+                  <a:schemeClr val="tx1"/>
+                </a:solidFill>
+                <a:effectLst/>
+                <a:latin typeface="+mn-lt"/>
+                <a:ea typeface="+mn-ea"/>
+                <a:cs typeface="+mn-cs"/>
+              </a:rPr>
+              <a:t> DB </a:t>
+            </a:r>
+            <a:r>
+              <a:rPr lang="de-DE" sz="1200" kern="1200" dirty="0" err="1">
+                <a:solidFill>
+                  <a:schemeClr val="tx1"/>
+                </a:solidFill>
+                <a:effectLst/>
+                <a:latin typeface="+mn-lt"/>
+                <a:ea typeface="+mn-ea"/>
+                <a:cs typeface="+mn-cs"/>
+              </a:rPr>
+              <a:t>accesses</a:t>
+            </a:r>
+            <a:r>
+              <a:rPr lang="de-DE" sz="1200" kern="1200" dirty="0">
+                <a:solidFill>
+                  <a:schemeClr val="tx1"/>
+                </a:solidFill>
+                <a:effectLst/>
+                <a:latin typeface="+mn-lt"/>
+                <a:ea typeface="+mn-ea"/>
+                <a:cs typeface="+mn-cs"/>
+              </a:rPr>
+              <a:t> </a:t>
+            </a:r>
+            <a:r>
+              <a:rPr lang="de-DE" sz="1200" kern="1200" dirty="0" err="1">
+                <a:solidFill>
+                  <a:schemeClr val="tx1"/>
+                </a:solidFill>
+                <a:effectLst/>
+                <a:latin typeface="+mn-lt"/>
+                <a:ea typeface="+mn-ea"/>
+                <a:cs typeface="+mn-cs"/>
+              </a:rPr>
+              <a:t>each</a:t>
+            </a:r>
+            <a:r>
+              <a:rPr lang="de-DE" sz="1200" kern="1200" dirty="0">
+                <a:solidFill>
+                  <a:schemeClr val="tx1"/>
+                </a:solidFill>
+                <a:effectLst/>
+                <a:latin typeface="+mn-lt"/>
+                <a:ea typeface="+mn-ea"/>
+                <a:cs typeface="+mn-cs"/>
+              </a:rPr>
+              <a:t> time. In </a:t>
+            </a:r>
+            <a:r>
+              <a:rPr lang="de-DE" sz="1200" kern="1200" dirty="0" err="1">
+                <a:solidFill>
+                  <a:schemeClr val="tx1"/>
+                </a:solidFill>
+                <a:effectLst/>
+                <a:latin typeface="+mn-lt"/>
+                <a:ea typeface="+mn-ea"/>
+                <a:cs typeface="+mn-cs"/>
+              </a:rPr>
+              <a:t>addition</a:t>
+            </a:r>
+            <a:r>
+              <a:rPr lang="de-DE" sz="1200" kern="1200" dirty="0">
+                <a:solidFill>
+                  <a:schemeClr val="tx1"/>
+                </a:solidFill>
+                <a:effectLst/>
+                <a:latin typeface="+mn-lt"/>
+                <a:ea typeface="+mn-ea"/>
+                <a:cs typeface="+mn-cs"/>
+              </a:rPr>
+              <a:t>, </a:t>
+            </a:r>
+            <a:r>
+              <a:rPr lang="de-DE" sz="1200" kern="1200" dirty="0" err="1">
+                <a:solidFill>
+                  <a:schemeClr val="tx1"/>
+                </a:solidFill>
+                <a:effectLst/>
+                <a:latin typeface="+mn-lt"/>
+                <a:ea typeface="+mn-ea"/>
+                <a:cs typeface="+mn-cs"/>
+              </a:rPr>
+              <a:t>there</a:t>
+            </a:r>
+            <a:r>
+              <a:rPr lang="de-DE" sz="1200" kern="1200" dirty="0">
+                <a:solidFill>
+                  <a:schemeClr val="tx1"/>
+                </a:solidFill>
+                <a:effectLst/>
+                <a:latin typeface="+mn-lt"/>
+                <a:ea typeface="+mn-ea"/>
+                <a:cs typeface="+mn-cs"/>
+              </a:rPr>
+              <a:t> </a:t>
+            </a:r>
+            <a:r>
+              <a:rPr lang="de-DE" sz="1200" kern="1200" dirty="0" err="1">
+                <a:solidFill>
+                  <a:schemeClr val="tx1"/>
+                </a:solidFill>
+                <a:effectLst/>
+                <a:latin typeface="+mn-lt"/>
+                <a:ea typeface="+mn-ea"/>
+                <a:cs typeface="+mn-cs"/>
+              </a:rPr>
+              <a:t>are</a:t>
+            </a:r>
+            <a:r>
+              <a:rPr lang="de-DE" sz="1200" kern="1200" dirty="0">
+                <a:solidFill>
+                  <a:schemeClr val="tx1"/>
+                </a:solidFill>
+                <a:effectLst/>
+                <a:latin typeface="+mn-lt"/>
+                <a:ea typeface="+mn-ea"/>
+                <a:cs typeface="+mn-cs"/>
+              </a:rPr>
+              <a:t> </a:t>
+            </a:r>
+            <a:r>
+              <a:rPr lang="de-DE" sz="1200" kern="1200" dirty="0" err="1">
+                <a:solidFill>
+                  <a:schemeClr val="tx1"/>
+                </a:solidFill>
+                <a:effectLst/>
+                <a:latin typeface="+mn-lt"/>
+                <a:ea typeface="+mn-ea"/>
+                <a:cs typeface="+mn-cs"/>
+              </a:rPr>
+              <a:t>many</a:t>
+            </a:r>
+            <a:r>
+              <a:rPr lang="de-DE" sz="1200" kern="1200" dirty="0">
+                <a:solidFill>
+                  <a:schemeClr val="tx1"/>
+                </a:solidFill>
+                <a:effectLst/>
+                <a:latin typeface="+mn-lt"/>
+                <a:ea typeface="+mn-ea"/>
+                <a:cs typeface="+mn-cs"/>
+              </a:rPr>
+              <a:t> different DBMSs </a:t>
+            </a:r>
+            <a:r>
+              <a:rPr lang="de-DE" sz="1200" kern="1200" dirty="0" err="1">
+                <a:solidFill>
+                  <a:schemeClr val="tx1"/>
+                </a:solidFill>
+                <a:effectLst/>
+                <a:latin typeface="+mn-lt"/>
+                <a:ea typeface="+mn-ea"/>
+                <a:cs typeface="+mn-cs"/>
+              </a:rPr>
+              <a:t>that</a:t>
+            </a:r>
+            <a:r>
+              <a:rPr lang="de-DE" sz="1200" kern="1200" dirty="0">
+                <a:solidFill>
+                  <a:schemeClr val="tx1"/>
+                </a:solidFill>
+                <a:effectLst/>
+                <a:latin typeface="+mn-lt"/>
+                <a:ea typeface="+mn-ea"/>
+                <a:cs typeface="+mn-cs"/>
+              </a:rPr>
+              <a:t> </a:t>
+            </a:r>
+            <a:r>
+              <a:rPr lang="de-DE" sz="1200" kern="1200" dirty="0" err="1">
+                <a:solidFill>
+                  <a:schemeClr val="tx1"/>
+                </a:solidFill>
+                <a:effectLst/>
+                <a:latin typeface="+mn-lt"/>
+                <a:ea typeface="+mn-ea"/>
+                <a:cs typeface="+mn-cs"/>
+              </a:rPr>
+              <a:t>pursue</a:t>
+            </a:r>
+            <a:r>
+              <a:rPr lang="de-DE" sz="1200" kern="1200" dirty="0">
+                <a:solidFill>
+                  <a:schemeClr val="tx1"/>
+                </a:solidFill>
+                <a:effectLst/>
+                <a:latin typeface="+mn-lt"/>
+                <a:ea typeface="+mn-ea"/>
+                <a:cs typeface="+mn-cs"/>
+              </a:rPr>
+              <a:t> </a:t>
+            </a:r>
+            <a:r>
+              <a:rPr lang="de-DE" sz="1200" kern="1200" dirty="0" err="1">
+                <a:solidFill>
+                  <a:schemeClr val="tx1"/>
+                </a:solidFill>
+                <a:effectLst/>
+                <a:latin typeface="+mn-lt"/>
+                <a:ea typeface="+mn-ea"/>
+                <a:cs typeface="+mn-cs"/>
+              </a:rPr>
+              <a:t>the</a:t>
+            </a:r>
+            <a:r>
+              <a:rPr lang="de-DE" sz="1200" kern="1200" dirty="0">
+                <a:solidFill>
+                  <a:schemeClr val="tx1"/>
+                </a:solidFill>
+                <a:effectLst/>
+                <a:latin typeface="+mn-lt"/>
+                <a:ea typeface="+mn-ea"/>
+                <a:cs typeface="+mn-cs"/>
+              </a:rPr>
+              <a:t> same </a:t>
+            </a:r>
+            <a:r>
+              <a:rPr lang="de-DE" sz="1200" kern="1200" dirty="0" err="1">
+                <a:solidFill>
+                  <a:schemeClr val="tx1"/>
+                </a:solidFill>
+                <a:effectLst/>
+                <a:latin typeface="+mn-lt"/>
+                <a:ea typeface="+mn-ea"/>
+                <a:cs typeface="+mn-cs"/>
+              </a:rPr>
+              <a:t>goal</a:t>
+            </a:r>
+            <a:r>
+              <a:rPr lang="de-DE" sz="1200" kern="1200" dirty="0">
+                <a:solidFill>
+                  <a:schemeClr val="tx1"/>
+                </a:solidFill>
+                <a:effectLst/>
+                <a:latin typeface="+mn-lt"/>
+                <a:ea typeface="+mn-ea"/>
+                <a:cs typeface="+mn-cs"/>
+              </a:rPr>
+              <a:t>, but </a:t>
+            </a:r>
+            <a:r>
+              <a:rPr lang="de-DE" sz="1200" kern="1200" dirty="0" err="1">
+                <a:solidFill>
+                  <a:schemeClr val="tx1"/>
+                </a:solidFill>
+                <a:effectLst/>
+                <a:latin typeface="+mn-lt"/>
+                <a:ea typeface="+mn-ea"/>
+                <a:cs typeface="+mn-cs"/>
+              </a:rPr>
+              <a:t>may</a:t>
+            </a:r>
+            <a:r>
+              <a:rPr lang="de-DE" sz="1200" kern="1200" dirty="0">
+                <a:solidFill>
+                  <a:schemeClr val="tx1"/>
+                </a:solidFill>
+                <a:effectLst/>
+                <a:latin typeface="+mn-lt"/>
+                <a:ea typeface="+mn-ea"/>
+                <a:cs typeface="+mn-cs"/>
+              </a:rPr>
+              <a:t> </a:t>
+            </a:r>
+            <a:r>
+              <a:rPr lang="de-DE" sz="1200" kern="1200" dirty="0" err="1">
+                <a:solidFill>
+                  <a:schemeClr val="tx1"/>
+                </a:solidFill>
+                <a:effectLst/>
+                <a:latin typeface="+mn-lt"/>
+                <a:ea typeface="+mn-ea"/>
+                <a:cs typeface="+mn-cs"/>
+              </a:rPr>
+              <a:t>have</a:t>
+            </a:r>
+            <a:r>
+              <a:rPr lang="de-DE" sz="1200" kern="1200" dirty="0">
+                <a:solidFill>
+                  <a:schemeClr val="tx1"/>
+                </a:solidFill>
+                <a:effectLst/>
+                <a:latin typeface="+mn-lt"/>
+                <a:ea typeface="+mn-ea"/>
+                <a:cs typeface="+mn-cs"/>
+              </a:rPr>
+              <a:t> </a:t>
+            </a:r>
+            <a:r>
+              <a:rPr lang="de-DE" sz="1200" kern="1200" dirty="0" err="1">
+                <a:solidFill>
+                  <a:schemeClr val="tx1"/>
+                </a:solidFill>
+                <a:effectLst/>
+                <a:latin typeface="+mn-lt"/>
+                <a:ea typeface="+mn-ea"/>
+                <a:cs typeface="+mn-cs"/>
+              </a:rPr>
+              <a:t>their</a:t>
+            </a:r>
+            <a:r>
+              <a:rPr lang="de-DE" sz="1200" kern="1200" dirty="0">
+                <a:solidFill>
+                  <a:schemeClr val="tx1"/>
+                </a:solidFill>
+                <a:effectLst/>
+                <a:latin typeface="+mn-lt"/>
+                <a:ea typeface="+mn-ea"/>
+                <a:cs typeface="+mn-cs"/>
+              </a:rPr>
+              <a:t> </a:t>
+            </a:r>
+            <a:r>
+              <a:rPr lang="de-DE" sz="1200" kern="1200" dirty="0" err="1">
+                <a:solidFill>
+                  <a:schemeClr val="tx1"/>
+                </a:solidFill>
+                <a:effectLst/>
+                <a:latin typeface="+mn-lt"/>
+                <a:ea typeface="+mn-ea"/>
+                <a:cs typeface="+mn-cs"/>
+              </a:rPr>
+              <a:t>own</a:t>
+            </a:r>
+            <a:r>
+              <a:rPr lang="de-DE" sz="1200" kern="1200" dirty="0">
+                <a:solidFill>
+                  <a:schemeClr val="tx1"/>
+                </a:solidFill>
+                <a:effectLst/>
+                <a:latin typeface="+mn-lt"/>
+                <a:ea typeface="+mn-ea"/>
+                <a:cs typeface="+mn-cs"/>
+              </a:rPr>
+              <a:t> </a:t>
+            </a:r>
+            <a:r>
+              <a:rPr lang="de-DE" sz="1200" kern="1200" dirty="0" err="1">
+                <a:solidFill>
+                  <a:schemeClr val="tx1"/>
+                </a:solidFill>
+                <a:effectLst/>
+                <a:latin typeface="+mn-lt"/>
+                <a:ea typeface="+mn-ea"/>
+                <a:cs typeface="+mn-cs"/>
+              </a:rPr>
+              <a:t>characteristics</a:t>
+            </a:r>
+            <a:r>
+              <a:rPr lang="de-DE" sz="1200" kern="1200" dirty="0">
+                <a:solidFill>
+                  <a:schemeClr val="tx1"/>
+                </a:solidFill>
+                <a:effectLst/>
+                <a:latin typeface="+mn-lt"/>
+                <a:ea typeface="+mn-ea"/>
+                <a:cs typeface="+mn-cs"/>
+              </a:rPr>
+              <a:t>. Also </a:t>
+            </a:r>
+            <a:r>
+              <a:rPr lang="de-DE" sz="1200" kern="1200" dirty="0" err="1">
+                <a:solidFill>
+                  <a:schemeClr val="tx1"/>
+                </a:solidFill>
+                <a:effectLst/>
+                <a:latin typeface="+mn-lt"/>
+                <a:ea typeface="+mn-ea"/>
+                <a:cs typeface="+mn-cs"/>
+              </a:rPr>
+              <a:t>it</a:t>
+            </a:r>
+            <a:r>
+              <a:rPr lang="de-DE" sz="1200" kern="1200" dirty="0">
+                <a:solidFill>
+                  <a:schemeClr val="tx1"/>
+                </a:solidFill>
+                <a:effectLst/>
+                <a:latin typeface="+mn-lt"/>
+                <a:ea typeface="+mn-ea"/>
+                <a:cs typeface="+mn-cs"/>
+              </a:rPr>
+              <a:t> </a:t>
+            </a:r>
+            <a:r>
+              <a:rPr lang="de-DE" sz="1200" kern="1200" dirty="0" err="1">
+                <a:solidFill>
+                  <a:schemeClr val="tx1"/>
+                </a:solidFill>
+                <a:effectLst/>
+                <a:latin typeface="+mn-lt"/>
+                <a:ea typeface="+mn-ea"/>
+                <a:cs typeface="+mn-cs"/>
+              </a:rPr>
+              <a:t>is</a:t>
+            </a:r>
+            <a:r>
+              <a:rPr lang="de-DE" sz="1200" kern="1200" dirty="0">
+                <a:solidFill>
+                  <a:schemeClr val="tx1"/>
+                </a:solidFill>
+                <a:effectLst/>
+                <a:latin typeface="+mn-lt"/>
+                <a:ea typeface="+mn-ea"/>
+                <a:cs typeface="+mn-cs"/>
+              </a:rPr>
+              <a:t> </a:t>
+            </a:r>
+            <a:r>
+              <a:rPr lang="de-DE" sz="1200" kern="1200" dirty="0" err="1">
+                <a:solidFill>
+                  <a:schemeClr val="tx1"/>
+                </a:solidFill>
+                <a:effectLst/>
+                <a:latin typeface="+mn-lt"/>
+                <a:ea typeface="+mn-ea"/>
+                <a:cs typeface="+mn-cs"/>
+              </a:rPr>
+              <a:t>advantage</a:t>
+            </a:r>
+            <a:r>
+              <a:rPr lang="de-DE" sz="1200" kern="1200" dirty="0">
+                <a:solidFill>
+                  <a:schemeClr val="tx1"/>
+                </a:solidFill>
+                <a:effectLst/>
+                <a:latin typeface="+mn-lt"/>
+                <a:ea typeface="+mn-ea"/>
+                <a:cs typeface="+mn-cs"/>
+              </a:rPr>
+              <a:t> </a:t>
+            </a:r>
+            <a:r>
+              <a:rPr lang="de-DE" sz="1200" kern="1200" dirty="0" err="1">
+                <a:solidFill>
+                  <a:schemeClr val="tx1"/>
+                </a:solidFill>
+                <a:effectLst/>
+                <a:latin typeface="+mn-lt"/>
+                <a:ea typeface="+mn-ea"/>
+                <a:cs typeface="+mn-cs"/>
+              </a:rPr>
+              <a:t>to</a:t>
+            </a:r>
+            <a:r>
+              <a:rPr lang="de-DE" sz="1200" kern="1200" dirty="0">
+                <a:solidFill>
+                  <a:schemeClr val="tx1"/>
+                </a:solidFill>
+                <a:effectLst/>
+                <a:latin typeface="+mn-lt"/>
+                <a:ea typeface="+mn-ea"/>
+                <a:cs typeface="+mn-cs"/>
+              </a:rPr>
+              <a:t> </a:t>
+            </a:r>
+            <a:r>
+              <a:rPr lang="de-DE" sz="1200" kern="1200" dirty="0" err="1">
+                <a:solidFill>
+                  <a:schemeClr val="tx1"/>
+                </a:solidFill>
+                <a:effectLst/>
+                <a:latin typeface="+mn-lt"/>
+                <a:ea typeface="+mn-ea"/>
+                <a:cs typeface="+mn-cs"/>
+              </a:rPr>
+              <a:t>work</a:t>
+            </a:r>
+            <a:r>
+              <a:rPr lang="de-DE" sz="1200" kern="1200" dirty="0">
+                <a:solidFill>
+                  <a:schemeClr val="tx1"/>
+                </a:solidFill>
+                <a:effectLst/>
+                <a:latin typeface="+mn-lt"/>
+                <a:ea typeface="+mn-ea"/>
+                <a:cs typeface="+mn-cs"/>
+              </a:rPr>
+              <a:t> </a:t>
+            </a:r>
+            <a:r>
+              <a:rPr lang="de-DE" sz="1200" kern="1200" dirty="0" err="1">
+                <a:solidFill>
+                  <a:schemeClr val="tx1"/>
+                </a:solidFill>
+                <a:effectLst/>
+                <a:latin typeface="+mn-lt"/>
+                <a:ea typeface="+mn-ea"/>
+                <a:cs typeface="+mn-cs"/>
+              </a:rPr>
+              <a:t>with</a:t>
+            </a:r>
+            <a:r>
+              <a:rPr lang="de-DE" sz="1200" kern="1200" dirty="0">
+                <a:solidFill>
+                  <a:schemeClr val="tx1"/>
+                </a:solidFill>
+                <a:effectLst/>
+                <a:latin typeface="+mn-lt"/>
+                <a:ea typeface="+mn-ea"/>
+                <a:cs typeface="+mn-cs"/>
+              </a:rPr>
+              <a:t> Spring Data, </a:t>
+            </a:r>
+            <a:r>
+              <a:rPr lang="de-DE" sz="1200" kern="1200" dirty="0" err="1">
+                <a:solidFill>
+                  <a:schemeClr val="tx1"/>
+                </a:solidFill>
+                <a:effectLst/>
+                <a:latin typeface="+mn-lt"/>
+                <a:ea typeface="+mn-ea"/>
+                <a:cs typeface="+mn-cs"/>
+              </a:rPr>
+              <a:t>as</a:t>
+            </a:r>
+            <a:r>
+              <a:rPr lang="de-DE" sz="1200" kern="1200" dirty="0">
+                <a:solidFill>
+                  <a:schemeClr val="tx1"/>
+                </a:solidFill>
+                <a:effectLst/>
+                <a:latin typeface="+mn-lt"/>
+                <a:ea typeface="+mn-ea"/>
+                <a:cs typeface="+mn-cs"/>
+              </a:rPr>
+              <a:t> </a:t>
+            </a:r>
+            <a:r>
+              <a:rPr lang="de-DE" sz="1200" kern="1200" dirty="0" err="1">
+                <a:solidFill>
+                  <a:schemeClr val="tx1"/>
+                </a:solidFill>
+                <a:effectLst/>
+                <a:latin typeface="+mn-lt"/>
+                <a:ea typeface="+mn-ea"/>
+                <a:cs typeface="+mn-cs"/>
+              </a:rPr>
+              <a:t>there</a:t>
+            </a:r>
+            <a:r>
+              <a:rPr lang="de-DE" sz="1200" kern="1200" dirty="0">
+                <a:solidFill>
+                  <a:schemeClr val="tx1"/>
+                </a:solidFill>
+                <a:effectLst/>
+                <a:latin typeface="+mn-lt"/>
+                <a:ea typeface="+mn-ea"/>
+                <a:cs typeface="+mn-cs"/>
+              </a:rPr>
+              <a:t> </a:t>
+            </a:r>
+            <a:r>
+              <a:rPr lang="de-DE" sz="1200" kern="1200" dirty="0" err="1">
+                <a:solidFill>
+                  <a:schemeClr val="tx1"/>
+                </a:solidFill>
+                <a:effectLst/>
+                <a:latin typeface="+mn-lt"/>
+                <a:ea typeface="+mn-ea"/>
+                <a:cs typeface="+mn-cs"/>
+              </a:rPr>
+              <a:t>are</a:t>
+            </a:r>
+            <a:r>
+              <a:rPr lang="de-DE" sz="1200" kern="1200" dirty="0">
+                <a:solidFill>
+                  <a:schemeClr val="tx1"/>
+                </a:solidFill>
+                <a:effectLst/>
+                <a:latin typeface="+mn-lt"/>
+                <a:ea typeface="+mn-ea"/>
+                <a:cs typeface="+mn-cs"/>
+              </a:rPr>
+              <a:t> </a:t>
+            </a:r>
+            <a:r>
+              <a:rPr lang="de-DE" sz="1200" kern="1200" dirty="0" err="1">
+                <a:solidFill>
+                  <a:schemeClr val="tx1"/>
+                </a:solidFill>
+                <a:effectLst/>
+                <a:latin typeface="+mn-lt"/>
+                <a:ea typeface="+mn-ea"/>
+                <a:cs typeface="+mn-cs"/>
+              </a:rPr>
+              <a:t>modules</a:t>
+            </a:r>
+            <a:r>
+              <a:rPr lang="de-DE" sz="1200" kern="1200" dirty="0">
+                <a:solidFill>
+                  <a:schemeClr val="tx1"/>
+                </a:solidFill>
+                <a:effectLst/>
+                <a:latin typeface="+mn-lt"/>
+                <a:ea typeface="+mn-ea"/>
+                <a:cs typeface="+mn-cs"/>
+              </a:rPr>
+              <a:t> </a:t>
+            </a:r>
+            <a:r>
+              <a:rPr lang="de-DE" sz="1200" kern="1200" dirty="0" err="1">
+                <a:solidFill>
+                  <a:schemeClr val="tx1"/>
+                </a:solidFill>
+                <a:effectLst/>
+                <a:latin typeface="+mn-lt"/>
+                <a:ea typeface="+mn-ea"/>
+                <a:cs typeface="+mn-cs"/>
+              </a:rPr>
+              <a:t>for</a:t>
+            </a:r>
+            <a:r>
+              <a:rPr lang="de-DE" sz="1200" kern="1200" dirty="0">
+                <a:solidFill>
+                  <a:schemeClr val="tx1"/>
+                </a:solidFill>
+                <a:effectLst/>
+                <a:latin typeface="+mn-lt"/>
+                <a:ea typeface="+mn-ea"/>
+                <a:cs typeface="+mn-cs"/>
+              </a:rPr>
+              <a:t> </a:t>
+            </a:r>
+            <a:r>
+              <a:rPr lang="de-DE" sz="1200" kern="1200" dirty="0" err="1">
+                <a:solidFill>
+                  <a:schemeClr val="tx1"/>
+                </a:solidFill>
+                <a:effectLst/>
+                <a:latin typeface="+mn-lt"/>
+                <a:ea typeface="+mn-ea"/>
+                <a:cs typeface="+mn-cs"/>
+              </a:rPr>
+              <a:t>the</a:t>
+            </a:r>
+            <a:r>
+              <a:rPr lang="de-DE" sz="1200" kern="1200" dirty="0">
+                <a:solidFill>
+                  <a:schemeClr val="tx1"/>
+                </a:solidFill>
+                <a:effectLst/>
+                <a:latin typeface="+mn-lt"/>
+                <a:ea typeface="+mn-ea"/>
+                <a:cs typeface="+mn-cs"/>
+              </a:rPr>
+              <a:t> </a:t>
+            </a:r>
+            <a:r>
+              <a:rPr lang="de-DE" sz="1200" kern="1200" dirty="0" err="1">
+                <a:solidFill>
+                  <a:schemeClr val="tx1"/>
+                </a:solidFill>
+                <a:effectLst/>
+                <a:latin typeface="+mn-lt"/>
+                <a:ea typeface="+mn-ea"/>
+                <a:cs typeface="+mn-cs"/>
+              </a:rPr>
+              <a:t>various</a:t>
+            </a:r>
+            <a:r>
+              <a:rPr lang="de-DE" sz="1200" kern="1200" dirty="0">
+                <a:solidFill>
+                  <a:schemeClr val="tx1"/>
+                </a:solidFill>
+                <a:effectLst/>
+                <a:latin typeface="+mn-lt"/>
+                <a:ea typeface="+mn-ea"/>
+                <a:cs typeface="+mn-cs"/>
+              </a:rPr>
+              <a:t> </a:t>
+            </a:r>
+            <a:r>
+              <a:rPr lang="de-DE" sz="1200" kern="1200" dirty="0" err="1">
+                <a:solidFill>
+                  <a:schemeClr val="tx1"/>
+                </a:solidFill>
+                <a:effectLst/>
+                <a:latin typeface="+mn-lt"/>
+                <a:ea typeface="+mn-ea"/>
+                <a:cs typeface="+mn-cs"/>
+              </a:rPr>
+              <a:t>database</a:t>
+            </a:r>
+            <a:r>
+              <a:rPr lang="de-DE" sz="1200" kern="1200" dirty="0">
+                <a:solidFill>
+                  <a:schemeClr val="tx1"/>
+                </a:solidFill>
+                <a:effectLst/>
+                <a:latin typeface="+mn-lt"/>
+                <a:ea typeface="+mn-ea"/>
+                <a:cs typeface="+mn-cs"/>
+              </a:rPr>
+              <a:t> </a:t>
+            </a:r>
+            <a:r>
+              <a:rPr lang="de-DE" sz="1200" kern="1200" dirty="0" err="1">
+                <a:solidFill>
+                  <a:schemeClr val="tx1"/>
+                </a:solidFill>
+                <a:effectLst/>
+                <a:latin typeface="+mn-lt"/>
+                <a:ea typeface="+mn-ea"/>
+                <a:cs typeface="+mn-cs"/>
+              </a:rPr>
+              <a:t>types</a:t>
+            </a:r>
+            <a:r>
+              <a:rPr lang="de-DE" sz="1200" kern="1200" dirty="0">
+                <a:solidFill>
+                  <a:schemeClr val="tx1"/>
+                </a:solidFill>
+                <a:effectLst/>
+                <a:latin typeface="+mn-lt"/>
+                <a:ea typeface="+mn-ea"/>
+                <a:cs typeface="+mn-cs"/>
+              </a:rPr>
+              <a:t>.</a:t>
+            </a:r>
+          </a:p>
+          <a:p>
+            <a:pPr marL="0" marR="0" lvl="0" indent="0" algn="l" defTabSz="914400" rtl="0" eaLnBrk="1" fontAlgn="auto" latinLnBrk="0" hangingPunct="1">
+              <a:lnSpc>
+                <a:spcPct val="100000"/>
+              </a:lnSpc>
+              <a:spcBef>
+                <a:spcPts val="0"/>
+              </a:spcBef>
+              <a:spcAft>
+                <a:spcPts val="0"/>
+              </a:spcAft>
+              <a:buClrTx/>
+              <a:buSzTx/>
+              <a:buFontTx/>
+              <a:buNone/>
+              <a:tabLst/>
+              <a:defRPr/>
+            </a:pPr>
+            <a:endParaRPr lang="de-DE" sz="1200" kern="1200" dirty="0">
+              <a:solidFill>
+                <a:schemeClr val="tx1"/>
+              </a:solidFill>
+              <a:effectLst/>
+              <a:latin typeface="+mn-lt"/>
+              <a:ea typeface="+mn-ea"/>
+              <a:cs typeface="+mn-cs"/>
+            </a:endParaRPr>
           </a:p>
         </p:txBody>
       </p:sp>
@@ -908,6 +8649,90 @@
     <p:extLst>
       <p:ext uri="{BB962C8B-B14F-4D97-AF65-F5344CB8AC3E}">
         <p14:creationId xmlns:p14="http://schemas.microsoft.com/office/powerpoint/2010/main" val="126013368"/>
+      </p:ext>
+    </p:extLst>
+  </p:cSld>
+  <p:clrMapOvr>
+    <a:masterClrMapping/>
+  </p:clrMapOvr>
+</p:notes>
+</file>
+
+<file path=ppt/notesSlides/notesSlide4.xml><?xml version="1.0" encoding="utf-8"?>
+<p:notes xmlns:a="http://schemas.openxmlformats.org/drawingml/2006/main" xmlns:r="http://schemas.openxmlformats.org/officeDocument/2006/relationships" xmlns:p="http://schemas.openxmlformats.org/presentationml/2006/main">
+  <p:cSld>
+    <p:spTree>
+      <p:nvGrpSpPr>
+        <p:cNvPr id="1" name=""/>
+        <p:cNvGrpSpPr/>
+        <p:nvPr/>
+      </p:nvGrpSpPr>
+      <p:grpSpPr>
+        <a:xfrm>
+          <a:off x="0" y="0"/>
+          <a:ext cx="0" cy="0"/>
+          <a:chOff x="0" y="0"/>
+          <a:chExt cx="0" cy="0"/>
+        </a:xfrm>
+      </p:grpSpPr>
+      <p:sp>
+        <p:nvSpPr>
+          <p:cNvPr id="2" name="Folienbildplatzhalter 1"/>
+          <p:cNvSpPr>
+            <a:spLocks noGrp="1" noRot="1" noChangeAspect="1"/>
+          </p:cNvSpPr>
+          <p:nvPr>
+            <p:ph type="sldImg"/>
+          </p:nvPr>
+        </p:nvSpPr>
+        <p:spPr/>
+      </p:sp>
+      <p:sp>
+        <p:nvSpPr>
+          <p:cNvPr id="3" name="Notizenplatzhalter 2"/>
+          <p:cNvSpPr>
+            <a:spLocks noGrp="1"/>
+          </p:cNvSpPr>
+          <p:nvPr>
+            <p:ph type="body" idx="1"/>
+          </p:nvPr>
+        </p:nvSpPr>
+        <p:spPr/>
+        <p:txBody>
+          <a:bodyPr/>
+          <a:lstStyle/>
+          <a:p>
+            <a:endParaRPr lang="de-DE" dirty="0"/>
+          </a:p>
+        </p:txBody>
+      </p:sp>
+      <p:sp>
+        <p:nvSpPr>
+          <p:cNvPr id="4" name="Foliennummernplatzhalter 3"/>
+          <p:cNvSpPr>
+            <a:spLocks noGrp="1"/>
+          </p:cNvSpPr>
+          <p:nvPr>
+            <p:ph type="sldNum" sz="quarter" idx="10"/>
+          </p:nvPr>
+        </p:nvSpPr>
+        <p:spPr/>
+        <p:txBody>
+          <a:bodyPr/>
+          <a:lstStyle/>
+          <a:p>
+            <a:fld id="{084771C5-09D0-3B4A-9965-77215381123B}" type="slidenum">
+              <a:rPr lang="de-DE" smtClean="0"/>
+              <a:t>5</a:t>
+            </a:fld>
+            <a:endParaRPr lang="de-DE"/>
+          </a:p>
+        </p:txBody>
+      </p:sp>
+    </p:spTree>
+    <p:extLst>
+      <p:ext uri="{BB962C8B-B14F-4D97-AF65-F5344CB8AC3E}">
+        <p14:creationId xmlns:p14="http://schemas.microsoft.com/office/powerpoint/2010/main" val="977445317"/>
       </p:ext>
     </p:extLst>
   </p:cSld>
@@ -967,7 +8792,7 @@
           <a:noFill/>
           <a:extLst>
             <a:ext uri="{909E8E84-426E-40dd-AFC4-6F175D3DCCD1}">
-              <a14:hiddenFill xmlns:a14="http://schemas.microsoft.com/office/drawing/2010/main" xmlns="">
+              <a14:hiddenFill xmlns="" xmlns:a14="http://schemas.microsoft.com/office/drawing/2010/main">
                 <a:solidFill>
                   <a:srgbClr val="FFFFFF"/>
                 </a:solidFill>
@@ -1027,7 +8852,7 @@
             </a:ln>
             <a:extLst>
               <a:ext uri="{91240B29-F687-4f45-9708-019B960494DF}">
-                <a14:hiddenLine xmlns:a14="http://schemas.microsoft.com/office/drawing/2010/main" xmlns="" w="9525">
+                <a14:hiddenLine xmlns="" xmlns:a14="http://schemas.microsoft.com/office/drawing/2010/main" w="9525">
                   <a:solidFill>
                     <a:srgbClr val="000000"/>
                   </a:solidFill>
@@ -1117,7 +8942,7 @@
             </a:ln>
             <a:extLst>
               <a:ext uri="{91240B29-F687-4f45-9708-019B960494DF}">
-                <a14:hiddenLine xmlns:a14="http://schemas.microsoft.com/office/drawing/2010/main" xmlns="" w="9525">
+                <a14:hiddenLine xmlns="" xmlns:a14="http://schemas.microsoft.com/office/drawing/2010/main" w="9525">
                   <a:solidFill>
                     <a:srgbClr val="000000"/>
                   </a:solidFill>
@@ -1207,7 +9032,7 @@
             </a:ln>
             <a:extLst>
               <a:ext uri="{91240B29-F687-4f45-9708-019B960494DF}">
-                <a14:hiddenLine xmlns:a14="http://schemas.microsoft.com/office/drawing/2010/main" xmlns="" w="9525">
+                <a14:hiddenLine xmlns="" xmlns:a14="http://schemas.microsoft.com/office/drawing/2010/main" w="9525">
                   <a:solidFill>
                     <a:srgbClr val="000000"/>
                   </a:solidFill>
@@ -1241,7 +9066,7 @@
             </a:ln>
             <a:extLst>
               <a:ext uri="{91240B29-F687-4f45-9708-019B960494DF}">
-                <a14:hiddenLine xmlns:a14="http://schemas.microsoft.com/office/drawing/2010/main" xmlns="" w="9525">
+                <a14:hiddenLine xmlns="" xmlns:a14="http://schemas.microsoft.com/office/drawing/2010/main" w="9525">
                   <a:solidFill>
                     <a:srgbClr val="000000"/>
                   </a:solidFill>
@@ -1331,7 +9156,7 @@
             </a:ln>
             <a:extLst>
               <a:ext uri="{91240B29-F687-4f45-9708-019B960494DF}">
-                <a14:hiddenLine xmlns:a14="http://schemas.microsoft.com/office/drawing/2010/main" xmlns="" w="9525">
+                <a14:hiddenLine xmlns="" xmlns:a14="http://schemas.microsoft.com/office/drawing/2010/main" w="9525">
                   <a:solidFill>
                     <a:srgbClr val="000000"/>
                   </a:solidFill>
@@ -1393,7 +9218,7 @@
             </a:ln>
             <a:extLst>
               <a:ext uri="{91240B29-F687-4f45-9708-019B960494DF}">
-                <a14:hiddenLine xmlns:a14="http://schemas.microsoft.com/office/drawing/2010/main" xmlns="" w="9525">
+                <a14:hiddenLine xmlns="" xmlns:a14="http://schemas.microsoft.com/office/drawing/2010/main" w="9525">
                   <a:solidFill>
                     <a:srgbClr val="000000"/>
                   </a:solidFill>
@@ -1455,7 +9280,7 @@
             </a:ln>
             <a:extLst>
               <a:ext uri="{91240B29-F687-4f45-9708-019B960494DF}">
-                <a14:hiddenLine xmlns:a14="http://schemas.microsoft.com/office/drawing/2010/main" xmlns="" w="9525">
+                <a14:hiddenLine xmlns="" xmlns:a14="http://schemas.microsoft.com/office/drawing/2010/main" w="9525">
                   <a:solidFill>
                     <a:srgbClr val="000000"/>
                   </a:solidFill>
@@ -1545,7 +9370,7 @@
             </a:ln>
             <a:extLst>
               <a:ext uri="{91240B29-F687-4f45-9708-019B960494DF}">
-                <a14:hiddenLine xmlns:a14="http://schemas.microsoft.com/office/drawing/2010/main" xmlns="" w="9525">
+                <a14:hiddenLine xmlns="" xmlns:a14="http://schemas.microsoft.com/office/drawing/2010/main" w="9525">
                   <a:solidFill>
                     <a:srgbClr val="000000"/>
                   </a:solidFill>
@@ -1607,7 +9432,7 @@
             </a:ln>
             <a:extLst>
               <a:ext uri="{91240B29-F687-4f45-9708-019B960494DF}">
-                <a14:hiddenLine xmlns:a14="http://schemas.microsoft.com/office/drawing/2010/main" xmlns="" w="9525">
+                <a14:hiddenLine xmlns="" xmlns:a14="http://schemas.microsoft.com/office/drawing/2010/main" w="9525">
                   <a:solidFill>
                     <a:srgbClr val="000000"/>
                   </a:solidFill>
@@ -1669,7 +9494,7 @@
             </a:ln>
             <a:extLst>
               <a:ext uri="{91240B29-F687-4f45-9708-019B960494DF}">
-                <a14:hiddenLine xmlns:a14="http://schemas.microsoft.com/office/drawing/2010/main" xmlns="" w="9525">
+                <a14:hiddenLine xmlns="" xmlns:a14="http://schemas.microsoft.com/office/drawing/2010/main" w="9525">
                   <a:solidFill>
                     <a:srgbClr val="000000"/>
                   </a:solidFill>
@@ -1759,7 +9584,7 @@
             </a:ln>
             <a:extLst>
               <a:ext uri="{91240B29-F687-4f45-9708-019B960494DF}">
-                <a14:hiddenLine xmlns:a14="http://schemas.microsoft.com/office/drawing/2010/main" xmlns="" w="9525">
+                <a14:hiddenLine xmlns="" xmlns:a14="http://schemas.microsoft.com/office/drawing/2010/main" w="9525">
                   <a:solidFill>
                     <a:srgbClr val="000000"/>
                   </a:solidFill>
@@ -1849,7 +9674,7 @@
             </a:ln>
             <a:extLst>
               <a:ext uri="{91240B29-F687-4f45-9708-019B960494DF}">
-                <a14:hiddenLine xmlns:a14="http://schemas.microsoft.com/office/drawing/2010/main" xmlns="" w="9525">
+                <a14:hiddenLine xmlns="" xmlns:a14="http://schemas.microsoft.com/office/drawing/2010/main" w="9525">
                   <a:solidFill>
                     <a:srgbClr val="000000"/>
                   </a:solidFill>
@@ -1911,7 +9736,7 @@
             </a:ln>
             <a:extLst>
               <a:ext uri="{91240B29-F687-4f45-9708-019B960494DF}">
-                <a14:hiddenLine xmlns:a14="http://schemas.microsoft.com/office/drawing/2010/main" xmlns="" w="9525">
+                <a14:hiddenLine xmlns="" xmlns:a14="http://schemas.microsoft.com/office/drawing/2010/main" w="9525">
                   <a:solidFill>
                     <a:srgbClr val="000000"/>
                   </a:solidFill>
@@ -2021,7 +9846,7 @@
             </a:ln>
             <a:extLst>
               <a:ext uri="{91240B29-F687-4f45-9708-019B960494DF}">
-                <a14:hiddenLine xmlns:a14="http://schemas.microsoft.com/office/drawing/2010/main" xmlns="" w="9525">
+                <a14:hiddenLine xmlns="" xmlns:a14="http://schemas.microsoft.com/office/drawing/2010/main" w="9525">
                   <a:solidFill>
                     <a:srgbClr val="000000"/>
                   </a:solidFill>
@@ -2083,7 +9908,7 @@
             </a:ln>
             <a:extLst>
               <a:ext uri="{91240B29-F687-4f45-9708-019B960494DF}">
-                <a14:hiddenLine xmlns:a14="http://schemas.microsoft.com/office/drawing/2010/main" xmlns="" w="9525">
+                <a14:hiddenLine xmlns="" xmlns:a14="http://schemas.microsoft.com/office/drawing/2010/main" w="9525">
                   <a:solidFill>
                     <a:srgbClr val="000000"/>
                   </a:solidFill>
@@ -2173,7 +9998,7 @@
             </a:ln>
             <a:extLst>
               <a:ext uri="{91240B29-F687-4f45-9708-019B960494DF}">
-                <a14:hiddenLine xmlns:a14="http://schemas.microsoft.com/office/drawing/2010/main" xmlns="" w="9525">
+                <a14:hiddenLine xmlns="" xmlns:a14="http://schemas.microsoft.com/office/drawing/2010/main" w="9525">
                   <a:solidFill>
                     <a:srgbClr val="000000"/>
                   </a:solidFill>
@@ -2263,7 +10088,7 @@
             </a:ln>
             <a:extLst>
               <a:ext uri="{91240B29-F687-4f45-9708-019B960494DF}">
-                <a14:hiddenLine xmlns:a14="http://schemas.microsoft.com/office/drawing/2010/main" xmlns="" w="9525">
+                <a14:hiddenLine xmlns="" xmlns:a14="http://schemas.microsoft.com/office/drawing/2010/main" w="9525">
                   <a:solidFill>
                     <a:srgbClr val="000000"/>
                   </a:solidFill>
@@ -2325,7 +10150,7 @@
             </a:ln>
             <a:extLst>
               <a:ext uri="{91240B29-F687-4f45-9708-019B960494DF}">
-                <a14:hiddenLine xmlns:a14="http://schemas.microsoft.com/office/drawing/2010/main" xmlns="" w="9525">
+                <a14:hiddenLine xmlns="" xmlns:a14="http://schemas.microsoft.com/office/drawing/2010/main" w="9525">
                   <a:solidFill>
                     <a:srgbClr val="000000"/>
                   </a:solidFill>
@@ -2415,7 +10240,7 @@
             </a:ln>
             <a:extLst>
               <a:ext uri="{91240B29-F687-4f45-9708-019B960494DF}">
-                <a14:hiddenLine xmlns:a14="http://schemas.microsoft.com/office/drawing/2010/main" xmlns="" w="9525">
+                <a14:hiddenLine xmlns="" xmlns:a14="http://schemas.microsoft.com/office/drawing/2010/main" w="9525">
                   <a:solidFill>
                     <a:srgbClr val="000000"/>
                   </a:solidFill>
@@ -2505,7 +10330,7 @@
             </a:ln>
             <a:extLst>
               <a:ext uri="{91240B29-F687-4f45-9708-019B960494DF}">
-                <a14:hiddenLine xmlns:a14="http://schemas.microsoft.com/office/drawing/2010/main" xmlns="" w="9525">
+                <a14:hiddenLine xmlns="" xmlns:a14="http://schemas.microsoft.com/office/drawing/2010/main" w="9525">
                   <a:solidFill>
                     <a:srgbClr val="000000"/>
                   </a:solidFill>
@@ -2561,7 +10386,7 @@
             </a:ln>
             <a:extLst>
               <a:ext uri="{91240B29-F687-4f45-9708-019B960494DF}">
-                <a14:hiddenLine xmlns:a14="http://schemas.microsoft.com/office/drawing/2010/main" xmlns="" w="9525">
+                <a14:hiddenLine xmlns="" xmlns:a14="http://schemas.microsoft.com/office/drawing/2010/main" w="9525">
                   <a:solidFill>
                     <a:srgbClr val="000000"/>
                   </a:solidFill>
@@ -2651,7 +10476,7 @@
             </a:ln>
             <a:extLst>
               <a:ext uri="{91240B29-F687-4f45-9708-019B960494DF}">
-                <a14:hiddenLine xmlns:a14="http://schemas.microsoft.com/office/drawing/2010/main" xmlns="" w="9525">
+                <a14:hiddenLine xmlns="" xmlns:a14="http://schemas.microsoft.com/office/drawing/2010/main" w="9525">
                   <a:solidFill>
                     <a:srgbClr val="000000"/>
                   </a:solidFill>
@@ -2707,7 +10532,7 @@
             </a:ln>
             <a:extLst>
               <a:ext uri="{91240B29-F687-4f45-9708-019B960494DF}">
-                <a14:hiddenLine xmlns:a14="http://schemas.microsoft.com/office/drawing/2010/main" xmlns="" w="9525">
+                <a14:hiddenLine xmlns="" xmlns:a14="http://schemas.microsoft.com/office/drawing/2010/main" w="9525">
                   <a:solidFill>
                     <a:srgbClr val="000000"/>
                   </a:solidFill>
@@ -2797,7 +10622,7 @@
             </a:ln>
             <a:extLst>
               <a:ext uri="{91240B29-F687-4f45-9708-019B960494DF}">
-                <a14:hiddenLine xmlns:a14="http://schemas.microsoft.com/office/drawing/2010/main" xmlns="" w="9525">
+                <a14:hiddenLine xmlns="" xmlns:a14="http://schemas.microsoft.com/office/drawing/2010/main" w="9525">
                   <a:solidFill>
                     <a:srgbClr val="000000"/>
                   </a:solidFill>
@@ -2865,7 +10690,7 @@
             </a:ln>
             <a:extLst>
               <a:ext uri="{91240B29-F687-4f45-9708-019B960494DF}">
-                <a14:hiddenLine xmlns:a14="http://schemas.microsoft.com/office/drawing/2010/main" xmlns="" w="9525">
+                <a14:hiddenLine xmlns="" xmlns:a14="http://schemas.microsoft.com/office/drawing/2010/main" w="9525">
                   <a:solidFill>
                     <a:srgbClr val="000000"/>
                   </a:solidFill>
@@ -2955,7 +10780,7 @@
             </a:ln>
             <a:extLst>
               <a:ext uri="{91240B29-F687-4f45-9708-019B960494DF}">
-                <a14:hiddenLine xmlns:a14="http://schemas.microsoft.com/office/drawing/2010/main" xmlns="" w="9525">
+                <a14:hiddenLine xmlns="" xmlns:a14="http://schemas.microsoft.com/office/drawing/2010/main" w="9525">
                   <a:solidFill>
                     <a:srgbClr val="000000"/>
                   </a:solidFill>
@@ -3023,7 +10848,7 @@
             </a:ln>
             <a:extLst>
               <a:ext uri="{91240B29-F687-4f45-9708-019B960494DF}">
-                <a14:hiddenLine xmlns:a14="http://schemas.microsoft.com/office/drawing/2010/main" xmlns="" w="9525">
+                <a14:hiddenLine xmlns="" xmlns:a14="http://schemas.microsoft.com/office/drawing/2010/main" w="9525">
                   <a:solidFill>
                     <a:srgbClr val="000000"/>
                   </a:solidFill>
@@ -3113,7 +10938,7 @@
             </a:ln>
             <a:extLst>
               <a:ext uri="{91240B29-F687-4f45-9708-019B960494DF}">
-                <a14:hiddenLine xmlns:a14="http://schemas.microsoft.com/office/drawing/2010/main" xmlns="" w="9525">
+                <a14:hiddenLine xmlns="" xmlns:a14="http://schemas.microsoft.com/office/drawing/2010/main" w="9525">
                   <a:solidFill>
                     <a:srgbClr val="000000"/>
                   </a:solidFill>
@@ -3147,7 +10972,7 @@
             </a:ln>
             <a:extLst>
               <a:ext uri="{91240B29-F687-4f45-9708-019B960494DF}">
-                <a14:hiddenLine xmlns:a14="http://schemas.microsoft.com/office/drawing/2010/main" xmlns="" w="9525">
+                <a14:hiddenLine xmlns="" xmlns:a14="http://schemas.microsoft.com/office/drawing/2010/main" w="9525">
                   <a:solidFill>
                     <a:srgbClr val="000000"/>
                   </a:solidFill>
@@ -3237,7 +11062,7 @@
             </a:ln>
             <a:extLst>
               <a:ext uri="{91240B29-F687-4f45-9708-019B960494DF}">
-                <a14:hiddenLine xmlns:a14="http://schemas.microsoft.com/office/drawing/2010/main" xmlns="" w="9525">
+                <a14:hiddenLine xmlns="" xmlns:a14="http://schemas.microsoft.com/office/drawing/2010/main" w="9525">
                   <a:solidFill>
                     <a:srgbClr val="000000"/>
                   </a:solidFill>
@@ -3299,7 +11124,7 @@
             </a:ln>
             <a:extLst>
               <a:ext uri="{91240B29-F687-4f45-9708-019B960494DF}">
-                <a14:hiddenLine xmlns:a14="http://schemas.microsoft.com/office/drawing/2010/main" xmlns="" w="9525">
+                <a14:hiddenLine xmlns="" xmlns:a14="http://schemas.microsoft.com/office/drawing/2010/main" w="9525">
                   <a:solidFill>
                     <a:srgbClr val="000000"/>
                   </a:solidFill>
@@ -3361,7 +11186,7 @@
             </a:ln>
             <a:extLst>
               <a:ext uri="{91240B29-F687-4f45-9708-019B960494DF}">
-                <a14:hiddenLine xmlns:a14="http://schemas.microsoft.com/office/drawing/2010/main" xmlns="" w="9525">
+                <a14:hiddenLine xmlns="" xmlns:a14="http://schemas.microsoft.com/office/drawing/2010/main" w="9525">
                   <a:solidFill>
                     <a:srgbClr val="000000"/>
                   </a:solidFill>
@@ -3451,7 +11276,7 @@
             </a:ln>
             <a:extLst>
               <a:ext uri="{91240B29-F687-4f45-9708-019B960494DF}">
-                <a14:hiddenLine xmlns:a14="http://schemas.microsoft.com/office/drawing/2010/main" xmlns="" w="9525">
+                <a14:hiddenLine xmlns="" xmlns:a14="http://schemas.microsoft.com/office/drawing/2010/main" w="9525">
                   <a:solidFill>
                     <a:srgbClr val="000000"/>
                   </a:solidFill>
@@ -3519,7 +11344,7 @@
             </a:ln>
             <a:extLst>
               <a:ext uri="{91240B29-F687-4f45-9708-019B960494DF}">
-                <a14:hiddenLine xmlns:a14="http://schemas.microsoft.com/office/drawing/2010/main" xmlns="" w="9525">
+                <a14:hiddenLine xmlns="" xmlns:a14="http://schemas.microsoft.com/office/drawing/2010/main" w="9525">
                   <a:solidFill>
                     <a:srgbClr val="000000"/>
                   </a:solidFill>
@@ -3581,7 +11406,7 @@
             </a:ln>
             <a:extLst>
               <a:ext uri="{91240B29-F687-4f45-9708-019B960494DF}">
-                <a14:hiddenLine xmlns:a14="http://schemas.microsoft.com/office/drawing/2010/main" xmlns="" w="9525">
+                <a14:hiddenLine xmlns="" xmlns:a14="http://schemas.microsoft.com/office/drawing/2010/main" w="9525">
                   <a:solidFill>
                     <a:srgbClr val="000000"/>
                   </a:solidFill>
@@ -3671,7 +11496,7 @@
             </a:ln>
             <a:extLst>
               <a:ext uri="{91240B29-F687-4f45-9708-019B960494DF}">
-                <a14:hiddenLine xmlns:a14="http://schemas.microsoft.com/office/drawing/2010/main" xmlns="" w="9525">
+                <a14:hiddenLine xmlns="" xmlns:a14="http://schemas.microsoft.com/office/drawing/2010/main" w="9525">
                   <a:solidFill>
                     <a:srgbClr val="000000"/>
                   </a:solidFill>
@@ -3733,7 +11558,7 @@
             </a:ln>
             <a:extLst>
               <a:ext uri="{91240B29-F687-4f45-9708-019B960494DF}">
-                <a14:hiddenLine xmlns:a14="http://schemas.microsoft.com/office/drawing/2010/main" xmlns="" w="9525">
+                <a14:hiddenLine xmlns="" xmlns:a14="http://schemas.microsoft.com/office/drawing/2010/main" w="9525">
                   <a:solidFill>
                     <a:srgbClr val="000000"/>
                   </a:solidFill>
@@ -3823,7 +11648,7 @@
             </a:ln>
             <a:extLst>
               <a:ext uri="{91240B29-F687-4f45-9708-019B960494DF}">
-                <a14:hiddenLine xmlns:a14="http://schemas.microsoft.com/office/drawing/2010/main" xmlns="" w="9525">
+                <a14:hiddenLine xmlns="" xmlns:a14="http://schemas.microsoft.com/office/drawing/2010/main" w="9525">
                   <a:solidFill>
                     <a:srgbClr val="000000"/>
                   </a:solidFill>
@@ -3885,7 +11710,7 @@
             </a:ln>
             <a:extLst>
               <a:ext uri="{91240B29-F687-4f45-9708-019B960494DF}">
-                <a14:hiddenLine xmlns:a14="http://schemas.microsoft.com/office/drawing/2010/main" xmlns="" w="9525">
+                <a14:hiddenLine xmlns="" xmlns:a14="http://schemas.microsoft.com/office/drawing/2010/main" w="9525">
                   <a:solidFill>
                     <a:srgbClr val="000000"/>
                   </a:solidFill>
@@ -3975,7 +11800,7 @@
             </a:ln>
             <a:extLst>
               <a:ext uri="{91240B29-F687-4f45-9708-019B960494DF}">
-                <a14:hiddenLine xmlns:a14="http://schemas.microsoft.com/office/drawing/2010/main" xmlns="" w="9525">
+                <a14:hiddenLine xmlns="" xmlns:a14="http://schemas.microsoft.com/office/drawing/2010/main" w="9525">
                   <a:solidFill>
                     <a:srgbClr val="000000"/>
                   </a:solidFill>
@@ -4009,7 +11834,7 @@
             </a:ln>
             <a:extLst>
               <a:ext uri="{91240B29-F687-4f45-9708-019B960494DF}">
-                <a14:hiddenLine xmlns:a14="http://schemas.microsoft.com/office/drawing/2010/main" xmlns="" w="9525">
+                <a14:hiddenLine xmlns="" xmlns:a14="http://schemas.microsoft.com/office/drawing/2010/main" w="9525">
                   <a:solidFill>
                     <a:srgbClr val="000000"/>
                   </a:solidFill>
@@ -4074,7 +11899,7 @@
             </a:ln>
             <a:extLst>
               <a:ext uri="{91240B29-F687-4f45-9708-019B960494DF}">
-                <a14:hiddenLine xmlns:a14="http://schemas.microsoft.com/office/drawing/2010/main" xmlns="" w="9525">
+                <a14:hiddenLine xmlns="" xmlns:a14="http://schemas.microsoft.com/office/drawing/2010/main" w="9525">
                   <a:solidFill>
                     <a:srgbClr val="000000"/>
                   </a:solidFill>
@@ -4164,7 +11989,7 @@
             </a:ln>
             <a:extLst>
               <a:ext uri="{91240B29-F687-4f45-9708-019B960494DF}">
-                <a14:hiddenLine xmlns:a14="http://schemas.microsoft.com/office/drawing/2010/main" xmlns="" w="9525">
+                <a14:hiddenLine xmlns="" xmlns:a14="http://schemas.microsoft.com/office/drawing/2010/main" w="9525">
                   <a:solidFill>
                     <a:srgbClr val="000000"/>
                   </a:solidFill>
@@ -4226,7 +12051,7 @@
             </a:ln>
             <a:extLst>
               <a:ext uri="{91240B29-F687-4f45-9708-019B960494DF}">
-                <a14:hiddenLine xmlns:a14="http://schemas.microsoft.com/office/drawing/2010/main" xmlns="" w="9525">
+                <a14:hiddenLine xmlns="" xmlns:a14="http://schemas.microsoft.com/office/drawing/2010/main" w="9525">
                   <a:solidFill>
                     <a:srgbClr val="000000"/>
                   </a:solidFill>
@@ -4316,7 +12141,7 @@
             </a:ln>
             <a:extLst>
               <a:ext uri="{91240B29-F687-4f45-9708-019B960494DF}">
-                <a14:hiddenLine xmlns:a14="http://schemas.microsoft.com/office/drawing/2010/main" xmlns="" w="9525">
+                <a14:hiddenLine xmlns="" xmlns:a14="http://schemas.microsoft.com/office/drawing/2010/main" w="9525">
                   <a:solidFill>
                     <a:srgbClr val="000000"/>
                   </a:solidFill>
@@ -4406,7 +12231,7 @@
             </a:ln>
             <a:extLst>
               <a:ext uri="{91240B29-F687-4f45-9708-019B960494DF}">
-                <a14:hiddenLine xmlns:a14="http://schemas.microsoft.com/office/drawing/2010/main" xmlns="" w="9525">
+                <a14:hiddenLine xmlns="" xmlns:a14="http://schemas.microsoft.com/office/drawing/2010/main" w="9525">
                   <a:solidFill>
                     <a:srgbClr val="000000"/>
                   </a:solidFill>
@@ -4471,7 +12296,7 @@
             </a:ln>
             <a:extLst>
               <a:ext uri="{91240B29-F687-4f45-9708-019B960494DF}">
-                <a14:hiddenLine xmlns:a14="http://schemas.microsoft.com/office/drawing/2010/main" xmlns="" w="9525">
+                <a14:hiddenLine xmlns="" xmlns:a14="http://schemas.microsoft.com/office/drawing/2010/main" w="9525">
                   <a:solidFill>
                     <a:srgbClr val="000000"/>
                   </a:solidFill>
@@ -4533,7 +12358,7 @@
             </a:ln>
             <a:extLst>
               <a:ext uri="{91240B29-F687-4f45-9708-019B960494DF}">
-                <a14:hiddenLine xmlns:a14="http://schemas.microsoft.com/office/drawing/2010/main" xmlns="" w="9525">
+                <a14:hiddenLine xmlns="" xmlns:a14="http://schemas.microsoft.com/office/drawing/2010/main" w="9525">
                   <a:solidFill>
                     <a:srgbClr val="000000"/>
                   </a:solidFill>
@@ -4623,7 +12448,7 @@
             </a:ln>
             <a:extLst>
               <a:ext uri="{91240B29-F687-4f45-9708-019B960494DF}">
-                <a14:hiddenLine xmlns:a14="http://schemas.microsoft.com/office/drawing/2010/main" xmlns="" w="9525">
+                <a14:hiddenLine xmlns="" xmlns:a14="http://schemas.microsoft.com/office/drawing/2010/main" w="9525">
                   <a:solidFill>
                     <a:srgbClr val="000000"/>
                   </a:solidFill>
@@ -4713,7 +12538,7 @@
             </a:ln>
             <a:extLst>
               <a:ext uri="{91240B29-F687-4f45-9708-019B960494DF}">
-                <a14:hiddenLine xmlns:a14="http://schemas.microsoft.com/office/drawing/2010/main" xmlns="" w="9525">
+                <a14:hiddenLine xmlns="" xmlns:a14="http://schemas.microsoft.com/office/drawing/2010/main" w="9525">
                   <a:solidFill>
                     <a:srgbClr val="000000"/>
                   </a:solidFill>
@@ -4775,7 +12600,7 @@
             </a:ln>
             <a:extLst>
               <a:ext uri="{91240B29-F687-4f45-9708-019B960494DF}">
-                <a14:hiddenLine xmlns:a14="http://schemas.microsoft.com/office/drawing/2010/main" xmlns="" w="9525">
+                <a14:hiddenLine xmlns="" xmlns:a14="http://schemas.microsoft.com/office/drawing/2010/main" w="9525">
                   <a:solidFill>
                     <a:srgbClr val="000000"/>
                   </a:solidFill>
@@ -4895,7 +12720,7 @@
             </a:ln>
             <a:extLst>
               <a:ext uri="{91240B29-F687-4f45-9708-019B960494DF}">
-                <a14:hiddenLine xmlns:a14="http://schemas.microsoft.com/office/drawing/2010/main" xmlns="" w="9525">
+                <a14:hiddenLine xmlns="" xmlns:a14="http://schemas.microsoft.com/office/drawing/2010/main" w="9525">
                   <a:solidFill>
                     <a:srgbClr val="000000"/>
                   </a:solidFill>
@@ -4963,7 +12788,7 @@
             </a:ln>
             <a:extLst>
               <a:ext uri="{91240B29-F687-4f45-9708-019B960494DF}">
-                <a14:hiddenLine xmlns:a14="http://schemas.microsoft.com/office/drawing/2010/main" xmlns="" w="9525">
+                <a14:hiddenLine xmlns="" xmlns:a14="http://schemas.microsoft.com/office/drawing/2010/main" w="9525">
                   <a:solidFill>
                     <a:srgbClr val="000000"/>
                   </a:solidFill>
@@ -5053,7 +12878,7 @@
             </a:ln>
             <a:extLst>
               <a:ext uri="{91240B29-F687-4f45-9708-019B960494DF}">
-                <a14:hiddenLine xmlns:a14="http://schemas.microsoft.com/office/drawing/2010/main" xmlns="" w="9525">
+                <a14:hiddenLine xmlns="" xmlns:a14="http://schemas.microsoft.com/office/drawing/2010/main" w="9525">
                   <a:solidFill>
                     <a:srgbClr val="000000"/>
                   </a:solidFill>
@@ -9784,7 +17609,7 @@
           <a:noFill/>
           <a:extLst>
             <a:ext uri="{909E8E84-426E-40dd-AFC4-6F175D3DCCD1}">
-              <a14:hiddenFill xmlns:a14="http://schemas.microsoft.com/office/drawing/2010/main" xmlns="">
+              <a14:hiddenFill xmlns="" xmlns:a14="http://schemas.microsoft.com/office/drawing/2010/main">
                 <a:solidFill>
                   <a:srgbClr val="FFFFFF"/>
                 </a:solidFill>
@@ -9858,7 +17683,7 @@
               </a:ln>
               <a:extLst>
                 <a:ext uri="{91240B29-F687-4f45-9708-019B960494DF}">
-                  <a14:hiddenLine xmlns:a14="http://schemas.microsoft.com/office/drawing/2010/main" xmlns="" w="9525">
+                  <a14:hiddenLine xmlns="" xmlns:a14="http://schemas.microsoft.com/office/drawing/2010/main" w="9525">
                     <a:solidFill>
                       <a:srgbClr val="000000"/>
                     </a:solidFill>
@@ -9948,7 +17773,7 @@
               </a:ln>
               <a:extLst>
                 <a:ext uri="{91240B29-F687-4f45-9708-019B960494DF}">
-                  <a14:hiddenLine xmlns:a14="http://schemas.microsoft.com/office/drawing/2010/main" xmlns="" w="9525">
+                  <a14:hiddenLine xmlns="" xmlns:a14="http://schemas.microsoft.com/office/drawing/2010/main" w="9525">
                     <a:solidFill>
                       <a:srgbClr val="000000"/>
                     </a:solidFill>
@@ -10038,7 +17863,7 @@
               </a:ln>
               <a:extLst>
                 <a:ext uri="{91240B29-F687-4f45-9708-019B960494DF}">
-                  <a14:hiddenLine xmlns:a14="http://schemas.microsoft.com/office/drawing/2010/main" xmlns="" w="9525">
+                  <a14:hiddenLine xmlns="" xmlns:a14="http://schemas.microsoft.com/office/drawing/2010/main" w="9525">
                     <a:solidFill>
                       <a:srgbClr val="000000"/>
                     </a:solidFill>
@@ -10100,7 +17925,7 @@
               </a:ln>
               <a:extLst>
                 <a:ext uri="{91240B29-F687-4f45-9708-019B960494DF}">
-                  <a14:hiddenLine xmlns:a14="http://schemas.microsoft.com/office/drawing/2010/main" xmlns="" w="9525">
+                  <a14:hiddenLine xmlns="" xmlns:a14="http://schemas.microsoft.com/office/drawing/2010/main" w="9525">
                     <a:solidFill>
                       <a:srgbClr val="000000"/>
                     </a:solidFill>
@@ -10190,7 +18015,7 @@
               </a:ln>
               <a:extLst>
                 <a:ext uri="{91240B29-F687-4f45-9708-019B960494DF}">
-                  <a14:hiddenLine xmlns:a14="http://schemas.microsoft.com/office/drawing/2010/main" xmlns="" w="9525">
+                  <a14:hiddenLine xmlns="" xmlns:a14="http://schemas.microsoft.com/office/drawing/2010/main" w="9525">
                     <a:solidFill>
                       <a:srgbClr val="000000"/>
                     </a:solidFill>
@@ -10252,7 +18077,7 @@
               </a:ln>
               <a:extLst>
                 <a:ext uri="{91240B29-F687-4f45-9708-019B960494DF}">
-                  <a14:hiddenLine xmlns:a14="http://schemas.microsoft.com/office/drawing/2010/main" xmlns="" w="9525">
+                  <a14:hiddenLine xmlns="" xmlns:a14="http://schemas.microsoft.com/office/drawing/2010/main" w="9525">
                     <a:solidFill>
                       <a:srgbClr val="000000"/>
                     </a:solidFill>
@@ -10314,7 +18139,7 @@
               </a:ln>
               <a:extLst>
                 <a:ext uri="{91240B29-F687-4f45-9708-019B960494DF}">
-                  <a14:hiddenLine xmlns:a14="http://schemas.microsoft.com/office/drawing/2010/main" xmlns="" w="9525">
+                  <a14:hiddenLine xmlns="" xmlns:a14="http://schemas.microsoft.com/office/drawing/2010/main" w="9525">
                     <a:solidFill>
                       <a:srgbClr val="000000"/>
                     </a:solidFill>
@@ -10404,7 +18229,7 @@
               </a:ln>
               <a:extLst>
                 <a:ext uri="{91240B29-F687-4f45-9708-019B960494DF}">
-                  <a14:hiddenLine xmlns:a14="http://schemas.microsoft.com/office/drawing/2010/main" xmlns="" w="9525">
+                  <a14:hiddenLine xmlns="" xmlns:a14="http://schemas.microsoft.com/office/drawing/2010/main" w="9525">
                     <a:solidFill>
                       <a:srgbClr val="000000"/>
                     </a:solidFill>
@@ -10494,7 +18319,7 @@
               </a:ln>
               <a:extLst>
                 <a:ext uri="{91240B29-F687-4f45-9708-019B960494DF}">
-                  <a14:hiddenLine xmlns:a14="http://schemas.microsoft.com/office/drawing/2010/main" xmlns="" w="9525">
+                  <a14:hiddenLine xmlns="" xmlns:a14="http://schemas.microsoft.com/office/drawing/2010/main" w="9525">
                     <a:solidFill>
                       <a:srgbClr val="000000"/>
                     </a:solidFill>
@@ -10556,7 +18381,7 @@
               </a:ln>
               <a:extLst>
                 <a:ext uri="{91240B29-F687-4f45-9708-019B960494DF}">
-                  <a14:hiddenLine xmlns:a14="http://schemas.microsoft.com/office/drawing/2010/main" xmlns="" w="9525">
+                  <a14:hiddenLine xmlns="" xmlns:a14="http://schemas.microsoft.com/office/drawing/2010/main" w="9525">
                     <a:solidFill>
                       <a:srgbClr val="000000"/>
                     </a:solidFill>
@@ -10666,7 +18491,7 @@
               </a:ln>
               <a:extLst>
                 <a:ext uri="{91240B29-F687-4f45-9708-019B960494DF}">
-                  <a14:hiddenLine xmlns:a14="http://schemas.microsoft.com/office/drawing/2010/main" xmlns="" w="9525">
+                  <a14:hiddenLine xmlns="" xmlns:a14="http://schemas.microsoft.com/office/drawing/2010/main" w="9525">
                     <a:solidFill>
                       <a:srgbClr val="000000"/>
                     </a:solidFill>
@@ -10750,7 +18575,7 @@
               </a:ln>
               <a:extLst>
                 <a:ext uri="{91240B29-F687-4f45-9708-019B960494DF}">
-                  <a14:hiddenLine xmlns:a14="http://schemas.microsoft.com/office/drawing/2010/main" xmlns="" w="9525">
+                  <a14:hiddenLine xmlns="" xmlns:a14="http://schemas.microsoft.com/office/drawing/2010/main" w="9525">
                     <a:solidFill>
                       <a:srgbClr val="000000"/>
                     </a:solidFill>
@@ -10812,7 +18637,7 @@
               </a:ln>
               <a:extLst>
                 <a:ext uri="{91240B29-F687-4f45-9708-019B960494DF}">
-                  <a14:hiddenLine xmlns:a14="http://schemas.microsoft.com/office/drawing/2010/main" xmlns="" w="9525">
+                  <a14:hiddenLine xmlns="" xmlns:a14="http://schemas.microsoft.com/office/drawing/2010/main" w="9525">
                     <a:solidFill>
                       <a:srgbClr val="000000"/>
                     </a:solidFill>
@@ -10874,7 +18699,7 @@
               </a:ln>
               <a:extLst>
                 <a:ext uri="{91240B29-F687-4f45-9708-019B960494DF}">
-                  <a14:hiddenLine xmlns:a14="http://schemas.microsoft.com/office/drawing/2010/main" xmlns="" w="9525">
+                  <a14:hiddenLine xmlns="" xmlns:a14="http://schemas.microsoft.com/office/drawing/2010/main" w="9525">
                     <a:solidFill>
                       <a:srgbClr val="000000"/>
                     </a:solidFill>
@@ -10964,7 +18789,7 @@
               </a:ln>
               <a:extLst>
                 <a:ext uri="{91240B29-F687-4f45-9708-019B960494DF}">
-                  <a14:hiddenLine xmlns:a14="http://schemas.microsoft.com/office/drawing/2010/main" xmlns="" w="9525">
+                  <a14:hiddenLine xmlns="" xmlns:a14="http://schemas.microsoft.com/office/drawing/2010/main" w="9525">
                     <a:solidFill>
                       <a:srgbClr val="000000"/>
                     </a:solidFill>
@@ -10998,7 +18823,7 @@
               </a:ln>
               <a:extLst>
                 <a:ext uri="{91240B29-F687-4f45-9708-019B960494DF}">
-                  <a14:hiddenLine xmlns:a14="http://schemas.microsoft.com/office/drawing/2010/main" xmlns="" w="9525">
+                  <a14:hiddenLine xmlns="" xmlns:a14="http://schemas.microsoft.com/office/drawing/2010/main" w="9525">
                     <a:solidFill>
                       <a:srgbClr val="000000"/>
                     </a:solidFill>
@@ -11063,7 +18888,7 @@
               </a:ln>
               <a:extLst>
                 <a:ext uri="{91240B29-F687-4f45-9708-019B960494DF}">
-                  <a14:hiddenLine xmlns:a14="http://schemas.microsoft.com/office/drawing/2010/main" xmlns="" w="9525">
+                  <a14:hiddenLine xmlns="" xmlns:a14="http://schemas.microsoft.com/office/drawing/2010/main" w="9525">
                     <a:solidFill>
                       <a:srgbClr val="000000"/>
                     </a:solidFill>
@@ -11153,7 +18978,7 @@
               </a:ln>
               <a:extLst>
                 <a:ext uri="{91240B29-F687-4f45-9708-019B960494DF}">
-                  <a14:hiddenLine xmlns:a14="http://schemas.microsoft.com/office/drawing/2010/main" xmlns="" w="9525">
+                  <a14:hiddenLine xmlns="" xmlns:a14="http://schemas.microsoft.com/office/drawing/2010/main" w="9525">
                     <a:solidFill>
                       <a:srgbClr val="000000"/>
                     </a:solidFill>
@@ -11215,7 +19040,7 @@
               </a:ln>
               <a:extLst>
                 <a:ext uri="{91240B29-F687-4f45-9708-019B960494DF}">
-                  <a14:hiddenLine xmlns:a14="http://schemas.microsoft.com/office/drawing/2010/main" xmlns="" w="9525">
+                  <a14:hiddenLine xmlns="" xmlns:a14="http://schemas.microsoft.com/office/drawing/2010/main" w="9525">
                     <a:solidFill>
                       <a:srgbClr val="000000"/>
                     </a:solidFill>
@@ -11305,7 +19130,7 @@
               </a:ln>
               <a:extLst>
                 <a:ext uri="{91240B29-F687-4f45-9708-019B960494DF}">
-                  <a14:hiddenLine xmlns:a14="http://schemas.microsoft.com/office/drawing/2010/main" xmlns="" w="9525">
+                  <a14:hiddenLine xmlns="" xmlns:a14="http://schemas.microsoft.com/office/drawing/2010/main" w="9525">
                     <a:solidFill>
                       <a:srgbClr val="000000"/>
                     </a:solidFill>
@@ -11370,7 +19195,7 @@
               </a:ln>
               <a:extLst>
                 <a:ext uri="{91240B29-F687-4f45-9708-019B960494DF}">
-                  <a14:hiddenLine xmlns:a14="http://schemas.microsoft.com/office/drawing/2010/main" xmlns="" w="9525">
+                  <a14:hiddenLine xmlns="" xmlns:a14="http://schemas.microsoft.com/office/drawing/2010/main" w="9525">
                     <a:solidFill>
                       <a:srgbClr val="000000"/>
                     </a:solidFill>
@@ -11432,7 +19257,7 @@
               </a:ln>
               <a:extLst>
                 <a:ext uri="{91240B29-F687-4f45-9708-019B960494DF}">
-                  <a14:hiddenLine xmlns:a14="http://schemas.microsoft.com/office/drawing/2010/main" xmlns="" w="9525">
+                  <a14:hiddenLine xmlns="" xmlns:a14="http://schemas.microsoft.com/office/drawing/2010/main" w="9525">
                     <a:solidFill>
                       <a:srgbClr val="000000"/>
                     </a:solidFill>
@@ -11522,7 +19347,7 @@
               </a:ln>
               <a:extLst>
                 <a:ext uri="{91240B29-F687-4f45-9708-019B960494DF}">
-                  <a14:hiddenLine xmlns:a14="http://schemas.microsoft.com/office/drawing/2010/main" xmlns="" w="9525">
+                  <a14:hiddenLine xmlns="" xmlns:a14="http://schemas.microsoft.com/office/drawing/2010/main" w="9525">
                     <a:solidFill>
                       <a:srgbClr val="000000"/>
                     </a:solidFill>
@@ -11612,7 +19437,7 @@
               </a:ln>
               <a:extLst>
                 <a:ext uri="{91240B29-F687-4f45-9708-019B960494DF}">
-                  <a14:hiddenLine xmlns:a14="http://schemas.microsoft.com/office/drawing/2010/main" xmlns="" w="9525">
+                  <a14:hiddenLine xmlns="" xmlns:a14="http://schemas.microsoft.com/office/drawing/2010/main" w="9525">
                     <a:solidFill>
                       <a:srgbClr val="000000"/>
                     </a:solidFill>
@@ -11677,7 +19502,7 @@
               </a:ln>
               <a:extLst>
                 <a:ext uri="{91240B29-F687-4f45-9708-019B960494DF}">
-                  <a14:hiddenLine xmlns:a14="http://schemas.microsoft.com/office/drawing/2010/main" xmlns="" w="9525">
+                  <a14:hiddenLine xmlns="" xmlns:a14="http://schemas.microsoft.com/office/drawing/2010/main" w="9525">
                     <a:solidFill>
                       <a:srgbClr val="000000"/>
                     </a:solidFill>
@@ -11797,7 +19622,7 @@
               </a:ln>
               <a:extLst>
                 <a:ext uri="{91240B29-F687-4f45-9708-019B960494DF}">
-                  <a14:hiddenLine xmlns:a14="http://schemas.microsoft.com/office/drawing/2010/main" xmlns="" w="9525">
+                  <a14:hiddenLine xmlns="" xmlns:a14="http://schemas.microsoft.com/office/drawing/2010/main" w="9525">
                     <a:solidFill>
                       <a:srgbClr val="000000"/>
                     </a:solidFill>
@@ -11895,7 +19720,7 @@
               </a:ln>
               <a:extLst>
                 <a:ext uri="{91240B29-F687-4f45-9708-019B960494DF}">
-                  <a14:hiddenLine xmlns:a14="http://schemas.microsoft.com/office/drawing/2010/main" xmlns="" w="9525">
+                  <a14:hiddenLine xmlns="" xmlns:a14="http://schemas.microsoft.com/office/drawing/2010/main" w="9525">
                     <a:solidFill>
                       <a:srgbClr val="000000"/>
                     </a:solidFill>
@@ -12010,7 +19835,7 @@
               </a:ln>
               <a:extLst>
                 <a:ext uri="{91240B29-F687-4f45-9708-019B960494DF}">
-                  <a14:hiddenLine xmlns:a14="http://schemas.microsoft.com/office/drawing/2010/main" xmlns="" w="9525">
+                  <a14:hiddenLine xmlns="" xmlns:a14="http://schemas.microsoft.com/office/drawing/2010/main" w="9525">
                     <a:solidFill>
                       <a:srgbClr val="000000"/>
                     </a:solidFill>
@@ -12100,7 +19925,7 @@
               </a:ln>
               <a:extLst>
                 <a:ext uri="{91240B29-F687-4f45-9708-019B960494DF}">
-                  <a14:hiddenLine xmlns:a14="http://schemas.microsoft.com/office/drawing/2010/main" xmlns="" w="9525">
+                  <a14:hiddenLine xmlns="" xmlns:a14="http://schemas.microsoft.com/office/drawing/2010/main" w="9525">
                     <a:solidFill>
                       <a:srgbClr val="000000"/>
                     </a:solidFill>
@@ -12165,7 +19990,7 @@
               </a:ln>
               <a:extLst>
                 <a:ext uri="{91240B29-F687-4f45-9708-019B960494DF}">
-                  <a14:hiddenLine xmlns:a14="http://schemas.microsoft.com/office/drawing/2010/main" xmlns="" w="9525">
+                  <a14:hiddenLine xmlns="" xmlns:a14="http://schemas.microsoft.com/office/drawing/2010/main" w="9525">
                     <a:solidFill>
                       <a:srgbClr val="000000"/>
                     </a:solidFill>
@@ -12255,7 +20080,7 @@
               </a:ln>
               <a:extLst>
                 <a:ext uri="{91240B29-F687-4f45-9708-019B960494DF}">
-                  <a14:hiddenLine xmlns:a14="http://schemas.microsoft.com/office/drawing/2010/main" xmlns="" w="9525">
+                  <a14:hiddenLine xmlns="" xmlns:a14="http://schemas.microsoft.com/office/drawing/2010/main" w="9525">
                     <a:solidFill>
                       <a:srgbClr val="000000"/>
                     </a:solidFill>
@@ -12323,7 +20148,7 @@
               </a:ln>
               <a:extLst>
                 <a:ext uri="{91240B29-F687-4f45-9708-019B960494DF}">
-                  <a14:hiddenLine xmlns:a14="http://schemas.microsoft.com/office/drawing/2010/main" xmlns="" w="9525">
+                  <a14:hiddenLine xmlns="" xmlns:a14="http://schemas.microsoft.com/office/drawing/2010/main" w="9525">
                     <a:solidFill>
                       <a:srgbClr val="000000"/>
                     </a:solidFill>
@@ -12413,7 +20238,7 @@
               </a:ln>
               <a:extLst>
                 <a:ext uri="{91240B29-F687-4f45-9708-019B960494DF}">
-                  <a14:hiddenLine xmlns:a14="http://schemas.microsoft.com/office/drawing/2010/main" xmlns="" w="9525">
+                  <a14:hiddenLine xmlns="" xmlns:a14="http://schemas.microsoft.com/office/drawing/2010/main" w="9525">
                     <a:solidFill>
                       <a:srgbClr val="000000"/>
                     </a:solidFill>
@@ -12481,7 +20306,7 @@
               </a:ln>
               <a:extLst>
                 <a:ext uri="{91240B29-F687-4f45-9708-019B960494DF}">
-                  <a14:hiddenLine xmlns:a14="http://schemas.microsoft.com/office/drawing/2010/main" xmlns="" w="9525">
+                  <a14:hiddenLine xmlns="" xmlns:a14="http://schemas.microsoft.com/office/drawing/2010/main" w="9525">
                     <a:solidFill>
                       <a:srgbClr val="000000"/>
                     </a:solidFill>
@@ -12571,7 +20396,7 @@
               </a:ln>
               <a:extLst>
                 <a:ext uri="{91240B29-F687-4f45-9708-019B960494DF}">
-                  <a14:hiddenLine xmlns:a14="http://schemas.microsoft.com/office/drawing/2010/main" xmlns="" w="9525">
+                  <a14:hiddenLine xmlns="" xmlns:a14="http://schemas.microsoft.com/office/drawing/2010/main" w="9525">
                     <a:solidFill>
                       <a:srgbClr val="000000"/>
                     </a:solidFill>
@@ -12605,7 +20430,7 @@
               </a:ln>
               <a:extLst>
                 <a:ext uri="{91240B29-F687-4f45-9708-019B960494DF}">
-                  <a14:hiddenLine xmlns:a14="http://schemas.microsoft.com/office/drawing/2010/main" xmlns="" w="9525">
+                  <a14:hiddenLine xmlns="" xmlns:a14="http://schemas.microsoft.com/office/drawing/2010/main" w="9525">
                     <a:solidFill>
                       <a:srgbClr val="000000"/>
                     </a:solidFill>
@@ -13290,10 +21115,61 @@
           <a:bodyPr/>
           <a:lstStyle/>
           <a:p>
-            <a:endParaRPr lang="de-DE"/>
+            <a:r>
+              <a:rPr lang="en-GB" dirty="0"/>
+              <a:t>Framework of Frameworks</a:t>
+            </a:r>
+          </a:p>
+          <a:p>
+            <a:r>
+              <a:rPr lang="en-GB" dirty="0"/>
+              <a:t>Promote good programming implementation</a:t>
+            </a:r>
+          </a:p>
+          <a:p>
+            <a:r>
+              <a:rPr lang="en-GB" dirty="0"/>
+              <a:t>No new language needed</a:t>
+            </a:r>
+          </a:p>
+          <a:p>
+            <a:r>
+              <a:rPr lang="en-GB" dirty="0"/>
+              <a:t>Spring Boot</a:t>
+            </a:r>
           </a:p>
         </p:txBody>
       </p:sp>
+      <p:pic>
+        <p:nvPicPr>
+          <p:cNvPr id="5" name="Grafik 4">
+            <a:extLst>
+              <a:ext uri="{FF2B5EF4-FFF2-40B4-BE49-F238E27FC236}">
+                <a16:creationId xmlns:a16="http://schemas.microsoft.com/office/drawing/2014/main" id="{FB2582E3-1DB3-5541-AACF-00FF6D9283E6}"/>
+              </a:ext>
+            </a:extLst>
+          </p:cNvPr>
+          <p:cNvPicPr>
+            <a:picLocks noChangeAspect="1"/>
+          </p:cNvPicPr>
+          <p:nvPr/>
+        </p:nvPicPr>
+        <p:blipFill>
+          <a:blip r:embed="rId3"/>
+          <a:stretch>
+            <a:fillRect/>
+          </a:stretch>
+        </p:blipFill>
+        <p:spPr>
+          <a:xfrm>
+            <a:off x="6094411" y="321734"/>
+            <a:ext cx="5080000" cy="1651000"/>
+          </a:xfrm>
+          <a:prstGeom prst="rect">
+            <a:avLst/>
+          </a:prstGeom>
+        </p:spPr>
+      </p:pic>
     </p:spTree>
     <p:extLst>
       <p:ext uri="{BB962C8B-B14F-4D97-AF65-F5344CB8AC3E}">
@@ -13373,7 +21249,28 @@
           <a:bodyPr/>
           <a:lstStyle/>
           <a:p>
-            <a:endParaRPr lang="de-DE" dirty="0"/>
+            <a:r>
+              <a:rPr lang="en-GB" dirty="0"/>
+              <a:t>Java Persistence API</a:t>
+            </a:r>
+          </a:p>
+          <a:p>
+            <a:r>
+              <a:rPr lang="en-GB" dirty="0"/>
+              <a:t>Problem of Persistence</a:t>
+            </a:r>
+          </a:p>
+          <a:p>
+            <a:r>
+              <a:rPr lang="en-GB" dirty="0"/>
+              <a:t>Without SQL</a:t>
+            </a:r>
+          </a:p>
+          <a:p>
+            <a:r>
+              <a:rPr lang="en-GB" dirty="0"/>
+              <a:t>Work with Java Objects instead of DB data</a:t>
+            </a:r>
           </a:p>
         </p:txBody>
       </p:sp>
@@ -13469,142 +21366,8 @@
           <a:lstStyle/>
           <a:p>
             <a:r>
-              <a:rPr lang="de-DE" dirty="0"/>
-              <a:t>Spring Data JPA, </a:t>
-            </a:r>
-            <a:r>
-              <a:rPr lang="de-DE" dirty="0" err="1"/>
-              <a:t>part</a:t>
-            </a:r>
-            <a:r>
-              <a:rPr lang="de-DE" dirty="0"/>
-              <a:t> </a:t>
-            </a:r>
-            <a:r>
-              <a:rPr lang="de-DE" dirty="0" err="1"/>
-              <a:t>of</a:t>
-            </a:r>
-            <a:r>
-              <a:rPr lang="de-DE" dirty="0"/>
-              <a:t> </a:t>
-            </a:r>
-            <a:r>
-              <a:rPr lang="de-DE" dirty="0" err="1"/>
-              <a:t>the</a:t>
-            </a:r>
-            <a:r>
-              <a:rPr lang="de-DE" dirty="0"/>
-              <a:t> larger </a:t>
-            </a:r>
-            <a:r>
-              <a:rPr lang="de-DE" dirty="0">
-                <a:hlinkClick r:id="rId3"/>
-              </a:rPr>
-              <a:t>Spring Data</a:t>
-            </a:r>
-            <a:r>
-              <a:rPr lang="de-DE" dirty="0"/>
-              <a:t> </a:t>
-            </a:r>
-            <a:r>
-              <a:rPr lang="de-DE" dirty="0" err="1"/>
-              <a:t>family</a:t>
-            </a:r>
-            <a:r>
-              <a:rPr lang="de-DE" dirty="0"/>
-              <a:t>, </a:t>
-            </a:r>
-            <a:r>
-              <a:rPr lang="de-DE" dirty="0" err="1"/>
-              <a:t>makes</a:t>
-            </a:r>
-            <a:r>
-              <a:rPr lang="de-DE" dirty="0"/>
-              <a:t> </a:t>
-            </a:r>
-            <a:r>
-              <a:rPr lang="de-DE" dirty="0" err="1"/>
-              <a:t>it</a:t>
-            </a:r>
-            <a:r>
-              <a:rPr lang="de-DE" dirty="0"/>
-              <a:t> easy </a:t>
-            </a:r>
-            <a:r>
-              <a:rPr lang="de-DE" dirty="0" err="1"/>
-              <a:t>to</a:t>
-            </a:r>
-            <a:r>
-              <a:rPr lang="de-DE" dirty="0"/>
-              <a:t> </a:t>
-            </a:r>
-            <a:r>
-              <a:rPr lang="de-DE" dirty="0" err="1"/>
-              <a:t>easily</a:t>
-            </a:r>
-            <a:r>
-              <a:rPr lang="de-DE" dirty="0"/>
-              <a:t> </a:t>
-            </a:r>
-            <a:r>
-              <a:rPr lang="de-DE" dirty="0" err="1"/>
-              <a:t>implement</a:t>
-            </a:r>
-            <a:r>
-              <a:rPr lang="de-DE" dirty="0"/>
-              <a:t> JPA </a:t>
-            </a:r>
-            <a:r>
-              <a:rPr lang="de-DE" dirty="0" err="1"/>
-              <a:t>based</a:t>
-            </a:r>
-            <a:r>
-              <a:rPr lang="de-DE" dirty="0"/>
-              <a:t> </a:t>
-            </a:r>
-            <a:r>
-              <a:rPr lang="de-DE" dirty="0" err="1"/>
-              <a:t>repositories</a:t>
-            </a:r>
-            <a:r>
-              <a:rPr lang="de-DE" dirty="0"/>
-              <a:t>. This </a:t>
-            </a:r>
-            <a:r>
-              <a:rPr lang="de-DE" dirty="0" err="1"/>
-              <a:t>module</a:t>
-            </a:r>
-            <a:r>
-              <a:rPr lang="de-DE" dirty="0"/>
-              <a:t> </a:t>
-            </a:r>
-            <a:r>
-              <a:rPr lang="de-DE" dirty="0" err="1"/>
-              <a:t>deals</a:t>
-            </a:r>
-            <a:r>
-              <a:rPr lang="de-DE" dirty="0"/>
-              <a:t> </a:t>
-            </a:r>
-            <a:r>
-              <a:rPr lang="de-DE" dirty="0" err="1"/>
-              <a:t>with</a:t>
-            </a:r>
-            <a:r>
-              <a:rPr lang="de-DE" dirty="0"/>
-              <a:t> </a:t>
-            </a:r>
-            <a:r>
-              <a:rPr lang="de-DE" dirty="0" err="1"/>
-              <a:t>enhanced</a:t>
-            </a:r>
-            <a:r>
-              <a:rPr lang="de-DE" dirty="0"/>
-              <a:t> </a:t>
-            </a:r>
-            <a:r>
-              <a:rPr lang="de-DE" dirty="0" err="1"/>
-              <a:t>support</a:t>
+              <a:rPr lang="de-DE" dirty="0" err="1"/>
+              <a:t>Used</a:t>
             </a:r>
             <a:r>
               <a:rPr lang="de-DE" dirty="0"/>
@@ -13616,147 +21379,56 @@
             </a:r>
             <a:r>
               <a:rPr lang="de-DE" dirty="0"/>
-              <a:t> JPA </a:t>
-            </a:r>
-            <a:r>
-              <a:rPr lang="de-DE" dirty="0" err="1"/>
-              <a:t>based</a:t>
-            </a:r>
-            <a:r>
-              <a:rPr lang="de-DE" dirty="0"/>
-              <a:t> </a:t>
-            </a:r>
-            <a:r>
-              <a:rPr lang="de-DE" dirty="0" err="1"/>
-              <a:t>data</a:t>
-            </a:r>
-            <a:r>
-              <a:rPr lang="de-DE" dirty="0"/>
-              <a:t> </a:t>
-            </a:r>
-            <a:r>
-              <a:rPr lang="de-DE" dirty="0" err="1"/>
-              <a:t>access</a:t>
-            </a:r>
-            <a:r>
-              <a:rPr lang="de-DE" dirty="0"/>
-              <a:t> </a:t>
-            </a:r>
-            <a:r>
-              <a:rPr lang="de-DE" dirty="0" err="1"/>
-              <a:t>layers</a:t>
-            </a:r>
-            <a:r>
-              <a:rPr lang="de-DE" dirty="0"/>
-              <a:t>. </a:t>
-            </a:r>
-            <a:r>
-              <a:rPr lang="de-DE" dirty="0" err="1"/>
-              <a:t>It</a:t>
-            </a:r>
-            <a:r>
-              <a:rPr lang="de-DE" dirty="0"/>
-              <a:t> </a:t>
-            </a:r>
-            <a:r>
-              <a:rPr lang="de-DE" dirty="0" err="1"/>
-              <a:t>makes</a:t>
-            </a:r>
-            <a:r>
-              <a:rPr lang="de-DE" dirty="0"/>
-              <a:t> </a:t>
-            </a:r>
-            <a:r>
-              <a:rPr lang="de-DE" dirty="0" err="1"/>
-              <a:t>it</a:t>
-            </a:r>
-            <a:r>
-              <a:rPr lang="de-DE" dirty="0"/>
-              <a:t> </a:t>
-            </a:r>
-            <a:r>
-              <a:rPr lang="de-DE" dirty="0" err="1"/>
-              <a:t>easier</a:t>
-            </a:r>
-            <a:r>
-              <a:rPr lang="de-DE" dirty="0"/>
-              <a:t> </a:t>
-            </a:r>
-            <a:r>
-              <a:rPr lang="de-DE" dirty="0" err="1"/>
-              <a:t>to</a:t>
-            </a:r>
-            <a:r>
-              <a:rPr lang="de-DE" dirty="0"/>
-              <a:t> </a:t>
-            </a:r>
-            <a:r>
-              <a:rPr lang="de-DE" dirty="0" err="1"/>
-              <a:t>build</a:t>
-            </a:r>
-            <a:r>
-              <a:rPr lang="de-DE" dirty="0"/>
-              <a:t> Spring-</a:t>
-            </a:r>
-            <a:r>
-              <a:rPr lang="de-DE" dirty="0" err="1"/>
-              <a:t>powered</a:t>
-            </a:r>
-            <a:r>
-              <a:rPr lang="de-DE" dirty="0"/>
-              <a:t> </a:t>
-            </a:r>
-            <a:r>
-              <a:rPr lang="de-DE" dirty="0" err="1"/>
-              <a:t>applications</a:t>
-            </a:r>
-            <a:r>
-              <a:rPr lang="de-DE" dirty="0"/>
-              <a:t> </a:t>
-            </a:r>
-            <a:r>
-              <a:rPr lang="de-DE" dirty="0" err="1"/>
-              <a:t>that</a:t>
-            </a:r>
-            <a:r>
-              <a:rPr lang="de-DE" dirty="0"/>
-              <a:t> </a:t>
-            </a:r>
-            <a:r>
-              <a:rPr lang="de-DE" dirty="0" err="1"/>
-              <a:t>use</a:t>
-            </a:r>
-            <a:r>
-              <a:rPr lang="de-DE" dirty="0"/>
-              <a:t> </a:t>
-            </a:r>
-            <a:r>
-              <a:rPr lang="de-DE" dirty="0" err="1"/>
-              <a:t>data</a:t>
-            </a:r>
-            <a:r>
-              <a:rPr lang="de-DE" dirty="0"/>
-              <a:t> </a:t>
-            </a:r>
-            <a:r>
-              <a:rPr lang="de-DE" dirty="0" err="1"/>
-              <a:t>access</a:t>
-            </a:r>
-            <a:r>
-              <a:rPr lang="de-DE" dirty="0"/>
-              <a:t> </a:t>
-            </a:r>
-            <a:r>
-              <a:rPr lang="de-DE" dirty="0" err="1"/>
-              <a:t>technologies</a:t>
-            </a:r>
-            <a:r>
-              <a:rPr lang="de-DE" dirty="0"/>
-              <a:t>.</a:t>
+              <a:t> back-end</a:t>
             </a:r>
           </a:p>
           <a:p>
+            <a:r>
+              <a:rPr lang="de-DE" dirty="0"/>
+              <a:t>Persistent </a:t>
+            </a:r>
+            <a:r>
+              <a:rPr lang="de-DE" dirty="0" err="1"/>
+              <a:t>data</a:t>
+            </a:r>
             <a:endParaRPr lang="de-DE" dirty="0"/>
+          </a:p>
+          <a:p>
+            <a:r>
+              <a:rPr lang="de-DE" dirty="0" err="1"/>
+              <a:t>Simplify</a:t>
+            </a:r>
+            <a:r>
+              <a:rPr lang="de-DE" dirty="0"/>
+              <a:t> </a:t>
+            </a:r>
+            <a:r>
+              <a:rPr lang="de-DE" dirty="0" err="1"/>
+              <a:t>development</a:t>
+            </a:r>
+            <a:endParaRPr lang="de-DE" dirty="0"/>
+          </a:p>
+          <a:p>
+            <a:r>
+              <a:rPr lang="de-DE" dirty="0"/>
+              <a:t>Enhanced </a:t>
+            </a:r>
+            <a:r>
+              <a:rPr lang="de-DE" dirty="0" err="1"/>
+              <a:t>support</a:t>
+            </a:r>
+            <a:r>
+              <a:rPr lang="de-DE" dirty="0"/>
+              <a:t> </a:t>
+            </a:r>
+            <a:r>
+              <a:rPr lang="de-DE" dirty="0" err="1"/>
+              <a:t>for</a:t>
+            </a:r>
+            <a:r>
+              <a:rPr lang="de-DE" dirty="0"/>
+              <a:t> JPA</a:t>
+            </a:r>
           </a:p>
         </p:txBody>
       </p:sp>
@@ -13837,20 +21509,12 @@
         <p:spPr/>
         <p:txBody>
           <a:bodyPr>
-            <a:normAutofit fontScale="92500" lnSpcReduction="20000"/>
+            <a:normAutofit fontScale="92500"/>
           </a:bodyPr>
           <a:lstStyle/>
           <a:p>
             <a:r>
               <a:rPr lang="de-DE" dirty="0" err="1"/>
-              <a:t>Sophisticated</a:t>
-            </a:r>
-            <a:r>
-              <a:rPr lang="de-DE" dirty="0"/>
-              <a:t> </a:t>
-            </a:r>
-            <a:r>
-              <a:rPr lang="de-DE" dirty="0" err="1"/>
               <a:t>support</a:t>
             </a:r>
             <a:r>
@@ -13912,10 +21576,8 @@
               <a:t> </a:t>
             </a:r>
             <a:r>
-              <a:rPr lang="de-DE" dirty="0">
-                <a:hlinkClick r:id="rId2"/>
-              </a:rPr>
-              <a:t>Querydsl</a:t>
+              <a:rPr lang="de-DE" dirty="0" err="1"/>
+              <a:t>query</a:t>
             </a:r>
             <a:r>
               <a:rPr lang="de-DE" dirty="0"/>
@@ -13953,136 +21615,85 @@
           </a:p>
           <a:p>
             <a:r>
-              <a:rPr lang="de-DE" dirty="0"/>
-              <a:t>Transparent </a:t>
-            </a:r>
-            <a:r>
-              <a:rPr lang="de-DE" dirty="0" err="1"/>
-              <a:t>auditing</a:t>
-            </a:r>
-            <a:r>
-              <a:rPr lang="de-DE" dirty="0"/>
-              <a:t> </a:t>
-            </a:r>
-            <a:r>
-              <a:rPr lang="de-DE" dirty="0" err="1"/>
-              <a:t>of</a:t>
-            </a:r>
-            <a:r>
-              <a:rPr lang="de-DE" dirty="0"/>
-              <a:t> </a:t>
-            </a:r>
-            <a:r>
-              <a:rPr lang="de-DE" dirty="0" err="1"/>
-              <a:t>domain</a:t>
-            </a:r>
-            <a:r>
-              <a:rPr lang="de-DE" dirty="0"/>
-              <a:t> </a:t>
-            </a:r>
-            <a:r>
-              <a:rPr lang="de-DE" dirty="0" err="1"/>
-              <a:t>class</a:t>
+              <a:rPr lang="de-DE" dirty="0" err="1"/>
+              <a:t>dynamic</a:t>
+            </a:r>
+            <a:r>
+              <a:rPr lang="de-DE" dirty="0"/>
+              <a:t> </a:t>
+            </a:r>
+            <a:r>
+              <a:rPr lang="de-DE" dirty="0" err="1"/>
+              <a:t>query</a:t>
+            </a:r>
+            <a:r>
+              <a:rPr lang="de-DE" dirty="0"/>
+              <a:t> </a:t>
+            </a:r>
+            <a:r>
+              <a:rPr lang="de-DE" dirty="0" err="1"/>
+              <a:t>execution</a:t>
+            </a:r>
+            <a:r>
+              <a:rPr lang="de-DE" dirty="0"/>
+              <a:t>, </a:t>
+            </a:r>
+            <a:r>
+              <a:rPr lang="de-DE" dirty="0" err="1"/>
+              <a:t>ability</a:t>
+            </a:r>
+            <a:r>
+              <a:rPr lang="de-DE" dirty="0"/>
+              <a:t> </a:t>
+            </a:r>
+            <a:r>
+              <a:rPr lang="de-DE" dirty="0" err="1"/>
+              <a:t>to</a:t>
+            </a:r>
+            <a:r>
+              <a:rPr lang="de-DE" dirty="0"/>
+              <a:t> </a:t>
+            </a:r>
+            <a:r>
+              <a:rPr lang="de-DE" dirty="0" err="1"/>
+              <a:t>integrate</a:t>
+            </a:r>
+            <a:r>
+              <a:rPr lang="de-DE" dirty="0"/>
+              <a:t> </a:t>
+            </a:r>
+            <a:r>
+              <a:rPr lang="de-DE" dirty="0" err="1"/>
+              <a:t>custom</a:t>
+            </a:r>
+            <a:r>
+              <a:rPr lang="de-DE" dirty="0"/>
+              <a:t> </a:t>
+            </a:r>
+            <a:r>
+              <a:rPr lang="de-DE" dirty="0" err="1"/>
+              <a:t>data</a:t>
+            </a:r>
+            <a:r>
+              <a:rPr lang="de-DE" dirty="0"/>
+              <a:t> </a:t>
+            </a:r>
+            <a:r>
+              <a:rPr lang="de-DE" dirty="0" err="1"/>
+              <a:t>access</a:t>
+            </a:r>
+            <a:r>
+              <a:rPr lang="de-DE" dirty="0"/>
+              <a:t> </a:t>
+            </a:r>
+            <a:r>
+              <a:rPr lang="de-DE" dirty="0" err="1"/>
+              <a:t>code</a:t>
             </a:r>
             <a:endParaRPr lang="de-DE" dirty="0"/>
           </a:p>
           <a:p>
             <a:r>
-              <a:rPr lang="de-DE" dirty="0" err="1"/>
-              <a:t>Pagination</a:t>
-            </a:r>
-            <a:r>
-              <a:rPr lang="de-DE" dirty="0"/>
-              <a:t> </a:t>
-            </a:r>
-            <a:r>
-              <a:rPr lang="de-DE" dirty="0" err="1"/>
-              <a:t>support</a:t>
-            </a:r>
-            <a:r>
-              <a:rPr lang="de-DE" dirty="0"/>
-              <a:t>, </a:t>
-            </a:r>
-            <a:r>
-              <a:rPr lang="de-DE" dirty="0" err="1"/>
-              <a:t>dynamic</a:t>
-            </a:r>
-            <a:r>
-              <a:rPr lang="de-DE" dirty="0"/>
-              <a:t> </a:t>
-            </a:r>
-            <a:r>
-              <a:rPr lang="de-DE" dirty="0" err="1"/>
-              <a:t>query</a:t>
-            </a:r>
-            <a:r>
-              <a:rPr lang="de-DE" dirty="0"/>
-              <a:t> </a:t>
-            </a:r>
-            <a:r>
-              <a:rPr lang="de-DE" dirty="0" err="1"/>
-              <a:t>execution</a:t>
-            </a:r>
-            <a:r>
-              <a:rPr lang="de-DE" dirty="0"/>
-              <a:t>, </a:t>
-            </a:r>
-            <a:r>
-              <a:rPr lang="de-DE" dirty="0" err="1"/>
-              <a:t>ability</a:t>
-            </a:r>
-            <a:r>
-              <a:rPr lang="de-DE" dirty="0"/>
-              <a:t> </a:t>
-            </a:r>
-            <a:r>
-              <a:rPr lang="de-DE" dirty="0" err="1"/>
-              <a:t>to</a:t>
-            </a:r>
-            <a:r>
-              <a:rPr lang="de-DE" dirty="0"/>
-              <a:t> </a:t>
-            </a:r>
-            <a:r>
-              <a:rPr lang="de-DE" dirty="0" err="1"/>
-              <a:t>integrate</a:t>
-            </a:r>
-            <a:r>
-              <a:rPr lang="de-DE" dirty="0"/>
-              <a:t> </a:t>
-            </a:r>
-            <a:r>
-              <a:rPr lang="de-DE" dirty="0" err="1"/>
-              <a:t>custom</a:t>
-            </a:r>
-            <a:r>
-              <a:rPr lang="de-DE" dirty="0"/>
-              <a:t> </a:t>
-            </a:r>
-            <a:r>
-              <a:rPr lang="de-DE" dirty="0" err="1"/>
-              <a:t>data</a:t>
-            </a:r>
-            <a:r>
-              <a:rPr lang="de-DE" dirty="0"/>
-              <a:t> </a:t>
-            </a:r>
-            <a:r>
-              <a:rPr lang="de-DE" dirty="0" err="1"/>
-              <a:t>access</a:t>
-            </a:r>
-            <a:r>
-              <a:rPr lang="de-DE" dirty="0"/>
-              <a:t> </a:t>
-            </a:r>
-            <a:r>
-              <a:rPr lang="de-DE" dirty="0" err="1"/>
-              <a:t>code</a:t>
-            </a:r>
-            <a:endParaRPr lang="de-DE" dirty="0"/>
-          </a:p>
-          <a:p>
-            <a:r>
               <a:rPr lang="de-DE" dirty="0"/>
               <a:t>Validation </a:t>
             </a:r>
@@ -14108,15 +21719,7 @@
             </a:r>
             <a:r>
               <a:rPr lang="de-DE" dirty="0"/>
-              <a:t> at </a:t>
-            </a:r>
-            <a:r>
-              <a:rPr lang="de-DE" dirty="0" err="1"/>
-              <a:t>bootstrap</a:t>
-            </a:r>
-            <a:r>
-              <a:rPr lang="de-DE" dirty="0"/>
-              <a:t> time</a:t>
+              <a:t> </a:t>
             </a:r>
           </a:p>
           <a:p>
@@ -14313,7 +21916,14 @@
           <a:bodyPr/>
           <a:lstStyle/>
           <a:p>
-            <a:endParaRPr lang="de-DE" dirty="0"/>
+            <a:r>
+              <a:rPr lang="de-DE" dirty="0" err="1"/>
+              <a:t>Lets</a:t>
+            </a:r>
+            <a:r>
+              <a:rPr lang="de-DE" dirty="0"/>
+              <a:t>‘ find out!</a:t>
+            </a:r>
           </a:p>
         </p:txBody>
       </p:sp>

--- a/springDataJPA.pptx
+++ b/springDataJPA.pptx
@@ -202,7 +202,7 @@
           <a:p>
             <a:fld id="{1EB88472-3589-6646-8518-A20E27350C23}" type="datetimeFigureOut">
               <a:rPr lang="de-DE" smtClean="0"/>
-              <a:t>09.06.18</a:t>
+              <a:t>10.06.18</a:t>
             </a:fld>
             <a:endParaRPr lang="de-DE"/>
           </a:p>
@@ -8702,6 +8702,274 @@
           <a:bodyPr/>
           <a:lstStyle/>
           <a:p>
+            <a:r>
+              <a:rPr lang="de-DE" dirty="0" err="1"/>
+              <a:t>support</a:t>
+            </a:r>
+            <a:r>
+              <a:rPr lang="de-DE" dirty="0"/>
+              <a:t> </a:t>
+            </a:r>
+            <a:r>
+              <a:rPr lang="de-DE" dirty="0" err="1"/>
+              <a:t>to</a:t>
+            </a:r>
+            <a:r>
+              <a:rPr lang="de-DE" dirty="0"/>
+              <a:t> </a:t>
+            </a:r>
+            <a:r>
+              <a:rPr lang="de-DE" dirty="0" err="1"/>
+              <a:t>build</a:t>
+            </a:r>
+            <a:r>
+              <a:rPr lang="de-DE" dirty="0"/>
+              <a:t> </a:t>
+            </a:r>
+            <a:r>
+              <a:rPr lang="de-DE" dirty="0" err="1"/>
+              <a:t>repositories</a:t>
+            </a:r>
+            <a:r>
+              <a:rPr lang="de-DE" dirty="0"/>
+              <a:t> </a:t>
+            </a:r>
+            <a:r>
+              <a:rPr lang="de-DE" dirty="0" err="1"/>
+              <a:t>based</a:t>
+            </a:r>
+            <a:r>
+              <a:rPr lang="de-DE" dirty="0"/>
+              <a:t> on Spring </a:t>
+            </a:r>
+            <a:r>
+              <a:rPr lang="de-DE" dirty="0" err="1"/>
+              <a:t>and</a:t>
+            </a:r>
+            <a:r>
+              <a:rPr lang="de-DE" dirty="0"/>
+              <a:t> JPA</a:t>
+            </a:r>
+          </a:p>
+          <a:p>
+            <a:r>
+              <a:rPr lang="de-DE" dirty="0"/>
+              <a:t>Support </a:t>
+            </a:r>
+            <a:r>
+              <a:rPr lang="de-DE" dirty="0" err="1"/>
+              <a:t>for</a:t>
+            </a:r>
+            <a:r>
+              <a:rPr lang="de-DE" dirty="0"/>
+              <a:t> </a:t>
+            </a:r>
+            <a:r>
+              <a:rPr lang="de-DE" dirty="0" err="1"/>
+              <a:t>query</a:t>
+            </a:r>
+            <a:r>
+              <a:rPr lang="de-DE" dirty="0"/>
+              <a:t> </a:t>
+            </a:r>
+            <a:r>
+              <a:rPr lang="de-DE" dirty="0" err="1"/>
+              <a:t>predicates</a:t>
+            </a:r>
+            <a:r>
+              <a:rPr lang="de-DE" dirty="0"/>
+              <a:t> </a:t>
+            </a:r>
+            <a:r>
+              <a:rPr lang="de-DE" dirty="0" err="1"/>
+              <a:t>and</a:t>
+            </a:r>
+            <a:r>
+              <a:rPr lang="de-DE" dirty="0"/>
+              <a:t> </a:t>
+            </a:r>
+            <a:r>
+              <a:rPr lang="de-DE" dirty="0" err="1"/>
+              <a:t>thus</a:t>
+            </a:r>
+            <a:r>
+              <a:rPr lang="de-DE" dirty="0"/>
+              <a:t> type-safe JPA </a:t>
+            </a:r>
+            <a:r>
+              <a:rPr lang="de-DE" dirty="0" err="1"/>
+              <a:t>queries</a:t>
+            </a:r>
+            <a:endParaRPr lang="de-DE" dirty="0"/>
+          </a:p>
+          <a:p>
+            <a:r>
+              <a:rPr lang="de-DE" dirty="0" err="1"/>
+              <a:t>dynamic</a:t>
+            </a:r>
+            <a:r>
+              <a:rPr lang="de-DE" dirty="0"/>
+              <a:t> </a:t>
+            </a:r>
+            <a:r>
+              <a:rPr lang="de-DE" dirty="0" err="1"/>
+              <a:t>query</a:t>
+            </a:r>
+            <a:r>
+              <a:rPr lang="de-DE" dirty="0"/>
+              <a:t> </a:t>
+            </a:r>
+            <a:r>
+              <a:rPr lang="de-DE" dirty="0" err="1"/>
+              <a:t>execution</a:t>
+            </a:r>
+            <a:r>
+              <a:rPr lang="de-DE" dirty="0"/>
+              <a:t>, </a:t>
+            </a:r>
+            <a:r>
+              <a:rPr lang="de-DE" dirty="0" err="1"/>
+              <a:t>ability</a:t>
+            </a:r>
+            <a:r>
+              <a:rPr lang="de-DE" dirty="0"/>
+              <a:t> </a:t>
+            </a:r>
+            <a:r>
+              <a:rPr lang="de-DE" dirty="0" err="1"/>
+              <a:t>to</a:t>
+            </a:r>
+            <a:r>
+              <a:rPr lang="de-DE" dirty="0"/>
+              <a:t> </a:t>
+            </a:r>
+            <a:r>
+              <a:rPr lang="de-DE" dirty="0" err="1"/>
+              <a:t>integrate</a:t>
+            </a:r>
+            <a:r>
+              <a:rPr lang="de-DE" dirty="0"/>
+              <a:t> </a:t>
+            </a:r>
+            <a:r>
+              <a:rPr lang="de-DE" dirty="0" err="1"/>
+              <a:t>custom</a:t>
+            </a:r>
+            <a:r>
+              <a:rPr lang="de-DE" dirty="0"/>
+              <a:t> </a:t>
+            </a:r>
+            <a:r>
+              <a:rPr lang="de-DE" dirty="0" err="1"/>
+              <a:t>data</a:t>
+            </a:r>
+            <a:r>
+              <a:rPr lang="de-DE" dirty="0"/>
+              <a:t> </a:t>
+            </a:r>
+            <a:r>
+              <a:rPr lang="de-DE" dirty="0" err="1"/>
+              <a:t>access</a:t>
+            </a:r>
+            <a:r>
+              <a:rPr lang="de-DE" dirty="0"/>
+              <a:t> </a:t>
+            </a:r>
+            <a:r>
+              <a:rPr lang="de-DE" dirty="0" err="1"/>
+              <a:t>code</a:t>
+            </a:r>
+            <a:endParaRPr lang="de-DE" dirty="0"/>
+          </a:p>
+          <a:p>
+            <a:r>
+              <a:rPr lang="de-DE" dirty="0"/>
+              <a:t>Validation </a:t>
+            </a:r>
+            <a:r>
+              <a:rPr lang="de-DE" dirty="0" err="1"/>
+              <a:t>of</a:t>
+            </a:r>
+            <a:r>
+              <a:rPr lang="de-DE" dirty="0"/>
+              <a:t> @Query </a:t>
+            </a:r>
+            <a:r>
+              <a:rPr lang="de-DE" dirty="0" err="1"/>
+              <a:t>annotated</a:t>
+            </a:r>
+            <a:r>
+              <a:rPr lang="de-DE" dirty="0"/>
+              <a:t> </a:t>
+            </a:r>
+            <a:r>
+              <a:rPr lang="de-DE" dirty="0" err="1"/>
+              <a:t>queries</a:t>
+            </a:r>
+            <a:r>
+              <a:rPr lang="de-DE" dirty="0"/>
+              <a:t> </a:t>
+            </a:r>
+          </a:p>
+          <a:p>
+            <a:r>
+              <a:rPr lang="de-DE" dirty="0" err="1"/>
+              <a:t>JavaConfig</a:t>
+            </a:r>
+            <a:r>
+              <a:rPr lang="de-DE" dirty="0"/>
+              <a:t> </a:t>
+            </a:r>
+            <a:r>
+              <a:rPr lang="de-DE" dirty="0" err="1"/>
+              <a:t>based</a:t>
+            </a:r>
+            <a:r>
+              <a:rPr lang="de-DE" dirty="0"/>
+              <a:t> </a:t>
+            </a:r>
+            <a:r>
+              <a:rPr lang="de-DE" dirty="0" err="1"/>
+              <a:t>repository</a:t>
+            </a:r>
+            <a:r>
+              <a:rPr lang="de-DE" dirty="0"/>
+              <a:t> </a:t>
+            </a:r>
+            <a:r>
+              <a:rPr lang="de-DE" dirty="0" err="1"/>
+              <a:t>configuration</a:t>
+            </a:r>
+            <a:r>
+              <a:rPr lang="de-DE" dirty="0"/>
+              <a:t> </a:t>
+            </a:r>
+            <a:r>
+              <a:rPr lang="de-DE" dirty="0" err="1"/>
+              <a:t>by</a:t>
+            </a:r>
+            <a:r>
+              <a:rPr lang="de-DE" dirty="0"/>
+              <a:t> </a:t>
+            </a:r>
+            <a:r>
+              <a:rPr lang="de-DE" dirty="0" err="1"/>
+              <a:t>introducing</a:t>
+            </a:r>
+            <a:r>
+              <a:rPr lang="de-DE" dirty="0"/>
+              <a:t> @</a:t>
+            </a:r>
+            <a:r>
+              <a:rPr lang="de-DE" dirty="0" err="1"/>
+              <a:t>EnableJpaRepositories</a:t>
+            </a:r>
+            <a:r>
+              <a:rPr lang="de-DE" dirty="0"/>
+              <a:t>.</a:t>
+            </a:r>
+          </a:p>
+          <a:p>
             <a:endParaRPr lang="de-DE" dirty="0"/>
           </a:p>
         </p:txBody>
@@ -8792,7 +9060,7 @@
           <a:noFill/>
           <a:extLst>
             <a:ext uri="{909E8E84-426E-40dd-AFC4-6F175D3DCCD1}">
-              <a14:hiddenFill xmlns="" xmlns:a14="http://schemas.microsoft.com/office/drawing/2010/main">
+              <a14:hiddenFill xmlns:a14="http://schemas.microsoft.com/office/drawing/2010/main" xmlns="">
                 <a:solidFill>
                   <a:srgbClr val="FFFFFF"/>
                 </a:solidFill>
@@ -8852,7 +9120,7 @@
             </a:ln>
             <a:extLst>
               <a:ext uri="{91240B29-F687-4f45-9708-019B960494DF}">
-                <a14:hiddenLine xmlns="" xmlns:a14="http://schemas.microsoft.com/office/drawing/2010/main" w="9525">
+                <a14:hiddenLine xmlns:a14="http://schemas.microsoft.com/office/drawing/2010/main" xmlns="" w="9525">
                   <a:solidFill>
                     <a:srgbClr val="000000"/>
                   </a:solidFill>
@@ -8942,7 +9210,7 @@
             </a:ln>
             <a:extLst>
               <a:ext uri="{91240B29-F687-4f45-9708-019B960494DF}">
-                <a14:hiddenLine xmlns="" xmlns:a14="http://schemas.microsoft.com/office/drawing/2010/main" w="9525">
+                <a14:hiddenLine xmlns:a14="http://schemas.microsoft.com/office/drawing/2010/main" xmlns="" w="9525">
                   <a:solidFill>
                     <a:srgbClr val="000000"/>
                   </a:solidFill>
@@ -9032,7 +9300,7 @@
             </a:ln>
             <a:extLst>
               <a:ext uri="{91240B29-F687-4f45-9708-019B960494DF}">
-                <a14:hiddenLine xmlns="" xmlns:a14="http://schemas.microsoft.com/office/drawing/2010/main" w="9525">
+                <a14:hiddenLine xmlns:a14="http://schemas.microsoft.com/office/drawing/2010/main" xmlns="" w="9525">
                   <a:solidFill>
                     <a:srgbClr val="000000"/>
                   </a:solidFill>
@@ -9066,7 +9334,7 @@
             </a:ln>
             <a:extLst>
               <a:ext uri="{91240B29-F687-4f45-9708-019B960494DF}">
-                <a14:hiddenLine xmlns="" xmlns:a14="http://schemas.microsoft.com/office/drawing/2010/main" w="9525">
+                <a14:hiddenLine xmlns:a14="http://schemas.microsoft.com/office/drawing/2010/main" xmlns="" w="9525">
                   <a:solidFill>
                     <a:srgbClr val="000000"/>
                   </a:solidFill>
@@ -9156,7 +9424,7 @@
             </a:ln>
             <a:extLst>
               <a:ext uri="{91240B29-F687-4f45-9708-019B960494DF}">
-                <a14:hiddenLine xmlns="" xmlns:a14="http://schemas.microsoft.com/office/drawing/2010/main" w="9525">
+                <a14:hiddenLine xmlns:a14="http://schemas.microsoft.com/office/drawing/2010/main" xmlns="" w="9525">
                   <a:solidFill>
                     <a:srgbClr val="000000"/>
                   </a:solidFill>
@@ -9218,7 +9486,7 @@
             </a:ln>
             <a:extLst>
               <a:ext uri="{91240B29-F687-4f45-9708-019B960494DF}">
-                <a14:hiddenLine xmlns="" xmlns:a14="http://schemas.microsoft.com/office/drawing/2010/main" w="9525">
+                <a14:hiddenLine xmlns:a14="http://schemas.microsoft.com/office/drawing/2010/main" xmlns="" w="9525">
                   <a:solidFill>
                     <a:srgbClr val="000000"/>
                   </a:solidFill>
@@ -9280,7 +9548,7 @@
             </a:ln>
             <a:extLst>
               <a:ext uri="{91240B29-F687-4f45-9708-019B960494DF}">
-                <a14:hiddenLine xmlns="" xmlns:a14="http://schemas.microsoft.com/office/drawing/2010/main" w="9525">
+                <a14:hiddenLine xmlns:a14="http://schemas.microsoft.com/office/drawing/2010/main" xmlns="" w="9525">
                   <a:solidFill>
                     <a:srgbClr val="000000"/>
                   </a:solidFill>
@@ -9370,7 +9638,7 @@
             </a:ln>
             <a:extLst>
               <a:ext uri="{91240B29-F687-4f45-9708-019B960494DF}">
-                <a14:hiddenLine xmlns="" xmlns:a14="http://schemas.microsoft.com/office/drawing/2010/main" w="9525">
+                <a14:hiddenLine xmlns:a14="http://schemas.microsoft.com/office/drawing/2010/main" xmlns="" w="9525">
                   <a:solidFill>
                     <a:srgbClr val="000000"/>
                   </a:solidFill>
@@ -9432,7 +9700,7 @@
             </a:ln>
             <a:extLst>
               <a:ext uri="{91240B29-F687-4f45-9708-019B960494DF}">
-                <a14:hiddenLine xmlns="" xmlns:a14="http://schemas.microsoft.com/office/drawing/2010/main" w="9525">
+                <a14:hiddenLine xmlns:a14="http://schemas.microsoft.com/office/drawing/2010/main" xmlns="" w="9525">
                   <a:solidFill>
                     <a:srgbClr val="000000"/>
                   </a:solidFill>
@@ -9494,7 +9762,7 @@
             </a:ln>
             <a:extLst>
               <a:ext uri="{91240B29-F687-4f45-9708-019B960494DF}">
-                <a14:hiddenLine xmlns="" xmlns:a14="http://schemas.microsoft.com/office/drawing/2010/main" w="9525">
+                <a14:hiddenLine xmlns:a14="http://schemas.microsoft.com/office/drawing/2010/main" xmlns="" w="9525">
                   <a:solidFill>
                     <a:srgbClr val="000000"/>
                   </a:solidFill>
@@ -9584,7 +9852,7 @@
             </a:ln>
             <a:extLst>
               <a:ext uri="{91240B29-F687-4f45-9708-019B960494DF}">
-                <a14:hiddenLine xmlns="" xmlns:a14="http://schemas.microsoft.com/office/drawing/2010/main" w="9525">
+                <a14:hiddenLine xmlns:a14="http://schemas.microsoft.com/office/drawing/2010/main" xmlns="" w="9525">
                   <a:solidFill>
                     <a:srgbClr val="000000"/>
                   </a:solidFill>
@@ -9674,7 +9942,7 @@
             </a:ln>
             <a:extLst>
               <a:ext uri="{91240B29-F687-4f45-9708-019B960494DF}">
-                <a14:hiddenLine xmlns="" xmlns:a14="http://schemas.microsoft.com/office/drawing/2010/main" w="9525">
+                <a14:hiddenLine xmlns:a14="http://schemas.microsoft.com/office/drawing/2010/main" xmlns="" w="9525">
                   <a:solidFill>
                     <a:srgbClr val="000000"/>
                   </a:solidFill>
@@ -9736,7 +10004,7 @@
             </a:ln>
             <a:extLst>
               <a:ext uri="{91240B29-F687-4f45-9708-019B960494DF}">
-                <a14:hiddenLine xmlns="" xmlns:a14="http://schemas.microsoft.com/office/drawing/2010/main" w="9525">
+                <a14:hiddenLine xmlns:a14="http://schemas.microsoft.com/office/drawing/2010/main" xmlns="" w="9525">
                   <a:solidFill>
                     <a:srgbClr val="000000"/>
                   </a:solidFill>
@@ -9846,7 +10114,7 @@
             </a:ln>
             <a:extLst>
               <a:ext uri="{91240B29-F687-4f45-9708-019B960494DF}">
-                <a14:hiddenLine xmlns="" xmlns:a14="http://schemas.microsoft.com/office/drawing/2010/main" w="9525">
+                <a14:hiddenLine xmlns:a14="http://schemas.microsoft.com/office/drawing/2010/main" xmlns="" w="9525">
                   <a:solidFill>
                     <a:srgbClr val="000000"/>
                   </a:solidFill>
@@ -9908,7 +10176,7 @@
             </a:ln>
             <a:extLst>
               <a:ext uri="{91240B29-F687-4f45-9708-019B960494DF}">
-                <a14:hiddenLine xmlns="" xmlns:a14="http://schemas.microsoft.com/office/drawing/2010/main" w="9525">
+                <a14:hiddenLine xmlns:a14="http://schemas.microsoft.com/office/drawing/2010/main" xmlns="" w="9525">
                   <a:solidFill>
                     <a:srgbClr val="000000"/>
                   </a:solidFill>
@@ -9998,7 +10266,7 @@
             </a:ln>
             <a:extLst>
               <a:ext uri="{91240B29-F687-4f45-9708-019B960494DF}">
-                <a14:hiddenLine xmlns="" xmlns:a14="http://schemas.microsoft.com/office/drawing/2010/main" w="9525">
+                <a14:hiddenLine xmlns:a14="http://schemas.microsoft.com/office/drawing/2010/main" xmlns="" w="9525">
                   <a:solidFill>
                     <a:srgbClr val="000000"/>
                   </a:solidFill>
@@ -10088,7 +10356,7 @@
             </a:ln>
             <a:extLst>
               <a:ext uri="{91240B29-F687-4f45-9708-019B960494DF}">
-                <a14:hiddenLine xmlns="" xmlns:a14="http://schemas.microsoft.com/office/drawing/2010/main" w="9525">
+                <a14:hiddenLine xmlns:a14="http://schemas.microsoft.com/office/drawing/2010/main" xmlns="" w="9525">
                   <a:solidFill>
                     <a:srgbClr val="000000"/>
                   </a:solidFill>
@@ -10150,7 +10418,7 @@
             </a:ln>
             <a:extLst>
               <a:ext uri="{91240B29-F687-4f45-9708-019B960494DF}">
-                <a14:hiddenLine xmlns="" xmlns:a14="http://schemas.microsoft.com/office/drawing/2010/main" w="9525">
+                <a14:hiddenLine xmlns:a14="http://schemas.microsoft.com/office/drawing/2010/main" xmlns="" w="9525">
                   <a:solidFill>
                     <a:srgbClr val="000000"/>
                   </a:solidFill>
@@ -10240,7 +10508,7 @@
             </a:ln>
             <a:extLst>
               <a:ext uri="{91240B29-F687-4f45-9708-019B960494DF}">
-                <a14:hiddenLine xmlns="" xmlns:a14="http://schemas.microsoft.com/office/drawing/2010/main" w="9525">
+                <a14:hiddenLine xmlns:a14="http://schemas.microsoft.com/office/drawing/2010/main" xmlns="" w="9525">
                   <a:solidFill>
                     <a:srgbClr val="000000"/>
                   </a:solidFill>
@@ -10330,7 +10598,7 @@
             </a:ln>
             <a:extLst>
               <a:ext uri="{91240B29-F687-4f45-9708-019B960494DF}">
-                <a14:hiddenLine xmlns="" xmlns:a14="http://schemas.microsoft.com/office/drawing/2010/main" w="9525">
+                <a14:hiddenLine xmlns:a14="http://schemas.microsoft.com/office/drawing/2010/main" xmlns="" w="9525">
                   <a:solidFill>
                     <a:srgbClr val="000000"/>
                   </a:solidFill>
@@ -10386,7 +10654,7 @@
             </a:ln>
             <a:extLst>
               <a:ext uri="{91240B29-F687-4f45-9708-019B960494DF}">
-                <a14:hiddenLine xmlns="" xmlns:a14="http://schemas.microsoft.com/office/drawing/2010/main" w="9525">
+                <a14:hiddenLine xmlns:a14="http://schemas.microsoft.com/office/drawing/2010/main" xmlns="" w="9525">
                   <a:solidFill>
                     <a:srgbClr val="000000"/>
                   </a:solidFill>
@@ -10476,7 +10744,7 @@
             </a:ln>
             <a:extLst>
               <a:ext uri="{91240B29-F687-4f45-9708-019B960494DF}">
-                <a14:hiddenLine xmlns="" xmlns:a14="http://schemas.microsoft.com/office/drawing/2010/main" w="9525">
+                <a14:hiddenLine xmlns:a14="http://schemas.microsoft.com/office/drawing/2010/main" xmlns="" w="9525">
                   <a:solidFill>
                     <a:srgbClr val="000000"/>
                   </a:solidFill>
@@ -10532,7 +10800,7 @@
             </a:ln>
             <a:extLst>
               <a:ext uri="{91240B29-F687-4f45-9708-019B960494DF}">
-                <a14:hiddenLine xmlns="" xmlns:a14="http://schemas.microsoft.com/office/drawing/2010/main" w="9525">
+                <a14:hiddenLine xmlns:a14="http://schemas.microsoft.com/office/drawing/2010/main" xmlns="" w="9525">
                   <a:solidFill>
                     <a:srgbClr val="000000"/>
                   </a:solidFill>
@@ -10622,7 +10890,7 @@
             </a:ln>
             <a:extLst>
               <a:ext uri="{91240B29-F687-4f45-9708-019B960494DF}">
-                <a14:hiddenLine xmlns="" xmlns:a14="http://schemas.microsoft.com/office/drawing/2010/main" w="9525">
+                <a14:hiddenLine xmlns:a14="http://schemas.microsoft.com/office/drawing/2010/main" xmlns="" w="9525">
                   <a:solidFill>
                     <a:srgbClr val="000000"/>
                   </a:solidFill>
@@ -10690,7 +10958,7 @@
             </a:ln>
             <a:extLst>
               <a:ext uri="{91240B29-F687-4f45-9708-019B960494DF}">
-                <a14:hiddenLine xmlns="" xmlns:a14="http://schemas.microsoft.com/office/drawing/2010/main" w="9525">
+                <a14:hiddenLine xmlns:a14="http://schemas.microsoft.com/office/drawing/2010/main" xmlns="" w="9525">
                   <a:solidFill>
                     <a:srgbClr val="000000"/>
                   </a:solidFill>
@@ -10780,7 +11048,7 @@
             </a:ln>
             <a:extLst>
               <a:ext uri="{91240B29-F687-4f45-9708-019B960494DF}">
-                <a14:hiddenLine xmlns="" xmlns:a14="http://schemas.microsoft.com/office/drawing/2010/main" w="9525">
+                <a14:hiddenLine xmlns:a14="http://schemas.microsoft.com/office/drawing/2010/main" xmlns="" w="9525">
                   <a:solidFill>
                     <a:srgbClr val="000000"/>
                   </a:solidFill>
@@ -10848,7 +11116,7 @@
             </a:ln>
             <a:extLst>
               <a:ext uri="{91240B29-F687-4f45-9708-019B960494DF}">
-                <a14:hiddenLine xmlns="" xmlns:a14="http://schemas.microsoft.com/office/drawing/2010/main" w="9525">
+                <a14:hiddenLine xmlns:a14="http://schemas.microsoft.com/office/drawing/2010/main" xmlns="" w="9525">
                   <a:solidFill>
                     <a:srgbClr val="000000"/>
                   </a:solidFill>
@@ -10938,7 +11206,7 @@
             </a:ln>
             <a:extLst>
               <a:ext uri="{91240B29-F687-4f45-9708-019B960494DF}">
-                <a14:hiddenLine xmlns="" xmlns:a14="http://schemas.microsoft.com/office/drawing/2010/main" w="9525">
+                <a14:hiddenLine xmlns:a14="http://schemas.microsoft.com/office/drawing/2010/main" xmlns="" w="9525">
                   <a:solidFill>
                     <a:srgbClr val="000000"/>
                   </a:solidFill>
@@ -10972,7 +11240,7 @@
             </a:ln>
             <a:extLst>
               <a:ext uri="{91240B29-F687-4f45-9708-019B960494DF}">
-                <a14:hiddenLine xmlns="" xmlns:a14="http://schemas.microsoft.com/office/drawing/2010/main" w="9525">
+                <a14:hiddenLine xmlns:a14="http://schemas.microsoft.com/office/drawing/2010/main" xmlns="" w="9525">
                   <a:solidFill>
                     <a:srgbClr val="000000"/>
                   </a:solidFill>
@@ -11062,7 +11330,7 @@
             </a:ln>
             <a:extLst>
               <a:ext uri="{91240B29-F687-4f45-9708-019B960494DF}">
-                <a14:hiddenLine xmlns="" xmlns:a14="http://schemas.microsoft.com/office/drawing/2010/main" w="9525">
+                <a14:hiddenLine xmlns:a14="http://schemas.microsoft.com/office/drawing/2010/main" xmlns="" w="9525">
                   <a:solidFill>
                     <a:srgbClr val="000000"/>
                   </a:solidFill>
@@ -11124,7 +11392,7 @@
             </a:ln>
             <a:extLst>
               <a:ext uri="{91240B29-F687-4f45-9708-019B960494DF}">
-                <a14:hiddenLine xmlns="" xmlns:a14="http://schemas.microsoft.com/office/drawing/2010/main" w="9525">
+                <a14:hiddenLine xmlns:a14="http://schemas.microsoft.com/office/drawing/2010/main" xmlns="" w="9525">
                   <a:solidFill>
                     <a:srgbClr val="000000"/>
                   </a:solidFill>
@@ -11186,7 +11454,7 @@
             </a:ln>
             <a:extLst>
               <a:ext uri="{91240B29-F687-4f45-9708-019B960494DF}">
-                <a14:hiddenLine xmlns="" xmlns:a14="http://schemas.microsoft.com/office/drawing/2010/main" w="9525">
+                <a14:hiddenLine xmlns:a14="http://schemas.microsoft.com/office/drawing/2010/main" xmlns="" w="9525">
                   <a:solidFill>
                     <a:srgbClr val="000000"/>
                   </a:solidFill>
@@ -11276,7 +11544,7 @@
             </a:ln>
             <a:extLst>
               <a:ext uri="{91240B29-F687-4f45-9708-019B960494DF}">
-                <a14:hiddenLine xmlns="" xmlns:a14="http://schemas.microsoft.com/office/drawing/2010/main" w="9525">
+                <a14:hiddenLine xmlns:a14="http://schemas.microsoft.com/office/drawing/2010/main" xmlns="" w="9525">
                   <a:solidFill>
                     <a:srgbClr val="000000"/>
                   </a:solidFill>
@@ -11344,7 +11612,7 @@
             </a:ln>
             <a:extLst>
               <a:ext uri="{91240B29-F687-4f45-9708-019B960494DF}">
-                <a14:hiddenLine xmlns="" xmlns:a14="http://schemas.microsoft.com/office/drawing/2010/main" w="9525">
+                <a14:hiddenLine xmlns:a14="http://schemas.microsoft.com/office/drawing/2010/main" xmlns="" w="9525">
                   <a:solidFill>
                     <a:srgbClr val="000000"/>
                   </a:solidFill>
@@ -11406,7 +11674,7 @@
             </a:ln>
             <a:extLst>
               <a:ext uri="{91240B29-F687-4f45-9708-019B960494DF}">
-                <a14:hiddenLine xmlns="" xmlns:a14="http://schemas.microsoft.com/office/drawing/2010/main" w="9525">
+                <a14:hiddenLine xmlns:a14="http://schemas.microsoft.com/office/drawing/2010/main" xmlns="" w="9525">
                   <a:solidFill>
                     <a:srgbClr val="000000"/>
                   </a:solidFill>
@@ -11496,7 +11764,7 @@
             </a:ln>
             <a:extLst>
               <a:ext uri="{91240B29-F687-4f45-9708-019B960494DF}">
-                <a14:hiddenLine xmlns="" xmlns:a14="http://schemas.microsoft.com/office/drawing/2010/main" w="9525">
+                <a14:hiddenLine xmlns:a14="http://schemas.microsoft.com/office/drawing/2010/main" xmlns="" w="9525">
                   <a:solidFill>
                     <a:srgbClr val="000000"/>
                   </a:solidFill>
@@ -11558,7 +11826,7 @@
             </a:ln>
             <a:extLst>
               <a:ext uri="{91240B29-F687-4f45-9708-019B960494DF}">
-                <a14:hiddenLine xmlns="" xmlns:a14="http://schemas.microsoft.com/office/drawing/2010/main" w="9525">
+                <a14:hiddenLine xmlns:a14="http://schemas.microsoft.com/office/drawing/2010/main" xmlns="" w="9525">
                   <a:solidFill>
                     <a:srgbClr val="000000"/>
                   </a:solidFill>
@@ -11648,7 +11916,7 @@
             </a:ln>
             <a:extLst>
               <a:ext uri="{91240B29-F687-4f45-9708-019B960494DF}">
-                <a14:hiddenLine xmlns="" xmlns:a14="http://schemas.microsoft.com/office/drawing/2010/main" w="9525">
+                <a14:hiddenLine xmlns:a14="http://schemas.microsoft.com/office/drawing/2010/main" xmlns="" w="9525">
                   <a:solidFill>
                     <a:srgbClr val="000000"/>
                   </a:solidFill>
@@ -11710,7 +11978,7 @@
             </a:ln>
             <a:extLst>
               <a:ext uri="{91240B29-F687-4f45-9708-019B960494DF}">
-                <a14:hiddenLine xmlns="" xmlns:a14="http://schemas.microsoft.com/office/drawing/2010/main" w="9525">
+                <a14:hiddenLine xmlns:a14="http://schemas.microsoft.com/office/drawing/2010/main" xmlns="" w="9525">
                   <a:solidFill>
                     <a:srgbClr val="000000"/>
                   </a:solidFill>
@@ -11800,7 +12068,7 @@
             </a:ln>
             <a:extLst>
               <a:ext uri="{91240B29-F687-4f45-9708-019B960494DF}">
-                <a14:hiddenLine xmlns="" xmlns:a14="http://schemas.microsoft.com/office/drawing/2010/main" w="9525">
+                <a14:hiddenLine xmlns:a14="http://schemas.microsoft.com/office/drawing/2010/main" xmlns="" w="9525">
                   <a:solidFill>
                     <a:srgbClr val="000000"/>
                   </a:solidFill>
@@ -11834,7 +12102,7 @@
             </a:ln>
             <a:extLst>
               <a:ext uri="{91240B29-F687-4f45-9708-019B960494DF}">
-                <a14:hiddenLine xmlns="" xmlns:a14="http://schemas.microsoft.com/office/drawing/2010/main" w="9525">
+                <a14:hiddenLine xmlns:a14="http://schemas.microsoft.com/office/drawing/2010/main" xmlns="" w="9525">
                   <a:solidFill>
                     <a:srgbClr val="000000"/>
                   </a:solidFill>
@@ -11899,7 +12167,7 @@
             </a:ln>
             <a:extLst>
               <a:ext uri="{91240B29-F687-4f45-9708-019B960494DF}">
-                <a14:hiddenLine xmlns="" xmlns:a14="http://schemas.microsoft.com/office/drawing/2010/main" w="9525">
+                <a14:hiddenLine xmlns:a14="http://schemas.microsoft.com/office/drawing/2010/main" xmlns="" w="9525">
                   <a:solidFill>
                     <a:srgbClr val="000000"/>
                   </a:solidFill>
@@ -11989,7 +12257,7 @@
             </a:ln>
             <a:extLst>
               <a:ext uri="{91240B29-F687-4f45-9708-019B960494DF}">
-                <a14:hiddenLine xmlns="" xmlns:a14="http://schemas.microsoft.com/office/drawing/2010/main" w="9525">
+                <a14:hiddenLine xmlns:a14="http://schemas.microsoft.com/office/drawing/2010/main" xmlns="" w="9525">
                   <a:solidFill>
                     <a:srgbClr val="000000"/>
                   </a:solidFill>
@@ -12051,7 +12319,7 @@
             </a:ln>
             <a:extLst>
               <a:ext uri="{91240B29-F687-4f45-9708-019B960494DF}">
-                <a14:hiddenLine xmlns="" xmlns:a14="http://schemas.microsoft.com/office/drawing/2010/main" w="9525">
+                <a14:hiddenLine xmlns:a14="http://schemas.microsoft.com/office/drawing/2010/main" xmlns="" w="9525">
                   <a:solidFill>
                     <a:srgbClr val="000000"/>
                   </a:solidFill>
@@ -12141,7 +12409,7 @@
             </a:ln>
             <a:extLst>
               <a:ext uri="{91240B29-F687-4f45-9708-019B960494DF}">
-                <a14:hiddenLine xmlns="" xmlns:a14="http://schemas.microsoft.com/office/drawing/2010/main" w="9525">
+                <a14:hiddenLine xmlns:a14="http://schemas.microsoft.com/office/drawing/2010/main" xmlns="" w="9525">
                   <a:solidFill>
                     <a:srgbClr val="000000"/>
                   </a:solidFill>
@@ -12231,7 +12499,7 @@
             </a:ln>
             <a:extLst>
               <a:ext uri="{91240B29-F687-4f45-9708-019B960494DF}">
-                <a14:hiddenLine xmlns="" xmlns:a14="http://schemas.microsoft.com/office/drawing/2010/main" w="9525">
+                <a14:hiddenLine xmlns:a14="http://schemas.microsoft.com/office/drawing/2010/main" xmlns="" w="9525">
                   <a:solidFill>
                     <a:srgbClr val="000000"/>
                   </a:solidFill>
@@ -12296,7 +12564,7 @@
             </a:ln>
             <a:extLst>
               <a:ext uri="{91240B29-F687-4f45-9708-019B960494DF}">
-                <a14:hiddenLine xmlns="" xmlns:a14="http://schemas.microsoft.com/office/drawing/2010/main" w="9525">
+                <a14:hiddenLine xmlns:a14="http://schemas.microsoft.com/office/drawing/2010/main" xmlns="" w="9525">
                   <a:solidFill>
                     <a:srgbClr val="000000"/>
                   </a:solidFill>
@@ -12358,7 +12626,7 @@
             </a:ln>
             <a:extLst>
               <a:ext uri="{91240B29-F687-4f45-9708-019B960494DF}">
-                <a14:hiddenLine xmlns="" xmlns:a14="http://schemas.microsoft.com/office/drawing/2010/main" w="9525">
+                <a14:hiddenLine xmlns:a14="http://schemas.microsoft.com/office/drawing/2010/main" xmlns="" w="9525">
                   <a:solidFill>
                     <a:srgbClr val="000000"/>
                   </a:solidFill>
@@ -12448,7 +12716,7 @@
             </a:ln>
             <a:extLst>
               <a:ext uri="{91240B29-F687-4f45-9708-019B960494DF}">
-                <a14:hiddenLine xmlns="" xmlns:a14="http://schemas.microsoft.com/office/drawing/2010/main" w="9525">
+                <a14:hiddenLine xmlns:a14="http://schemas.microsoft.com/office/drawing/2010/main" xmlns="" w="9525">
                   <a:solidFill>
                     <a:srgbClr val="000000"/>
                   </a:solidFill>
@@ -12538,7 +12806,7 @@
             </a:ln>
             <a:extLst>
               <a:ext uri="{91240B29-F687-4f45-9708-019B960494DF}">
-                <a14:hiddenLine xmlns="" xmlns:a14="http://schemas.microsoft.com/office/drawing/2010/main" w="9525">
+                <a14:hiddenLine xmlns:a14="http://schemas.microsoft.com/office/drawing/2010/main" xmlns="" w="9525">
                   <a:solidFill>
                     <a:srgbClr val="000000"/>
                   </a:solidFill>
@@ -12600,7 +12868,7 @@
             </a:ln>
             <a:extLst>
               <a:ext uri="{91240B29-F687-4f45-9708-019B960494DF}">
-                <a14:hiddenLine xmlns="" xmlns:a14="http://schemas.microsoft.com/office/drawing/2010/main" w="9525">
+                <a14:hiddenLine xmlns:a14="http://schemas.microsoft.com/office/drawing/2010/main" xmlns="" w="9525">
                   <a:solidFill>
                     <a:srgbClr val="000000"/>
                   </a:solidFill>
@@ -12720,7 +12988,7 @@
             </a:ln>
             <a:extLst>
               <a:ext uri="{91240B29-F687-4f45-9708-019B960494DF}">
-                <a14:hiddenLine xmlns="" xmlns:a14="http://schemas.microsoft.com/office/drawing/2010/main" w="9525">
+                <a14:hiddenLine xmlns:a14="http://schemas.microsoft.com/office/drawing/2010/main" xmlns="" w="9525">
                   <a:solidFill>
                     <a:srgbClr val="000000"/>
                   </a:solidFill>
@@ -12788,7 +13056,7 @@
             </a:ln>
             <a:extLst>
               <a:ext uri="{91240B29-F687-4f45-9708-019B960494DF}">
-                <a14:hiddenLine xmlns="" xmlns:a14="http://schemas.microsoft.com/office/drawing/2010/main" w="9525">
+                <a14:hiddenLine xmlns:a14="http://schemas.microsoft.com/office/drawing/2010/main" xmlns="" w="9525">
                   <a:solidFill>
                     <a:srgbClr val="000000"/>
                   </a:solidFill>
@@ -12878,7 +13146,7 @@
             </a:ln>
             <a:extLst>
               <a:ext uri="{91240B29-F687-4f45-9708-019B960494DF}">
-                <a14:hiddenLine xmlns="" xmlns:a14="http://schemas.microsoft.com/office/drawing/2010/main" w="9525">
+                <a14:hiddenLine xmlns:a14="http://schemas.microsoft.com/office/drawing/2010/main" xmlns="" w="9525">
                   <a:solidFill>
                     <a:srgbClr val="000000"/>
                   </a:solidFill>
@@ -13018,7 +13286,7 @@
           <a:p>
             <a:fld id="{4AAD347D-5ACD-4C99-B74B-A9C85AD731AF}" type="datetimeFigureOut">
               <a:rPr lang="en-US" smtClean="0"/>
-              <a:t>6/9/18</a:t>
+              <a:t>6/10/18</a:t>
             </a:fld>
             <a:endParaRPr lang="en-US" dirty="0"/>
           </a:p>
@@ -13290,7 +13558,7 @@
           <a:p>
             <a:fld id="{4AAD347D-5ACD-4C99-B74B-A9C85AD731AF}" type="datetimeFigureOut">
               <a:rPr lang="en-US" smtClean="0"/>
-              <a:t>6/9/18</a:t>
+              <a:t>6/10/18</a:t>
             </a:fld>
             <a:endParaRPr lang="en-US" dirty="0"/>
           </a:p>
@@ -13492,7 +13760,7 @@
           <a:p>
             <a:fld id="{4AAD347D-5ACD-4C99-B74B-A9C85AD731AF}" type="datetimeFigureOut">
               <a:rPr lang="en-US" smtClean="0"/>
-              <a:t>6/9/18</a:t>
+              <a:t>6/10/18</a:t>
             </a:fld>
             <a:endParaRPr lang="en-US" dirty="0"/>
           </a:p>
@@ -13766,7 +14034,7 @@
           <a:p>
             <a:fld id="{4AAD347D-5ACD-4C99-B74B-A9C85AD731AF}" type="datetimeFigureOut">
               <a:rPr lang="en-US" smtClean="0"/>
-              <a:t>6/9/18</a:t>
+              <a:t>6/10/18</a:t>
             </a:fld>
             <a:endParaRPr lang="en-US" dirty="0"/>
           </a:p>
@@ -14206,7 +14474,7 @@
           <a:p>
             <a:fld id="{4AAD347D-5ACD-4C99-B74B-A9C85AD731AF}" type="datetimeFigureOut">
               <a:rPr lang="en-US" smtClean="0"/>
-              <a:t>6/9/18</a:t>
+              <a:t>6/10/18</a:t>
             </a:fld>
             <a:endParaRPr lang="en-US" dirty="0"/>
           </a:p>
@@ -14783,7 +15051,7 @@
           <a:p>
             <a:fld id="{4AAD347D-5ACD-4C99-B74B-A9C85AD731AF}" type="datetimeFigureOut">
               <a:rPr lang="en-US" smtClean="0"/>
-              <a:t>6/9/18</a:t>
+              <a:t>6/10/18</a:t>
             </a:fld>
             <a:endParaRPr lang="en-US" dirty="0"/>
           </a:p>
@@ -15534,7 +15802,7 @@
           <a:p>
             <a:fld id="{4AAD347D-5ACD-4C99-B74B-A9C85AD731AF}" type="datetimeFigureOut">
               <a:rPr lang="en-US" smtClean="0"/>
-              <a:t>6/9/18</a:t>
+              <a:t>6/10/18</a:t>
             </a:fld>
             <a:endParaRPr lang="en-US" dirty="0"/>
           </a:p>
@@ -15681,7 +15949,7 @@
           <a:p>
             <a:fld id="{4509A250-FF31-4206-8172-F9D3106AACB1}" type="datetimeFigureOut">
               <a:rPr lang="en-US" smtClean="0"/>
-              <a:t>6/9/18</a:t>
+              <a:t>6/10/18</a:t>
             </a:fld>
             <a:endParaRPr lang="en-US" dirty="0"/>
           </a:p>
@@ -15837,7 +16105,7 @@
           <a:p>
             <a:fld id="{4509A250-FF31-4206-8172-F9D3106AACB1}" type="datetimeFigureOut">
               <a:rPr lang="en-US" smtClean="0"/>
-              <a:t>6/9/18</a:t>
+              <a:t>6/10/18</a:t>
             </a:fld>
             <a:endParaRPr lang="en-US" dirty="0"/>
           </a:p>
@@ -15983,7 +16251,7 @@
           <a:p>
             <a:fld id="{4509A250-FF31-4206-8172-F9D3106AACB1}" type="datetimeFigureOut">
               <a:rPr lang="en-US" smtClean="0"/>
-              <a:t>6/9/18</a:t>
+              <a:t>6/10/18</a:t>
             </a:fld>
             <a:endParaRPr lang="en-US" dirty="0"/>
           </a:p>
@@ -16238,7 +16506,7 @@
           <a:p>
             <a:fld id="{9796027F-7875-4030-9381-8BD8C4F21935}" type="datetimeFigureOut">
               <a:rPr lang="en-US" smtClean="0"/>
-              <a:t>6/9/18</a:t>
+              <a:t>6/10/18</a:t>
             </a:fld>
             <a:endParaRPr lang="en-US" dirty="0"/>
           </a:p>
@@ -16422,7 +16690,7 @@
           <a:p>
             <a:fld id="{9796027F-7875-4030-9381-8BD8C4F21935}" type="datetimeFigureOut">
               <a:rPr lang="en-US" smtClean="0"/>
-              <a:t>6/9/18</a:t>
+              <a:t>6/10/18</a:t>
             </a:fld>
             <a:endParaRPr lang="en-US" dirty="0"/>
           </a:p>
@@ -16765,7 +17033,7 @@
           <a:p>
             <a:fld id="{9796027F-7875-4030-9381-8BD8C4F21935}" type="datetimeFigureOut">
               <a:rPr lang="en-US" smtClean="0"/>
-              <a:t>6/9/18</a:t>
+              <a:t>6/10/18</a:t>
             </a:fld>
             <a:endParaRPr lang="en-US" dirty="0"/>
           </a:p>
@@ -16883,7 +17151,7 @@
           <a:p>
             <a:fld id="{4509A250-FF31-4206-8172-F9D3106AACB1}" type="datetimeFigureOut">
               <a:rPr lang="en-US" smtClean="0"/>
-              <a:t>6/9/18</a:t>
+              <a:t>6/10/18</a:t>
             </a:fld>
             <a:endParaRPr lang="en-US" dirty="0"/>
           </a:p>
@@ -16978,7 +17246,7 @@
           <a:p>
             <a:fld id="{4509A250-FF31-4206-8172-F9D3106AACB1}" type="datetimeFigureOut">
               <a:rPr lang="en-US" smtClean="0"/>
-              <a:t>6/9/18</a:t>
+              <a:t>6/10/18</a:t>
             </a:fld>
             <a:endParaRPr lang="en-US" dirty="0"/>
           </a:p>
@@ -17208,7 +17476,7 @@
           <a:p>
             <a:fld id="{4509A250-FF31-4206-8172-F9D3106AACB1}" type="datetimeFigureOut">
               <a:rPr lang="en-US" smtClean="0"/>
-              <a:t>6/9/18</a:t>
+              <a:t>6/10/18</a:t>
             </a:fld>
             <a:endParaRPr lang="en-US" dirty="0"/>
           </a:p>
@@ -17493,7 +17761,7 @@
           <a:p>
             <a:fld id="{4509A250-FF31-4206-8172-F9D3106AACB1}" type="datetimeFigureOut">
               <a:rPr lang="en-US" smtClean="0"/>
-              <a:t>6/9/18</a:t>
+              <a:t>6/10/18</a:t>
             </a:fld>
             <a:endParaRPr lang="en-US" dirty="0"/>
           </a:p>
@@ -17609,7 +17877,7 @@
           <a:noFill/>
           <a:extLst>
             <a:ext uri="{909E8E84-426E-40dd-AFC4-6F175D3DCCD1}">
-              <a14:hiddenFill xmlns="" xmlns:a14="http://schemas.microsoft.com/office/drawing/2010/main">
+              <a14:hiddenFill xmlns:a14="http://schemas.microsoft.com/office/drawing/2010/main" xmlns="">
                 <a:solidFill>
                   <a:srgbClr val="FFFFFF"/>
                 </a:solidFill>
@@ -17683,7 +17951,7 @@
               </a:ln>
               <a:extLst>
                 <a:ext uri="{91240B29-F687-4f45-9708-019B960494DF}">
-                  <a14:hiddenLine xmlns="" xmlns:a14="http://schemas.microsoft.com/office/drawing/2010/main" w="9525">
+                  <a14:hiddenLine xmlns:a14="http://schemas.microsoft.com/office/drawing/2010/main" xmlns="" w="9525">
                     <a:solidFill>
                       <a:srgbClr val="000000"/>
                     </a:solidFill>
@@ -17773,7 +18041,7 @@
               </a:ln>
               <a:extLst>
                 <a:ext uri="{91240B29-F687-4f45-9708-019B960494DF}">
-                  <a14:hiddenLine xmlns="" xmlns:a14="http://schemas.microsoft.com/office/drawing/2010/main" w="9525">
+                  <a14:hiddenLine xmlns:a14="http://schemas.microsoft.com/office/drawing/2010/main" xmlns="" w="9525">
                     <a:solidFill>
                       <a:srgbClr val="000000"/>
                     </a:solidFill>
@@ -17863,7 +18131,7 @@
               </a:ln>
               <a:extLst>
                 <a:ext uri="{91240B29-F687-4f45-9708-019B960494DF}">
-                  <a14:hiddenLine xmlns="" xmlns:a14="http://schemas.microsoft.com/office/drawing/2010/main" w="9525">
+                  <a14:hiddenLine xmlns:a14="http://schemas.microsoft.com/office/drawing/2010/main" xmlns="" w="9525">
                     <a:solidFill>
                       <a:srgbClr val="000000"/>
                     </a:solidFill>
@@ -17925,7 +18193,7 @@
               </a:ln>
               <a:extLst>
                 <a:ext uri="{91240B29-F687-4f45-9708-019B960494DF}">
-                  <a14:hiddenLine xmlns="" xmlns:a14="http://schemas.microsoft.com/office/drawing/2010/main" w="9525">
+                  <a14:hiddenLine xmlns:a14="http://schemas.microsoft.com/office/drawing/2010/main" xmlns="" w="9525">
                     <a:solidFill>
                       <a:srgbClr val="000000"/>
                     </a:solidFill>
@@ -18015,7 +18283,7 @@
               </a:ln>
               <a:extLst>
                 <a:ext uri="{91240B29-F687-4f45-9708-019B960494DF}">
-                  <a14:hiddenLine xmlns="" xmlns:a14="http://schemas.microsoft.com/office/drawing/2010/main" w="9525">
+                  <a14:hiddenLine xmlns:a14="http://schemas.microsoft.com/office/drawing/2010/main" xmlns="" w="9525">
                     <a:solidFill>
                       <a:srgbClr val="000000"/>
                     </a:solidFill>
@@ -18077,7 +18345,7 @@
               </a:ln>
               <a:extLst>
                 <a:ext uri="{91240B29-F687-4f45-9708-019B960494DF}">
-                  <a14:hiddenLine xmlns="" xmlns:a14="http://schemas.microsoft.com/office/drawing/2010/main" w="9525">
+                  <a14:hiddenLine xmlns:a14="http://schemas.microsoft.com/office/drawing/2010/main" xmlns="" w="9525">
                     <a:solidFill>
                       <a:srgbClr val="000000"/>
                     </a:solidFill>
@@ -18139,7 +18407,7 @@
               </a:ln>
               <a:extLst>
                 <a:ext uri="{91240B29-F687-4f45-9708-019B960494DF}">
-                  <a14:hiddenLine xmlns="" xmlns:a14="http://schemas.microsoft.com/office/drawing/2010/main" w="9525">
+                  <a14:hiddenLine xmlns:a14="http://schemas.microsoft.com/office/drawing/2010/main" xmlns="" w="9525">
                     <a:solidFill>
                       <a:srgbClr val="000000"/>
                     </a:solidFill>
@@ -18229,7 +18497,7 @@
               </a:ln>
               <a:extLst>
                 <a:ext uri="{91240B29-F687-4f45-9708-019B960494DF}">
-                  <a14:hiddenLine xmlns="" xmlns:a14="http://schemas.microsoft.com/office/drawing/2010/main" w="9525">
+                  <a14:hiddenLine xmlns:a14="http://schemas.microsoft.com/office/drawing/2010/main" xmlns="" w="9525">
                     <a:solidFill>
                       <a:srgbClr val="000000"/>
                     </a:solidFill>
@@ -18319,7 +18587,7 @@
               </a:ln>
               <a:extLst>
                 <a:ext uri="{91240B29-F687-4f45-9708-019B960494DF}">
-                  <a14:hiddenLine xmlns="" xmlns:a14="http://schemas.microsoft.com/office/drawing/2010/main" w="9525">
+                  <a14:hiddenLine xmlns:a14="http://schemas.microsoft.com/office/drawing/2010/main" xmlns="" w="9525">
                     <a:solidFill>
                       <a:srgbClr val="000000"/>
                     </a:solidFill>
@@ -18381,7 +18649,7 @@
               </a:ln>
               <a:extLst>
                 <a:ext uri="{91240B29-F687-4f45-9708-019B960494DF}">
-                  <a14:hiddenLine xmlns="" xmlns:a14="http://schemas.microsoft.com/office/drawing/2010/main" w="9525">
+                  <a14:hiddenLine xmlns:a14="http://schemas.microsoft.com/office/drawing/2010/main" xmlns="" w="9525">
                     <a:solidFill>
                       <a:srgbClr val="000000"/>
                     </a:solidFill>
@@ -18491,7 +18759,7 @@
               </a:ln>
               <a:extLst>
                 <a:ext uri="{91240B29-F687-4f45-9708-019B960494DF}">
-                  <a14:hiddenLine xmlns="" xmlns:a14="http://schemas.microsoft.com/office/drawing/2010/main" w="9525">
+                  <a14:hiddenLine xmlns:a14="http://schemas.microsoft.com/office/drawing/2010/main" xmlns="" w="9525">
                     <a:solidFill>
                       <a:srgbClr val="000000"/>
                     </a:solidFill>
@@ -18575,7 +18843,7 @@
               </a:ln>
               <a:extLst>
                 <a:ext uri="{91240B29-F687-4f45-9708-019B960494DF}">
-                  <a14:hiddenLine xmlns="" xmlns:a14="http://schemas.microsoft.com/office/drawing/2010/main" w="9525">
+                  <a14:hiddenLine xmlns:a14="http://schemas.microsoft.com/office/drawing/2010/main" xmlns="" w="9525">
                     <a:solidFill>
                       <a:srgbClr val="000000"/>
                     </a:solidFill>
@@ -18637,7 +18905,7 @@
               </a:ln>
               <a:extLst>
                 <a:ext uri="{91240B29-F687-4f45-9708-019B960494DF}">
-                  <a14:hiddenLine xmlns="" xmlns:a14="http://schemas.microsoft.com/office/drawing/2010/main" w="9525">
+                  <a14:hiddenLine xmlns:a14="http://schemas.microsoft.com/office/drawing/2010/main" xmlns="" w="9525">
                     <a:solidFill>
                       <a:srgbClr val="000000"/>
                     </a:solidFill>
@@ -18699,7 +18967,7 @@
               </a:ln>
               <a:extLst>
                 <a:ext uri="{91240B29-F687-4f45-9708-019B960494DF}">
-                  <a14:hiddenLine xmlns="" xmlns:a14="http://schemas.microsoft.com/office/drawing/2010/main" w="9525">
+                  <a14:hiddenLine xmlns:a14="http://schemas.microsoft.com/office/drawing/2010/main" xmlns="" w="9525">
                     <a:solidFill>
                       <a:srgbClr val="000000"/>
                     </a:solidFill>
@@ -18789,7 +19057,7 @@
               </a:ln>
               <a:extLst>
                 <a:ext uri="{91240B29-F687-4f45-9708-019B960494DF}">
-                  <a14:hiddenLine xmlns="" xmlns:a14="http://schemas.microsoft.com/office/drawing/2010/main" w="9525">
+                  <a14:hiddenLine xmlns:a14="http://schemas.microsoft.com/office/drawing/2010/main" xmlns="" w="9525">
                     <a:solidFill>
                       <a:srgbClr val="000000"/>
                     </a:solidFill>
@@ -18823,7 +19091,7 @@
               </a:ln>
               <a:extLst>
                 <a:ext uri="{91240B29-F687-4f45-9708-019B960494DF}">
-                  <a14:hiddenLine xmlns="" xmlns:a14="http://schemas.microsoft.com/office/drawing/2010/main" w="9525">
+                  <a14:hiddenLine xmlns:a14="http://schemas.microsoft.com/office/drawing/2010/main" xmlns="" w="9525">
                     <a:solidFill>
                       <a:srgbClr val="000000"/>
                     </a:solidFill>
@@ -18888,7 +19156,7 @@
               </a:ln>
               <a:extLst>
                 <a:ext uri="{91240B29-F687-4f45-9708-019B960494DF}">
-                  <a14:hiddenLine xmlns="" xmlns:a14="http://schemas.microsoft.com/office/drawing/2010/main" w="9525">
+                  <a14:hiddenLine xmlns:a14="http://schemas.microsoft.com/office/drawing/2010/main" xmlns="" w="9525">
                     <a:solidFill>
                       <a:srgbClr val="000000"/>
                     </a:solidFill>
@@ -18978,7 +19246,7 @@
               </a:ln>
               <a:extLst>
                 <a:ext uri="{91240B29-F687-4f45-9708-019B960494DF}">
-                  <a14:hiddenLine xmlns="" xmlns:a14="http://schemas.microsoft.com/office/drawing/2010/main" w="9525">
+                  <a14:hiddenLine xmlns:a14="http://schemas.microsoft.com/office/drawing/2010/main" xmlns="" w="9525">
                     <a:solidFill>
                       <a:srgbClr val="000000"/>
                     </a:solidFill>
@@ -19040,7 +19308,7 @@
               </a:ln>
               <a:extLst>
                 <a:ext uri="{91240B29-F687-4f45-9708-019B960494DF}">
-                  <a14:hiddenLine xmlns="" xmlns:a14="http://schemas.microsoft.com/office/drawing/2010/main" w="9525">
+                  <a14:hiddenLine xmlns:a14="http://schemas.microsoft.com/office/drawing/2010/main" xmlns="" w="9525">
                     <a:solidFill>
                       <a:srgbClr val="000000"/>
                     </a:solidFill>
@@ -19130,7 +19398,7 @@
               </a:ln>
               <a:extLst>
                 <a:ext uri="{91240B29-F687-4f45-9708-019B960494DF}">
-                  <a14:hiddenLine xmlns="" xmlns:a14="http://schemas.microsoft.com/office/drawing/2010/main" w="9525">
+                  <a14:hiddenLine xmlns:a14="http://schemas.microsoft.com/office/drawing/2010/main" xmlns="" w="9525">
                     <a:solidFill>
                       <a:srgbClr val="000000"/>
                     </a:solidFill>
@@ -19195,7 +19463,7 @@
               </a:ln>
               <a:extLst>
                 <a:ext uri="{91240B29-F687-4f45-9708-019B960494DF}">
-                  <a14:hiddenLine xmlns="" xmlns:a14="http://schemas.microsoft.com/office/drawing/2010/main" w="9525">
+                  <a14:hiddenLine xmlns:a14="http://schemas.microsoft.com/office/drawing/2010/main" xmlns="" w="9525">
                     <a:solidFill>
                       <a:srgbClr val="000000"/>
                     </a:solidFill>
@@ -19257,7 +19525,7 @@
               </a:ln>
               <a:extLst>
                 <a:ext uri="{91240B29-F687-4f45-9708-019B960494DF}">
-                  <a14:hiddenLine xmlns="" xmlns:a14="http://schemas.microsoft.com/office/drawing/2010/main" w="9525">
+                  <a14:hiddenLine xmlns:a14="http://schemas.microsoft.com/office/drawing/2010/main" xmlns="" w="9525">
                     <a:solidFill>
                       <a:srgbClr val="000000"/>
                     </a:solidFill>
@@ -19347,7 +19615,7 @@
               </a:ln>
               <a:extLst>
                 <a:ext uri="{91240B29-F687-4f45-9708-019B960494DF}">
-                  <a14:hiddenLine xmlns="" xmlns:a14="http://schemas.microsoft.com/office/drawing/2010/main" w="9525">
+                  <a14:hiddenLine xmlns:a14="http://schemas.microsoft.com/office/drawing/2010/main" xmlns="" w="9525">
                     <a:solidFill>
                       <a:srgbClr val="000000"/>
                     </a:solidFill>
@@ -19437,7 +19705,7 @@
               </a:ln>
               <a:extLst>
                 <a:ext uri="{91240B29-F687-4f45-9708-019B960494DF}">
-                  <a14:hiddenLine xmlns="" xmlns:a14="http://schemas.microsoft.com/office/drawing/2010/main" w="9525">
+                  <a14:hiddenLine xmlns:a14="http://schemas.microsoft.com/office/drawing/2010/main" xmlns="" w="9525">
                     <a:solidFill>
                       <a:srgbClr val="000000"/>
                     </a:solidFill>
@@ -19502,7 +19770,7 @@
               </a:ln>
               <a:extLst>
                 <a:ext uri="{91240B29-F687-4f45-9708-019B960494DF}">
-                  <a14:hiddenLine xmlns="" xmlns:a14="http://schemas.microsoft.com/office/drawing/2010/main" w="9525">
+                  <a14:hiddenLine xmlns:a14="http://schemas.microsoft.com/office/drawing/2010/main" xmlns="" w="9525">
                     <a:solidFill>
                       <a:srgbClr val="000000"/>
                     </a:solidFill>
@@ -19622,7 +19890,7 @@
               </a:ln>
               <a:extLst>
                 <a:ext uri="{91240B29-F687-4f45-9708-019B960494DF}">
-                  <a14:hiddenLine xmlns="" xmlns:a14="http://schemas.microsoft.com/office/drawing/2010/main" w="9525">
+                  <a14:hiddenLine xmlns:a14="http://schemas.microsoft.com/office/drawing/2010/main" xmlns="" w="9525">
                     <a:solidFill>
                       <a:srgbClr val="000000"/>
                     </a:solidFill>
@@ -19720,7 +19988,7 @@
               </a:ln>
               <a:extLst>
                 <a:ext uri="{91240B29-F687-4f45-9708-019B960494DF}">
-                  <a14:hiddenLine xmlns="" xmlns:a14="http://schemas.microsoft.com/office/drawing/2010/main" w="9525">
+                  <a14:hiddenLine xmlns:a14="http://schemas.microsoft.com/office/drawing/2010/main" xmlns="" w="9525">
                     <a:solidFill>
                       <a:srgbClr val="000000"/>
                     </a:solidFill>
@@ -19835,7 +20103,7 @@
               </a:ln>
               <a:extLst>
                 <a:ext uri="{91240B29-F687-4f45-9708-019B960494DF}">
-                  <a14:hiddenLine xmlns="" xmlns:a14="http://schemas.microsoft.com/office/drawing/2010/main" w="9525">
+                  <a14:hiddenLine xmlns:a14="http://schemas.microsoft.com/office/drawing/2010/main" xmlns="" w="9525">
                     <a:solidFill>
                       <a:srgbClr val="000000"/>
                     </a:solidFill>
@@ -19925,7 +20193,7 @@
               </a:ln>
               <a:extLst>
                 <a:ext uri="{91240B29-F687-4f45-9708-019B960494DF}">
-                  <a14:hiddenLine xmlns="" xmlns:a14="http://schemas.microsoft.com/office/drawing/2010/main" w="9525">
+                  <a14:hiddenLine xmlns:a14="http://schemas.microsoft.com/office/drawing/2010/main" xmlns="" w="9525">
                     <a:solidFill>
                       <a:srgbClr val="000000"/>
                     </a:solidFill>
@@ -19990,7 +20258,7 @@
               </a:ln>
               <a:extLst>
                 <a:ext uri="{91240B29-F687-4f45-9708-019B960494DF}">
-                  <a14:hiddenLine xmlns="" xmlns:a14="http://schemas.microsoft.com/office/drawing/2010/main" w="9525">
+                  <a14:hiddenLine xmlns:a14="http://schemas.microsoft.com/office/drawing/2010/main" xmlns="" w="9525">
                     <a:solidFill>
                       <a:srgbClr val="000000"/>
                     </a:solidFill>
@@ -20080,7 +20348,7 @@
               </a:ln>
               <a:extLst>
                 <a:ext uri="{91240B29-F687-4f45-9708-019B960494DF}">
-                  <a14:hiddenLine xmlns="" xmlns:a14="http://schemas.microsoft.com/office/drawing/2010/main" w="9525">
+                  <a14:hiddenLine xmlns:a14="http://schemas.microsoft.com/office/drawing/2010/main" xmlns="" w="9525">
                     <a:solidFill>
                       <a:srgbClr val="000000"/>
                     </a:solidFill>
@@ -20148,7 +20416,7 @@
               </a:ln>
               <a:extLst>
                 <a:ext uri="{91240B29-F687-4f45-9708-019B960494DF}">
-                  <a14:hiddenLine xmlns="" xmlns:a14="http://schemas.microsoft.com/office/drawing/2010/main" w="9525">
+                  <a14:hiddenLine xmlns:a14="http://schemas.microsoft.com/office/drawing/2010/main" xmlns="" w="9525">
                     <a:solidFill>
                       <a:srgbClr val="000000"/>
                     </a:solidFill>
@@ -20238,7 +20506,7 @@
               </a:ln>
               <a:extLst>
                 <a:ext uri="{91240B29-F687-4f45-9708-019B960494DF}">
-                  <a14:hiddenLine xmlns="" xmlns:a14="http://schemas.microsoft.com/office/drawing/2010/main" w="9525">
+                  <a14:hiddenLine xmlns:a14="http://schemas.microsoft.com/office/drawing/2010/main" xmlns="" w="9525">
                     <a:solidFill>
                       <a:srgbClr val="000000"/>
                     </a:solidFill>
@@ -20306,7 +20574,7 @@
               </a:ln>
               <a:extLst>
                 <a:ext uri="{91240B29-F687-4f45-9708-019B960494DF}">
-                  <a14:hiddenLine xmlns="" xmlns:a14="http://schemas.microsoft.com/office/drawing/2010/main" w="9525">
+                  <a14:hiddenLine xmlns:a14="http://schemas.microsoft.com/office/drawing/2010/main" xmlns="" w="9525">
                     <a:solidFill>
                       <a:srgbClr val="000000"/>
                     </a:solidFill>
@@ -20396,7 +20664,7 @@
               </a:ln>
               <a:extLst>
                 <a:ext uri="{91240B29-F687-4f45-9708-019B960494DF}">
-                  <a14:hiddenLine xmlns="" xmlns:a14="http://schemas.microsoft.com/office/drawing/2010/main" w="9525">
+                  <a14:hiddenLine xmlns:a14="http://schemas.microsoft.com/office/drawing/2010/main" xmlns="" w="9525">
                     <a:solidFill>
                       <a:srgbClr val="000000"/>
                     </a:solidFill>
@@ -20430,7 +20698,7 @@
               </a:ln>
               <a:extLst>
                 <a:ext uri="{91240B29-F687-4f45-9708-019B960494DF}">
-                  <a14:hiddenLine xmlns="" xmlns:a14="http://schemas.microsoft.com/office/drawing/2010/main" w="9525">
+                  <a14:hiddenLine xmlns:a14="http://schemas.microsoft.com/office/drawing/2010/main" xmlns="" w="9525">
                     <a:solidFill>
                       <a:srgbClr val="000000"/>
                     </a:solidFill>
@@ -20546,7 +20814,7 @@
           <a:p>
             <a:fld id="{4AAD347D-5ACD-4C99-B74B-A9C85AD731AF}" type="datetimeFigureOut">
               <a:rPr lang="en-US" smtClean="0"/>
-              <a:t>6/9/18</a:t>
+              <a:t>6/10/18</a:t>
             </a:fld>
             <a:endParaRPr lang="en-US" dirty="0"/>
           </a:p>
@@ -21509,36 +21777,12 @@
         <p:spPr/>
         <p:txBody>
           <a:bodyPr>
-            <a:normAutofit fontScale="92500"/>
+            <a:normAutofit/>
           </a:bodyPr>
           <a:lstStyle/>
           <a:p>
             <a:r>
               <a:rPr lang="de-DE" dirty="0" err="1"/>
-              <a:t>support</a:t>
-            </a:r>
-            <a:r>
-              <a:rPr lang="de-DE" dirty="0"/>
-              <a:t> </a:t>
-            </a:r>
-            <a:r>
-              <a:rPr lang="de-DE" dirty="0" err="1"/>
-              <a:t>to</a:t>
-            </a:r>
-            <a:r>
-              <a:rPr lang="de-DE" dirty="0"/>
-              <a:t> </a:t>
-            </a:r>
-            <a:r>
-              <a:rPr lang="de-DE" dirty="0" err="1"/>
-              <a:t>build</a:t>
-            </a:r>
-            <a:r>
-              <a:rPr lang="de-DE" dirty="0"/>
-              <a:t> </a:t>
-            </a:r>
-            <a:r>
-              <a:rPr lang="de-DE" dirty="0" err="1"/>
               <a:t>repositories</a:t>
             </a:r>
             <a:r>
@@ -21563,18 +21807,6 @@
             </a:r>
           </a:p>
           <a:p>
-            <a:r>
-              <a:rPr lang="de-DE" dirty="0"/>
-              <a:t>Support </a:t>
-            </a:r>
-            <a:r>
-              <a:rPr lang="de-DE" dirty="0" err="1"/>
-              <a:t>for</a:t>
-            </a:r>
-            <a:r>
-              <a:rPr lang="de-DE" dirty="0"/>
-              <a:t> </a:t>
-            </a:r>
             <a:r>
               <a:rPr lang="de-DE" dirty="0" err="1"/>
               <a:t>query</a:t>
@@ -21634,62 +21866,6 @@
               <a:rPr lang="de-DE" dirty="0" err="1"/>
               <a:t>execution</a:t>
             </a:r>
-            <a:r>
-              <a:rPr lang="de-DE" dirty="0"/>
-              <a:t>, </a:t>
-            </a:r>
-            <a:r>
-              <a:rPr lang="de-DE" dirty="0" err="1"/>
-              <a:t>ability</a:t>
-            </a:r>
-            <a:r>
-              <a:rPr lang="de-DE" dirty="0"/>
-              <a:t> </a:t>
-            </a:r>
-            <a:r>
-              <a:rPr lang="de-DE" dirty="0" err="1"/>
-              <a:t>to</a:t>
-            </a:r>
-            <a:r>
-              <a:rPr lang="de-DE" dirty="0"/>
-              <a:t> </a:t>
-            </a:r>
-            <a:r>
-              <a:rPr lang="de-DE" dirty="0" err="1"/>
-              <a:t>integrate</a:t>
-            </a:r>
-            <a:r>
-              <a:rPr lang="de-DE" dirty="0"/>
-              <a:t> </a:t>
-            </a:r>
-            <a:r>
-              <a:rPr lang="de-DE" dirty="0" err="1"/>
-              <a:t>custom</a:t>
-            </a:r>
-            <a:r>
-              <a:rPr lang="de-DE" dirty="0"/>
-              <a:t> </a:t>
-            </a:r>
-            <a:r>
-              <a:rPr lang="de-DE" dirty="0" err="1"/>
-              <a:t>data</a:t>
-            </a:r>
-            <a:r>
-              <a:rPr lang="de-DE" dirty="0"/>
-              <a:t> </a:t>
-            </a:r>
-            <a:r>
-              <a:rPr lang="de-DE" dirty="0" err="1"/>
-              <a:t>access</a:t>
-            </a:r>
-            <a:r>
-              <a:rPr lang="de-DE" dirty="0"/>
-              <a:t> </a:t>
-            </a:r>
-            <a:r>
-              <a:rPr lang="de-DE" dirty="0" err="1"/>
-              <a:t>code</a:t>
-            </a:r>
             <a:endParaRPr lang="de-DE" dirty="0"/>
           </a:p>
           <a:p>
@@ -21724,98 +21900,9 @@
           </a:p>
           <a:p>
             <a:r>
-              <a:rPr lang="de-DE" dirty="0"/>
-              <a:t>Support </a:t>
-            </a:r>
-            <a:r>
-              <a:rPr lang="de-DE" dirty="0" err="1"/>
-              <a:t>for</a:t>
-            </a:r>
-            <a:r>
-              <a:rPr lang="de-DE" dirty="0"/>
-              <a:t> XML </a:t>
-            </a:r>
-            <a:r>
-              <a:rPr lang="de-DE" dirty="0" err="1"/>
-              <a:t>based</a:t>
-            </a:r>
-            <a:r>
-              <a:rPr lang="de-DE" dirty="0"/>
-              <a:t> </a:t>
-            </a:r>
-            <a:r>
-              <a:rPr lang="de-DE" dirty="0" err="1"/>
-              <a:t>entity</a:t>
-            </a:r>
-            <a:r>
-              <a:rPr lang="de-DE" dirty="0"/>
-              <a:t> </a:t>
-            </a:r>
-            <a:r>
-              <a:rPr lang="de-DE" dirty="0" err="1"/>
-              <a:t>mapping</a:t>
-            </a:r>
-            <a:endParaRPr lang="de-DE" dirty="0"/>
-          </a:p>
-          <a:p>
-            <a:r>
               <a:rPr lang="de-DE" dirty="0" err="1"/>
               <a:t>JavaConfig</a:t>
             </a:r>
-            <a:r>
-              <a:rPr lang="de-DE" dirty="0"/>
-              <a:t> </a:t>
-            </a:r>
-            <a:r>
-              <a:rPr lang="de-DE" dirty="0" err="1"/>
-              <a:t>based</a:t>
-            </a:r>
-            <a:r>
-              <a:rPr lang="de-DE" dirty="0"/>
-              <a:t> </a:t>
-            </a:r>
-            <a:r>
-              <a:rPr lang="de-DE" dirty="0" err="1"/>
-              <a:t>repository</a:t>
-            </a:r>
-            <a:r>
-              <a:rPr lang="de-DE" dirty="0"/>
-              <a:t> </a:t>
-            </a:r>
-            <a:r>
-              <a:rPr lang="de-DE" dirty="0" err="1"/>
-              <a:t>configuration</a:t>
-            </a:r>
-            <a:r>
-              <a:rPr lang="de-DE" dirty="0"/>
-              <a:t> </a:t>
-            </a:r>
-            <a:r>
-              <a:rPr lang="de-DE" dirty="0" err="1"/>
-              <a:t>by</a:t>
-            </a:r>
-            <a:r>
-              <a:rPr lang="de-DE" dirty="0"/>
-              <a:t> </a:t>
-            </a:r>
-            <a:r>
-              <a:rPr lang="de-DE" dirty="0" err="1"/>
-              <a:t>introducing</a:t>
-            </a:r>
-            <a:r>
-              <a:rPr lang="de-DE" dirty="0"/>
-              <a:t> @</a:t>
-            </a:r>
-            <a:r>
-              <a:rPr lang="de-DE" dirty="0" err="1"/>
-              <a:t>EnableJpaRepositories</a:t>
-            </a:r>
-            <a:r>
-              <a:rPr lang="de-DE" dirty="0"/>
-              <a:t>.</a:t>
-            </a:r>
-          </a:p>
-          <a:p>
             <a:endParaRPr lang="de-DE" dirty="0"/>
           </a:p>
         </p:txBody>
